--- a/JS/jQuery.pptx
+++ b/JS/jQuery.pptx
@@ -223,7 +223,7 @@
           <a:p>
             <a:fld id="{94EA9A77-0CE4-4E25-84E3-55E75407559E}" type="datetimeFigureOut">
               <a:rPr lang="zh-CN" altLang="en-US" smtClean="0"/>
-              <a:t>2018/4/11</a:t>
+              <a:t>2018/4/13</a:t>
             </a:fld>
             <a:endParaRPr lang="zh-CN" altLang="en-US"/>
           </a:p>
@@ -886,7 +886,7 @@
           <a:p>
             <a:fld id="{A94A5677-1990-4DEF-94A6-269AB3DAB6C5}" type="datetimeFigureOut">
               <a:rPr lang="zh-CN" altLang="en-US" smtClean="0"/>
-              <a:t>2018/4/11</a:t>
+              <a:t>2018/4/13</a:t>
             </a:fld>
             <a:endParaRPr lang="zh-CN" altLang="en-US"/>
           </a:p>
@@ -9097,7 +9097,34 @@
             </a:r>
             <a:r>
               <a:rPr lang="zh-CN" altLang="en-US" dirty="0" smtClean="0"/>
-              <a:t>技术，后台写好服务，前端访问服务</a:t>
+              <a:t>技术，后台写好服务，前端访问</a:t>
+            </a:r>
+            <a:r>
+              <a:rPr lang="zh-CN" altLang="en-US" dirty="0" smtClean="0"/>
+              <a:t>服务</a:t>
+            </a:r>
+            <a:endParaRPr lang="en-US" altLang="zh-CN" dirty="0" smtClean="0"/>
+          </a:p>
+          <a:p>
+            <a:r>
+              <a:rPr lang="en-US" altLang="zh-CN" dirty="0" err="1"/>
+              <a:t>i</a:t>
+            </a:r>
+            <a:r>
+              <a:rPr lang="en-US" altLang="zh-CN" dirty="0" err="1" smtClean="0"/>
+              <a:t>e</a:t>
+            </a:r>
+            <a:r>
+              <a:rPr lang="zh-CN" altLang="en-US" dirty="0" smtClean="0"/>
+              <a:t>浏览器</a:t>
+            </a:r>
+            <a:r>
+              <a:rPr lang="en-US" altLang="zh-CN" dirty="0" smtClean="0"/>
+              <a:t>get</a:t>
+            </a:r>
+            <a:r>
+              <a:rPr lang="zh-CN" altLang="en-US" dirty="0" smtClean="0"/>
+              <a:t>请求会缓存</a:t>
             </a:r>
             <a:endParaRPr lang="zh-CN" altLang="en-US" dirty="0"/>
           </a:p>

--- a/JS/jQuery.pptx
+++ b/JS/jQuery.pptx
@@ -5,7 +5,7 @@
     <p:sldMasterId id="2147483648" r:id="rId1"/>
   </p:sldMasterIdLst>
   <p:notesMasterIdLst>
-    <p:notesMasterId r:id="rId29"/>
+    <p:notesMasterId r:id="rId30"/>
   </p:notesMasterIdLst>
   <p:sldIdLst>
     <p:sldId id="256" r:id="rId2"/>
@@ -32,9 +32,10 @@
     <p:sldId id="453" r:id="rId23"/>
     <p:sldId id="452" r:id="rId24"/>
     <p:sldId id="454" r:id="rId25"/>
-    <p:sldId id="455" r:id="rId26"/>
-    <p:sldId id="458" r:id="rId27"/>
-    <p:sldId id="280" r:id="rId28"/>
+    <p:sldId id="460" r:id="rId26"/>
+    <p:sldId id="455" r:id="rId27"/>
+    <p:sldId id="458" r:id="rId28"/>
+    <p:sldId id="280" r:id="rId29"/>
   </p:sldIdLst>
   <p:sldSz cx="12192000" cy="6858000"/>
   <p:notesSz cx="6858000" cy="9144000"/>
@@ -4682,7 +4683,7 @@
           <a:lstStyle/>
           <a:p>
             <a:r>
-              <a:rPr lang="zh-CN" altLang="en-US"/>
+              <a:rPr lang="zh-CN" altLang="en-US" dirty="0"/>
               <a:t>不同的浏览器内核对网页编写语法的解释也有不同，因此同一网页在不同的内核的浏览器里的渲染（显示）效果也可能不同，这也是网页编写者需要在不同内核的浏览器中测试网页显示效果的原因。（例：不同浏览器body的默认margin可能不同，可通过设置margin:0;来取消差异）</a:t>
             </a:r>
           </a:p>
@@ -9105,29 +9106,6 @@
             </a:r>
             <a:endParaRPr lang="en-US" altLang="zh-CN" dirty="0" smtClean="0"/>
           </a:p>
-          <a:p>
-            <a:r>
-              <a:rPr lang="en-US" altLang="zh-CN" dirty="0" err="1"/>
-              <a:t>i</a:t>
-            </a:r>
-            <a:r>
-              <a:rPr lang="en-US" altLang="zh-CN" dirty="0" err="1" smtClean="0"/>
-              <a:t>e</a:t>
-            </a:r>
-            <a:r>
-              <a:rPr lang="zh-CN" altLang="en-US" dirty="0" smtClean="0"/>
-              <a:t>浏览器</a:t>
-            </a:r>
-            <a:r>
-              <a:rPr lang="en-US" altLang="zh-CN" dirty="0" smtClean="0"/>
-              <a:t>get</a:t>
-            </a:r>
-            <a:r>
-              <a:rPr lang="zh-CN" altLang="en-US" dirty="0" smtClean="0"/>
-              <a:t>请求会缓存</a:t>
-            </a:r>
-            <a:endParaRPr lang="zh-CN" altLang="en-US" dirty="0"/>
-          </a:p>
         </p:txBody>
       </p:sp>
     </p:spTree>
@@ -9178,7 +9156,15 @@
           <a:bodyPr/>
           <a:lstStyle/>
           <a:p>
-            <a:endParaRPr lang="zh-CN" altLang="en-US"/>
+            <a:r>
+              <a:rPr lang="en-US" altLang="zh-CN" dirty="0" smtClean="0"/>
+              <a:t>AJAX</a:t>
+            </a:r>
+            <a:r>
+              <a:rPr lang="zh-CN" altLang="en-US" dirty="0" smtClean="0"/>
+              <a:t>跨域问题</a:t>
+            </a:r>
+            <a:endParaRPr lang="zh-CN" altLang="en-US" dirty="0"/>
           </a:p>
         </p:txBody>
       </p:sp>
@@ -9197,14 +9183,84 @@
           <a:bodyPr/>
           <a:lstStyle/>
           <a:p>
-            <a:endParaRPr lang="zh-CN" altLang="en-US"/>
+            <a:r>
+              <a:rPr lang="zh-CN" altLang="en-US" dirty="0" smtClean="0"/>
+              <a:t>当</a:t>
+            </a:r>
+            <a:r>
+              <a:rPr lang="en-US" altLang="zh-CN" dirty="0" smtClean="0"/>
+              <a:t>AJAX</a:t>
+            </a:r>
+            <a:r>
+              <a:rPr lang="zh-CN" altLang="en-US" dirty="0" smtClean="0"/>
+              <a:t>请求的</a:t>
+            </a:r>
+            <a:r>
+              <a:rPr lang="en-US" altLang="zh-CN" dirty="0" err="1" smtClean="0"/>
+              <a:t>url</a:t>
+            </a:r>
+            <a:r>
+              <a:rPr lang="zh-CN" altLang="en-US" dirty="0" smtClean="0"/>
+              <a:t>的</a:t>
+            </a:r>
+            <a:r>
+              <a:rPr lang="en-US" altLang="zh-CN" dirty="0" err="1" smtClean="0"/>
+              <a:t>ip</a:t>
+            </a:r>
+            <a:r>
+              <a:rPr lang="zh-CN" altLang="en-US" dirty="0" smtClean="0"/>
+              <a:t>和端口与请求页面的</a:t>
+            </a:r>
+            <a:r>
+              <a:rPr lang="en-US" altLang="zh-CN" dirty="0" err="1" smtClean="0"/>
+              <a:t>ip</a:t>
+            </a:r>
+            <a:r>
+              <a:rPr lang="zh-CN" altLang="en-US" dirty="0" smtClean="0"/>
+              <a:t>和端口不一致时，就会存在跨域问题</a:t>
+            </a:r>
+            <a:endParaRPr lang="en-US" altLang="zh-CN" dirty="0" smtClean="0"/>
+          </a:p>
+          <a:p>
+            <a:pPr fontAlgn="t"/>
+            <a:r>
+              <a:rPr lang="zh-CN" altLang="en-US" dirty="0" smtClean="0"/>
+              <a:t>需要服务端返回</a:t>
+            </a:r>
+            <a:r>
+              <a:rPr lang="en-US" altLang="zh-CN" sz="3200" b="1" dirty="0"/>
+              <a:t>Access-Control-Allow-Origin</a:t>
+            </a:r>
+            <a:r>
+              <a:rPr lang="en-US" altLang="zh-CN" sz="3200" b="1" dirty="0" smtClean="0"/>
+              <a:t>:</a:t>
+            </a:r>
+            <a:r>
+              <a:rPr lang="en-US" altLang="zh-CN" sz="3200" dirty="0" smtClean="0"/>
+              <a:t>*</a:t>
+            </a:r>
+            <a:r>
+              <a:rPr lang="zh-CN" altLang="en-US" dirty="0"/>
+              <a:t>等</a:t>
+            </a:r>
+            <a:r>
+              <a:rPr lang="zh-CN" altLang="en-US" dirty="0" smtClean="0"/>
+              <a:t>参数浏览器才会获得正确的请求返回</a:t>
+            </a:r>
+            <a:endParaRPr lang="en-US" altLang="zh-CN" dirty="0"/>
+          </a:p>
+          <a:p>
+            <a:endParaRPr lang="en-US" altLang="zh-CN" dirty="0" smtClean="0"/>
+          </a:p>
+          <a:p>
+            <a:endParaRPr lang="zh-CN" altLang="en-US" dirty="0"/>
           </a:p>
         </p:txBody>
       </p:sp>
     </p:spTree>
     <p:extLst>
       <p:ext uri="{BB962C8B-B14F-4D97-AF65-F5344CB8AC3E}">
-        <p14:creationId xmlns:p14="http://schemas.microsoft.com/office/powerpoint/2010/main" val="2494425256"/>
+        <p14:creationId xmlns:p14="http://schemas.microsoft.com/office/powerpoint/2010/main" val="3906000011"/>
       </p:ext>
     </p:extLst>
   </p:cSld>
@@ -9249,6 +9305,93 @@
           <a:bodyPr/>
           <a:lstStyle/>
           <a:p>
+            <a:r>
+              <a:rPr lang="en-US" altLang="zh-CN" dirty="0" smtClean="0"/>
+              <a:t>jQuery</a:t>
+            </a:r>
+            <a:r>
+              <a:rPr lang="zh-CN" altLang="en-US" dirty="0" smtClean="0"/>
+              <a:t>与</a:t>
+            </a:r>
+            <a:r>
+              <a:rPr lang="en-US" altLang="zh-CN" dirty="0" err="1" smtClean="0"/>
+              <a:t>javascript</a:t>
+            </a:r>
+            <a:r>
+              <a:rPr lang="zh-CN" altLang="en-US" dirty="0" smtClean="0"/>
+              <a:t>对象转换</a:t>
+            </a:r>
+            <a:endParaRPr lang="zh-CN" altLang="en-US" dirty="0"/>
+          </a:p>
+        </p:txBody>
+      </p:sp>
+      <p:sp>
+        <p:nvSpPr>
+          <p:cNvPr id="3" name="副标题 2"/>
+          <p:cNvSpPr>
+            <a:spLocks noGrp="1"/>
+          </p:cNvSpPr>
+          <p:nvPr>
+            <p:ph type="subTitle" idx="1"/>
+          </p:nvPr>
+        </p:nvSpPr>
+        <p:spPr/>
+        <p:txBody>
+          <a:bodyPr/>
+          <a:lstStyle/>
+          <a:p>
+            <a:endParaRPr lang="zh-CN" altLang="en-US" dirty="0"/>
+          </a:p>
+        </p:txBody>
+      </p:sp>
+    </p:spTree>
+    <p:extLst>
+      <p:ext uri="{BB962C8B-B14F-4D97-AF65-F5344CB8AC3E}">
+        <p14:creationId xmlns:p14="http://schemas.microsoft.com/office/powerpoint/2010/main" val="2494425256"/>
+      </p:ext>
+    </p:extLst>
+  </p:cSld>
+  <p:clrMapOvr>
+    <a:masterClrMapping/>
+  </p:clrMapOvr>
+  <p:transition>
+    <p:wipe dir="r"/>
+  </p:transition>
+</p:sld>
+</file>
+
+<file path=ppt/slides/slide27.xml><?xml version="1.0" encoding="utf-8"?>
+<p:sld xmlns:a="http://schemas.openxmlformats.org/drawingml/2006/main" xmlns:r="http://schemas.openxmlformats.org/officeDocument/2006/relationships" xmlns:p="http://schemas.openxmlformats.org/presentationml/2006/main">
+  <p:cSld>
+    <p:spTree>
+      <p:nvGrpSpPr>
+        <p:cNvPr id="1" name=""/>
+        <p:cNvGrpSpPr/>
+        <p:nvPr/>
+      </p:nvGrpSpPr>
+      <p:grpSpPr>
+        <a:xfrm>
+          <a:off x="0" y="0"/>
+          <a:ext cx="0" cy="0"/>
+          <a:chOff x="0" y="0"/>
+          <a:chExt cx="0" cy="0"/>
+        </a:xfrm>
+      </p:grpSpPr>
+      <p:sp>
+        <p:nvSpPr>
+          <p:cNvPr id="2" name="标题 1"/>
+          <p:cNvSpPr>
+            <a:spLocks noGrp="1"/>
+          </p:cNvSpPr>
+          <p:nvPr>
+            <p:ph type="ctrTitle"/>
+          </p:nvPr>
+        </p:nvSpPr>
+        <p:spPr/>
+        <p:txBody>
+          <a:bodyPr/>
+          <a:lstStyle/>
+          <a:p>
             <a:endParaRPr lang="zh-CN" altLang="en-US"/>
           </a:p>
         </p:txBody>
@@ -9288,7 +9431,7 @@
 </p:sld>
 </file>
 
-<file path=ppt/slides/slide27.xml><?xml version="1.0" encoding="utf-8"?>
+<file path=ppt/slides/slide28.xml><?xml version="1.0" encoding="utf-8"?>
 <p:sld xmlns:a="http://schemas.openxmlformats.org/drawingml/2006/main" xmlns:r="http://schemas.openxmlformats.org/officeDocument/2006/relationships" xmlns:p="http://schemas.openxmlformats.org/presentationml/2006/main">
   <p:cSld>
     <p:spTree>

--- a/JS/jQuery.pptx
+++ b/JS/jQuery.pptx
@@ -224,7 +224,7 @@
           <a:p>
             <a:fld id="{94EA9A77-0CE4-4E25-84E3-55E75407559E}" type="datetimeFigureOut">
               <a:rPr lang="zh-CN" altLang="en-US" smtClean="0"/>
-              <a:t>2018/4/13</a:t>
+              <a:t>2018/4/14</a:t>
             </a:fld>
             <a:endParaRPr lang="zh-CN" altLang="en-US"/>
           </a:p>
@@ -288,38 +288,37 @@
           <a:p>
             <a:pPr lvl="0"/>
             <a:r>
-              <a:rPr lang="zh-CN" altLang="en-US" smtClean="0"/>
+              <a:rPr lang="zh-CN" altLang="en-US"/>
               <a:t>单击此处编辑母版文本样式</a:t>
             </a:r>
           </a:p>
           <a:p>
             <a:pPr lvl="1"/>
             <a:r>
-              <a:rPr lang="zh-CN" altLang="en-US" smtClean="0"/>
+              <a:rPr lang="zh-CN" altLang="en-US"/>
               <a:t>第二级</a:t>
             </a:r>
           </a:p>
           <a:p>
             <a:pPr lvl="2"/>
             <a:r>
-              <a:rPr lang="zh-CN" altLang="en-US" smtClean="0"/>
+              <a:rPr lang="zh-CN" altLang="en-US"/>
               <a:t>第三级</a:t>
             </a:r>
           </a:p>
           <a:p>
             <a:pPr lvl="3"/>
             <a:r>
-              <a:rPr lang="zh-CN" altLang="en-US" smtClean="0"/>
+              <a:rPr lang="zh-CN" altLang="en-US"/>
               <a:t>第四级</a:t>
             </a:r>
           </a:p>
           <a:p>
             <a:pPr lvl="4"/>
             <a:r>
-              <a:rPr lang="zh-CN" altLang="en-US" smtClean="0"/>
+              <a:rPr lang="zh-CN" altLang="en-US"/>
               <a:t>第五级</a:t>
             </a:r>
-            <a:endParaRPr lang="zh-CN" altLang="en-US"/>
           </a:p>
         </p:txBody>
       </p:sp>
@@ -545,7 +544,7 @@
           </a:lstStyle>
           <a:p>
             <a:r>
-              <a:rPr lang="zh-CN" altLang="en-US" dirty="0" smtClean="0"/>
+              <a:rPr lang="zh-CN" altLang="en-US" dirty="0"/>
               <a:t>输入标题</a:t>
             </a:r>
           </a:p>
@@ -636,13 +635,6 @@
   <p:transition>
     <p:wipe dir="r"/>
   </p:transition>
-  <p:timing>
-    <p:tnLst>
-      <p:par>
-        <p:cTn id="1" dur="indefinite" restart="never" nodeType="tmRoot"/>
-      </p:par>
-    </p:tnLst>
-  </p:timing>
 </p:sldLayout>
 </file>
 
@@ -722,13 +714,6 @@
   <p:clrMapOvr>
     <a:masterClrMapping/>
   </p:clrMapOvr>
-  <p:timing>
-    <p:tnLst>
-      <p:par>
-        <p:cTn id="1" dur="indefinite" restart="never" nodeType="tmRoot"/>
-      </p:par>
-    </p:tnLst>
-  </p:timing>
 </p:sldLayout>
 </file>
 
@@ -783,10 +768,9 @@
           <a:lstStyle/>
           <a:p>
             <a:r>
-              <a:rPr lang="zh-CN" altLang="en-US" smtClean="0"/>
+              <a:rPr lang="zh-CN" altLang="en-US"/>
               <a:t>单击此处编辑母版标题样式</a:t>
             </a:r>
-            <a:endParaRPr lang="zh-CN" altLang="en-US"/>
           </a:p>
         </p:txBody>
       </p:sp>
@@ -817,38 +801,37 @@
           <a:p>
             <a:pPr lvl="0"/>
             <a:r>
-              <a:rPr lang="zh-CN" altLang="en-US" smtClean="0"/>
+              <a:rPr lang="zh-CN" altLang="en-US"/>
               <a:t>单击此处编辑母版文本样式</a:t>
             </a:r>
           </a:p>
           <a:p>
             <a:pPr lvl="1"/>
             <a:r>
-              <a:rPr lang="zh-CN" altLang="en-US" smtClean="0"/>
+              <a:rPr lang="zh-CN" altLang="en-US"/>
               <a:t>第二级</a:t>
             </a:r>
           </a:p>
           <a:p>
             <a:pPr lvl="2"/>
             <a:r>
-              <a:rPr lang="zh-CN" altLang="en-US" smtClean="0"/>
+              <a:rPr lang="zh-CN" altLang="en-US"/>
               <a:t>第三级</a:t>
             </a:r>
           </a:p>
           <a:p>
             <a:pPr lvl="3"/>
             <a:r>
-              <a:rPr lang="zh-CN" altLang="en-US" smtClean="0"/>
+              <a:rPr lang="zh-CN" altLang="en-US"/>
               <a:t>第四级</a:t>
             </a:r>
           </a:p>
           <a:p>
             <a:pPr lvl="4"/>
             <a:r>
-              <a:rPr lang="zh-CN" altLang="en-US" smtClean="0"/>
+              <a:rPr lang="zh-CN" altLang="en-US"/>
               <a:t>第五级</a:t>
             </a:r>
-            <a:endParaRPr lang="zh-CN" altLang="en-US"/>
           </a:p>
         </p:txBody>
       </p:sp>
@@ -887,7 +870,7 @@
           <a:p>
             <a:fld id="{A94A5677-1990-4DEF-94A6-269AB3DAB6C5}" type="datetimeFigureOut">
               <a:rPr lang="zh-CN" altLang="en-US" smtClean="0"/>
-              <a:t>2018/4/13</a:t>
+              <a:t>2018/4/14</a:t>
             </a:fld>
             <a:endParaRPr lang="zh-CN" altLang="en-US"/>
           </a:p>
@@ -978,13 +961,6 @@
     <p:sldLayoutId id="2147483649" r:id="rId1"/>
     <p:sldLayoutId id="2147483650" r:id="rId2"/>
   </p:sldLayoutIdLst>
-  <p:timing>
-    <p:tnLst>
-      <p:par>
-        <p:cTn id="1" dur="indefinite" restart="never" nodeType="tmRoot"/>
-      </p:par>
-    </p:tnLst>
-  </p:timing>
   <p:txStyles>
     <p:titleStyle>
       <a:lvl1pPr algn="l" defTabSz="914400" rtl="0" eaLnBrk="1" latinLnBrk="0" hangingPunct="1">
@@ -2160,7 +2136,7 @@
           <a:lstStyle/>
           <a:p>
             <a:r>
-              <a:rPr lang="zh-CN" altLang="en-US" sz="3200" dirty="0" smtClean="0">
+              <a:rPr lang="zh-CN" altLang="en-US" sz="3200" dirty="0">
                 <a:solidFill>
                   <a:schemeClr val="bg1"/>
                 </a:solidFill>
@@ -2177,14 +2153,6 @@
   <p:clrMapOvr>
     <a:masterClrMapping/>
   </p:clrMapOvr>
-  <mc:AlternateContent xmlns:mc="http://schemas.openxmlformats.org/markup-compatibility/2006" xmlns:p14="http://schemas.microsoft.com/office/powerpoint/2010/main">
-    <mc:Choice Requires="p14">
-      <p:transition spd="slow" p14:dur="2000"/>
-    </mc:Choice>
-    <mc:Fallback xmlns="">
-      <p:transition spd="slow"/>
-    </mc:Fallback>
-  </mc:AlternateContent>
   <p:timing>
     <p:tnLst>
       <p:par>
@@ -4127,7 +4095,7 @@
             <a:lstStyle/>
             <a:p>
               <a:r>
-                <a:rPr lang="en-US" altLang="zh-CN" sz="13800" dirty="0" smtClean="0">
+                <a:rPr lang="en-US" altLang="zh-CN" sz="13800" dirty="0">
                   <a:solidFill>
                     <a:srgbClr val="18B0E3"/>
                   </a:solidFill>
@@ -4161,7 +4129,7 @@
             <a:lstStyle/>
             <a:p>
               <a:r>
-                <a:rPr lang="en-US" altLang="zh-CN" sz="2800" b="1" dirty="0" smtClean="0">
+                <a:rPr lang="en-US" altLang="zh-CN" sz="2800" b="1" dirty="0">
                   <a:solidFill>
                     <a:srgbClr val="18B0E3"/>
                   </a:solidFill>
@@ -4206,7 +4174,7 @@
           <a:p>
             <a:pPr algn="ctr"/>
             <a:r>
-              <a:rPr lang="en-US" altLang="zh-CN" sz="4000" dirty="0" err="1" smtClean="0">
+              <a:rPr lang="en-US" altLang="zh-CN" sz="4000" dirty="0" err="1">
                 <a:solidFill>
                   <a:schemeClr val="bg1"/>
                 </a:solidFill>
@@ -4215,22 +4183,13 @@
               <a:t>js</a:t>
             </a:r>
             <a:r>
-              <a:rPr lang="zh-CN" altLang="en-US" sz="4000" dirty="0" smtClean="0">
-                <a:solidFill>
-                  <a:schemeClr val="bg1"/>
-                </a:solidFill>
-                <a:sym typeface="+mn-ea"/>
-              </a:rPr>
-              <a:t>运行</a:t>
-            </a:r>
-            <a:r>
               <a:rPr lang="zh-CN" altLang="en-US" sz="4000" dirty="0">
                 <a:solidFill>
                   <a:schemeClr val="bg1"/>
                 </a:solidFill>
                 <a:sym typeface="+mn-ea"/>
               </a:rPr>
-              <a:t>环境</a:t>
+              <a:t>运行环境</a:t>
             </a:r>
           </a:p>
         </p:txBody>
@@ -4775,7 +4734,7 @@
         <p:spPr/>
         <p:txBody>
           <a:bodyPr>
-            <a:normAutofit fontScale="92500"/>
+            <a:normAutofit lnSpcReduction="10000"/>
           </a:bodyPr>
           <a:lstStyle/>
           <a:p>
@@ -4896,9 +4855,27 @@
                 <a:tableStyleId>{5C22544A-7EE6-4342-B048-85BDC9FD1C3A}</a:tableStyleId>
               </a:tblPr>
               <a:tblGrid>
-                <a:gridCol w="3602990"/>
-                <a:gridCol w="3801110"/>
-                <a:gridCol w="3368040"/>
+                <a:gridCol w="3602990">
+                  <a:extLst>
+                    <a:ext uri="{9D8B030D-6E8A-4147-A177-3AD203B41FA5}">
+                      <a16:colId xmlns:a16="http://schemas.microsoft.com/office/drawing/2014/main" val="20000"/>
+                    </a:ext>
+                  </a:extLst>
+                </a:gridCol>
+                <a:gridCol w="3801110">
+                  <a:extLst>
+                    <a:ext uri="{9D8B030D-6E8A-4147-A177-3AD203B41FA5}">
+                      <a16:colId xmlns:a16="http://schemas.microsoft.com/office/drawing/2014/main" val="20001"/>
+                    </a:ext>
+                  </a:extLst>
+                </a:gridCol>
+                <a:gridCol w="3368040">
+                  <a:extLst>
+                    <a:ext uri="{9D8B030D-6E8A-4147-A177-3AD203B41FA5}">
+                      <a16:colId xmlns:a16="http://schemas.microsoft.com/office/drawing/2014/main" val="20002"/>
+                    </a:ext>
+                  </a:extLst>
+                </a:gridCol>
               </a:tblGrid>
               <a:tr h="1306830">
                 <a:tc>
@@ -4953,6 +4930,11 @@
                   </a:txBody>
                   <a:tcPr/>
                 </a:tc>
+                <a:extLst>
+                  <a:ext uri="{0D108BD9-81ED-4DB2-BD59-A6C34878D82A}">
+                    <a16:rowId xmlns:a16="http://schemas.microsoft.com/office/drawing/2014/main" val="10000"/>
+                  </a:ext>
+                </a:extLst>
               </a:tr>
               <a:tr h="1306830">
                 <a:tc>
@@ -5003,6 +4985,11 @@
                   </a:txBody>
                   <a:tcPr/>
                 </a:tc>
+                <a:extLst>
+                  <a:ext uri="{0D108BD9-81ED-4DB2-BD59-A6C34878D82A}">
+                    <a16:rowId xmlns:a16="http://schemas.microsoft.com/office/drawing/2014/main" val="10001"/>
+                  </a:ext>
+                </a:extLst>
               </a:tr>
               <a:tr h="1305560">
                 <a:tc>
@@ -5014,10 +5001,9 @@
                         <a:buNone/>
                       </a:pPr>
                       <a:r>
-                        <a:rPr lang="zh-CN" altLang="en-US" sz="2800" dirty="0" smtClean="0"/>
+                        <a:rPr lang="zh-CN" altLang="en-US" sz="2800" dirty="0"/>
                         <a:t>Chrome</a:t>
                       </a:r>
-                      <a:endParaRPr lang="zh-CN" altLang="en-US" sz="2800" dirty="0"/>
                     </a:p>
                   </a:txBody>
                   <a:tcPr/>
@@ -5054,6 +5040,11 @@
                   </a:txBody>
                   <a:tcPr/>
                 </a:tc>
+                <a:extLst>
+                  <a:ext uri="{0D108BD9-81ED-4DB2-BD59-A6C34878D82A}">
+                    <a16:rowId xmlns:a16="http://schemas.microsoft.com/office/drawing/2014/main" val="10002"/>
+                  </a:ext>
+                </a:extLst>
               </a:tr>
               <a:tr h="1306830">
                 <a:tc>
@@ -5104,6 +5095,11 @@
                   </a:txBody>
                   <a:tcPr/>
                 </a:tc>
+                <a:extLst>
+                  <a:ext uri="{0D108BD9-81ED-4DB2-BD59-A6C34878D82A}">
+                    <a16:rowId xmlns:a16="http://schemas.microsoft.com/office/drawing/2014/main" val="10003"/>
+                  </a:ext>
+                </a:extLst>
               </a:tr>
             </a:tbl>
           </a:graphicData>
@@ -5998,7 +5994,7 @@
             <a:lstStyle/>
             <a:p>
               <a:r>
-                <a:rPr lang="en-US" altLang="zh-CN" sz="13800" dirty="0" smtClean="0">
+                <a:rPr lang="en-US" altLang="zh-CN" sz="13800" dirty="0">
                   <a:solidFill>
                     <a:srgbClr val="18B0E3"/>
                   </a:solidFill>
@@ -6032,7 +6028,7 @@
             <a:lstStyle/>
             <a:p>
               <a:r>
-                <a:rPr lang="en-US" altLang="zh-CN" sz="2800" b="1" dirty="0" smtClean="0">
+                <a:rPr lang="en-US" altLang="zh-CN" sz="2800" b="1" dirty="0">
                   <a:solidFill>
                     <a:srgbClr val="18B0E3"/>
                   </a:solidFill>
@@ -6077,7 +6073,7 @@
           <a:p>
             <a:pPr algn="ctr"/>
             <a:r>
-              <a:rPr lang="en-US" altLang="zh-CN" sz="4000" b="1" dirty="0" smtClean="0">
+              <a:rPr lang="en-US" altLang="zh-CN" sz="4000" b="1" dirty="0">
                 <a:solidFill>
                   <a:schemeClr val="bg1"/>
                 </a:solidFill>
@@ -6625,14 +6621,13 @@
           <a:lstStyle/>
           <a:p>
             <a:r>
-              <a:rPr lang="en-US" altLang="zh-CN" dirty="0" smtClean="0"/>
+              <a:rPr lang="en-US" altLang="zh-CN" dirty="0"/>
               <a:t>jQuery</a:t>
             </a:r>
             <a:r>
-              <a:rPr lang="zh-CN" altLang="en-US" dirty="0" smtClean="0"/>
+              <a:rPr lang="zh-CN" altLang="en-US" dirty="0"/>
               <a:t>安装</a:t>
             </a:r>
-            <a:endParaRPr lang="zh-CN" altLang="en-US" dirty="0"/>
           </a:p>
         </p:txBody>
       </p:sp>
@@ -6670,10 +6665,10 @@
               <a:t>jQuery </a:t>
             </a:r>
             <a:r>
-              <a:rPr lang="zh-CN" altLang="en-US" dirty="0" smtClean="0"/>
+              <a:rPr lang="zh-CN" altLang="en-US" dirty="0"/>
               <a:t>库</a:t>
             </a:r>
-            <a:endParaRPr lang="en-US" altLang="zh-CN" dirty="0" smtClean="0"/>
+            <a:endParaRPr lang="en-US" altLang="zh-CN" dirty="0"/>
           </a:p>
           <a:p>
             <a:pPr marL="0" indent="0">
@@ -6707,31 +6702,23 @@
             </a:pPr>
             <a:r>
               <a:rPr lang="en-US" altLang="zh-CN" sz="3200" dirty="0"/>
-              <a:t>&lt;/</a:t>
-            </a:r>
-            <a:r>
-              <a:rPr lang="en-US" altLang="zh-CN" sz="3200" dirty="0" smtClean="0"/>
-              <a:t>head&gt;</a:t>
-            </a:r>
-          </a:p>
-          <a:p>
-            <a:r>
-              <a:rPr lang="zh-CN" altLang="en-US" dirty="0" smtClean="0"/>
+              <a:t>&lt;/head&gt;</a:t>
+            </a:r>
+          </a:p>
+          <a:p>
+            <a:r>
+              <a:rPr lang="zh-CN" altLang="en-US" dirty="0"/>
               <a:t>或者使用</a:t>
             </a:r>
             <a:r>
-              <a:rPr lang="en-US" altLang="zh-CN" dirty="0" smtClean="0"/>
+              <a:rPr lang="en-US" altLang="zh-CN" dirty="0"/>
               <a:t>CDN</a:t>
             </a:r>
             <a:r>
               <a:rPr lang="zh-CN" altLang="en-US" dirty="0"/>
-              <a:t>（内容分发网络</a:t>
-            </a:r>
-            <a:r>
-              <a:rPr lang="zh-CN" altLang="en-US" dirty="0" smtClean="0"/>
-              <a:t>）来引用它</a:t>
-            </a:r>
-            <a:endParaRPr lang="en-US" altLang="zh-CN" dirty="0" smtClean="0"/>
+              <a:t>（内容分发网络）来引用它</a:t>
+            </a:r>
+            <a:endParaRPr lang="en-US" altLang="zh-CN" dirty="0"/>
           </a:p>
           <a:p>
             <a:pPr marL="0" indent="0">
@@ -6802,14 +6789,13 @@
           <a:lstStyle/>
           <a:p>
             <a:r>
-              <a:rPr lang="en-US" altLang="zh-CN" dirty="0" smtClean="0"/>
+              <a:rPr lang="en-US" altLang="zh-CN" dirty="0"/>
               <a:t>jQuery</a:t>
             </a:r>
             <a:r>
-              <a:rPr lang="zh-CN" altLang="en-US" dirty="0" smtClean="0"/>
+              <a:rPr lang="zh-CN" altLang="en-US" dirty="0"/>
               <a:t>语法</a:t>
             </a:r>
-            <a:endParaRPr lang="zh-CN" altLang="en-US" dirty="0"/>
           </a:p>
         </p:txBody>
       </p:sp>
@@ -6832,11 +6818,7 @@
           <a:p>
             <a:r>
               <a:rPr lang="en-US" altLang="zh-CN" b="1" dirty="0"/>
-              <a:t>$(selector).action</a:t>
-            </a:r>
-            <a:r>
-              <a:rPr lang="en-US" altLang="zh-CN" b="1" dirty="0" smtClean="0"/>
-              <a:t>()</a:t>
+              <a:t>$(selector).action()</a:t>
             </a:r>
           </a:p>
           <a:p>
@@ -6898,13 +6880,9 @@
             </a:r>
             <a:r>
               <a:rPr lang="zh-CN" altLang="en-US" dirty="0"/>
-              <a:t>执行对元素的</a:t>
-            </a:r>
-            <a:r>
-              <a:rPr lang="zh-CN" altLang="en-US" dirty="0" smtClean="0"/>
-              <a:t>操作</a:t>
-            </a:r>
-            <a:endParaRPr lang="en-US" altLang="zh-CN" dirty="0" smtClean="0"/>
+              <a:t>执行对元素的操作</a:t>
+            </a:r>
+            <a:endParaRPr lang="en-US" altLang="zh-CN" dirty="0"/>
           </a:p>
           <a:p>
             <a:r>
@@ -7071,11 +7049,7 @@
           <a:p>
             <a:r>
               <a:rPr lang="en-US" altLang="zh-CN" dirty="0"/>
-              <a:t>$(function</a:t>
-            </a:r>
-            <a:r>
-              <a:rPr lang="en-US" altLang="zh-CN" dirty="0" smtClean="0"/>
-              <a:t>(){})</a:t>
+              <a:t>$(function(){})</a:t>
             </a:r>
           </a:p>
           <a:p>
@@ -7083,32 +7057,16 @@
               <a:buNone/>
             </a:pPr>
             <a:r>
-              <a:rPr lang="zh-CN" altLang="en-US" dirty="0" smtClean="0"/>
+              <a:rPr lang="zh-CN" altLang="en-US" dirty="0"/>
               <a:t>是</a:t>
             </a:r>
             <a:r>
-              <a:rPr lang="en-US" altLang="zh-CN" dirty="0" smtClean="0"/>
-              <a:t>$(</a:t>
-            </a:r>
-            <a:r>
               <a:rPr lang="en-US" altLang="zh-CN" dirty="0"/>
-              <a:t>document).ready(function(){}) </a:t>
-            </a:r>
-            <a:r>
-              <a:rPr lang="zh-CN" altLang="en-US" dirty="0" smtClean="0"/>
-              <a:t>的简写形式，</a:t>
+              <a:t>$(document).ready(function(){}) </a:t>
             </a:r>
             <a:r>
               <a:rPr lang="zh-CN" altLang="en-US" dirty="0"/>
-              <a:t>这是为了防止文档在完全</a:t>
-            </a:r>
-            <a:r>
-              <a:rPr lang="zh-CN" altLang="en-US" dirty="0" smtClean="0"/>
-              <a:t>加载之前</a:t>
-            </a:r>
-            <a:r>
-              <a:rPr lang="zh-CN" altLang="en-US" dirty="0"/>
-              <a:t>运行 </a:t>
+              <a:t>的简写形式，这是为了防止文档在完全加载之前运行 </a:t>
             </a:r>
             <a:r>
               <a:rPr lang="en-US" altLang="zh-CN" dirty="0"/>
@@ -7116,11 +7074,7 @@
             </a:r>
             <a:r>
               <a:rPr lang="zh-CN" altLang="en-US" dirty="0"/>
-              <a:t>代码</a:t>
-            </a:r>
-            <a:r>
-              <a:rPr lang="zh-CN" altLang="en-US" dirty="0" smtClean="0"/>
-              <a:t>。</a:t>
+              <a:t>代码。</a:t>
             </a:r>
             <a:endParaRPr lang="en-US" altLang="zh-CN" dirty="0"/>
           </a:p>
@@ -7129,12 +7083,8 @@
               <a:buNone/>
             </a:pPr>
             <a:r>
-              <a:rPr lang="zh-CN" altLang="en-US" dirty="0" smtClean="0"/>
-              <a:t>如果</a:t>
-            </a:r>
-            <a:r>
               <a:rPr lang="zh-CN" altLang="en-US" dirty="0"/>
-              <a:t>在文档没有完全加载之前就运行函数，操作可能失败。下面是两个具体的例子：</a:t>
+              <a:t>如果在文档没有完全加载之前就运行函数，操作可能失败。下面是两个具体的例子：</a:t>
             </a:r>
           </a:p>
           <a:p>
@@ -8063,7 +8013,7 @@
             <a:p>
               <a:pPr algn="ctr"/>
               <a:r>
-                <a:rPr lang="en-US" altLang="zh-CN" sz="13800" dirty="0" smtClean="0">
+                <a:rPr lang="en-US" altLang="zh-CN" sz="13800" dirty="0">
                   <a:solidFill>
                     <a:srgbClr val="18B0E3"/>
                   </a:solidFill>
@@ -8486,10 +8436,9 @@
           <a:lstStyle/>
           <a:p>
             <a:r>
-              <a:rPr lang="zh-CN" altLang="en-US" dirty="0" smtClean="0"/>
+              <a:rPr lang="zh-CN" altLang="en-US" dirty="0"/>
               <a:t>选择器</a:t>
             </a:r>
-            <a:endParaRPr lang="zh-CN" altLang="en-US" dirty="0"/>
           </a:p>
         </p:txBody>
       </p:sp>
@@ -8566,12 +8515,8 @@
           <a:lstStyle/>
           <a:p>
             <a:r>
-              <a:rPr lang="zh-CN" altLang="en-US" dirty="0" smtClean="0"/>
-              <a:t>事件</a:t>
-            </a:r>
-            <a:r>
               <a:rPr lang="zh-CN" altLang="en-US" dirty="0"/>
-              <a:t>绑定</a:t>
+              <a:t>事件绑定</a:t>
             </a:r>
           </a:p>
         </p:txBody>
@@ -8588,16 +8533,14 @@
         </p:nvSpPr>
         <p:spPr/>
         <p:txBody>
-          <a:bodyPr/>
+          <a:bodyPr>
+            <a:normAutofit fontScale="92500" lnSpcReduction="10000"/>
+          </a:bodyPr>
           <a:lstStyle/>
           <a:p>
             <a:r>
               <a:rPr lang="en-US" altLang="zh-CN" b="1" dirty="0"/>
-              <a:t>$(selector</a:t>
-            </a:r>
-            <a:r>
-              <a:rPr lang="en-US" altLang="zh-CN" b="1" dirty="0" smtClean="0"/>
-              <a:t>).click(callback)</a:t>
+              <a:t>$(selector).click(callback)</a:t>
             </a:r>
           </a:p>
           <a:p>
@@ -8605,13 +8548,16 @@
               <a:buNone/>
             </a:pPr>
             <a:r>
-              <a:rPr lang="zh-CN" altLang="en-US" b="1" dirty="0" smtClean="0"/>
+              <a:rPr lang="zh-CN" altLang="en-US" b="1" dirty="0"/>
               <a:t>选中元素点击触发事件，这种绑定方式只适合页面上已存在的元素</a:t>
             </a:r>
             <a:endParaRPr lang="en-US" altLang="zh-CN" b="1" dirty="0"/>
           </a:p>
           <a:p>
-            <a:endParaRPr lang="en-US" altLang="zh-CN" dirty="0" smtClean="0"/>
+            <a:r>
+              <a:rPr lang="en-US" altLang="zh-CN" dirty="0"/>
+              <a:t>blur,focus,load,resize,scroll,unload,click,dbclick,mousedown,mouseup,mousemove,mouseover,mouseout,mouseenter,mouseleave,change,select,submit,keydown,keypress,keyup,error</a:t>
+            </a:r>
           </a:p>
           <a:p>
             <a:endParaRPr lang="zh-CN" altLang="en-US" dirty="0"/>
@@ -8667,10 +8613,9 @@
           <a:lstStyle/>
           <a:p>
             <a:r>
-              <a:rPr lang="zh-CN" altLang="en-US" dirty="0" smtClean="0"/>
+              <a:rPr lang="zh-CN" altLang="en-US" dirty="0"/>
               <a:t>事件动态绑定</a:t>
             </a:r>
-            <a:endParaRPr lang="zh-CN" altLang="en-US" dirty="0"/>
           </a:p>
         </p:txBody>
       </p:sp>
@@ -8700,25 +8645,41 @@
               <a:t>event,childSelector,data,function</a:t>
             </a:r>
             <a:r>
-              <a:rPr lang="en-US" altLang="zh-CN" sz="3200" dirty="0" smtClean="0"/>
+              <a:rPr lang="en-US" altLang="zh-CN" sz="3200" dirty="0"/>
               <a:t>)</a:t>
             </a:r>
           </a:p>
           <a:p>
             <a:r>
-              <a:rPr lang="en-US" altLang="zh-CN" sz="3200" dirty="0" smtClean="0"/>
+              <a:rPr lang="en-US" altLang="zh-CN" sz="3200" dirty="0"/>
               <a:t>selector  </a:t>
             </a:r>
             <a:r>
-              <a:rPr lang="zh-CN" altLang="en-US" sz="3200" dirty="0" smtClean="0"/>
+              <a:rPr lang="zh-CN" altLang="en-US" sz="3200" dirty="0"/>
               <a:t>为当前文档上存在的元素</a:t>
             </a:r>
-            <a:endParaRPr lang="en-US" altLang="zh-CN" sz="3200" dirty="0" smtClean="0"/>
-          </a:p>
-          <a:p>
-            <a:r>
-              <a:rPr lang="en-US" altLang="zh-CN" sz="3200" dirty="0" smtClean="0"/>
-              <a:t>event</a:t>
+            <a:endParaRPr lang="en-US" altLang="zh-CN" sz="3200" dirty="0"/>
+          </a:p>
+          <a:p>
+            <a:r>
+              <a:rPr lang="en-US" altLang="zh-CN" sz="3200" dirty="0"/>
+              <a:t>event	</a:t>
+            </a:r>
+            <a:r>
+              <a:rPr lang="zh-CN" altLang="en-US" sz="3200" dirty="0"/>
+              <a:t>必需。规定要从被选元素移除的一个或多个事件或命名空间。</a:t>
+            </a:r>
+          </a:p>
+          <a:p>
+            <a:r>
+              <a:rPr lang="zh-CN" altLang="en-US" sz="3200" dirty="0"/>
+              <a:t>由空格分隔多个事件值，也可以是数组。必须是有效的事件。</a:t>
+            </a:r>
+          </a:p>
+          <a:p>
+            <a:r>
+              <a:rPr lang="en-US" altLang="zh-CN" sz="3200" dirty="0" err="1"/>
+              <a:t>childSelector</a:t>
             </a:r>
             <a:r>
               <a:rPr lang="en-US" altLang="zh-CN" sz="3200" dirty="0"/>
@@ -8726,31 +8687,6 @@
             </a:r>
             <a:r>
               <a:rPr lang="zh-CN" altLang="en-US" sz="3200" dirty="0"/>
-              <a:t>必需。规定要从被选元素移除的一个或多个事件或命名空间</a:t>
-            </a:r>
-            <a:r>
-              <a:rPr lang="zh-CN" altLang="en-US" sz="3200" dirty="0" smtClean="0"/>
-              <a:t>。</a:t>
-            </a:r>
-            <a:endParaRPr lang="zh-CN" altLang="en-US" sz="3200" dirty="0"/>
-          </a:p>
-          <a:p>
-            <a:r>
-              <a:rPr lang="zh-CN" altLang="en-US" sz="3200" dirty="0"/>
-              <a:t>由空格分隔多个事件值，也可以是数组。必须是有效的事件。</a:t>
-            </a:r>
-          </a:p>
-          <a:p>
-            <a:r>
-              <a:rPr lang="en-US" altLang="zh-CN" sz="3200" dirty="0" err="1"/>
-              <a:t>childSelector</a:t>
-            </a:r>
-            <a:r>
-              <a:rPr lang="en-US" altLang="zh-CN" sz="3200" dirty="0"/>
-              <a:t>	</a:t>
-            </a:r>
-            <a:r>
-              <a:rPr lang="zh-CN" altLang="en-US" sz="3200" dirty="0"/>
               <a:t>可选。规定只能添加到指定的子元素上的事件处理程序（且不是选择器本身，比如已废弃的 </a:t>
             </a:r>
             <a:r>
@@ -8779,13 +8715,9 @@
             </a:r>
             <a:r>
               <a:rPr lang="zh-CN" altLang="en-US" sz="3200" dirty="0"/>
-              <a:t>可选。规定当事件发生时运行的函数</a:t>
-            </a:r>
-            <a:r>
-              <a:rPr lang="zh-CN" altLang="en-US" sz="3200" dirty="0" smtClean="0"/>
-              <a:t>。</a:t>
-            </a:r>
-            <a:endParaRPr lang="en-US" altLang="zh-CN" sz="3200" dirty="0" smtClean="0"/>
+              <a:t>可选。规定当事件发生时运行的函数。</a:t>
+            </a:r>
+            <a:endParaRPr lang="en-US" altLang="zh-CN" sz="3200" dirty="0"/>
           </a:p>
           <a:p>
             <a:r>
@@ -8793,18 +8725,14 @@
               <a:t>如需移除事件处理程序，请使用 </a:t>
             </a:r>
             <a:r>
-              <a:rPr lang="en-US" altLang="zh-CN" sz="2800" dirty="0" smtClean="0"/>
+              <a:rPr lang="en-US" altLang="zh-CN" sz="2800" dirty="0"/>
               <a:t>off()</a:t>
             </a:r>
             <a:r>
-              <a:rPr lang="zh-CN" altLang="en-US" sz="2800" dirty="0" smtClean="0"/>
-              <a:t>方法</a:t>
-            </a:r>
-            <a:r>
               <a:rPr lang="zh-CN" altLang="en-US" sz="2800" dirty="0"/>
-              <a:t>。</a:t>
-            </a:r>
-            <a:endParaRPr lang="en-US" altLang="zh-CN" sz="3200" dirty="0" smtClean="0"/>
+              <a:t>方法。</a:t>
+            </a:r>
+            <a:endParaRPr lang="en-US" altLang="zh-CN" sz="3200" dirty="0"/>
           </a:p>
           <a:p>
             <a:endParaRPr lang="zh-CN" altLang="en-US" sz="3200" dirty="0"/>
@@ -8860,10 +8788,9 @@
           <a:lstStyle/>
           <a:p>
             <a:r>
-              <a:rPr lang="zh-CN" altLang="en-US" dirty="0" smtClean="0"/>
+              <a:rPr lang="zh-CN" altLang="en-US" dirty="0"/>
               <a:t>事件冒泡</a:t>
             </a:r>
-            <a:endParaRPr lang="zh-CN" altLang="en-US" dirty="0"/>
           </a:p>
         </p:txBody>
       </p:sp>
@@ -8898,19 +8825,11 @@
             </a:pPr>
             <a:r>
               <a:rPr lang="en-US" altLang="zh-CN" sz="2300" b="1" dirty="0"/>
-              <a:t>    &lt;</a:t>
-            </a:r>
-            <a:r>
-              <a:rPr lang="en-US" altLang="zh-CN" sz="2300" b="1" dirty="0" smtClean="0"/>
-              <a:t>button&gt;</a:t>
-            </a:r>
-            <a:r>
-              <a:rPr lang="zh-CN" altLang="en-US" sz="2300" b="1" dirty="0" smtClean="0"/>
-              <a:t>点击</a:t>
+              <a:t>    &lt;button&gt;</a:t>
             </a:r>
             <a:r>
               <a:rPr lang="zh-CN" altLang="en-US" sz="2300" b="1" dirty="0"/>
-              <a:t>一下</a:t>
+              <a:t>点击一下</a:t>
             </a:r>
             <a:r>
               <a:rPr lang="en-US" altLang="zh-CN" sz="2300" b="1" dirty="0"/>
@@ -8923,22 +8842,14 @@
             </a:pPr>
             <a:r>
               <a:rPr lang="en-US" altLang="zh-CN" sz="2300" b="1" dirty="0"/>
-              <a:t>&lt;/body</a:t>
-            </a:r>
-            <a:r>
-              <a:rPr lang="en-US" altLang="zh-CN" sz="2300" b="1" dirty="0" smtClean="0"/>
-              <a:t>&gt;</a:t>
-            </a:r>
-            <a:endParaRPr lang="en-US" altLang="zh-CN" dirty="0" smtClean="0"/>
-          </a:p>
-          <a:p>
-            <a:r>
-              <a:rPr lang="zh-CN" altLang="en-US" dirty="0" smtClean="0"/>
-              <a:t>事件</a:t>
-            </a:r>
+              <a:t>&lt;/body&gt;</a:t>
+            </a:r>
+            <a:endParaRPr lang="en-US" altLang="zh-CN" dirty="0"/>
+          </a:p>
+          <a:p>
             <a:r>
               <a:rPr lang="zh-CN" altLang="en-US" dirty="0"/>
-              <a:t>会沿着</a:t>
+              <a:t>事件会沿着</a:t>
             </a:r>
             <a:r>
               <a:rPr lang="en-US" altLang="zh-CN" dirty="0"/>
@@ -8957,32 +8868,24 @@
               <a:t>节点上都会发生，一直传播到</a:t>
             </a:r>
             <a:r>
-              <a:rPr lang="en-US" altLang="zh-CN" dirty="0" smtClean="0"/>
+              <a:rPr lang="en-US" altLang="zh-CN" dirty="0"/>
               <a:t>document</a:t>
             </a:r>
             <a:r>
-              <a:rPr lang="zh-CN" altLang="en-US" dirty="0" smtClean="0"/>
-              <a:t>，上例对象</a:t>
-            </a:r>
-            <a:r>
               <a:rPr lang="zh-CN" altLang="en-US" dirty="0"/>
-              <a:t>事件传播方向：</a:t>
+              <a:t>，上例对象事件传播方向：</a:t>
             </a:r>
             <a:r>
               <a:rPr lang="en-US" altLang="zh-CN" dirty="0"/>
-              <a:t>&lt;button&gt;→&lt;body&gt;→&lt;html&gt;→&lt;document</a:t>
-            </a:r>
-            <a:r>
-              <a:rPr lang="en-US" altLang="zh-CN" dirty="0" smtClean="0"/>
-              <a:t>&gt;</a:t>
-            </a:r>
-          </a:p>
-          <a:p>
-            <a:r>
-              <a:rPr lang="zh-CN" altLang="en-US" dirty="0" smtClean="0"/>
+              <a:t>&lt;button&gt;→&lt;body&gt;→&lt;html&gt;→&lt;document&gt;</a:t>
+            </a:r>
+          </a:p>
+          <a:p>
+            <a:r>
+              <a:rPr lang="zh-CN" altLang="en-US" dirty="0"/>
               <a:t>阻止事件冒泡</a:t>
             </a:r>
-            <a:endParaRPr lang="en-US" altLang="zh-CN" dirty="0" smtClean="0"/>
+            <a:endParaRPr lang="en-US" altLang="zh-CN" dirty="0"/>
           </a:p>
           <a:p>
             <a:pPr marL="0" indent="0">
@@ -8997,7 +8900,7 @@
               <a:t>event.stopPropagation</a:t>
             </a:r>
             <a:r>
-              <a:rPr lang="en-US" altLang="zh-CN" b="1" dirty="0" smtClean="0"/>
+              <a:rPr lang="en-US" altLang="zh-CN" b="1" dirty="0"/>
               <a:t>();</a:t>
             </a:r>
           </a:p>
@@ -9094,17 +8997,9 @@
             </a:r>
             <a:r>
               <a:rPr lang="zh-CN" altLang="en-US" dirty="0"/>
-              <a:t>是一种与服务器交换数据的</a:t>
-            </a:r>
-            <a:r>
-              <a:rPr lang="zh-CN" altLang="en-US" dirty="0" smtClean="0"/>
-              <a:t>技术，后台写好服务，前端访问</a:t>
-            </a:r>
-            <a:r>
-              <a:rPr lang="zh-CN" altLang="en-US" dirty="0" smtClean="0"/>
-              <a:t>服务</a:t>
-            </a:r>
-            <a:endParaRPr lang="en-US" altLang="zh-CN" dirty="0" smtClean="0"/>
+              <a:t>是一种与服务器交换数据的技术，后台写好服务，前端访问服务</a:t>
+            </a:r>
+            <a:endParaRPr lang="en-US" altLang="zh-CN" dirty="0"/>
           </a:p>
         </p:txBody>
       </p:sp>
@@ -9157,14 +9052,13 @@
           <a:lstStyle/>
           <a:p>
             <a:r>
-              <a:rPr lang="en-US" altLang="zh-CN" dirty="0" smtClean="0"/>
+              <a:rPr lang="en-US" altLang="zh-CN" dirty="0"/>
               <a:t>AJAX</a:t>
             </a:r>
             <a:r>
-              <a:rPr lang="zh-CN" altLang="en-US" dirty="0" smtClean="0"/>
+              <a:rPr lang="zh-CN" altLang="en-US" dirty="0"/>
               <a:t>跨域问题</a:t>
             </a:r>
-            <a:endParaRPr lang="zh-CN" altLang="en-US" dirty="0"/>
           </a:p>
         </p:txBody>
       </p:sp>
@@ -9184,73 +9078,65 @@
           <a:lstStyle/>
           <a:p>
             <a:r>
-              <a:rPr lang="zh-CN" altLang="en-US" dirty="0" smtClean="0"/>
+              <a:rPr lang="zh-CN" altLang="en-US" dirty="0"/>
               <a:t>当</a:t>
             </a:r>
             <a:r>
-              <a:rPr lang="en-US" altLang="zh-CN" dirty="0" smtClean="0"/>
+              <a:rPr lang="en-US" altLang="zh-CN" dirty="0"/>
               <a:t>AJAX</a:t>
             </a:r>
             <a:r>
-              <a:rPr lang="zh-CN" altLang="en-US" dirty="0" smtClean="0"/>
+              <a:rPr lang="zh-CN" altLang="en-US" dirty="0"/>
               <a:t>请求的</a:t>
             </a:r>
             <a:r>
-              <a:rPr lang="en-US" altLang="zh-CN" dirty="0" err="1" smtClean="0"/>
+              <a:rPr lang="en-US" altLang="zh-CN" dirty="0" err="1"/>
               <a:t>url</a:t>
             </a:r>
             <a:r>
-              <a:rPr lang="zh-CN" altLang="en-US" dirty="0" smtClean="0"/>
+              <a:rPr lang="zh-CN" altLang="en-US" dirty="0"/>
               <a:t>的</a:t>
             </a:r>
             <a:r>
-              <a:rPr lang="en-US" altLang="zh-CN" dirty="0" err="1" smtClean="0"/>
+              <a:rPr lang="en-US" altLang="zh-CN" dirty="0" err="1"/>
               <a:t>ip</a:t>
             </a:r>
             <a:r>
-              <a:rPr lang="zh-CN" altLang="en-US" dirty="0" smtClean="0"/>
+              <a:rPr lang="zh-CN" altLang="en-US" dirty="0"/>
               <a:t>和端口与请求页面的</a:t>
             </a:r>
             <a:r>
-              <a:rPr lang="en-US" altLang="zh-CN" dirty="0" err="1" smtClean="0"/>
+              <a:rPr lang="en-US" altLang="zh-CN" dirty="0" err="1"/>
               <a:t>ip</a:t>
             </a:r>
             <a:r>
-              <a:rPr lang="zh-CN" altLang="en-US" dirty="0" smtClean="0"/>
+              <a:rPr lang="zh-CN" altLang="en-US" dirty="0"/>
               <a:t>和端口不一致时，就会存在跨域问题</a:t>
             </a:r>
-            <a:endParaRPr lang="en-US" altLang="zh-CN" dirty="0" smtClean="0"/>
+            <a:endParaRPr lang="en-US" altLang="zh-CN" dirty="0"/>
           </a:p>
           <a:p>
             <a:pPr fontAlgn="t"/>
             <a:r>
-              <a:rPr lang="zh-CN" altLang="en-US" dirty="0" smtClean="0"/>
+              <a:rPr lang="zh-CN" altLang="en-US" dirty="0"/>
               <a:t>需要服务端返回</a:t>
             </a:r>
             <a:r>
               <a:rPr lang="en-US" altLang="zh-CN" sz="3200" b="1" dirty="0"/>
-              <a:t>Access-Control-Allow-Origin</a:t>
-            </a:r>
-            <a:r>
-              <a:rPr lang="en-US" altLang="zh-CN" sz="3200" b="1" dirty="0" smtClean="0"/>
-              <a:t>:</a:t>
-            </a:r>
-            <a:r>
-              <a:rPr lang="en-US" altLang="zh-CN" sz="3200" dirty="0" smtClean="0"/>
+              <a:t>Access-Control-Allow-Origin:</a:t>
+            </a:r>
+            <a:r>
+              <a:rPr lang="en-US" altLang="zh-CN" sz="3200" dirty="0"/>
               <a:t>*</a:t>
             </a:r>
             <a:r>
               <a:rPr lang="zh-CN" altLang="en-US" dirty="0"/>
-              <a:t>等</a:t>
-            </a:r>
-            <a:r>
-              <a:rPr lang="zh-CN" altLang="en-US" dirty="0" smtClean="0"/>
-              <a:t>参数浏览器才会获得正确的请求返回</a:t>
+              <a:t>等参数浏览器才会获得正确的请求返回</a:t>
             </a:r>
             <a:endParaRPr lang="en-US" altLang="zh-CN" dirty="0"/>
           </a:p>
           <a:p>
-            <a:endParaRPr lang="en-US" altLang="zh-CN" dirty="0" smtClean="0"/>
+            <a:endParaRPr lang="en-US" altLang="zh-CN" dirty="0"/>
           </a:p>
           <a:p>
             <a:endParaRPr lang="zh-CN" altLang="en-US" dirty="0"/>
@@ -9306,22 +9192,21 @@
           <a:lstStyle/>
           <a:p>
             <a:r>
-              <a:rPr lang="en-US" altLang="zh-CN" dirty="0" smtClean="0"/>
+              <a:rPr lang="en-US" altLang="zh-CN" dirty="0"/>
               <a:t>jQuery</a:t>
             </a:r>
             <a:r>
-              <a:rPr lang="zh-CN" altLang="en-US" dirty="0" smtClean="0"/>
+              <a:rPr lang="zh-CN" altLang="en-US" dirty="0"/>
               <a:t>与</a:t>
             </a:r>
             <a:r>
-              <a:rPr lang="en-US" altLang="zh-CN" dirty="0" err="1" smtClean="0"/>
-              <a:t>javascript</a:t>
-            </a:r>
-            <a:r>
-              <a:rPr lang="zh-CN" altLang="en-US" dirty="0" smtClean="0"/>
+              <a:rPr lang="en-US" altLang="zh-CN" dirty="0"/>
+              <a:t>DOM</a:t>
+            </a:r>
+            <a:r>
+              <a:rPr lang="zh-CN" altLang="en-US" dirty="0"/>
               <a:t>对象转换</a:t>
             </a:r>
-            <a:endParaRPr lang="zh-CN" altLang="en-US" dirty="0"/>
           </a:p>
         </p:txBody>
       </p:sp>
@@ -9339,6 +9224,76 @@
         <p:txBody>
           <a:bodyPr/>
           <a:lstStyle/>
+          <a:p>
+            <a:r>
+              <a:rPr lang="en-US" altLang="zh-CN" dirty="0" err="1"/>
+              <a:t>var</a:t>
+            </a:r>
+            <a:r>
+              <a:rPr lang="en-US" altLang="zh-CN" dirty="0"/>
+              <a:t> </a:t>
+            </a:r>
+            <a:r>
+              <a:rPr lang="en-US" altLang="zh-CN" dirty="0" err="1"/>
+              <a:t>obj</a:t>
+            </a:r>
+            <a:r>
+              <a:rPr lang="en-US" altLang="zh-CN" dirty="0"/>
+              <a:t> = $("#node"); // </a:t>
+            </a:r>
+            <a:r>
+              <a:rPr lang="en-US" altLang="zh-CN" dirty="0" err="1"/>
+              <a:t>jquery</a:t>
+            </a:r>
+            <a:r>
+              <a:rPr lang="zh-CN" altLang="en-US" dirty="0"/>
+              <a:t>对象</a:t>
+            </a:r>
+          </a:p>
+          <a:p>
+            <a:r>
+              <a:rPr lang="en-US" altLang="zh-CN" dirty="0" err="1"/>
+              <a:t>var</a:t>
+            </a:r>
+            <a:r>
+              <a:rPr lang="en-US" altLang="zh-CN" dirty="0"/>
+              <a:t> obj1 = </a:t>
+            </a:r>
+            <a:r>
+              <a:rPr lang="en-US" altLang="zh-CN" dirty="0" err="1"/>
+              <a:t>obj</a:t>
+            </a:r>
+            <a:r>
+              <a:rPr lang="en-US" altLang="zh-CN" dirty="0"/>
+              <a:t>[0]; // </a:t>
+            </a:r>
+            <a:r>
+              <a:rPr lang="en-US" altLang="zh-CN" dirty="0" err="1"/>
+              <a:t>dom</a:t>
+            </a:r>
+            <a:r>
+              <a:rPr lang="zh-CN" altLang="en-US" dirty="0"/>
+              <a:t>对象</a:t>
+            </a:r>
+          </a:p>
+          <a:p>
+            <a:r>
+              <a:rPr lang="en-US" altLang="zh-CN" dirty="0" err="1"/>
+              <a:t>obj</a:t>
+            </a:r>
+            <a:r>
+              <a:rPr lang="en-US" altLang="zh-CN" dirty="0"/>
+              <a:t> = $(obj1); // </a:t>
+            </a:r>
+            <a:r>
+              <a:rPr lang="en-US" altLang="zh-CN" dirty="0" err="1"/>
+              <a:t>jquery</a:t>
+            </a:r>
+            <a:r>
+              <a:rPr lang="zh-CN" altLang="en-US" dirty="0"/>
+              <a:t>对象</a:t>
+            </a:r>
+          </a:p>
           <a:p>
             <a:endParaRPr lang="zh-CN" altLang="en-US" dirty="0"/>
           </a:p>
@@ -9392,7 +9347,11 @@
           <a:bodyPr/>
           <a:lstStyle/>
           <a:p>
-            <a:endParaRPr lang="zh-CN" altLang="en-US"/>
+            <a:r>
+              <a:rPr lang="zh-CN" altLang="en-US" b="0" dirty="0"/>
+              <a:t>处理机制</a:t>
+            </a:r>
+            <a:endParaRPr lang="zh-CN" altLang="en-US" dirty="0"/>
           </a:p>
         </p:txBody>
       </p:sp>
@@ -9411,7 +9370,79 @@
           <a:bodyPr/>
           <a:lstStyle/>
           <a:p>
-            <a:endParaRPr lang="zh-CN" altLang="en-US"/>
+            <a:r>
+              <a:rPr lang="en-US" altLang="zh-CN" dirty="0"/>
+              <a:t>// </a:t>
+            </a:r>
+            <a:r>
+              <a:rPr lang="zh-CN" altLang="en-US" dirty="0"/>
+              <a:t>若查询不存在，则会报错</a:t>
+            </a:r>
+          </a:p>
+          <a:p>
+            <a:r>
+              <a:rPr lang="en-US" altLang="zh-CN" dirty="0" err="1"/>
+              <a:t>document.getElementById</a:t>
+            </a:r>
+            <a:r>
+              <a:rPr lang="en-US" altLang="zh-CN" dirty="0"/>
+              <a:t>("</a:t>
+            </a:r>
+            <a:r>
+              <a:rPr lang="en-US" altLang="zh-CN" dirty="0" err="1"/>
+              <a:t>meiyou</a:t>
+            </a:r>
+            <a:r>
+              <a:rPr lang="en-US" altLang="zh-CN" dirty="0"/>
+              <a:t>").</a:t>
+            </a:r>
+            <a:r>
+              <a:rPr lang="en-US" altLang="zh-CN" dirty="0" err="1"/>
+              <a:t>style.color</a:t>
+            </a:r>
+            <a:r>
+              <a:rPr lang="en-US" altLang="zh-CN" dirty="0"/>
+              <a:t> = "red";</a:t>
+            </a:r>
+          </a:p>
+          <a:p>
+            <a:r>
+              <a:rPr lang="en-US" altLang="zh-CN" dirty="0"/>
+              <a:t>// </a:t>
+            </a:r>
+            <a:r>
+              <a:rPr lang="en-US" altLang="zh-CN" dirty="0" err="1"/>
+              <a:t>jquery</a:t>
+            </a:r>
+            <a:r>
+              <a:rPr lang="zh-CN" altLang="en-US" dirty="0"/>
+              <a:t>没有不会报错，</a:t>
+            </a:r>
+          </a:p>
+          <a:p>
+            <a:r>
+              <a:rPr lang="en-US" altLang="zh-CN" dirty="0"/>
+              <a:t>$("#</a:t>
+            </a:r>
+            <a:r>
+              <a:rPr lang="en-US" altLang="zh-CN" dirty="0" err="1"/>
+              <a:t>meiyou</a:t>
+            </a:r>
+            <a:r>
+              <a:rPr lang="en-US" altLang="zh-CN" dirty="0"/>
+              <a:t>").</a:t>
+            </a:r>
+            <a:r>
+              <a:rPr lang="en-US" altLang="zh-CN" dirty="0" err="1"/>
+              <a:t>css</a:t>
+            </a:r>
+            <a:r>
+              <a:rPr lang="en-US" altLang="zh-CN" dirty="0"/>
+              <a:t>("color", "red");</a:t>
+            </a:r>
+          </a:p>
+          <a:p>
+            <a:endParaRPr lang="zh-CN" altLang="en-US" dirty="0"/>
           </a:p>
         </p:txBody>
       </p:sp>
@@ -9478,7 +9509,7 @@
           <a:lstStyle/>
           <a:p>
             <a:r>
-              <a:rPr lang="zh-CN" altLang="en-US" sz="8000" dirty="0" smtClean="0">
+              <a:rPr lang="zh-CN" altLang="en-US" sz="8000" dirty="0">
                 <a:solidFill>
                   <a:schemeClr val="bg1"/>
                 </a:solidFill>
@@ -9488,7 +9519,7 @@
               <a:t>谢谢大家</a:t>
             </a:r>
             <a:r>
-              <a:rPr lang="en-US" altLang="zh-CN" sz="8000" dirty="0" smtClean="0">
+              <a:rPr lang="en-US" altLang="zh-CN" sz="8000" dirty="0">
                 <a:solidFill>
                   <a:schemeClr val="bg1"/>
                 </a:solidFill>
@@ -11322,13 +11353,6 @@
   <p:transition>
     <p:wipe dir="r"/>
   </p:transition>
-  <p:timing>
-    <p:tnLst>
-      <p:par>
-        <p:cTn id="1" dur="indefinite" restart="never" nodeType="tmRoot"/>
-      </p:par>
-    </p:tnLst>
-  </p:timing>
 </p:sld>
 </file>
 
@@ -11432,13 +11456,6 @@
   <p:transition>
     <p:wipe dir="r"/>
   </p:transition>
-  <p:timing>
-    <p:tnLst>
-      <p:par>
-        <p:cTn id="1" dur="indefinite" restart="never" nodeType="tmRoot"/>
-      </p:par>
-    </p:tnLst>
-  </p:timing>
 </p:sld>
 </file>
 
@@ -11593,15 +11610,9 @@
               <a:rPr lang="zh-CN" altLang="en-US" sz="3600" dirty="0">
                 <a:sym typeface="+mn-ea"/>
               </a:rPr>
-              <a:t>逐渐成为未来的</a:t>
-            </a:r>
-            <a:r>
-              <a:rPr lang="zh-CN" altLang="en-US" sz="3600" dirty="0" smtClean="0">
-                <a:sym typeface="+mn-ea"/>
-              </a:rPr>
-              <a:t>标准</a:t>
-            </a:r>
-            <a:endParaRPr lang="en-US" altLang="zh-CN" sz="3600" dirty="0" smtClean="0">
+              <a:t>逐渐成为未来的标准</a:t>
+            </a:r>
+            <a:endParaRPr lang="en-US" altLang="zh-CN" sz="3600" dirty="0">
               <a:sym typeface="+mn-ea"/>
             </a:endParaRPr>
           </a:p>
@@ -11624,7 +11635,7 @@
               <a:t>这个版本更新太大了</a:t>
             </a:r>
             <a:r>
-              <a:rPr lang="zh-CN" altLang="en-US" sz="3600" b="1" dirty="0" smtClean="0"/>
+              <a:rPr lang="zh-CN" altLang="en-US" sz="3600" b="1" dirty="0"/>
               <a:t>，</a:t>
             </a:r>
             <a:r>
@@ -11684,13 +11695,6 @@
   <p:transition>
     <p:wipe dir="r"/>
   </p:transition>
-  <p:timing>
-    <p:tnLst>
-      <p:par>
-        <p:cTn id="1" dur="indefinite" restart="never" nodeType="tmRoot"/>
-      </p:par>
-    </p:tnLst>
-  </p:timing>
 </p:sld>
 </file>
 
@@ -11775,19 +11779,7 @@
               <a:rPr lang="zh-CN" altLang="en-US" sz="3600" dirty="0">
                 <a:sym typeface="+mn-ea"/>
               </a:rPr>
-              <a:t>一门轻量级的编程语言，它可以</a:t>
-            </a:r>
-            <a:r>
-              <a:rPr lang="zh-CN" altLang="en-US" sz="3600" dirty="0" smtClean="0">
-                <a:sym typeface="+mn-ea"/>
-              </a:rPr>
-              <a:t>用作界面动画，表</a:t>
-            </a:r>
-            <a:r>
-              <a:rPr lang="zh-CN" altLang="en-US" sz="3600" dirty="0">
-                <a:sym typeface="+mn-ea"/>
-              </a:rPr>
-              <a:t>单验证，创建</a:t>
+              <a:t>一门轻量级的编程语言，它可以用作界面动画，表单验证，创建</a:t>
             </a:r>
             <a:r>
               <a:rPr lang="en-US" altLang="zh-CN" sz="3600" dirty="0">
@@ -11840,13 +11832,6 @@
   <p:transition>
     <p:wipe dir="r"/>
   </p:transition>
-  <p:timing>
-    <p:tnLst>
-      <p:par>
-        <p:cTn id="1" dur="indefinite" restart="never" nodeType="tmRoot"/>
-      </p:par>
-    </p:tnLst>
-  </p:timing>
 </p:sld>
 </file>
 
@@ -11944,15 +11929,9 @@
               <a:rPr lang="zh-CN" altLang="en-US" sz="3600" dirty="0">
                 <a:sym typeface="+mn-ea"/>
               </a:rPr>
-              <a:t>没有</a:t>
-            </a:r>
-            <a:r>
-              <a:rPr lang="zh-CN" altLang="en-US" sz="3600" dirty="0" smtClean="0">
-                <a:sym typeface="+mn-ea"/>
-              </a:rPr>
-              <a:t>数据类型</a:t>
-            </a:r>
-            <a:endParaRPr lang="en-US" altLang="zh-CN" sz="3600" dirty="0" smtClean="0">
+              <a:t>没有数据类型</a:t>
+            </a:r>
+            <a:endParaRPr lang="en-US" altLang="zh-CN" sz="3600" dirty="0">
               <a:sym typeface="+mn-ea"/>
             </a:endParaRPr>
           </a:p>
@@ -11964,28 +11943,22 @@
               <a:buNone/>
             </a:pPr>
             <a:r>
-              <a:rPr lang="en-US" altLang="zh-CN" sz="3600" dirty="0" smtClean="0">
+              <a:rPr lang="en-US" altLang="zh-CN" sz="3600" dirty="0">
                 <a:sym typeface="+mn-ea"/>
               </a:rPr>
               <a:t>	</a:t>
             </a:r>
             <a:r>
-              <a:rPr lang="en-US" altLang="zh-CN" sz="3600" dirty="0" err="1" smtClean="0">
+              <a:rPr lang="en-US" altLang="zh-CN" sz="3600" dirty="0" err="1">
                 <a:sym typeface="+mn-ea"/>
               </a:rPr>
               <a:t>typeof</a:t>
             </a:r>
             <a:r>
-              <a:rPr lang="en-US" altLang="zh-CN" sz="3600" dirty="0" smtClean="0">
-                <a:sym typeface="+mn-ea"/>
-              </a:rPr>
-              <a:t>(1</a:t>
-            </a:r>
-            <a:r>
               <a:rPr lang="en-US" altLang="zh-CN" sz="3600" dirty="0">
                 <a:sym typeface="+mn-ea"/>
               </a:rPr>
-              <a:t>)</a:t>
+              <a:t>(1)</a:t>
             </a:r>
           </a:p>
           <a:p>
@@ -12011,13 +11984,7 @@
               <a:rPr lang="en-US" altLang="zh-CN" sz="3600" dirty="0">
                 <a:sym typeface="+mn-ea"/>
               </a:rPr>
-              <a:t>("1</a:t>
-            </a:r>
-            <a:r>
-              <a:rPr lang="en-US" altLang="zh-CN" sz="3600" dirty="0" smtClean="0">
-                <a:sym typeface="+mn-ea"/>
-              </a:rPr>
-              <a:t>")</a:t>
+              <a:t>("1")</a:t>
             </a:r>
           </a:p>
           <a:p>
@@ -12027,20 +11994,12 @@
               </a:lnSpc>
             </a:pPr>
             <a:r>
-              <a:rPr lang="en-US" altLang="zh-CN" sz="3600" dirty="0" smtClean="0"/>
+              <a:rPr lang="en-US" altLang="zh-CN" sz="3600" dirty="0"/>
               <a:t>JavaScript </a:t>
             </a:r>
             <a:r>
               <a:rPr lang="zh-CN" altLang="en-US" sz="3600" dirty="0"/>
-              <a:t>中，万物皆对象</a:t>
-            </a:r>
-            <a:r>
-              <a:rPr lang="zh-CN" altLang="en-US" sz="3600" dirty="0" smtClean="0"/>
-              <a:t>！包含普通</a:t>
-            </a:r>
-            <a:r>
-              <a:rPr lang="zh-CN" altLang="en-US" sz="3600" dirty="0"/>
-              <a:t>对象</a:t>
+              <a:t>中，万物皆对象！包含普通对象</a:t>
             </a:r>
             <a:r>
               <a:rPr lang="en-US" altLang="zh-CN" sz="3600" dirty="0"/>
@@ -12051,7 +12010,7 @@
               <a:t>和函数对象</a:t>
             </a:r>
             <a:r>
-              <a:rPr lang="en-US" altLang="zh-CN" sz="3600" dirty="0" smtClean="0"/>
+              <a:rPr lang="en-US" altLang="zh-CN" sz="3600" dirty="0"/>
               <a:t>Function</a:t>
             </a:r>
             <a:endParaRPr lang="zh-CN" altLang="en-US" sz="3600" dirty="0">
@@ -12094,13 +12053,6 @@
   <p:transition>
     <p:wipe dir="r"/>
   </p:transition>
-  <p:timing>
-    <p:tnLst>
-      <p:par>
-        <p:cTn id="1" dur="indefinite" restart="never" nodeType="tmRoot"/>
-      </p:par>
-    </p:tnLst>
-  </p:timing>
 </p:sld>
 </file>
 
@@ -12201,13 +12153,6 @@
   <p:transition>
     <p:wipe dir="r"/>
   </p:transition>
-  <p:timing>
-    <p:tnLst>
-      <p:par>
-        <p:cTn id="1" dur="indefinite" restart="never" nodeType="tmRoot"/>
-      </p:par>
-    </p:tnLst>
-  </p:timing>
 </p:sld>
 </file>
 
@@ -12257,22 +12202,16 @@
               <a:buNone/>
             </a:pPr>
             <a:r>
-              <a:rPr lang="en-US" altLang="zh-CN" sz="3600" dirty="0" err="1" smtClean="0">
+              <a:rPr lang="en-US" altLang="zh-CN" sz="3600" dirty="0" err="1">
                 <a:sym typeface="+mn-ea"/>
               </a:rPr>
               <a:t>var</a:t>
             </a:r>
             <a:r>
-              <a:rPr lang="en-US" altLang="zh-CN" sz="3600" dirty="0" smtClean="0">
-                <a:sym typeface="+mn-ea"/>
-              </a:rPr>
-              <a:t> </a:t>
-            </a:r>
-            <a:r>
               <a:rPr lang="en-US" altLang="zh-CN" sz="3600" dirty="0">
                 <a:sym typeface="+mn-ea"/>
               </a:rPr>
-              <a:t>obj=new Object(); // 定义一个对象</a:t>
+              <a:t> obj=new Object(); // 定义一个对象</a:t>
             </a:r>
           </a:p>
           <a:p>
@@ -12389,13 +12328,6 @@
   <p:transition>
     <p:wipe dir="r"/>
   </p:transition>
-  <p:timing>
-    <p:tnLst>
-      <p:par>
-        <p:cTn id="1" dur="indefinite" restart="never" nodeType="tmRoot"/>
-      </p:par>
-    </p:tnLst>
-  </p:timing>
 </p:sld>
 </file>
 

--- a/JS/jQuery.pptx
+++ b/JS/jQuery.pptx
@@ -5,7 +5,7 @@
     <p:sldMasterId id="2147483648" r:id="rId1"/>
   </p:sldMasterIdLst>
   <p:notesMasterIdLst>
-    <p:notesMasterId r:id="rId30"/>
+    <p:notesMasterId r:id="rId31"/>
   </p:notesMasterIdLst>
   <p:sldIdLst>
     <p:sldId id="256" r:id="rId2"/>
@@ -25,17 +25,18 @@
     <p:sldId id="353" r:id="rId16"/>
     <p:sldId id="447" r:id="rId17"/>
     <p:sldId id="448" r:id="rId18"/>
-    <p:sldId id="449" r:id="rId19"/>
-    <p:sldId id="459" r:id="rId20"/>
-    <p:sldId id="450" r:id="rId21"/>
-    <p:sldId id="451" r:id="rId22"/>
-    <p:sldId id="453" r:id="rId23"/>
-    <p:sldId id="452" r:id="rId24"/>
-    <p:sldId id="454" r:id="rId25"/>
-    <p:sldId id="460" r:id="rId26"/>
-    <p:sldId id="455" r:id="rId27"/>
-    <p:sldId id="458" r:id="rId28"/>
-    <p:sldId id="280" r:id="rId29"/>
+    <p:sldId id="459" r:id="rId19"/>
+    <p:sldId id="461" r:id="rId20"/>
+    <p:sldId id="449" r:id="rId21"/>
+    <p:sldId id="450" r:id="rId22"/>
+    <p:sldId id="451" r:id="rId23"/>
+    <p:sldId id="453" r:id="rId24"/>
+    <p:sldId id="452" r:id="rId25"/>
+    <p:sldId id="454" r:id="rId26"/>
+    <p:sldId id="460" r:id="rId27"/>
+    <p:sldId id="455" r:id="rId28"/>
+    <p:sldId id="458" r:id="rId29"/>
+    <p:sldId id="280" r:id="rId30"/>
   </p:sldIdLst>
   <p:sldSz cx="12192000" cy="6858000"/>
   <p:notesSz cx="6858000" cy="9144000"/>
@@ -224,7 +225,7 @@
           <a:p>
             <a:fld id="{94EA9A77-0CE4-4E25-84E3-55E75407559E}" type="datetimeFigureOut">
               <a:rPr lang="zh-CN" altLang="en-US" smtClean="0"/>
-              <a:t>2018/4/13</a:t>
+              <a:t>2018/4/16</a:t>
             </a:fld>
             <a:endParaRPr lang="zh-CN" altLang="en-US"/>
           </a:p>
@@ -887,7 +888,7 @@
           <a:p>
             <a:fld id="{A94A5677-1990-4DEF-94A6-269AB3DAB6C5}" type="datetimeFigureOut">
               <a:rPr lang="zh-CN" altLang="en-US" smtClean="0"/>
-              <a:t>2018/4/13</a:t>
+              <a:t>2018/4/16</a:t>
             </a:fld>
             <a:endParaRPr lang="zh-CN" altLang="en-US"/>
           </a:p>
@@ -6802,12 +6803,8 @@
           <a:lstStyle/>
           <a:p>
             <a:r>
-              <a:rPr lang="en-US" altLang="zh-CN" dirty="0" smtClean="0"/>
-              <a:t>jQuery</a:t>
-            </a:r>
-            <a:r>
-              <a:rPr lang="zh-CN" altLang="en-US" dirty="0" smtClean="0"/>
-              <a:t>语法</a:t>
+              <a:rPr lang="en-US" altLang="zh-CN" dirty="0"/>
+              <a:t>$(function(){})</a:t>
             </a:r>
             <a:endParaRPr lang="zh-CN" altLang="en-US" dirty="0"/>
           </a:p>
@@ -6826,17 +6823,76 @@
         <p:spPr/>
         <p:txBody>
           <a:bodyPr>
-            <a:normAutofit fontScale="70000" lnSpcReduction="20000"/>
+            <a:normAutofit fontScale="85000" lnSpcReduction="10000"/>
           </a:bodyPr>
           <a:lstStyle/>
           <a:p>
             <a:r>
-              <a:rPr lang="en-US" altLang="zh-CN" b="1" dirty="0"/>
-              <a:t>$(selector).action</a:t>
-            </a:r>
-            <a:r>
-              <a:rPr lang="en-US" altLang="zh-CN" b="1" dirty="0" smtClean="0"/>
-              <a:t>()</a:t>
+              <a:rPr lang="en-US" altLang="zh-CN" dirty="0"/>
+              <a:t>$(function</a:t>
+            </a:r>
+            <a:r>
+              <a:rPr lang="en-US" altLang="zh-CN" dirty="0" smtClean="0"/>
+              <a:t>(){})</a:t>
+            </a:r>
+          </a:p>
+          <a:p>
+            <a:pPr marL="0" indent="0">
+              <a:buNone/>
+            </a:pPr>
+            <a:r>
+              <a:rPr lang="zh-CN" altLang="en-US" dirty="0" smtClean="0"/>
+              <a:t>是</a:t>
+            </a:r>
+            <a:r>
+              <a:rPr lang="en-US" altLang="zh-CN" dirty="0" smtClean="0"/>
+              <a:t>$(</a:t>
+            </a:r>
+            <a:r>
+              <a:rPr lang="en-US" altLang="zh-CN" dirty="0"/>
+              <a:t>document).ready(function(){}) </a:t>
+            </a:r>
+            <a:r>
+              <a:rPr lang="zh-CN" altLang="en-US" dirty="0" smtClean="0"/>
+              <a:t>的简写形式，</a:t>
+            </a:r>
+            <a:r>
+              <a:rPr lang="zh-CN" altLang="en-US" dirty="0"/>
+              <a:t>这是为了防止文档在完全</a:t>
+            </a:r>
+            <a:r>
+              <a:rPr lang="zh-CN" altLang="en-US" dirty="0" smtClean="0"/>
+              <a:t>加载之前</a:t>
+            </a:r>
+            <a:r>
+              <a:rPr lang="zh-CN" altLang="en-US" dirty="0"/>
+              <a:t>运行 </a:t>
+            </a:r>
+            <a:r>
+              <a:rPr lang="en-US" altLang="zh-CN" dirty="0"/>
+              <a:t>jQuery </a:t>
+            </a:r>
+            <a:r>
+              <a:rPr lang="zh-CN" altLang="en-US" dirty="0"/>
+              <a:t>代码</a:t>
+            </a:r>
+            <a:r>
+              <a:rPr lang="zh-CN" altLang="en-US" dirty="0" smtClean="0"/>
+              <a:t>。</a:t>
+            </a:r>
+            <a:endParaRPr lang="en-US" altLang="zh-CN" dirty="0"/>
+          </a:p>
+          <a:p>
+            <a:pPr marL="0" indent="0">
+              <a:buNone/>
+            </a:pPr>
+            <a:r>
+              <a:rPr lang="zh-CN" altLang="en-US" dirty="0" smtClean="0"/>
+              <a:t>如果</a:t>
+            </a:r>
+            <a:r>
+              <a:rPr lang="zh-CN" altLang="en-US" dirty="0"/>
+              <a:t>在文档没有完全加载之前就运行函数，操作可能失败。下面是两个具体的例子：</a:t>
             </a:r>
           </a:p>
           <a:p>
@@ -6846,11 +6902,7 @@
             </a:pPr>
             <a:r>
               <a:rPr lang="zh-CN" altLang="en-US" dirty="0"/>
-              <a:t>美元符号定义 </a:t>
-            </a:r>
-            <a:r>
-              <a:rPr lang="en-US" altLang="zh-CN" dirty="0"/>
-              <a:t>jQuery</a:t>
+              <a:t>试图隐藏一个不存在的元素</a:t>
             </a:r>
           </a:p>
           <a:p>
@@ -6860,138 +6912,13 @@
             </a:pPr>
             <a:r>
               <a:rPr lang="zh-CN" altLang="en-US" dirty="0"/>
-              <a:t>选择符（</a:t>
-            </a:r>
-            <a:r>
-              <a:rPr lang="en-US" altLang="zh-CN" dirty="0"/>
-              <a:t>selector</a:t>
-            </a:r>
-            <a:r>
-              <a:rPr lang="zh-CN" altLang="en-US" dirty="0"/>
-              <a:t>）“查询”和“查找” </a:t>
-            </a:r>
-            <a:r>
-              <a:rPr lang="en-US" altLang="zh-CN" dirty="0"/>
-              <a:t>HTML </a:t>
-            </a:r>
-            <a:r>
-              <a:rPr lang="zh-CN" altLang="en-US" dirty="0"/>
-              <a:t>元素</a:t>
-            </a:r>
-          </a:p>
-          <a:p>
-            <a:pPr marL="742950" indent="-742950">
-              <a:buFont typeface="+mj-lt"/>
-              <a:buAutoNum type="arabicPeriod"/>
+              <a:t>获得未完全加载的图像的大小</a:t>
+            </a:r>
+          </a:p>
+          <a:p>
+            <a:pPr marL="0" indent="0">
+              <a:buNone/>
             </a:pPr>
-            <a:r>
-              <a:rPr lang="en-US" altLang="zh-CN" dirty="0"/>
-              <a:t>jQuery </a:t>
-            </a:r>
-            <a:r>
-              <a:rPr lang="zh-CN" altLang="en-US" dirty="0"/>
-              <a:t>的 </a:t>
-            </a:r>
-            <a:r>
-              <a:rPr lang="en-US" altLang="zh-CN" dirty="0"/>
-              <a:t>action() </a:t>
-            </a:r>
-            <a:r>
-              <a:rPr lang="zh-CN" altLang="en-US" dirty="0"/>
-              <a:t>执行对元素的</a:t>
-            </a:r>
-            <a:r>
-              <a:rPr lang="zh-CN" altLang="en-US" dirty="0" smtClean="0"/>
-              <a:t>操作</a:t>
-            </a:r>
-            <a:endParaRPr lang="en-US" altLang="zh-CN" dirty="0" smtClean="0"/>
-          </a:p>
-          <a:p>
-            <a:r>
-              <a:rPr lang="zh-CN" altLang="en-US" b="1" dirty="0"/>
-              <a:t>示例</a:t>
-            </a:r>
-          </a:p>
-          <a:p>
-            <a:pPr marL="742950" indent="-742950">
-              <a:buFont typeface="+mj-lt"/>
-              <a:buAutoNum type="arabicPeriod"/>
-            </a:pPr>
-            <a:r>
-              <a:rPr lang="en-US" altLang="zh-CN" dirty="0"/>
-              <a:t>$(this).hide() - </a:t>
-            </a:r>
-            <a:r>
-              <a:rPr lang="zh-CN" altLang="en-US" dirty="0"/>
-              <a:t>隐藏当前元素</a:t>
-            </a:r>
-          </a:p>
-          <a:p>
-            <a:pPr marL="742950" indent="-742950">
-              <a:buFont typeface="+mj-lt"/>
-              <a:buAutoNum type="arabicPeriod"/>
-            </a:pPr>
-            <a:r>
-              <a:rPr lang="en-US" altLang="zh-CN" dirty="0"/>
-              <a:t>$("p").hide() - </a:t>
-            </a:r>
-            <a:r>
-              <a:rPr lang="zh-CN" altLang="en-US" dirty="0"/>
-              <a:t>隐藏所有段落</a:t>
-            </a:r>
-          </a:p>
-          <a:p>
-            <a:pPr marL="742950" indent="-742950">
-              <a:buFont typeface="+mj-lt"/>
-              <a:buAutoNum type="arabicPeriod"/>
-            </a:pPr>
-            <a:r>
-              <a:rPr lang="en-US" altLang="zh-CN" dirty="0"/>
-              <a:t>$(".test").hide() - </a:t>
-            </a:r>
-            <a:r>
-              <a:rPr lang="zh-CN" altLang="en-US" dirty="0"/>
-              <a:t>隐藏所有 </a:t>
-            </a:r>
-            <a:r>
-              <a:rPr lang="en-US" altLang="zh-CN" dirty="0"/>
-              <a:t>class="test" </a:t>
-            </a:r>
-            <a:r>
-              <a:rPr lang="zh-CN" altLang="en-US" dirty="0"/>
-              <a:t>的所有元素</a:t>
-            </a:r>
-          </a:p>
-          <a:p>
-            <a:pPr marL="742950" indent="-742950">
-              <a:buFont typeface="+mj-lt"/>
-              <a:buAutoNum type="arabicPeriod"/>
-            </a:pPr>
-            <a:r>
-              <a:rPr lang="en-US" altLang="zh-CN" dirty="0"/>
-              <a:t>$("#test").hide() - </a:t>
-            </a:r>
-            <a:r>
-              <a:rPr lang="zh-CN" altLang="en-US" dirty="0"/>
-              <a:t>隐藏所有 </a:t>
-            </a:r>
-            <a:r>
-              <a:rPr lang="en-US" altLang="zh-CN" dirty="0"/>
-              <a:t>id="test" </a:t>
-            </a:r>
-            <a:r>
-              <a:rPr lang="zh-CN" altLang="en-US" dirty="0"/>
-              <a:t>的元素</a:t>
-            </a:r>
-          </a:p>
-          <a:p>
-            <a:pPr marL="742950" indent="-742950">
-              <a:buFont typeface="+mj-lt"/>
-              <a:buAutoNum type="arabicPeriod"/>
-            </a:pPr>
-            <a:endParaRPr lang="zh-CN" altLang="en-US" dirty="0"/>
-          </a:p>
-          <a:p>
             <a:endParaRPr lang="zh-CN" altLang="en-US" dirty="0"/>
           </a:p>
         </p:txBody>
@@ -6999,7 +6926,7 @@
     </p:spTree>
     <p:extLst>
       <p:ext uri="{BB962C8B-B14F-4D97-AF65-F5344CB8AC3E}">
-        <p14:creationId xmlns:p14="http://schemas.microsoft.com/office/powerpoint/2010/main" val="2025610675"/>
+        <p14:creationId xmlns:p14="http://schemas.microsoft.com/office/powerpoint/2010/main" val="1078494163"/>
       </p:ext>
     </p:extLst>
   </p:cSld>
@@ -7031,153 +6958,1334 @@
       </p:grpSpPr>
       <p:sp>
         <p:nvSpPr>
-          <p:cNvPr id="2" name="标题 1"/>
-          <p:cNvSpPr>
-            <a:spLocks noGrp="1"/>
-          </p:cNvSpPr>
-          <p:nvPr>
-            <p:ph type="ctrTitle"/>
-          </p:nvPr>
+          <p:cNvPr id="15" name="任意多边形 14"/>
+          <p:cNvSpPr/>
+          <p:nvPr/>
         </p:nvSpPr>
-        <p:spPr/>
+        <p:spPr>
+          <a:xfrm>
+            <a:off x="4249692" y="1037774"/>
+            <a:ext cx="3741644" cy="3360060"/>
+          </a:xfrm>
+          <a:custGeom>
+            <a:avLst/>
+            <a:gdLst>
+              <a:gd name="connsiteX0" fmla="*/ 949445 w 3191647"/>
+              <a:gd name="connsiteY0" fmla="*/ 0 h 2866152"/>
+              <a:gd name="connsiteX1" fmla="*/ 2234352 w 3191647"/>
+              <a:gd name="connsiteY1" fmla="*/ 0 h 2866152"/>
+              <a:gd name="connsiteX2" fmla="*/ 2402131 w 3191647"/>
+              <a:gd name="connsiteY2" fmla="*/ 51249 h 2866152"/>
+              <a:gd name="connsiteX3" fmla="*/ 2409685 w 3191647"/>
+              <a:gd name="connsiteY3" fmla="*/ 57482 h 2866152"/>
+              <a:gd name="connsiteX4" fmla="*/ 2430115 w 3191647"/>
+              <a:gd name="connsiteY4" fmla="*/ 70005 h 2866152"/>
+              <a:gd name="connsiteX5" fmla="*/ 2508940 w 3191647"/>
+              <a:gd name="connsiteY5" fmla="*/ 159371 h 2866152"/>
+              <a:gd name="connsiteX6" fmla="*/ 3151394 w 3191647"/>
+              <a:gd name="connsiteY6" fmla="*/ 1272133 h 2866152"/>
+              <a:gd name="connsiteX7" fmla="*/ 3181372 w 3191647"/>
+              <a:gd name="connsiteY7" fmla="*/ 1499841 h 2866152"/>
+              <a:gd name="connsiteX8" fmla="*/ 3172981 w 3191647"/>
+              <a:gd name="connsiteY8" fmla="*/ 1522315 h 2866152"/>
+              <a:gd name="connsiteX9" fmla="*/ 3170003 w 3191647"/>
+              <a:gd name="connsiteY9" fmla="*/ 1535472 h 2866152"/>
+              <a:gd name="connsiteX10" fmla="*/ 3145044 w 3191647"/>
+              <a:gd name="connsiteY10" fmla="*/ 1590895 h 2866152"/>
+              <a:gd name="connsiteX11" fmla="*/ 2502590 w 3191647"/>
+              <a:gd name="connsiteY11" fmla="*/ 2703657 h 2866152"/>
+              <a:gd name="connsiteX12" fmla="*/ 2488794 w 3191647"/>
+              <a:gd name="connsiteY12" fmla="*/ 2722817 h 2866152"/>
+              <a:gd name="connsiteX13" fmla="*/ 2482806 w 3191647"/>
+              <a:gd name="connsiteY13" fmla="*/ 2733849 h 2866152"/>
+              <a:gd name="connsiteX14" fmla="*/ 2467439 w 3191647"/>
+              <a:gd name="connsiteY14" fmla="*/ 2752474 h 2866152"/>
+              <a:gd name="connsiteX15" fmla="*/ 2467072 w 3191647"/>
+              <a:gd name="connsiteY15" fmla="*/ 2752984 h 2866152"/>
+              <a:gd name="connsiteX16" fmla="*/ 2466846 w 3191647"/>
+              <a:gd name="connsiteY16" fmla="*/ 2753192 h 2866152"/>
+              <a:gd name="connsiteX17" fmla="*/ 2446163 w 3191647"/>
+              <a:gd name="connsiteY17" fmla="*/ 2778260 h 2866152"/>
+              <a:gd name="connsiteX18" fmla="*/ 2233973 w 3191647"/>
+              <a:gd name="connsiteY18" fmla="*/ 2866152 h 2866152"/>
+              <a:gd name="connsiteX19" fmla="*/ 949066 w 3191647"/>
+              <a:gd name="connsiteY19" fmla="*/ 2866152 h 2866152"/>
+              <a:gd name="connsiteX20" fmla="*/ 700233 w 3191647"/>
+              <a:gd name="connsiteY20" fmla="*/ 2733849 h 2866152"/>
+              <a:gd name="connsiteX21" fmla="*/ 689623 w 3191647"/>
+              <a:gd name="connsiteY21" fmla="*/ 2714300 h 2866152"/>
+              <a:gd name="connsiteX22" fmla="*/ 681960 w 3191647"/>
+              <a:gd name="connsiteY22" fmla="*/ 2703658 h 2866152"/>
+              <a:gd name="connsiteX23" fmla="*/ 39506 w 3191647"/>
+              <a:gd name="connsiteY23" fmla="*/ 1590896 h 2866152"/>
+              <a:gd name="connsiteX24" fmla="*/ 1526 w 3191647"/>
+              <a:gd name="connsiteY24" fmla="*/ 1477948 h 2866152"/>
+              <a:gd name="connsiteX25" fmla="*/ 720 w 3191647"/>
+              <a:gd name="connsiteY25" fmla="*/ 1447354 h 2866152"/>
+              <a:gd name="connsiteX26" fmla="*/ 0 w 3191647"/>
+              <a:gd name="connsiteY26" fmla="*/ 1443059 h 2866152"/>
+              <a:gd name="connsiteX27" fmla="*/ 303 w 3191647"/>
+              <a:gd name="connsiteY27" fmla="*/ 1431516 h 2866152"/>
+              <a:gd name="connsiteX28" fmla="*/ 0 w 3191647"/>
+              <a:gd name="connsiteY28" fmla="*/ 1419970 h 2866152"/>
+              <a:gd name="connsiteX29" fmla="*/ 720 w 3191647"/>
+              <a:gd name="connsiteY29" fmla="*/ 1415675 h 2866152"/>
+              <a:gd name="connsiteX30" fmla="*/ 1526 w 3191647"/>
+              <a:gd name="connsiteY30" fmla="*/ 1385081 h 2866152"/>
+              <a:gd name="connsiteX31" fmla="*/ 39506 w 3191647"/>
+              <a:gd name="connsiteY31" fmla="*/ 1272134 h 2866152"/>
+              <a:gd name="connsiteX32" fmla="*/ 681960 w 3191647"/>
+              <a:gd name="connsiteY32" fmla="*/ 159372 h 2866152"/>
+              <a:gd name="connsiteX33" fmla="*/ 698045 w 3191647"/>
+              <a:gd name="connsiteY33" fmla="*/ 137034 h 2866152"/>
+              <a:gd name="connsiteX34" fmla="*/ 700612 w 3191647"/>
+              <a:gd name="connsiteY34" fmla="*/ 132303 h 2866152"/>
+              <a:gd name="connsiteX35" fmla="*/ 707202 w 3191647"/>
+              <a:gd name="connsiteY35" fmla="*/ 124316 h 2866152"/>
+              <a:gd name="connsiteX36" fmla="*/ 717478 w 3191647"/>
+              <a:gd name="connsiteY36" fmla="*/ 110046 h 2866152"/>
+              <a:gd name="connsiteX37" fmla="*/ 723796 w 3191647"/>
+              <a:gd name="connsiteY37" fmla="*/ 104204 h 2866152"/>
+              <a:gd name="connsiteX38" fmla="*/ 737255 w 3191647"/>
+              <a:gd name="connsiteY38" fmla="*/ 87892 h 2866152"/>
+              <a:gd name="connsiteX39" fmla="*/ 949445 w 3191647"/>
+              <a:gd name="connsiteY39" fmla="*/ 0 h 2866152"/>
+            </a:gdLst>
+            <a:ahLst/>
+            <a:cxnLst>
+              <a:cxn ang="0">
+                <a:pos x="connsiteX0" y="connsiteY0"/>
+              </a:cxn>
+              <a:cxn ang="0">
+                <a:pos x="connsiteX1" y="connsiteY1"/>
+              </a:cxn>
+              <a:cxn ang="0">
+                <a:pos x="connsiteX2" y="connsiteY2"/>
+              </a:cxn>
+              <a:cxn ang="0">
+                <a:pos x="connsiteX3" y="connsiteY3"/>
+              </a:cxn>
+              <a:cxn ang="0">
+                <a:pos x="connsiteX4" y="connsiteY4"/>
+              </a:cxn>
+              <a:cxn ang="0">
+                <a:pos x="connsiteX5" y="connsiteY5"/>
+              </a:cxn>
+              <a:cxn ang="0">
+                <a:pos x="connsiteX6" y="connsiteY6"/>
+              </a:cxn>
+              <a:cxn ang="0">
+                <a:pos x="connsiteX7" y="connsiteY7"/>
+              </a:cxn>
+              <a:cxn ang="0">
+                <a:pos x="connsiteX8" y="connsiteY8"/>
+              </a:cxn>
+              <a:cxn ang="0">
+                <a:pos x="connsiteX9" y="connsiteY9"/>
+              </a:cxn>
+              <a:cxn ang="0">
+                <a:pos x="connsiteX10" y="connsiteY10"/>
+              </a:cxn>
+              <a:cxn ang="0">
+                <a:pos x="connsiteX11" y="connsiteY11"/>
+              </a:cxn>
+              <a:cxn ang="0">
+                <a:pos x="connsiteX12" y="connsiteY12"/>
+              </a:cxn>
+              <a:cxn ang="0">
+                <a:pos x="connsiteX13" y="connsiteY13"/>
+              </a:cxn>
+              <a:cxn ang="0">
+                <a:pos x="connsiteX14" y="connsiteY14"/>
+              </a:cxn>
+              <a:cxn ang="0">
+                <a:pos x="connsiteX15" y="connsiteY15"/>
+              </a:cxn>
+              <a:cxn ang="0">
+                <a:pos x="connsiteX16" y="connsiteY16"/>
+              </a:cxn>
+              <a:cxn ang="0">
+                <a:pos x="connsiteX17" y="connsiteY17"/>
+              </a:cxn>
+              <a:cxn ang="0">
+                <a:pos x="connsiteX18" y="connsiteY18"/>
+              </a:cxn>
+              <a:cxn ang="0">
+                <a:pos x="connsiteX19" y="connsiteY19"/>
+              </a:cxn>
+              <a:cxn ang="0">
+                <a:pos x="connsiteX20" y="connsiteY20"/>
+              </a:cxn>
+              <a:cxn ang="0">
+                <a:pos x="connsiteX21" y="connsiteY21"/>
+              </a:cxn>
+              <a:cxn ang="0">
+                <a:pos x="connsiteX22" y="connsiteY22"/>
+              </a:cxn>
+              <a:cxn ang="0">
+                <a:pos x="connsiteX23" y="connsiteY23"/>
+              </a:cxn>
+              <a:cxn ang="0">
+                <a:pos x="connsiteX24" y="connsiteY24"/>
+              </a:cxn>
+              <a:cxn ang="0">
+                <a:pos x="connsiteX25" y="connsiteY25"/>
+              </a:cxn>
+              <a:cxn ang="0">
+                <a:pos x="connsiteX26" y="connsiteY26"/>
+              </a:cxn>
+              <a:cxn ang="0">
+                <a:pos x="connsiteX27" y="connsiteY27"/>
+              </a:cxn>
+              <a:cxn ang="0">
+                <a:pos x="connsiteX28" y="connsiteY28"/>
+              </a:cxn>
+              <a:cxn ang="0">
+                <a:pos x="connsiteX29" y="connsiteY29"/>
+              </a:cxn>
+              <a:cxn ang="0">
+                <a:pos x="connsiteX30" y="connsiteY30"/>
+              </a:cxn>
+              <a:cxn ang="0">
+                <a:pos x="connsiteX31" y="connsiteY31"/>
+              </a:cxn>
+              <a:cxn ang="0">
+                <a:pos x="connsiteX32" y="connsiteY32"/>
+              </a:cxn>
+              <a:cxn ang="0">
+                <a:pos x="connsiteX33" y="connsiteY33"/>
+              </a:cxn>
+              <a:cxn ang="0">
+                <a:pos x="connsiteX34" y="connsiteY34"/>
+              </a:cxn>
+              <a:cxn ang="0">
+                <a:pos x="connsiteX35" y="connsiteY35"/>
+              </a:cxn>
+              <a:cxn ang="0">
+                <a:pos x="connsiteX36" y="connsiteY36"/>
+              </a:cxn>
+              <a:cxn ang="0">
+                <a:pos x="connsiteX37" y="connsiteY37"/>
+              </a:cxn>
+              <a:cxn ang="0">
+                <a:pos x="connsiteX38" y="connsiteY38"/>
+              </a:cxn>
+              <a:cxn ang="0">
+                <a:pos x="connsiteX39" y="connsiteY39"/>
+              </a:cxn>
+            </a:cxnLst>
+            <a:rect l="l" t="t" r="r" b="b"/>
+            <a:pathLst>
+              <a:path w="3191647" h="2866152">
+                <a:moveTo>
+                  <a:pt x="949445" y="0"/>
+                </a:moveTo>
+                <a:lnTo>
+                  <a:pt x="2234352" y="0"/>
+                </a:lnTo>
+                <a:cubicBezTo>
+                  <a:pt x="2296501" y="0"/>
+                  <a:pt x="2354237" y="18893"/>
+                  <a:pt x="2402131" y="51249"/>
+                </a:cubicBezTo>
+                <a:lnTo>
+                  <a:pt x="2409685" y="57482"/>
+                </a:lnTo>
+                <a:lnTo>
+                  <a:pt x="2430115" y="70005"/>
+                </a:lnTo>
+                <a:cubicBezTo>
+                  <a:pt x="2461216" y="93504"/>
+                  <a:pt x="2488224" y="123489"/>
+                  <a:pt x="2508940" y="159371"/>
+                </a:cubicBezTo>
+                <a:lnTo>
+                  <a:pt x="3151394" y="1272133"/>
+                </a:lnTo>
+                <a:cubicBezTo>
+                  <a:pt x="3192826" y="1343897"/>
+                  <a:pt x="3201249" y="1425660"/>
+                  <a:pt x="3181372" y="1499841"/>
+                </a:cubicBezTo>
+                <a:lnTo>
+                  <a:pt x="3172981" y="1522315"/>
+                </a:lnTo>
+                <a:lnTo>
+                  <a:pt x="3170003" y="1535472"/>
+                </a:lnTo>
+                <a:cubicBezTo>
+                  <a:pt x="3163697" y="1554388"/>
+                  <a:pt x="3155402" y="1572954"/>
+                  <a:pt x="3145044" y="1590895"/>
+                </a:cubicBezTo>
+                <a:lnTo>
+                  <a:pt x="2502590" y="2703657"/>
+                </a:lnTo>
+                <a:lnTo>
+                  <a:pt x="2488794" y="2722817"/>
+                </a:lnTo>
+                <a:lnTo>
+                  <a:pt x="2482806" y="2733849"/>
+                </a:lnTo>
+                <a:lnTo>
+                  <a:pt x="2467439" y="2752474"/>
+                </a:lnTo>
+                <a:lnTo>
+                  <a:pt x="2467072" y="2752984"/>
+                </a:lnTo>
+                <a:lnTo>
+                  <a:pt x="2466846" y="2753192"/>
+                </a:lnTo>
+                <a:lnTo>
+                  <a:pt x="2446163" y="2778260"/>
+                </a:lnTo>
+                <a:cubicBezTo>
+                  <a:pt x="2391859" y="2832565"/>
+                  <a:pt x="2316839" y="2866152"/>
+                  <a:pt x="2233973" y="2866152"/>
+                </a:cubicBezTo>
+                <a:lnTo>
+                  <a:pt x="949066" y="2866152"/>
+                </a:lnTo>
+                <a:cubicBezTo>
+                  <a:pt x="845484" y="2866152"/>
+                  <a:pt x="754160" y="2813671"/>
+                  <a:pt x="700233" y="2733849"/>
+                </a:cubicBezTo>
+                <a:lnTo>
+                  <a:pt x="689623" y="2714300"/>
+                </a:lnTo>
+                <a:lnTo>
+                  <a:pt x="681960" y="2703658"/>
+                </a:lnTo>
+                <a:lnTo>
+                  <a:pt x="39506" y="1590896"/>
+                </a:lnTo>
+                <a:cubicBezTo>
+                  <a:pt x="18789" y="1555014"/>
+                  <a:pt x="6326" y="1516632"/>
+                  <a:pt x="1526" y="1477948"/>
+                </a:cubicBezTo>
+                <a:lnTo>
+                  <a:pt x="720" y="1447354"/>
+                </a:lnTo>
+                <a:lnTo>
+                  <a:pt x="0" y="1443059"/>
+                </a:lnTo>
+                <a:lnTo>
+                  <a:pt x="303" y="1431516"/>
+                </a:lnTo>
+                <a:lnTo>
+                  <a:pt x="0" y="1419970"/>
+                </a:lnTo>
+                <a:lnTo>
+                  <a:pt x="720" y="1415675"/>
+                </a:lnTo>
+                <a:lnTo>
+                  <a:pt x="1526" y="1385081"/>
+                </a:lnTo>
+                <a:cubicBezTo>
+                  <a:pt x="6326" y="1346398"/>
+                  <a:pt x="18789" y="1308016"/>
+                  <a:pt x="39506" y="1272134"/>
+                </a:cubicBezTo>
+                <a:lnTo>
+                  <a:pt x="681960" y="159372"/>
+                </a:lnTo>
+                <a:lnTo>
+                  <a:pt x="698045" y="137034"/>
+                </a:lnTo>
+                <a:lnTo>
+                  <a:pt x="700612" y="132303"/>
+                </a:lnTo>
+                <a:lnTo>
+                  <a:pt x="707202" y="124316"/>
+                </a:lnTo>
+                <a:lnTo>
+                  <a:pt x="717478" y="110046"/>
+                </a:lnTo>
+                <a:lnTo>
+                  <a:pt x="723796" y="104204"/>
+                </a:lnTo>
+                <a:lnTo>
+                  <a:pt x="737255" y="87892"/>
+                </a:lnTo>
+                <a:cubicBezTo>
+                  <a:pt x="791559" y="33588"/>
+                  <a:pt x="866580" y="0"/>
+                  <a:pt x="949445" y="0"/>
+                </a:cubicBezTo>
+                <a:close/>
+              </a:path>
+            </a:pathLst>
+          </a:custGeom>
+          <a:noFill/>
+          <a:ln w="25400">
+            <a:solidFill>
+              <a:schemeClr val="bg1">
+                <a:alpha val="22000"/>
+              </a:schemeClr>
+            </a:solidFill>
+          </a:ln>
+          <a:effectLst>
+            <a:outerShdw blurRad="571500" dist="342900" dir="2280000" algn="tl" rotWithShape="0">
+              <a:prstClr val="black">
+                <a:alpha val="15000"/>
+              </a:prstClr>
+            </a:outerShdw>
+          </a:effectLst>
+        </p:spPr>
+        <p:style>
+          <a:lnRef idx="2">
+            <a:schemeClr val="accent1">
+              <a:shade val="50000"/>
+            </a:schemeClr>
+          </a:lnRef>
+          <a:fillRef idx="1">
+            <a:schemeClr val="accent1"/>
+          </a:fillRef>
+          <a:effectRef idx="0">
+            <a:schemeClr val="accent1"/>
+          </a:effectRef>
+          <a:fontRef idx="minor">
+            <a:schemeClr val="lt1"/>
+          </a:fontRef>
+        </p:style>
         <p:txBody>
-          <a:bodyPr/>
+          <a:bodyPr rtlCol="0" anchor="ctr"/>
           <a:lstStyle/>
           <a:p>
-            <a:r>
-              <a:rPr lang="en-US" altLang="zh-CN" dirty="0"/>
-              <a:t>$(function(){})</a:t>
-            </a:r>
-            <a:endParaRPr lang="zh-CN" altLang="en-US" dirty="0"/>
+            <a:pPr algn="ctr"/>
+            <a:endParaRPr lang="zh-CN" altLang="en-US"/>
           </a:p>
         </p:txBody>
       </p:sp>
+      <p:grpSp>
+        <p:nvGrpSpPr>
+          <p:cNvPr id="5" name="组合 4"/>
+          <p:cNvGrpSpPr/>
+          <p:nvPr/>
+        </p:nvGrpSpPr>
+        <p:grpSpPr>
+          <a:xfrm>
+            <a:off x="4706286" y="1267811"/>
+            <a:ext cx="2828456" cy="2881329"/>
+            <a:chOff x="4706287" y="1267811"/>
+            <a:chExt cx="2828456" cy="2881329"/>
+          </a:xfrm>
+        </p:grpSpPr>
+        <p:sp>
+          <p:nvSpPr>
+            <p:cNvPr id="3" name="任意多边形 2"/>
+            <p:cNvSpPr/>
+            <p:nvPr/>
+          </p:nvSpPr>
+          <p:spPr>
+            <a:xfrm>
+              <a:off x="4706287" y="1447803"/>
+              <a:ext cx="2828456" cy="2540001"/>
+            </a:xfrm>
+            <a:custGeom>
+              <a:avLst/>
+              <a:gdLst>
+                <a:gd name="connsiteX0" fmla="*/ 949445 w 3191647"/>
+                <a:gd name="connsiteY0" fmla="*/ 0 h 2866152"/>
+                <a:gd name="connsiteX1" fmla="*/ 2234352 w 3191647"/>
+                <a:gd name="connsiteY1" fmla="*/ 0 h 2866152"/>
+                <a:gd name="connsiteX2" fmla="*/ 2402131 w 3191647"/>
+                <a:gd name="connsiteY2" fmla="*/ 51249 h 2866152"/>
+                <a:gd name="connsiteX3" fmla="*/ 2409685 w 3191647"/>
+                <a:gd name="connsiteY3" fmla="*/ 57482 h 2866152"/>
+                <a:gd name="connsiteX4" fmla="*/ 2430115 w 3191647"/>
+                <a:gd name="connsiteY4" fmla="*/ 70005 h 2866152"/>
+                <a:gd name="connsiteX5" fmla="*/ 2508940 w 3191647"/>
+                <a:gd name="connsiteY5" fmla="*/ 159371 h 2866152"/>
+                <a:gd name="connsiteX6" fmla="*/ 3151394 w 3191647"/>
+                <a:gd name="connsiteY6" fmla="*/ 1272133 h 2866152"/>
+                <a:gd name="connsiteX7" fmla="*/ 3181372 w 3191647"/>
+                <a:gd name="connsiteY7" fmla="*/ 1499841 h 2866152"/>
+                <a:gd name="connsiteX8" fmla="*/ 3172981 w 3191647"/>
+                <a:gd name="connsiteY8" fmla="*/ 1522315 h 2866152"/>
+                <a:gd name="connsiteX9" fmla="*/ 3170003 w 3191647"/>
+                <a:gd name="connsiteY9" fmla="*/ 1535472 h 2866152"/>
+                <a:gd name="connsiteX10" fmla="*/ 3145044 w 3191647"/>
+                <a:gd name="connsiteY10" fmla="*/ 1590895 h 2866152"/>
+                <a:gd name="connsiteX11" fmla="*/ 2502590 w 3191647"/>
+                <a:gd name="connsiteY11" fmla="*/ 2703657 h 2866152"/>
+                <a:gd name="connsiteX12" fmla="*/ 2488794 w 3191647"/>
+                <a:gd name="connsiteY12" fmla="*/ 2722817 h 2866152"/>
+                <a:gd name="connsiteX13" fmla="*/ 2482806 w 3191647"/>
+                <a:gd name="connsiteY13" fmla="*/ 2733849 h 2866152"/>
+                <a:gd name="connsiteX14" fmla="*/ 2467439 w 3191647"/>
+                <a:gd name="connsiteY14" fmla="*/ 2752474 h 2866152"/>
+                <a:gd name="connsiteX15" fmla="*/ 2467072 w 3191647"/>
+                <a:gd name="connsiteY15" fmla="*/ 2752984 h 2866152"/>
+                <a:gd name="connsiteX16" fmla="*/ 2466846 w 3191647"/>
+                <a:gd name="connsiteY16" fmla="*/ 2753192 h 2866152"/>
+                <a:gd name="connsiteX17" fmla="*/ 2446163 w 3191647"/>
+                <a:gd name="connsiteY17" fmla="*/ 2778260 h 2866152"/>
+                <a:gd name="connsiteX18" fmla="*/ 2233973 w 3191647"/>
+                <a:gd name="connsiteY18" fmla="*/ 2866152 h 2866152"/>
+                <a:gd name="connsiteX19" fmla="*/ 949066 w 3191647"/>
+                <a:gd name="connsiteY19" fmla="*/ 2866152 h 2866152"/>
+                <a:gd name="connsiteX20" fmla="*/ 700233 w 3191647"/>
+                <a:gd name="connsiteY20" fmla="*/ 2733849 h 2866152"/>
+                <a:gd name="connsiteX21" fmla="*/ 689623 w 3191647"/>
+                <a:gd name="connsiteY21" fmla="*/ 2714300 h 2866152"/>
+                <a:gd name="connsiteX22" fmla="*/ 681960 w 3191647"/>
+                <a:gd name="connsiteY22" fmla="*/ 2703658 h 2866152"/>
+                <a:gd name="connsiteX23" fmla="*/ 39506 w 3191647"/>
+                <a:gd name="connsiteY23" fmla="*/ 1590896 h 2866152"/>
+                <a:gd name="connsiteX24" fmla="*/ 1526 w 3191647"/>
+                <a:gd name="connsiteY24" fmla="*/ 1477948 h 2866152"/>
+                <a:gd name="connsiteX25" fmla="*/ 720 w 3191647"/>
+                <a:gd name="connsiteY25" fmla="*/ 1447354 h 2866152"/>
+                <a:gd name="connsiteX26" fmla="*/ 0 w 3191647"/>
+                <a:gd name="connsiteY26" fmla="*/ 1443059 h 2866152"/>
+                <a:gd name="connsiteX27" fmla="*/ 303 w 3191647"/>
+                <a:gd name="connsiteY27" fmla="*/ 1431516 h 2866152"/>
+                <a:gd name="connsiteX28" fmla="*/ 0 w 3191647"/>
+                <a:gd name="connsiteY28" fmla="*/ 1419970 h 2866152"/>
+                <a:gd name="connsiteX29" fmla="*/ 720 w 3191647"/>
+                <a:gd name="connsiteY29" fmla="*/ 1415675 h 2866152"/>
+                <a:gd name="connsiteX30" fmla="*/ 1526 w 3191647"/>
+                <a:gd name="connsiteY30" fmla="*/ 1385081 h 2866152"/>
+                <a:gd name="connsiteX31" fmla="*/ 39506 w 3191647"/>
+                <a:gd name="connsiteY31" fmla="*/ 1272134 h 2866152"/>
+                <a:gd name="connsiteX32" fmla="*/ 681960 w 3191647"/>
+                <a:gd name="connsiteY32" fmla="*/ 159372 h 2866152"/>
+                <a:gd name="connsiteX33" fmla="*/ 698045 w 3191647"/>
+                <a:gd name="connsiteY33" fmla="*/ 137034 h 2866152"/>
+                <a:gd name="connsiteX34" fmla="*/ 700612 w 3191647"/>
+                <a:gd name="connsiteY34" fmla="*/ 132303 h 2866152"/>
+                <a:gd name="connsiteX35" fmla="*/ 707202 w 3191647"/>
+                <a:gd name="connsiteY35" fmla="*/ 124316 h 2866152"/>
+                <a:gd name="connsiteX36" fmla="*/ 717478 w 3191647"/>
+                <a:gd name="connsiteY36" fmla="*/ 110046 h 2866152"/>
+                <a:gd name="connsiteX37" fmla="*/ 723796 w 3191647"/>
+                <a:gd name="connsiteY37" fmla="*/ 104204 h 2866152"/>
+                <a:gd name="connsiteX38" fmla="*/ 737255 w 3191647"/>
+                <a:gd name="connsiteY38" fmla="*/ 87892 h 2866152"/>
+                <a:gd name="connsiteX39" fmla="*/ 949445 w 3191647"/>
+                <a:gd name="connsiteY39" fmla="*/ 0 h 2866152"/>
+              </a:gdLst>
+              <a:ahLst/>
+              <a:cxnLst>
+                <a:cxn ang="0">
+                  <a:pos x="connsiteX0" y="connsiteY0"/>
+                </a:cxn>
+                <a:cxn ang="0">
+                  <a:pos x="connsiteX1" y="connsiteY1"/>
+                </a:cxn>
+                <a:cxn ang="0">
+                  <a:pos x="connsiteX2" y="connsiteY2"/>
+                </a:cxn>
+                <a:cxn ang="0">
+                  <a:pos x="connsiteX3" y="connsiteY3"/>
+                </a:cxn>
+                <a:cxn ang="0">
+                  <a:pos x="connsiteX4" y="connsiteY4"/>
+                </a:cxn>
+                <a:cxn ang="0">
+                  <a:pos x="connsiteX5" y="connsiteY5"/>
+                </a:cxn>
+                <a:cxn ang="0">
+                  <a:pos x="connsiteX6" y="connsiteY6"/>
+                </a:cxn>
+                <a:cxn ang="0">
+                  <a:pos x="connsiteX7" y="connsiteY7"/>
+                </a:cxn>
+                <a:cxn ang="0">
+                  <a:pos x="connsiteX8" y="connsiteY8"/>
+                </a:cxn>
+                <a:cxn ang="0">
+                  <a:pos x="connsiteX9" y="connsiteY9"/>
+                </a:cxn>
+                <a:cxn ang="0">
+                  <a:pos x="connsiteX10" y="connsiteY10"/>
+                </a:cxn>
+                <a:cxn ang="0">
+                  <a:pos x="connsiteX11" y="connsiteY11"/>
+                </a:cxn>
+                <a:cxn ang="0">
+                  <a:pos x="connsiteX12" y="connsiteY12"/>
+                </a:cxn>
+                <a:cxn ang="0">
+                  <a:pos x="connsiteX13" y="connsiteY13"/>
+                </a:cxn>
+                <a:cxn ang="0">
+                  <a:pos x="connsiteX14" y="connsiteY14"/>
+                </a:cxn>
+                <a:cxn ang="0">
+                  <a:pos x="connsiteX15" y="connsiteY15"/>
+                </a:cxn>
+                <a:cxn ang="0">
+                  <a:pos x="connsiteX16" y="connsiteY16"/>
+                </a:cxn>
+                <a:cxn ang="0">
+                  <a:pos x="connsiteX17" y="connsiteY17"/>
+                </a:cxn>
+                <a:cxn ang="0">
+                  <a:pos x="connsiteX18" y="connsiteY18"/>
+                </a:cxn>
+                <a:cxn ang="0">
+                  <a:pos x="connsiteX19" y="connsiteY19"/>
+                </a:cxn>
+                <a:cxn ang="0">
+                  <a:pos x="connsiteX20" y="connsiteY20"/>
+                </a:cxn>
+                <a:cxn ang="0">
+                  <a:pos x="connsiteX21" y="connsiteY21"/>
+                </a:cxn>
+                <a:cxn ang="0">
+                  <a:pos x="connsiteX22" y="connsiteY22"/>
+                </a:cxn>
+                <a:cxn ang="0">
+                  <a:pos x="connsiteX23" y="connsiteY23"/>
+                </a:cxn>
+                <a:cxn ang="0">
+                  <a:pos x="connsiteX24" y="connsiteY24"/>
+                </a:cxn>
+                <a:cxn ang="0">
+                  <a:pos x="connsiteX25" y="connsiteY25"/>
+                </a:cxn>
+                <a:cxn ang="0">
+                  <a:pos x="connsiteX26" y="connsiteY26"/>
+                </a:cxn>
+                <a:cxn ang="0">
+                  <a:pos x="connsiteX27" y="connsiteY27"/>
+                </a:cxn>
+                <a:cxn ang="0">
+                  <a:pos x="connsiteX28" y="connsiteY28"/>
+                </a:cxn>
+                <a:cxn ang="0">
+                  <a:pos x="connsiteX29" y="connsiteY29"/>
+                </a:cxn>
+                <a:cxn ang="0">
+                  <a:pos x="connsiteX30" y="connsiteY30"/>
+                </a:cxn>
+                <a:cxn ang="0">
+                  <a:pos x="connsiteX31" y="connsiteY31"/>
+                </a:cxn>
+                <a:cxn ang="0">
+                  <a:pos x="connsiteX32" y="connsiteY32"/>
+                </a:cxn>
+                <a:cxn ang="0">
+                  <a:pos x="connsiteX33" y="connsiteY33"/>
+                </a:cxn>
+                <a:cxn ang="0">
+                  <a:pos x="connsiteX34" y="connsiteY34"/>
+                </a:cxn>
+                <a:cxn ang="0">
+                  <a:pos x="connsiteX35" y="connsiteY35"/>
+                </a:cxn>
+                <a:cxn ang="0">
+                  <a:pos x="connsiteX36" y="connsiteY36"/>
+                </a:cxn>
+                <a:cxn ang="0">
+                  <a:pos x="connsiteX37" y="connsiteY37"/>
+                </a:cxn>
+                <a:cxn ang="0">
+                  <a:pos x="connsiteX38" y="connsiteY38"/>
+                </a:cxn>
+                <a:cxn ang="0">
+                  <a:pos x="connsiteX39" y="connsiteY39"/>
+                </a:cxn>
+              </a:cxnLst>
+              <a:rect l="l" t="t" r="r" b="b"/>
+              <a:pathLst>
+                <a:path w="3191647" h="2866152">
+                  <a:moveTo>
+                    <a:pt x="949445" y="0"/>
+                  </a:moveTo>
+                  <a:lnTo>
+                    <a:pt x="2234352" y="0"/>
+                  </a:lnTo>
+                  <a:cubicBezTo>
+                    <a:pt x="2296501" y="0"/>
+                    <a:pt x="2354237" y="18893"/>
+                    <a:pt x="2402131" y="51249"/>
+                  </a:cubicBezTo>
+                  <a:lnTo>
+                    <a:pt x="2409685" y="57482"/>
+                  </a:lnTo>
+                  <a:lnTo>
+                    <a:pt x="2430115" y="70005"/>
+                  </a:lnTo>
+                  <a:cubicBezTo>
+                    <a:pt x="2461216" y="93504"/>
+                    <a:pt x="2488224" y="123489"/>
+                    <a:pt x="2508940" y="159371"/>
+                  </a:cubicBezTo>
+                  <a:lnTo>
+                    <a:pt x="3151394" y="1272133"/>
+                  </a:lnTo>
+                  <a:cubicBezTo>
+                    <a:pt x="3192826" y="1343897"/>
+                    <a:pt x="3201249" y="1425660"/>
+                    <a:pt x="3181372" y="1499841"/>
+                  </a:cubicBezTo>
+                  <a:lnTo>
+                    <a:pt x="3172981" y="1522315"/>
+                  </a:lnTo>
+                  <a:lnTo>
+                    <a:pt x="3170003" y="1535472"/>
+                  </a:lnTo>
+                  <a:cubicBezTo>
+                    <a:pt x="3163697" y="1554388"/>
+                    <a:pt x="3155402" y="1572954"/>
+                    <a:pt x="3145044" y="1590895"/>
+                  </a:cubicBezTo>
+                  <a:lnTo>
+                    <a:pt x="2502590" y="2703657"/>
+                  </a:lnTo>
+                  <a:lnTo>
+                    <a:pt x="2488794" y="2722817"/>
+                  </a:lnTo>
+                  <a:lnTo>
+                    <a:pt x="2482806" y="2733849"/>
+                  </a:lnTo>
+                  <a:lnTo>
+                    <a:pt x="2467439" y="2752474"/>
+                  </a:lnTo>
+                  <a:lnTo>
+                    <a:pt x="2467072" y="2752984"/>
+                  </a:lnTo>
+                  <a:lnTo>
+                    <a:pt x="2466846" y="2753192"/>
+                  </a:lnTo>
+                  <a:lnTo>
+                    <a:pt x="2446163" y="2778260"/>
+                  </a:lnTo>
+                  <a:cubicBezTo>
+                    <a:pt x="2391859" y="2832565"/>
+                    <a:pt x="2316839" y="2866152"/>
+                    <a:pt x="2233973" y="2866152"/>
+                  </a:cubicBezTo>
+                  <a:lnTo>
+                    <a:pt x="949066" y="2866152"/>
+                  </a:lnTo>
+                  <a:cubicBezTo>
+                    <a:pt x="845484" y="2866152"/>
+                    <a:pt x="754160" y="2813671"/>
+                    <a:pt x="700233" y="2733849"/>
+                  </a:cubicBezTo>
+                  <a:lnTo>
+                    <a:pt x="689623" y="2714300"/>
+                  </a:lnTo>
+                  <a:lnTo>
+                    <a:pt x="681960" y="2703658"/>
+                  </a:lnTo>
+                  <a:lnTo>
+                    <a:pt x="39506" y="1590896"/>
+                  </a:lnTo>
+                  <a:cubicBezTo>
+                    <a:pt x="18789" y="1555014"/>
+                    <a:pt x="6326" y="1516632"/>
+                    <a:pt x="1526" y="1477948"/>
+                  </a:cubicBezTo>
+                  <a:lnTo>
+                    <a:pt x="720" y="1447354"/>
+                  </a:lnTo>
+                  <a:lnTo>
+                    <a:pt x="0" y="1443059"/>
+                  </a:lnTo>
+                  <a:lnTo>
+                    <a:pt x="303" y="1431516"/>
+                  </a:lnTo>
+                  <a:lnTo>
+                    <a:pt x="0" y="1419970"/>
+                  </a:lnTo>
+                  <a:lnTo>
+                    <a:pt x="720" y="1415675"/>
+                  </a:lnTo>
+                  <a:lnTo>
+                    <a:pt x="1526" y="1385081"/>
+                  </a:lnTo>
+                  <a:cubicBezTo>
+                    <a:pt x="6326" y="1346398"/>
+                    <a:pt x="18789" y="1308016"/>
+                    <a:pt x="39506" y="1272134"/>
+                  </a:cubicBezTo>
+                  <a:lnTo>
+                    <a:pt x="681960" y="159372"/>
+                  </a:lnTo>
+                  <a:lnTo>
+                    <a:pt x="698045" y="137034"/>
+                  </a:lnTo>
+                  <a:lnTo>
+                    <a:pt x="700612" y="132303"/>
+                  </a:lnTo>
+                  <a:lnTo>
+                    <a:pt x="707202" y="124316"/>
+                  </a:lnTo>
+                  <a:lnTo>
+                    <a:pt x="717478" y="110046"/>
+                  </a:lnTo>
+                  <a:lnTo>
+                    <a:pt x="723796" y="104204"/>
+                  </a:lnTo>
+                  <a:lnTo>
+                    <a:pt x="737255" y="87892"/>
+                  </a:lnTo>
+                  <a:cubicBezTo>
+                    <a:pt x="791559" y="33588"/>
+                    <a:pt x="866580" y="0"/>
+                    <a:pt x="949445" y="0"/>
+                  </a:cubicBezTo>
+                  <a:close/>
+                </a:path>
+              </a:pathLst>
+            </a:custGeom>
+            <a:gradFill>
+              <a:gsLst>
+                <a:gs pos="0">
+                  <a:srgbClr val="E5E5E5"/>
+                </a:gs>
+                <a:gs pos="100000">
+                  <a:srgbClr val="FEFEFE"/>
+                </a:gs>
+              </a:gsLst>
+              <a:lin ang="5400000" scaled="1"/>
+            </a:gradFill>
+            <a:ln w="25400">
+              <a:gradFill>
+                <a:gsLst>
+                  <a:gs pos="0">
+                    <a:schemeClr val="accent1">
+                      <a:lumMod val="5000"/>
+                      <a:lumOff val="95000"/>
+                    </a:schemeClr>
+                  </a:gs>
+                  <a:gs pos="100000">
+                    <a:srgbClr val="E0E0E0"/>
+                  </a:gs>
+                </a:gsLst>
+                <a:lin ang="5400000" scaled="1"/>
+              </a:gradFill>
+            </a:ln>
+            <a:effectLst>
+              <a:outerShdw blurRad="571500" dist="342900" dir="2280000" algn="tl" rotWithShape="0">
+                <a:prstClr val="black">
+                  <a:alpha val="15000"/>
+                </a:prstClr>
+              </a:outerShdw>
+            </a:effectLst>
+          </p:spPr>
+          <p:style>
+            <a:lnRef idx="2">
+              <a:schemeClr val="accent1">
+                <a:shade val="50000"/>
+              </a:schemeClr>
+            </a:lnRef>
+            <a:fillRef idx="1">
+              <a:schemeClr val="accent1"/>
+            </a:fillRef>
+            <a:effectRef idx="0">
+              <a:schemeClr val="accent1"/>
+            </a:effectRef>
+            <a:fontRef idx="minor">
+              <a:schemeClr val="lt1"/>
+            </a:fontRef>
+          </p:style>
+          <p:txBody>
+            <a:bodyPr rtlCol="0" anchor="ctr"/>
+            <a:lstStyle/>
+            <a:p>
+              <a:pPr algn="ctr"/>
+              <a:endParaRPr lang="zh-CN" altLang="en-US"/>
+            </a:p>
+          </p:txBody>
+        </p:sp>
+        <p:sp>
+          <p:nvSpPr>
+            <p:cNvPr id="16" name="文本框 15"/>
+            <p:cNvSpPr txBox="1"/>
+            <p:nvPr/>
+          </p:nvSpPr>
+          <p:spPr>
+            <a:xfrm>
+              <a:off x="5464726" y="1267811"/>
+              <a:ext cx="1630575" cy="2215991"/>
+            </a:xfrm>
+            <a:prstGeom prst="rect">
+              <a:avLst/>
+            </a:prstGeom>
+            <a:noFill/>
+          </p:spPr>
+          <p:txBody>
+            <a:bodyPr wrap="none" rtlCol="0">
+              <a:spAutoFit/>
+            </a:bodyPr>
+            <a:lstStyle/>
+            <a:p>
+              <a:r>
+                <a:rPr lang="en-US" altLang="zh-CN" sz="13800" dirty="0" smtClean="0">
+                  <a:solidFill>
+                    <a:srgbClr val="18B0E3"/>
+                  </a:solidFill>
+                  <a:latin typeface="Agency FB" panose="020B0503020202020204" pitchFamily="34" charset="0"/>
+                </a:rPr>
+                <a:t>04</a:t>
+              </a:r>
+              <a:endParaRPr lang="en-US" altLang="zh-CN" sz="13800" dirty="0" smtClean="0">
+                <a:solidFill>
+                  <a:srgbClr val="18B0E3"/>
+                </a:solidFill>
+                <a:latin typeface="Agency FB" panose="020B0503020202020204" pitchFamily="34" charset="0"/>
+              </a:endParaRPr>
+            </a:p>
+          </p:txBody>
+        </p:sp>
+        <p:sp>
+          <p:nvSpPr>
+            <p:cNvPr id="19" name="文本框 18"/>
+            <p:cNvSpPr txBox="1"/>
+            <p:nvPr/>
+          </p:nvSpPr>
+          <p:spPr>
+            <a:xfrm>
+              <a:off x="5379480" y="3195033"/>
+              <a:ext cx="1592487" cy="954107"/>
+            </a:xfrm>
+            <a:prstGeom prst="rect">
+              <a:avLst/>
+            </a:prstGeom>
+            <a:noFill/>
+          </p:spPr>
+          <p:txBody>
+            <a:bodyPr wrap="none" rtlCol="0">
+              <a:spAutoFit/>
+            </a:bodyPr>
+            <a:lstStyle/>
+            <a:p>
+              <a:r>
+                <a:rPr lang="en-US" altLang="zh-CN" sz="2800" b="1" dirty="0" smtClean="0">
+                  <a:solidFill>
+                    <a:srgbClr val="18B0E3"/>
+                  </a:solidFill>
+                  <a:latin typeface="Segoe UI Semilight" panose="020B0402040204020203" pitchFamily="34" charset="0"/>
+                  <a:ea typeface="Kozuka Gothic Pro L" panose="020B0200000000000000" pitchFamily="34" charset="-128"/>
+                  <a:cs typeface="Segoe UI Semilight" panose="020B0402040204020203" pitchFamily="34" charset="0"/>
+                </a:rPr>
+                <a:t>Part </a:t>
+              </a:r>
+              <a:r>
+                <a:rPr lang="en-US" altLang="zh-CN" sz="2800" b="1" dirty="0" smtClean="0">
+                  <a:solidFill>
+                    <a:srgbClr val="18B0E3"/>
+                  </a:solidFill>
+                  <a:latin typeface="Segoe UI Semilight" panose="020B0402040204020203" pitchFamily="34" charset="0"/>
+                  <a:ea typeface="Kozuka Gothic Pro L" panose="020B0200000000000000" pitchFamily="34" charset="-128"/>
+                  <a:cs typeface="Segoe UI Semilight" panose="020B0402040204020203" pitchFamily="34" charset="0"/>
+                </a:rPr>
+                <a:t>Four</a:t>
+              </a:r>
+            </a:p>
+            <a:p>
+              <a:endParaRPr lang="en-US" altLang="zh-CN" sz="2800" b="1" dirty="0" smtClean="0">
+                <a:solidFill>
+                  <a:srgbClr val="18B0E3"/>
+                </a:solidFill>
+                <a:latin typeface="Segoe UI Semilight" panose="020B0402040204020203" pitchFamily="34" charset="0"/>
+                <a:ea typeface="Kozuka Gothic Pro L" panose="020B0200000000000000" pitchFamily="34" charset="-128"/>
+                <a:cs typeface="Segoe UI Semilight" panose="020B0402040204020203" pitchFamily="34" charset="0"/>
+              </a:endParaRPr>
+            </a:p>
+          </p:txBody>
+        </p:sp>
+      </p:grpSp>
       <p:sp>
         <p:nvSpPr>
-          <p:cNvPr id="3" name="副标题 2"/>
-          <p:cNvSpPr>
-            <a:spLocks noGrp="1"/>
-          </p:cNvSpPr>
-          <p:nvPr>
-            <p:ph type="subTitle" idx="1"/>
-          </p:nvPr>
+          <p:cNvPr id="21" name="文本框 20"/>
+          <p:cNvSpPr txBox="1"/>
+          <p:nvPr/>
         </p:nvSpPr>
-        <p:spPr/>
+        <p:spPr>
+          <a:xfrm>
+            <a:off x="4250055" y="4807585"/>
+            <a:ext cx="3903345" cy="706755"/>
+          </a:xfrm>
+          <a:prstGeom prst="rect">
+            <a:avLst/>
+          </a:prstGeom>
+          <a:noFill/>
+          <a:effectLst>
+            <a:outerShdw blurRad="63500" dist="38100" dir="5400000" algn="t" rotWithShape="0">
+              <a:prstClr val="black">
+                <a:alpha val="27000"/>
+              </a:prstClr>
+            </a:outerShdw>
+          </a:effectLst>
+        </p:spPr>
         <p:txBody>
-          <a:bodyPr>
-            <a:normAutofit fontScale="85000" lnSpcReduction="10000"/>
+          <a:bodyPr wrap="square" rtlCol="0">
+            <a:spAutoFit/>
           </a:bodyPr>
           <a:lstStyle/>
           <a:p>
-            <a:r>
-              <a:rPr lang="en-US" altLang="zh-CN" dirty="0"/>
-              <a:t>$(function</a:t>
-            </a:r>
-            <a:r>
-              <a:rPr lang="en-US" altLang="zh-CN" dirty="0" smtClean="0"/>
-              <a:t>(){})</a:t>
-            </a:r>
-          </a:p>
-          <a:p>
-            <a:pPr marL="0" indent="0">
-              <a:buNone/>
-            </a:pPr>
-            <a:r>
-              <a:rPr lang="zh-CN" altLang="en-US" dirty="0" smtClean="0"/>
-              <a:t>是</a:t>
-            </a:r>
-            <a:r>
-              <a:rPr lang="en-US" altLang="zh-CN" dirty="0" smtClean="0"/>
-              <a:t>$(</a:t>
-            </a:r>
-            <a:r>
-              <a:rPr lang="en-US" altLang="zh-CN" dirty="0"/>
-              <a:t>document).ready(function(){}) </a:t>
-            </a:r>
-            <a:r>
-              <a:rPr lang="zh-CN" altLang="en-US" dirty="0" smtClean="0"/>
-              <a:t>的简写形式，</a:t>
-            </a:r>
-            <a:r>
-              <a:rPr lang="zh-CN" altLang="en-US" dirty="0"/>
-              <a:t>这是为了防止文档在完全</a:t>
-            </a:r>
-            <a:r>
-              <a:rPr lang="zh-CN" altLang="en-US" dirty="0" smtClean="0"/>
-              <a:t>加载之前</a:t>
-            </a:r>
-            <a:r>
-              <a:rPr lang="zh-CN" altLang="en-US" dirty="0"/>
-              <a:t>运行 </a:t>
-            </a:r>
-            <a:r>
-              <a:rPr lang="en-US" altLang="zh-CN" dirty="0"/>
+            <a:pPr algn="ctr"/>
+            <a:r>
+              <a:rPr lang="en-US" altLang="zh-CN" sz="4000" b="1" dirty="0" smtClean="0">
+                <a:solidFill>
+                  <a:schemeClr val="bg1"/>
+                </a:solidFill>
+                <a:latin typeface="Corbel" panose="020B0503020204020204" charset="0"/>
+                <a:ea typeface="方正正纤黑简体" panose="02000000000000000000" pitchFamily="2" charset="-122"/>
+              </a:rPr>
               <a:t>jQuery </a:t>
             </a:r>
             <a:r>
-              <a:rPr lang="zh-CN" altLang="en-US" dirty="0"/>
-              <a:t>代码</a:t>
-            </a:r>
-            <a:r>
-              <a:rPr lang="zh-CN" altLang="en-US" dirty="0" smtClean="0"/>
-              <a:t>。</a:t>
-            </a:r>
-            <a:endParaRPr lang="en-US" altLang="zh-CN" dirty="0"/>
-          </a:p>
-          <a:p>
-            <a:pPr marL="0" indent="0">
-              <a:buNone/>
-            </a:pPr>
-            <a:r>
-              <a:rPr lang="zh-CN" altLang="en-US" dirty="0" smtClean="0"/>
-              <a:t>如果</a:t>
-            </a:r>
-            <a:r>
-              <a:rPr lang="zh-CN" altLang="en-US" dirty="0"/>
-              <a:t>在文档没有完全加载之前就运行函数，操作可能失败。下面是两个具体的例子：</a:t>
-            </a:r>
-          </a:p>
-          <a:p>
-            <a:pPr marL="742950" indent="-742950">
-              <a:buFont typeface="+mj-lt"/>
-              <a:buAutoNum type="arabicPeriod"/>
-            </a:pPr>
-            <a:r>
-              <a:rPr lang="zh-CN" altLang="en-US" dirty="0"/>
-              <a:t>试图隐藏一个不存在的元素</a:t>
-            </a:r>
-          </a:p>
-          <a:p>
-            <a:pPr marL="742950" indent="-742950">
-              <a:buFont typeface="+mj-lt"/>
-              <a:buAutoNum type="arabicPeriod"/>
-            </a:pPr>
-            <a:r>
-              <a:rPr lang="zh-CN" altLang="en-US" dirty="0"/>
-              <a:t>获得未完全加载的图像的大小</a:t>
-            </a:r>
-          </a:p>
-          <a:p>
-            <a:pPr marL="0" indent="0">
-              <a:buNone/>
-            </a:pPr>
-            <a:endParaRPr lang="zh-CN" altLang="en-US" dirty="0"/>
+              <a:rPr lang="zh-CN" altLang="en-US" sz="4000" b="1" dirty="0" smtClean="0">
+                <a:solidFill>
+                  <a:schemeClr val="bg1"/>
+                </a:solidFill>
+                <a:latin typeface="Corbel" panose="020B0503020204020204" charset="0"/>
+                <a:ea typeface="方正正纤黑简体" panose="02000000000000000000" pitchFamily="2" charset="-122"/>
+              </a:rPr>
+              <a:t>核心</a:t>
+            </a:r>
+            <a:endParaRPr lang="zh-CN" altLang="en-US" sz="4000" b="1" dirty="0">
+              <a:solidFill>
+                <a:schemeClr val="bg1"/>
+              </a:solidFill>
+              <a:latin typeface="Corbel" panose="020B0503020204020204" charset="0"/>
+              <a:ea typeface="方正正纤黑简体" panose="02000000000000000000" pitchFamily="2" charset="-122"/>
+            </a:endParaRPr>
           </a:p>
         </p:txBody>
       </p:sp>
     </p:spTree>
     <p:extLst>
       <p:ext uri="{BB962C8B-B14F-4D97-AF65-F5344CB8AC3E}">
-        <p14:creationId xmlns:p14="http://schemas.microsoft.com/office/powerpoint/2010/main" val="1078494163"/>
+        <p14:creationId xmlns:p14="http://schemas.microsoft.com/office/powerpoint/2010/main" val="3025195136"/>
       </p:ext>
     </p:extLst>
   </p:cSld>
   <p:clrMapOvr>
     <a:masterClrMapping/>
   </p:clrMapOvr>
-  <p:transition>
-    <p:wipe dir="r"/>
-  </p:transition>
+  <p:timing>
+    <p:tnLst>
+      <p:par>
+        <p:cTn id="1" dur="indefinite" restart="never" nodeType="tmRoot">
+          <p:childTnLst>
+            <p:seq concurrent="1" nextAc="seek">
+              <p:cTn id="2" dur="indefinite" nodeType="mainSeq">
+                <p:childTnLst>
+                  <p:par>
+                    <p:cTn id="3" fill="hold">
+                      <p:stCondLst>
+                        <p:cond delay="indefinite"/>
+                        <p:cond evt="onBegin" delay="0">
+                          <p:tn val="2"/>
+                        </p:cond>
+                      </p:stCondLst>
+                      <p:childTnLst>
+                        <p:par>
+                          <p:cTn id="4" fill="hold">
+                            <p:stCondLst>
+                              <p:cond delay="0"/>
+                            </p:stCondLst>
+                            <p:childTnLst>
+                              <p:par>
+                                <p:cTn id="5" presetID="53" presetClass="entr" presetSubtype="16" fill="hold" nodeType="afterEffect">
+                                  <p:stCondLst>
+                                    <p:cond delay="0"/>
+                                  </p:stCondLst>
+                                  <p:childTnLst>
+                                    <p:set>
+                                      <p:cBhvr>
+                                        <p:cTn id="6" dur="1" fill="hold">
+                                          <p:stCondLst>
+                                            <p:cond delay="0"/>
+                                          </p:stCondLst>
+                                        </p:cTn>
+                                        <p:tgtEl>
+                                          <p:spTgt spid="5"/>
+                                        </p:tgtEl>
+                                        <p:attrNameLst>
+                                          <p:attrName>style.visibility</p:attrName>
+                                        </p:attrNameLst>
+                                      </p:cBhvr>
+                                      <p:to>
+                                        <p:strVal val="visible"/>
+                                      </p:to>
+                                    </p:set>
+                                    <p:anim calcmode="lin" valueType="num">
+                                      <p:cBhvr>
+                                        <p:cTn id="7" dur="500" fill="hold"/>
+                                        <p:tgtEl>
+                                          <p:spTgt spid="5"/>
+                                        </p:tgtEl>
+                                        <p:attrNameLst>
+                                          <p:attrName>ppt_w</p:attrName>
+                                        </p:attrNameLst>
+                                      </p:cBhvr>
+                                      <p:tavLst>
+                                        <p:tav tm="0">
+                                          <p:val>
+                                            <p:fltVal val="0"/>
+                                          </p:val>
+                                        </p:tav>
+                                        <p:tav tm="100000">
+                                          <p:val>
+                                            <p:strVal val="#ppt_w"/>
+                                          </p:val>
+                                        </p:tav>
+                                      </p:tavLst>
+                                    </p:anim>
+                                    <p:anim calcmode="lin" valueType="num">
+                                      <p:cBhvr>
+                                        <p:cTn id="8" dur="500" fill="hold"/>
+                                        <p:tgtEl>
+                                          <p:spTgt spid="5"/>
+                                        </p:tgtEl>
+                                        <p:attrNameLst>
+                                          <p:attrName>ppt_h</p:attrName>
+                                        </p:attrNameLst>
+                                      </p:cBhvr>
+                                      <p:tavLst>
+                                        <p:tav tm="0">
+                                          <p:val>
+                                            <p:fltVal val="0"/>
+                                          </p:val>
+                                        </p:tav>
+                                        <p:tav tm="100000">
+                                          <p:val>
+                                            <p:strVal val="#ppt_h"/>
+                                          </p:val>
+                                        </p:tav>
+                                      </p:tavLst>
+                                    </p:anim>
+                                    <p:animEffect transition="in" filter="fade">
+                                      <p:cBhvr>
+                                        <p:cTn id="9" dur="500"/>
+                                        <p:tgtEl>
+                                          <p:spTgt spid="5"/>
+                                        </p:tgtEl>
+                                      </p:cBhvr>
+                                    </p:animEffect>
+                                  </p:childTnLst>
+                                </p:cTn>
+                              </p:par>
+                              <p:par>
+                                <p:cTn id="10" presetID="47" presetClass="entr" presetSubtype="0" fill="hold" grpId="0" nodeType="withEffect">
+                                  <p:stCondLst>
+                                    <p:cond delay="0"/>
+                                  </p:stCondLst>
+                                  <p:childTnLst>
+                                    <p:set>
+                                      <p:cBhvr>
+                                        <p:cTn id="11" dur="1" fill="hold">
+                                          <p:stCondLst>
+                                            <p:cond delay="0"/>
+                                          </p:stCondLst>
+                                        </p:cTn>
+                                        <p:tgtEl>
+                                          <p:spTgt spid="21"/>
+                                        </p:tgtEl>
+                                        <p:attrNameLst>
+                                          <p:attrName>style.visibility</p:attrName>
+                                        </p:attrNameLst>
+                                      </p:cBhvr>
+                                      <p:to>
+                                        <p:strVal val="visible"/>
+                                      </p:to>
+                                    </p:set>
+                                    <p:animEffect transition="in" filter="fade">
+                                      <p:cBhvr>
+                                        <p:cTn id="12" dur="600"/>
+                                        <p:tgtEl>
+                                          <p:spTgt spid="21"/>
+                                        </p:tgtEl>
+                                      </p:cBhvr>
+                                    </p:animEffect>
+                                    <p:anim calcmode="lin" valueType="num">
+                                      <p:cBhvr>
+                                        <p:cTn id="13" dur="600" fill="hold"/>
+                                        <p:tgtEl>
+                                          <p:spTgt spid="21"/>
+                                        </p:tgtEl>
+                                        <p:attrNameLst>
+                                          <p:attrName>ppt_x</p:attrName>
+                                        </p:attrNameLst>
+                                      </p:cBhvr>
+                                      <p:tavLst>
+                                        <p:tav tm="0">
+                                          <p:val>
+                                            <p:strVal val="#ppt_x"/>
+                                          </p:val>
+                                        </p:tav>
+                                        <p:tav tm="100000">
+                                          <p:val>
+                                            <p:strVal val="#ppt_x"/>
+                                          </p:val>
+                                        </p:tav>
+                                      </p:tavLst>
+                                    </p:anim>
+                                    <p:anim calcmode="lin" valueType="num">
+                                      <p:cBhvr>
+                                        <p:cTn id="14" dur="600" fill="hold"/>
+                                        <p:tgtEl>
+                                          <p:spTgt spid="21"/>
+                                        </p:tgtEl>
+                                        <p:attrNameLst>
+                                          <p:attrName>ppt_y</p:attrName>
+                                        </p:attrNameLst>
+                                      </p:cBhvr>
+                                      <p:tavLst>
+                                        <p:tav tm="0">
+                                          <p:val>
+                                            <p:strVal val="#ppt_y-.1"/>
+                                          </p:val>
+                                        </p:tav>
+                                        <p:tav tm="100000">
+                                          <p:val>
+                                            <p:strVal val="#ppt_y"/>
+                                          </p:val>
+                                        </p:tav>
+                                      </p:tavLst>
+                                    </p:anim>
+                                  </p:childTnLst>
+                                </p:cTn>
+                              </p:par>
+                              <p:par>
+                                <p:cTn id="15" presetID="49" presetClass="entr" presetSubtype="0" decel="100000" fill="hold" grpId="0" nodeType="withEffect">
+                                  <p:stCondLst>
+                                    <p:cond delay="0"/>
+                                  </p:stCondLst>
+                                  <p:childTnLst>
+                                    <p:set>
+                                      <p:cBhvr>
+                                        <p:cTn id="16" dur="1" fill="hold">
+                                          <p:stCondLst>
+                                            <p:cond delay="0"/>
+                                          </p:stCondLst>
+                                        </p:cTn>
+                                        <p:tgtEl>
+                                          <p:spTgt spid="15"/>
+                                        </p:tgtEl>
+                                        <p:attrNameLst>
+                                          <p:attrName>style.visibility</p:attrName>
+                                        </p:attrNameLst>
+                                      </p:cBhvr>
+                                      <p:to>
+                                        <p:strVal val="visible"/>
+                                      </p:to>
+                                    </p:set>
+                                    <p:anim calcmode="lin" valueType="num">
+                                      <p:cBhvr>
+                                        <p:cTn id="17" dur="500" fill="hold"/>
+                                        <p:tgtEl>
+                                          <p:spTgt spid="15"/>
+                                        </p:tgtEl>
+                                        <p:attrNameLst>
+                                          <p:attrName>ppt_w</p:attrName>
+                                        </p:attrNameLst>
+                                      </p:cBhvr>
+                                      <p:tavLst>
+                                        <p:tav tm="0">
+                                          <p:val>
+                                            <p:fltVal val="0"/>
+                                          </p:val>
+                                        </p:tav>
+                                        <p:tav tm="100000">
+                                          <p:val>
+                                            <p:strVal val="#ppt_w"/>
+                                          </p:val>
+                                        </p:tav>
+                                      </p:tavLst>
+                                    </p:anim>
+                                    <p:anim calcmode="lin" valueType="num">
+                                      <p:cBhvr>
+                                        <p:cTn id="18" dur="500" fill="hold"/>
+                                        <p:tgtEl>
+                                          <p:spTgt spid="15"/>
+                                        </p:tgtEl>
+                                        <p:attrNameLst>
+                                          <p:attrName>ppt_h</p:attrName>
+                                        </p:attrNameLst>
+                                      </p:cBhvr>
+                                      <p:tavLst>
+                                        <p:tav tm="0">
+                                          <p:val>
+                                            <p:fltVal val="0"/>
+                                          </p:val>
+                                        </p:tav>
+                                        <p:tav tm="100000">
+                                          <p:val>
+                                            <p:strVal val="#ppt_h"/>
+                                          </p:val>
+                                        </p:tav>
+                                      </p:tavLst>
+                                    </p:anim>
+                                    <p:anim calcmode="lin" valueType="num">
+                                      <p:cBhvr>
+                                        <p:cTn id="19" dur="500" fill="hold"/>
+                                        <p:tgtEl>
+                                          <p:spTgt spid="15"/>
+                                        </p:tgtEl>
+                                        <p:attrNameLst>
+                                          <p:attrName>style.rotation</p:attrName>
+                                        </p:attrNameLst>
+                                      </p:cBhvr>
+                                      <p:tavLst>
+                                        <p:tav tm="0">
+                                          <p:val>
+                                            <p:fltVal val="360"/>
+                                          </p:val>
+                                        </p:tav>
+                                        <p:tav tm="100000">
+                                          <p:val>
+                                            <p:fltVal val="0"/>
+                                          </p:val>
+                                        </p:tav>
+                                      </p:tavLst>
+                                    </p:anim>
+                                    <p:animEffect transition="in" filter="fade">
+                                      <p:cBhvr>
+                                        <p:cTn id="20" dur="500"/>
+                                        <p:tgtEl>
+                                          <p:spTgt spid="15"/>
+                                        </p:tgtEl>
+                                      </p:cBhvr>
+                                    </p:animEffect>
+                                  </p:childTnLst>
+                                </p:cTn>
+                              </p:par>
+                            </p:childTnLst>
+                          </p:cTn>
+                        </p:par>
+                      </p:childTnLst>
+                    </p:cTn>
+                  </p:par>
+                </p:childTnLst>
+              </p:cTn>
+              <p:prevCondLst>
+                <p:cond evt="onPrev" delay="0">
+                  <p:tgtEl>
+                    <p:sldTgt/>
+                  </p:tgtEl>
+                </p:cond>
+              </p:prevCondLst>
+              <p:nextCondLst>
+                <p:cond evt="onNext" delay="0">
+                  <p:tgtEl>
+                    <p:sldTgt/>
+                  </p:tgtEl>
+                </p:cond>
+              </p:nextCondLst>
+            </p:seq>
+          </p:childTnLst>
+        </p:cTn>
+      </p:par>
+    </p:tnLst>
+    <p:bldLst>
+      <p:bldP spid="15" grpId="0" bldLvl="0" animBg="1"/>
+      <p:bldP spid="21" grpId="0" bldLvl="0" animBg="1"/>
+    </p:bldLst>
+  </p:timing>
 </p:sld>
 </file>
 
@@ -8486,41 +9594,204 @@
           <a:lstStyle/>
           <a:p>
             <a:r>
+              <a:rPr lang="en-US" altLang="zh-CN" dirty="0" smtClean="0"/>
+              <a:t>jQuery</a:t>
+            </a:r>
+            <a:r>
               <a:rPr lang="zh-CN" altLang="en-US" dirty="0" smtClean="0"/>
-              <a:t>选择器</a:t>
+              <a:t>语法</a:t>
             </a:r>
             <a:endParaRPr lang="zh-CN" altLang="en-US" dirty="0"/>
           </a:p>
         </p:txBody>
       </p:sp>
-      <p:pic>
-        <p:nvPicPr>
-          <p:cNvPr id="4" name="图片 3"/>
-          <p:cNvPicPr>
-            <a:picLocks noChangeAspect="1"/>
-          </p:cNvPicPr>
-          <p:nvPr/>
-        </p:nvPicPr>
-        <p:blipFill>
-          <a:blip r:embed="rId2"/>
-          <a:stretch>
-            <a:fillRect/>
-          </a:stretch>
-        </p:blipFill>
-        <p:spPr>
-          <a:xfrm>
-            <a:off x="929681" y="1430446"/>
-            <a:ext cx="10598109" cy="4689515"/>
-          </a:xfrm>
-          <a:prstGeom prst="rect">
-            <a:avLst/>
-          </a:prstGeom>
-        </p:spPr>
-      </p:pic>
+      <p:sp>
+        <p:nvSpPr>
+          <p:cNvPr id="3" name="副标题 2"/>
+          <p:cNvSpPr>
+            <a:spLocks noGrp="1"/>
+          </p:cNvSpPr>
+          <p:nvPr>
+            <p:ph type="subTitle" idx="1"/>
+          </p:nvPr>
+        </p:nvSpPr>
+        <p:spPr/>
+        <p:txBody>
+          <a:bodyPr>
+            <a:normAutofit fontScale="70000" lnSpcReduction="20000"/>
+          </a:bodyPr>
+          <a:lstStyle/>
+          <a:p>
+            <a:r>
+              <a:rPr lang="en-US" altLang="zh-CN" b="1" dirty="0"/>
+              <a:t>$(selector).action</a:t>
+            </a:r>
+            <a:r>
+              <a:rPr lang="en-US" altLang="zh-CN" b="1" dirty="0" smtClean="0"/>
+              <a:t>()</a:t>
+            </a:r>
+          </a:p>
+          <a:p>
+            <a:pPr marL="742950" indent="-742950">
+              <a:buFont typeface="+mj-lt"/>
+              <a:buAutoNum type="arabicPeriod"/>
+            </a:pPr>
+            <a:r>
+              <a:rPr lang="zh-CN" altLang="en-US" dirty="0"/>
+              <a:t>美元符号定义 </a:t>
+            </a:r>
+            <a:r>
+              <a:rPr lang="en-US" altLang="zh-CN" dirty="0"/>
+              <a:t>jQuery</a:t>
+            </a:r>
+          </a:p>
+          <a:p>
+            <a:pPr marL="742950" indent="-742950">
+              <a:buFont typeface="+mj-lt"/>
+              <a:buAutoNum type="arabicPeriod"/>
+            </a:pPr>
+            <a:r>
+              <a:rPr lang="zh-CN" altLang="en-US" dirty="0"/>
+              <a:t>选择符（</a:t>
+            </a:r>
+            <a:r>
+              <a:rPr lang="en-US" altLang="zh-CN" dirty="0"/>
+              <a:t>selector</a:t>
+            </a:r>
+            <a:r>
+              <a:rPr lang="zh-CN" altLang="en-US" dirty="0"/>
+              <a:t>）“查询”和“查找” </a:t>
+            </a:r>
+            <a:r>
+              <a:rPr lang="en-US" altLang="zh-CN" dirty="0"/>
+              <a:t>HTML </a:t>
+            </a:r>
+            <a:r>
+              <a:rPr lang="zh-CN" altLang="en-US" dirty="0"/>
+              <a:t>元素</a:t>
+            </a:r>
+          </a:p>
+          <a:p>
+            <a:pPr marL="742950" indent="-742950">
+              <a:buFont typeface="+mj-lt"/>
+              <a:buAutoNum type="arabicPeriod"/>
+            </a:pPr>
+            <a:r>
+              <a:rPr lang="en-US" altLang="zh-CN" dirty="0"/>
+              <a:t>jQuery </a:t>
+            </a:r>
+            <a:r>
+              <a:rPr lang="zh-CN" altLang="en-US" dirty="0"/>
+              <a:t>的 </a:t>
+            </a:r>
+            <a:r>
+              <a:rPr lang="en-US" altLang="zh-CN" dirty="0"/>
+              <a:t>action() </a:t>
+            </a:r>
+            <a:r>
+              <a:rPr lang="zh-CN" altLang="en-US" dirty="0"/>
+              <a:t>执行对元素的</a:t>
+            </a:r>
+            <a:r>
+              <a:rPr lang="zh-CN" altLang="en-US" dirty="0" smtClean="0"/>
+              <a:t>操作</a:t>
+            </a:r>
+            <a:endParaRPr lang="en-US" altLang="zh-CN" dirty="0" smtClean="0"/>
+          </a:p>
+          <a:p>
+            <a:r>
+              <a:rPr lang="zh-CN" altLang="en-US" b="1" dirty="0"/>
+              <a:t>示例</a:t>
+            </a:r>
+          </a:p>
+          <a:p>
+            <a:pPr marL="742950" indent="-742950">
+              <a:buFont typeface="+mj-lt"/>
+              <a:buAutoNum type="arabicPeriod"/>
+            </a:pPr>
+            <a:r>
+              <a:rPr lang="en-US" altLang="zh-CN" dirty="0"/>
+              <a:t>$(this).hide() - </a:t>
+            </a:r>
+            <a:r>
+              <a:rPr lang="zh-CN" altLang="en-US" dirty="0"/>
+              <a:t>隐藏当前元素</a:t>
+            </a:r>
+          </a:p>
+          <a:p>
+            <a:pPr marL="742950" indent="-742950">
+              <a:buFont typeface="+mj-lt"/>
+              <a:buAutoNum type="arabicPeriod"/>
+            </a:pPr>
+            <a:r>
+              <a:rPr lang="en-US" altLang="zh-CN" dirty="0"/>
+              <a:t>$("p").hide() - </a:t>
+            </a:r>
+            <a:r>
+              <a:rPr lang="zh-CN" altLang="en-US" dirty="0"/>
+              <a:t>隐藏所有段落</a:t>
+            </a:r>
+          </a:p>
+          <a:p>
+            <a:pPr marL="742950" indent="-742950">
+              <a:buFont typeface="+mj-lt"/>
+              <a:buAutoNum type="arabicPeriod"/>
+            </a:pPr>
+            <a:r>
+              <a:rPr lang="en-US" altLang="zh-CN" dirty="0"/>
+              <a:t>$(".test").hide() - </a:t>
+            </a:r>
+            <a:r>
+              <a:rPr lang="zh-CN" altLang="en-US" dirty="0"/>
+              <a:t>隐藏所有 </a:t>
+            </a:r>
+            <a:r>
+              <a:rPr lang="en-US" altLang="zh-CN" dirty="0"/>
+              <a:t>class="test" </a:t>
+            </a:r>
+            <a:r>
+              <a:rPr lang="zh-CN" altLang="en-US" dirty="0"/>
+              <a:t>的所有元素</a:t>
+            </a:r>
+          </a:p>
+          <a:p>
+            <a:pPr marL="742950" indent="-742950">
+              <a:buFont typeface="+mj-lt"/>
+              <a:buAutoNum type="arabicPeriod"/>
+            </a:pPr>
+            <a:r>
+              <a:rPr lang="en-US" altLang="zh-CN" dirty="0"/>
+              <a:t>$("#test").hide() - </a:t>
+            </a:r>
+            <a:r>
+              <a:rPr lang="zh-CN" altLang="en-US" dirty="0"/>
+              <a:t>隐藏所有 </a:t>
+            </a:r>
+            <a:r>
+              <a:rPr lang="en-US" altLang="zh-CN" dirty="0"/>
+              <a:t>id="test" </a:t>
+            </a:r>
+            <a:r>
+              <a:rPr lang="zh-CN" altLang="en-US" dirty="0"/>
+              <a:t>的元素</a:t>
+            </a:r>
+          </a:p>
+          <a:p>
+            <a:pPr marL="742950" indent="-742950">
+              <a:buFont typeface="+mj-lt"/>
+              <a:buAutoNum type="arabicPeriod"/>
+            </a:pPr>
+            <a:endParaRPr lang="zh-CN" altLang="en-US" dirty="0"/>
+          </a:p>
+          <a:p>
+            <a:endParaRPr lang="zh-CN" altLang="en-US" dirty="0"/>
+          </a:p>
+        </p:txBody>
+      </p:sp>
     </p:spTree>
     <p:extLst>
       <p:ext uri="{BB962C8B-B14F-4D97-AF65-F5344CB8AC3E}">
-        <p14:creationId xmlns:p14="http://schemas.microsoft.com/office/powerpoint/2010/main" val="3792156222"/>
+        <p14:creationId xmlns:p14="http://schemas.microsoft.com/office/powerpoint/2010/main" val="2025610675"/>
       </p:ext>
     </p:extLst>
   </p:cSld>
@@ -8567,61 +9838,40 @@
           <a:p>
             <a:r>
               <a:rPr lang="zh-CN" altLang="en-US" dirty="0" smtClean="0"/>
-              <a:t>事件</a:t>
-            </a:r>
-            <a:r>
-              <a:rPr lang="zh-CN" altLang="en-US" dirty="0"/>
-              <a:t>绑定</a:t>
-            </a:r>
+              <a:t>选择器</a:t>
+            </a:r>
+            <a:endParaRPr lang="zh-CN" altLang="en-US" dirty="0"/>
           </a:p>
         </p:txBody>
       </p:sp>
-      <p:sp>
-        <p:nvSpPr>
-          <p:cNvPr id="3" name="副标题 2"/>
-          <p:cNvSpPr>
-            <a:spLocks noGrp="1"/>
-          </p:cNvSpPr>
-          <p:nvPr>
-            <p:ph type="subTitle" idx="1"/>
-          </p:nvPr>
-        </p:nvSpPr>
-        <p:spPr/>
-        <p:txBody>
-          <a:bodyPr/>
-          <a:lstStyle/>
-          <a:p>
-            <a:r>
-              <a:rPr lang="en-US" altLang="zh-CN" b="1" dirty="0"/>
-              <a:t>$(selector</a:t>
-            </a:r>
-            <a:r>
-              <a:rPr lang="en-US" altLang="zh-CN" b="1" dirty="0" smtClean="0"/>
-              <a:t>).click(callback)</a:t>
-            </a:r>
-          </a:p>
-          <a:p>
-            <a:pPr marL="0" indent="0">
-              <a:buNone/>
-            </a:pPr>
-            <a:r>
-              <a:rPr lang="zh-CN" altLang="en-US" b="1" dirty="0" smtClean="0"/>
-              <a:t>选中元素点击触发事件，这种绑定方式只适合页面上已存在的元素</a:t>
-            </a:r>
-            <a:endParaRPr lang="en-US" altLang="zh-CN" b="1" dirty="0"/>
-          </a:p>
-          <a:p>
-            <a:endParaRPr lang="en-US" altLang="zh-CN" dirty="0" smtClean="0"/>
-          </a:p>
-          <a:p>
-            <a:endParaRPr lang="zh-CN" altLang="en-US" dirty="0"/>
-          </a:p>
-        </p:txBody>
-      </p:sp>
+      <p:pic>
+        <p:nvPicPr>
+          <p:cNvPr id="4" name="图片 3"/>
+          <p:cNvPicPr>
+            <a:picLocks noChangeAspect="1"/>
+          </p:cNvPicPr>
+          <p:nvPr/>
+        </p:nvPicPr>
+        <p:blipFill>
+          <a:blip r:embed="rId2"/>
+          <a:stretch>
+            <a:fillRect/>
+          </a:stretch>
+        </p:blipFill>
+        <p:spPr>
+          <a:xfrm>
+            <a:off x="929681" y="1430446"/>
+            <a:ext cx="10598109" cy="4689515"/>
+          </a:xfrm>
+          <a:prstGeom prst="rect">
+            <a:avLst/>
+          </a:prstGeom>
+        </p:spPr>
+      </p:pic>
     </p:spTree>
     <p:extLst>
       <p:ext uri="{BB962C8B-B14F-4D97-AF65-F5344CB8AC3E}">
-        <p14:creationId xmlns:p14="http://schemas.microsoft.com/office/powerpoint/2010/main" val="2887308550"/>
+        <p14:creationId xmlns:p14="http://schemas.microsoft.com/office/powerpoint/2010/main" val="3792156222"/>
       </p:ext>
     </p:extLst>
   </p:cSld>
@@ -8668,9 +9918,12 @@
           <a:p>
             <a:r>
               <a:rPr lang="zh-CN" altLang="en-US" dirty="0" smtClean="0"/>
-              <a:t>事件动态绑定</a:t>
-            </a:r>
-            <a:endParaRPr lang="zh-CN" altLang="en-US" dirty="0"/>
+              <a:t>事件</a:t>
+            </a:r>
+            <a:r>
+              <a:rPr lang="zh-CN" altLang="en-US" dirty="0"/>
+              <a:t>绑定</a:t>
+            </a:r>
           </a:p>
         </p:txBody>
       </p:sp>
@@ -8686,135 +9939,40 @@
         </p:nvSpPr>
         <p:spPr/>
         <p:txBody>
-          <a:bodyPr>
-            <a:normAutofit fontScale="77500" lnSpcReduction="20000"/>
-          </a:bodyPr>
+          <a:bodyPr/>
           <a:lstStyle/>
           <a:p>
             <a:r>
-              <a:rPr lang="en-US" altLang="zh-CN" sz="3200" dirty="0"/>
-              <a:t>$(selector).on(</a:t>
-            </a:r>
-            <a:r>
-              <a:rPr lang="en-US" altLang="zh-CN" sz="3200" dirty="0" err="1"/>
-              <a:t>event,childSelector,data,function</a:t>
-            </a:r>
-            <a:r>
-              <a:rPr lang="en-US" altLang="zh-CN" sz="3200" dirty="0" smtClean="0"/>
-              <a:t>)</a:t>
-            </a:r>
-          </a:p>
-          <a:p>
-            <a:r>
-              <a:rPr lang="en-US" altLang="zh-CN" sz="3200" dirty="0" smtClean="0"/>
-              <a:t>selector  </a:t>
-            </a:r>
-            <a:r>
-              <a:rPr lang="zh-CN" altLang="en-US" sz="3200" dirty="0" smtClean="0"/>
-              <a:t>为当前文档上存在的元素</a:t>
-            </a:r>
-            <a:endParaRPr lang="en-US" altLang="zh-CN" sz="3200" dirty="0" smtClean="0"/>
-          </a:p>
-          <a:p>
-            <a:r>
-              <a:rPr lang="en-US" altLang="zh-CN" sz="3200" dirty="0" smtClean="0"/>
-              <a:t>event</a:t>
-            </a:r>
-            <a:r>
-              <a:rPr lang="en-US" altLang="zh-CN" sz="3200" dirty="0"/>
-              <a:t>	</a:t>
-            </a:r>
-            <a:r>
-              <a:rPr lang="zh-CN" altLang="en-US" sz="3200" dirty="0"/>
-              <a:t>必需。规定要从被选元素移除的一个或多个事件或命名空间</a:t>
-            </a:r>
-            <a:r>
-              <a:rPr lang="zh-CN" altLang="en-US" sz="3200" dirty="0" smtClean="0"/>
-              <a:t>。</a:t>
-            </a:r>
-            <a:endParaRPr lang="zh-CN" altLang="en-US" sz="3200" dirty="0"/>
-          </a:p>
-          <a:p>
-            <a:r>
-              <a:rPr lang="zh-CN" altLang="en-US" sz="3200" dirty="0"/>
-              <a:t>由空格分隔多个事件值，也可以是数组。必须是有效的事件。</a:t>
-            </a:r>
-          </a:p>
-          <a:p>
-            <a:r>
-              <a:rPr lang="en-US" altLang="zh-CN" sz="3200" dirty="0" err="1"/>
-              <a:t>childSelector</a:t>
-            </a:r>
-            <a:r>
-              <a:rPr lang="en-US" altLang="zh-CN" sz="3200" dirty="0"/>
-              <a:t>	</a:t>
-            </a:r>
-            <a:r>
-              <a:rPr lang="zh-CN" altLang="en-US" sz="3200" dirty="0"/>
-              <a:t>可选。规定只能添加到指定的子元素上的事件处理程序（且不是选择器本身，比如已废弃的 </a:t>
-            </a:r>
-            <a:r>
-              <a:rPr lang="en-US" altLang="zh-CN" sz="3200" dirty="0"/>
-              <a:t>delegate() </a:t>
-            </a:r>
-            <a:r>
-              <a:rPr lang="zh-CN" altLang="en-US" sz="3200" dirty="0"/>
-              <a:t>方法）。</a:t>
-            </a:r>
-          </a:p>
-          <a:p>
-            <a:r>
-              <a:rPr lang="en-US" altLang="zh-CN" sz="3200" dirty="0"/>
-              <a:t>data	</a:t>
-            </a:r>
-            <a:r>
-              <a:rPr lang="zh-CN" altLang="en-US" sz="3200" dirty="0"/>
-              <a:t>可选。规定传递到函数的额外数据。</a:t>
-            </a:r>
-          </a:p>
-          <a:p>
-            <a:r>
-              <a:rPr lang="en-US" altLang="zh-CN" sz="3200" dirty="0"/>
-              <a:t>function	</a:t>
-            </a:r>
-            <a:r>
-              <a:rPr lang="zh-CN" altLang="en-US" sz="3200" dirty="0"/>
-              <a:t>可选。规定当事件发生时运行的函数</a:t>
-            </a:r>
-            <a:r>
-              <a:rPr lang="zh-CN" altLang="en-US" sz="3200" dirty="0" smtClean="0"/>
-              <a:t>。</a:t>
-            </a:r>
-            <a:endParaRPr lang="en-US" altLang="zh-CN" sz="3200" dirty="0" smtClean="0"/>
-          </a:p>
-          <a:p>
-            <a:r>
-              <a:rPr lang="zh-CN" altLang="en-US" sz="2800" dirty="0"/>
-              <a:t>如需移除事件处理程序，请使用 </a:t>
-            </a:r>
-            <a:r>
-              <a:rPr lang="en-US" altLang="zh-CN" sz="2800" dirty="0" smtClean="0"/>
-              <a:t>off()</a:t>
-            </a:r>
-            <a:r>
-              <a:rPr lang="zh-CN" altLang="en-US" sz="2800" dirty="0" smtClean="0"/>
-              <a:t>方法</a:t>
-            </a:r>
-            <a:r>
-              <a:rPr lang="zh-CN" altLang="en-US" sz="2800" dirty="0"/>
-              <a:t>。</a:t>
-            </a:r>
-            <a:endParaRPr lang="en-US" altLang="zh-CN" sz="3200" dirty="0" smtClean="0"/>
-          </a:p>
-          <a:p>
-            <a:endParaRPr lang="zh-CN" altLang="en-US" sz="3200" dirty="0"/>
+              <a:rPr lang="en-US" altLang="zh-CN" b="1" dirty="0"/>
+              <a:t>$(selector</a:t>
+            </a:r>
+            <a:r>
+              <a:rPr lang="en-US" altLang="zh-CN" b="1" dirty="0" smtClean="0"/>
+              <a:t>).click(callback)</a:t>
+            </a:r>
+          </a:p>
+          <a:p>
+            <a:pPr marL="0" indent="0">
+              <a:buNone/>
+            </a:pPr>
+            <a:r>
+              <a:rPr lang="zh-CN" altLang="en-US" b="1" dirty="0" smtClean="0"/>
+              <a:t>选中元素点击触发事件，这种绑定方式只适合页面上已存在的元素</a:t>
+            </a:r>
+            <a:endParaRPr lang="en-US" altLang="zh-CN" b="1" dirty="0"/>
+          </a:p>
+          <a:p>
+            <a:endParaRPr lang="en-US" altLang="zh-CN" dirty="0" smtClean="0"/>
+          </a:p>
+          <a:p>
+            <a:endParaRPr lang="zh-CN" altLang="en-US" dirty="0"/>
           </a:p>
         </p:txBody>
       </p:sp>
     </p:spTree>
     <p:extLst>
       <p:ext uri="{BB962C8B-B14F-4D97-AF65-F5344CB8AC3E}">
-        <p14:creationId xmlns:p14="http://schemas.microsoft.com/office/powerpoint/2010/main" val="4098001620"/>
+        <p14:creationId xmlns:p14="http://schemas.microsoft.com/office/powerpoint/2010/main" val="2887308550"/>
       </p:ext>
     </p:extLst>
   </p:cSld>
@@ -8861,7 +10019,7 @@
           <a:p>
             <a:r>
               <a:rPr lang="zh-CN" altLang="en-US" dirty="0" smtClean="0"/>
-              <a:t>事件冒泡</a:t>
+              <a:t>事件动态绑定</a:t>
             </a:r>
             <a:endParaRPr lang="zh-CN" altLang="en-US" dirty="0"/>
           </a:p>
@@ -8884,143 +10042,130 @@
           </a:bodyPr>
           <a:lstStyle/>
           <a:p>
-            <a:pPr marL="0" indent="0">
-              <a:buNone/>
-            </a:pPr>
-            <a:r>
-              <a:rPr lang="en-US" altLang="zh-CN" sz="2300" b="1" dirty="0"/>
-              <a:t>&lt;body&gt;</a:t>
-            </a:r>
-          </a:p>
-          <a:p>
-            <a:pPr marL="0" indent="0">
-              <a:buNone/>
-            </a:pPr>
-            <a:r>
-              <a:rPr lang="en-US" altLang="zh-CN" sz="2300" b="1" dirty="0"/>
-              <a:t>    &lt;</a:t>
-            </a:r>
-            <a:r>
-              <a:rPr lang="en-US" altLang="zh-CN" sz="2300" b="1" dirty="0" smtClean="0"/>
-              <a:t>button&gt;</a:t>
-            </a:r>
-            <a:r>
-              <a:rPr lang="zh-CN" altLang="en-US" sz="2300" b="1" dirty="0" smtClean="0"/>
-              <a:t>点击</a:t>
-            </a:r>
-            <a:r>
-              <a:rPr lang="zh-CN" altLang="en-US" sz="2300" b="1" dirty="0"/>
-              <a:t>一下</a:t>
-            </a:r>
-            <a:r>
-              <a:rPr lang="en-US" altLang="zh-CN" sz="2300" b="1" dirty="0"/>
-              <a:t>&lt;/button&gt;</a:t>
-            </a:r>
-          </a:p>
-          <a:p>
-            <a:pPr marL="0" indent="0">
-              <a:buNone/>
-            </a:pPr>
-            <a:r>
-              <a:rPr lang="en-US" altLang="zh-CN" sz="2300" b="1" dirty="0"/>
-              <a:t>&lt;/body</a:t>
-            </a:r>
-            <a:r>
-              <a:rPr lang="en-US" altLang="zh-CN" sz="2300" b="1" dirty="0" smtClean="0"/>
-              <a:t>&gt;</a:t>
-            </a:r>
-            <a:endParaRPr lang="en-US" altLang="zh-CN" dirty="0" smtClean="0"/>
-          </a:p>
-          <a:p>
-            <a:r>
-              <a:rPr lang="zh-CN" altLang="en-US" dirty="0" smtClean="0"/>
-              <a:t>事件</a:t>
-            </a:r>
-            <a:r>
-              <a:rPr lang="zh-CN" altLang="en-US" dirty="0"/>
-              <a:t>会沿着</a:t>
-            </a:r>
-            <a:r>
-              <a:rPr lang="en-US" altLang="zh-CN" dirty="0"/>
-              <a:t>DOM</a:t>
-            </a:r>
-            <a:r>
-              <a:rPr lang="zh-CN" altLang="en-US" dirty="0"/>
-              <a:t>树向上传播，在每一个</a:t>
-            </a:r>
-            <a:r>
-              <a:rPr lang="en-US" altLang="zh-CN" dirty="0"/>
-              <a:t>DOM</a:t>
-            </a:r>
-            <a:r>
-              <a:rPr lang="zh-CN" altLang="en-US" dirty="0"/>
-              <a:t>节点上都会发生，一直传播到</a:t>
-            </a:r>
-            <a:r>
-              <a:rPr lang="en-US" altLang="zh-CN" dirty="0" smtClean="0"/>
-              <a:t>document</a:t>
-            </a:r>
-            <a:r>
-              <a:rPr lang="zh-CN" altLang="en-US" dirty="0" smtClean="0"/>
-              <a:t>，上例对象</a:t>
-            </a:r>
-            <a:r>
-              <a:rPr lang="zh-CN" altLang="en-US" dirty="0"/>
-              <a:t>事件传播方向：</a:t>
-            </a:r>
-            <a:r>
-              <a:rPr lang="en-US" altLang="zh-CN" dirty="0"/>
-              <a:t>&lt;button&gt;→&lt;body&gt;→&lt;html&gt;→&lt;document</a:t>
-            </a:r>
-            <a:r>
-              <a:rPr lang="en-US" altLang="zh-CN" dirty="0" smtClean="0"/>
-              <a:t>&gt;</a:t>
-            </a:r>
-          </a:p>
-          <a:p>
-            <a:r>
-              <a:rPr lang="zh-CN" altLang="en-US" dirty="0" smtClean="0"/>
-              <a:t>阻止事件冒泡</a:t>
-            </a:r>
-            <a:endParaRPr lang="en-US" altLang="zh-CN" dirty="0" smtClean="0"/>
-          </a:p>
-          <a:p>
-            <a:pPr marL="0" indent="0">
-              <a:buNone/>
-            </a:pPr>
-            <a:r>
-              <a:rPr lang="zh-CN" altLang="en-US" b="1" dirty="0"/>
-              <a:t>方式一：</a:t>
-            </a:r>
-            <a:r>
-              <a:rPr lang="en-US" altLang="zh-CN" b="1" dirty="0" err="1"/>
-              <a:t>event.stopPropagation</a:t>
-            </a:r>
-            <a:r>
-              <a:rPr lang="en-US" altLang="zh-CN" b="1" dirty="0" smtClean="0"/>
-              <a:t>();</a:t>
-            </a:r>
-          </a:p>
-          <a:p>
-            <a:pPr marL="0" indent="0">
-              <a:buNone/>
-            </a:pPr>
-            <a:r>
-              <a:rPr lang="zh-CN" altLang="en-US" b="1" dirty="0"/>
-              <a:t>方式二：</a:t>
-            </a:r>
-            <a:r>
-              <a:rPr lang="en-US" altLang="zh-CN" b="1" dirty="0"/>
-              <a:t>return false;</a:t>
-            </a:r>
-            <a:endParaRPr lang="zh-CN" altLang="en-US" dirty="0"/>
+            <a:r>
+              <a:rPr lang="en-US" altLang="zh-CN" sz="3200" dirty="0"/>
+              <a:t>$(selector).on(</a:t>
+            </a:r>
+            <a:r>
+              <a:rPr lang="en-US" altLang="zh-CN" sz="3200" dirty="0" err="1"/>
+              <a:t>event,childSelector,data,function</a:t>
+            </a:r>
+            <a:r>
+              <a:rPr lang="en-US" altLang="zh-CN" sz="3200" dirty="0" smtClean="0"/>
+              <a:t>)</a:t>
+            </a:r>
+          </a:p>
+          <a:p>
+            <a:r>
+              <a:rPr lang="en-US" altLang="zh-CN" sz="3200" dirty="0" smtClean="0"/>
+              <a:t>selector  </a:t>
+            </a:r>
+            <a:r>
+              <a:rPr lang="zh-CN" altLang="en-US" sz="3200" dirty="0" smtClean="0"/>
+              <a:t>为当前文档上存在的元素</a:t>
+            </a:r>
+            <a:endParaRPr lang="en-US" altLang="zh-CN" sz="3200" dirty="0" smtClean="0"/>
+          </a:p>
+          <a:p>
+            <a:r>
+              <a:rPr lang="en-US" altLang="zh-CN" sz="3200" dirty="0" smtClean="0"/>
+              <a:t>event</a:t>
+            </a:r>
+            <a:r>
+              <a:rPr lang="en-US" altLang="zh-CN" sz="3200" dirty="0"/>
+              <a:t>	</a:t>
+            </a:r>
+            <a:r>
+              <a:rPr lang="zh-CN" altLang="en-US" sz="3200" dirty="0"/>
+              <a:t>必需。规定要从被选元素移除的一个或多个事件或命名空间</a:t>
+            </a:r>
+            <a:r>
+              <a:rPr lang="zh-CN" altLang="en-US" sz="3200" dirty="0" smtClean="0"/>
+              <a:t>。</a:t>
+            </a:r>
+            <a:endParaRPr lang="zh-CN" altLang="en-US" sz="3200" dirty="0"/>
+          </a:p>
+          <a:p>
+            <a:r>
+              <a:rPr lang="zh-CN" altLang="en-US" sz="3200" dirty="0"/>
+              <a:t>由空格分隔多个事件值，也可以是数组。必须是有效的事件。</a:t>
+            </a:r>
+          </a:p>
+          <a:p>
+            <a:r>
+              <a:rPr lang="en-US" altLang="zh-CN" sz="3200" dirty="0" err="1"/>
+              <a:t>childSelector</a:t>
+            </a:r>
+            <a:r>
+              <a:rPr lang="en-US" altLang="zh-CN" sz="3200" dirty="0"/>
+              <a:t>	</a:t>
+            </a:r>
+            <a:r>
+              <a:rPr lang="zh-CN" altLang="en-US" sz="3200" dirty="0"/>
+              <a:t>可选。规定只能添加到指定的子元素上的事件处理程序（且不是选择器本身，比如已废弃的 </a:t>
+            </a:r>
+            <a:r>
+              <a:rPr lang="en-US" altLang="zh-CN" sz="3200" dirty="0"/>
+              <a:t>delegate() </a:t>
+            </a:r>
+            <a:r>
+              <a:rPr lang="zh-CN" altLang="en-US" sz="3200" dirty="0"/>
+              <a:t>方法）。</a:t>
+            </a:r>
+          </a:p>
+          <a:p>
+            <a:r>
+              <a:rPr lang="en-US" altLang="zh-CN" sz="3200" dirty="0"/>
+              <a:t>data	</a:t>
+            </a:r>
+            <a:r>
+              <a:rPr lang="zh-CN" altLang="en-US" sz="3200" dirty="0"/>
+              <a:t>可选。规定传递到函数的额外数据。</a:t>
+            </a:r>
+          </a:p>
+          <a:p>
+            <a:r>
+              <a:rPr lang="en-US" altLang="zh-CN" sz="3200" dirty="0"/>
+              <a:t>function	</a:t>
+            </a:r>
+            <a:r>
+              <a:rPr lang="zh-CN" altLang="en-US" sz="3200" dirty="0"/>
+              <a:t>可选。规定当事件发生时运行的函数</a:t>
+            </a:r>
+            <a:r>
+              <a:rPr lang="zh-CN" altLang="en-US" sz="3200" dirty="0" smtClean="0"/>
+              <a:t>。</a:t>
+            </a:r>
+            <a:endParaRPr lang="en-US" altLang="zh-CN" sz="3200" dirty="0" smtClean="0"/>
+          </a:p>
+          <a:p>
+            <a:r>
+              <a:rPr lang="zh-CN" altLang="en-US" sz="2800" dirty="0"/>
+              <a:t>如需移除事件处理程序，请使用 </a:t>
+            </a:r>
+            <a:r>
+              <a:rPr lang="en-US" altLang="zh-CN" sz="2800" dirty="0" smtClean="0"/>
+              <a:t>off()</a:t>
+            </a:r>
+            <a:r>
+              <a:rPr lang="zh-CN" altLang="en-US" sz="2800" dirty="0" smtClean="0"/>
+              <a:t>方法</a:t>
+            </a:r>
+            <a:r>
+              <a:rPr lang="zh-CN" altLang="en-US" sz="2800" dirty="0"/>
+              <a:t>。</a:t>
+            </a:r>
+            <a:endParaRPr lang="en-US" altLang="zh-CN" sz="3200" dirty="0" smtClean="0"/>
+          </a:p>
+          <a:p>
+            <a:endParaRPr lang="zh-CN" altLang="en-US" sz="3200" dirty="0"/>
           </a:p>
         </p:txBody>
       </p:sp>
     </p:spTree>
     <p:extLst>
       <p:ext uri="{BB962C8B-B14F-4D97-AF65-F5344CB8AC3E}">
-        <p14:creationId xmlns:p14="http://schemas.microsoft.com/office/powerpoint/2010/main" val="573899097"/>
+        <p14:creationId xmlns:p14="http://schemas.microsoft.com/office/powerpoint/2010/main" val="4098001620"/>
       </p:ext>
     </p:extLst>
   </p:cSld>
@@ -9066,8 +10211,8 @@
           <a:lstStyle/>
           <a:p>
             <a:r>
-              <a:rPr lang="en-US" altLang="zh-CN" dirty="0"/>
-              <a:t>AJAX</a:t>
+              <a:rPr lang="zh-CN" altLang="en-US" dirty="0" smtClean="0"/>
+              <a:t>事件冒泡</a:t>
             </a:r>
             <a:endParaRPr lang="zh-CN" altLang="en-US" dirty="0"/>
           </a:p>
@@ -9085,33 +10230,148 @@
         </p:nvSpPr>
         <p:spPr/>
         <p:txBody>
-          <a:bodyPr/>
+          <a:bodyPr>
+            <a:normAutofit fontScale="77500" lnSpcReduction="20000"/>
+          </a:bodyPr>
           <a:lstStyle/>
           <a:p>
+            <a:pPr marL="0" indent="0">
+              <a:buNone/>
+            </a:pPr>
+            <a:r>
+              <a:rPr lang="en-US" altLang="zh-CN" sz="2300" b="1" dirty="0"/>
+              <a:t>&lt;body&gt;</a:t>
+            </a:r>
+          </a:p>
+          <a:p>
+            <a:pPr marL="0" indent="0">
+              <a:buNone/>
+            </a:pPr>
+            <a:r>
+              <a:rPr lang="en-US" altLang="zh-CN" sz="2300" b="1" dirty="0"/>
+              <a:t>    &lt;</a:t>
+            </a:r>
+            <a:r>
+              <a:rPr lang="en-US" altLang="zh-CN" sz="2300" b="1" dirty="0" smtClean="0"/>
+              <a:t>button&gt;</a:t>
+            </a:r>
+            <a:r>
+              <a:rPr lang="zh-CN" altLang="en-US" sz="2300" b="1" dirty="0" smtClean="0"/>
+              <a:t>点击</a:t>
+            </a:r>
+            <a:r>
+              <a:rPr lang="zh-CN" altLang="en-US" sz="2300" b="1" dirty="0"/>
+              <a:t>一下</a:t>
+            </a:r>
+            <a:r>
+              <a:rPr lang="en-US" altLang="zh-CN" sz="2300" b="1" dirty="0"/>
+              <a:t>&lt;/button&gt;</a:t>
+            </a:r>
+          </a:p>
+          <a:p>
+            <a:pPr marL="0" indent="0">
+              <a:buNone/>
+            </a:pPr>
+            <a:r>
+              <a:rPr lang="en-US" altLang="zh-CN" sz="2300" b="1" dirty="0"/>
+              <a:t>&lt;/body</a:t>
+            </a:r>
+            <a:r>
+              <a:rPr lang="en-US" altLang="zh-CN" sz="2300" b="1" dirty="0" smtClean="0"/>
+              <a:t>&gt;</a:t>
+            </a:r>
+            <a:endParaRPr lang="en-US" altLang="zh-CN" dirty="0" smtClean="0"/>
+          </a:p>
+          <a:p>
+            <a:r>
+              <a:rPr lang="zh-CN" altLang="en-US" dirty="0" smtClean="0"/>
+              <a:t>事件</a:t>
+            </a:r>
+            <a:r>
+              <a:rPr lang="zh-CN" altLang="en-US" dirty="0"/>
+              <a:t>会沿着</a:t>
+            </a:r>
             <a:r>
               <a:rPr lang="en-US" altLang="zh-CN" dirty="0"/>
-              <a:t>AJAX </a:t>
+              <a:t>DOM</a:t>
             </a:r>
             <a:r>
               <a:rPr lang="zh-CN" altLang="en-US" dirty="0"/>
-              <a:t>是一种与服务器交换数据的</a:t>
+              <a:t>树向上传播，在每一个</a:t>
+            </a:r>
+            <a:r>
+              <a:rPr lang="en-US" altLang="zh-CN" dirty="0"/>
+              <a:t>DOM</a:t>
+            </a:r>
+            <a:r>
+              <a:rPr lang="zh-CN" altLang="en-US" dirty="0"/>
+              <a:t>节点上都会发生，一直传播到</a:t>
+            </a:r>
+            <a:r>
+              <a:rPr lang="en-US" altLang="zh-CN" dirty="0" smtClean="0"/>
+              <a:t>document</a:t>
             </a:r>
             <a:r>
               <a:rPr lang="zh-CN" altLang="en-US" dirty="0" smtClean="0"/>
-              <a:t>技术，后台写好服务，前端访问</a:t>
-            </a:r>
+              <a:t>，上例对象</a:t>
+            </a:r>
+            <a:r>
+              <a:rPr lang="zh-CN" altLang="en-US" dirty="0"/>
+              <a:t>事件传播方向：</a:t>
+            </a:r>
+            <a:r>
+              <a:rPr lang="en-US" altLang="zh-CN" dirty="0"/>
+              <a:t>&lt;button&gt;→&lt;body&gt;→&lt;html&gt;→&lt;document</a:t>
+            </a:r>
+            <a:r>
+              <a:rPr lang="en-US" altLang="zh-CN" dirty="0" smtClean="0"/>
+              <a:t>&gt;</a:t>
+            </a:r>
+          </a:p>
+          <a:p>
             <a:r>
               <a:rPr lang="zh-CN" altLang="en-US" dirty="0" smtClean="0"/>
-              <a:t>服务</a:t>
+              <a:t>阻止事件冒泡</a:t>
             </a:r>
             <a:endParaRPr lang="en-US" altLang="zh-CN" dirty="0" smtClean="0"/>
+          </a:p>
+          <a:p>
+            <a:pPr marL="0" indent="0">
+              <a:buNone/>
+            </a:pPr>
+            <a:r>
+              <a:rPr lang="zh-CN" altLang="en-US" b="1" dirty="0"/>
+              <a:t>方式一：</a:t>
+            </a:r>
+            <a:r>
+              <a:rPr lang="en-US" altLang="zh-CN" b="1" dirty="0" err="1"/>
+              <a:t>event.stopPropagation</a:t>
+            </a:r>
+            <a:r>
+              <a:rPr lang="en-US" altLang="zh-CN" b="1" dirty="0" smtClean="0"/>
+              <a:t>();</a:t>
+            </a:r>
+          </a:p>
+          <a:p>
+            <a:pPr marL="0" indent="0">
+              <a:buNone/>
+            </a:pPr>
+            <a:r>
+              <a:rPr lang="zh-CN" altLang="en-US" b="1" dirty="0"/>
+              <a:t>方式二：</a:t>
+            </a:r>
+            <a:r>
+              <a:rPr lang="en-US" altLang="zh-CN" b="1" dirty="0"/>
+              <a:t>return false;</a:t>
+            </a:r>
+            <a:endParaRPr lang="zh-CN" altLang="en-US" dirty="0"/>
           </a:p>
         </p:txBody>
       </p:sp>
     </p:spTree>
     <p:extLst>
       <p:ext uri="{BB962C8B-B14F-4D97-AF65-F5344CB8AC3E}">
-        <p14:creationId xmlns:p14="http://schemas.microsoft.com/office/powerpoint/2010/main" val="672275861"/>
+        <p14:creationId xmlns:p14="http://schemas.microsoft.com/office/powerpoint/2010/main" val="573899097"/>
       </p:ext>
     </p:extLst>
   </p:cSld>
@@ -9157,12 +10417,8 @@
           <a:lstStyle/>
           <a:p>
             <a:r>
-              <a:rPr lang="en-US" altLang="zh-CN" dirty="0" smtClean="0"/>
+              <a:rPr lang="en-US" altLang="zh-CN" dirty="0"/>
               <a:t>AJAX</a:t>
-            </a:r>
-            <a:r>
-              <a:rPr lang="zh-CN" altLang="en-US" dirty="0" smtClean="0"/>
-              <a:t>跨域问题</a:t>
             </a:r>
             <a:endParaRPr lang="zh-CN" altLang="en-US" dirty="0"/>
           </a:p>
@@ -9184,83 +10440,25 @@
           <a:lstStyle/>
           <a:p>
             <a:r>
+              <a:rPr lang="en-US" altLang="zh-CN" dirty="0"/>
+              <a:t>AJAX </a:t>
+            </a:r>
+            <a:r>
+              <a:rPr lang="zh-CN" altLang="en-US" dirty="0"/>
+              <a:t>是一种与服务器交换数据的</a:t>
+            </a:r>
+            <a:r>
               <a:rPr lang="zh-CN" altLang="en-US" dirty="0" smtClean="0"/>
-              <a:t>当</a:t>
-            </a:r>
-            <a:r>
-              <a:rPr lang="en-US" altLang="zh-CN" dirty="0" smtClean="0"/>
-              <a:t>AJAX</a:t>
-            </a:r>
-            <a:r>
-              <a:rPr lang="zh-CN" altLang="en-US" dirty="0" smtClean="0"/>
-              <a:t>请求的</a:t>
-            </a:r>
-            <a:r>
-              <a:rPr lang="en-US" altLang="zh-CN" dirty="0" err="1" smtClean="0"/>
-              <a:t>url</a:t>
-            </a:r>
-            <a:r>
-              <a:rPr lang="zh-CN" altLang="en-US" dirty="0" smtClean="0"/>
-              <a:t>的</a:t>
-            </a:r>
-            <a:r>
-              <a:rPr lang="en-US" altLang="zh-CN" dirty="0" err="1" smtClean="0"/>
-              <a:t>ip</a:t>
-            </a:r>
-            <a:r>
-              <a:rPr lang="zh-CN" altLang="en-US" dirty="0" smtClean="0"/>
-              <a:t>和端口与请求页面的</a:t>
-            </a:r>
-            <a:r>
-              <a:rPr lang="en-US" altLang="zh-CN" dirty="0" err="1" smtClean="0"/>
-              <a:t>ip</a:t>
-            </a:r>
-            <a:r>
-              <a:rPr lang="zh-CN" altLang="en-US" dirty="0" smtClean="0"/>
-              <a:t>和端口不一致时，就会存在跨域问题</a:t>
+              <a:t>技术，后台写好服务，前端访问服务</a:t>
             </a:r>
             <a:endParaRPr lang="en-US" altLang="zh-CN" dirty="0" smtClean="0"/>
-          </a:p>
-          <a:p>
-            <a:pPr fontAlgn="t"/>
-            <a:r>
-              <a:rPr lang="zh-CN" altLang="en-US" dirty="0" smtClean="0"/>
-              <a:t>需要服务端返回</a:t>
-            </a:r>
-            <a:r>
-              <a:rPr lang="en-US" altLang="zh-CN" sz="3200" b="1" dirty="0"/>
-              <a:t>Access-Control-Allow-Origin</a:t>
-            </a:r>
-            <a:r>
-              <a:rPr lang="en-US" altLang="zh-CN" sz="3200" b="1" dirty="0" smtClean="0"/>
-              <a:t>:</a:t>
-            </a:r>
-            <a:r>
-              <a:rPr lang="en-US" altLang="zh-CN" sz="3200" dirty="0" smtClean="0"/>
-              <a:t>*</a:t>
-            </a:r>
-            <a:r>
-              <a:rPr lang="zh-CN" altLang="en-US" dirty="0"/>
-              <a:t>等</a:t>
-            </a:r>
-            <a:r>
-              <a:rPr lang="zh-CN" altLang="en-US" dirty="0" smtClean="0"/>
-              <a:t>参数浏览器才会获得正确的请求返回</a:t>
-            </a:r>
-            <a:endParaRPr lang="en-US" altLang="zh-CN" dirty="0"/>
-          </a:p>
-          <a:p>
-            <a:endParaRPr lang="en-US" altLang="zh-CN" dirty="0" smtClean="0"/>
-          </a:p>
-          <a:p>
-            <a:endParaRPr lang="zh-CN" altLang="en-US" dirty="0"/>
           </a:p>
         </p:txBody>
       </p:sp>
     </p:spTree>
     <p:extLst>
       <p:ext uri="{BB962C8B-B14F-4D97-AF65-F5344CB8AC3E}">
-        <p14:creationId xmlns:p14="http://schemas.microsoft.com/office/powerpoint/2010/main" val="3906000011"/>
+        <p14:creationId xmlns:p14="http://schemas.microsoft.com/office/powerpoint/2010/main" val="672275861"/>
       </p:ext>
     </p:extLst>
   </p:cSld>
@@ -9307,19 +10505,11 @@
           <a:p>
             <a:r>
               <a:rPr lang="en-US" altLang="zh-CN" dirty="0" smtClean="0"/>
-              <a:t>jQuery</a:t>
+              <a:t>AJAX</a:t>
             </a:r>
             <a:r>
               <a:rPr lang="zh-CN" altLang="en-US" dirty="0" smtClean="0"/>
-              <a:t>与</a:t>
-            </a:r>
-            <a:r>
-              <a:rPr lang="en-US" altLang="zh-CN" dirty="0" err="1" smtClean="0"/>
-              <a:t>javascript</a:t>
-            </a:r>
-            <a:r>
-              <a:rPr lang="zh-CN" altLang="en-US" dirty="0" smtClean="0"/>
-              <a:t>对象转换</a:t>
+              <a:t>跨域问题</a:t>
             </a:r>
             <a:endParaRPr lang="zh-CN" altLang="en-US" dirty="0"/>
           </a:p>
@@ -9337,8 +10527,92 @@
         </p:nvSpPr>
         <p:spPr/>
         <p:txBody>
-          <a:bodyPr/>
+          <a:bodyPr>
+            <a:normAutofit lnSpcReduction="10000"/>
+          </a:bodyPr>
           <a:lstStyle/>
+          <a:p>
+            <a:r>
+              <a:rPr lang="zh-CN" altLang="en-US" dirty="0" smtClean="0"/>
+              <a:t>当</a:t>
+            </a:r>
+            <a:r>
+              <a:rPr lang="en-US" altLang="zh-CN" dirty="0" smtClean="0"/>
+              <a:t>AJAX</a:t>
+            </a:r>
+            <a:r>
+              <a:rPr lang="zh-CN" altLang="en-US" dirty="0" smtClean="0"/>
+              <a:t>请求的</a:t>
+            </a:r>
+            <a:r>
+              <a:rPr lang="en-US" altLang="zh-CN" dirty="0" err="1" smtClean="0"/>
+              <a:t>url</a:t>
+            </a:r>
+            <a:r>
+              <a:rPr lang="zh-CN" altLang="en-US" dirty="0" smtClean="0"/>
+              <a:t>的</a:t>
+            </a:r>
+            <a:r>
+              <a:rPr lang="en-US" altLang="zh-CN" dirty="0" err="1" smtClean="0"/>
+              <a:t>ip</a:t>
+            </a:r>
+            <a:r>
+              <a:rPr lang="zh-CN" altLang="en-US" dirty="0" smtClean="0"/>
+              <a:t>和端口与请求页面的</a:t>
+            </a:r>
+            <a:r>
+              <a:rPr lang="en-US" altLang="zh-CN" dirty="0" err="1" smtClean="0"/>
+              <a:t>ip</a:t>
+            </a:r>
+            <a:r>
+              <a:rPr lang="zh-CN" altLang="en-US" dirty="0" smtClean="0"/>
+              <a:t>和端口不一致时，就会存在跨域问题</a:t>
+            </a:r>
+            <a:endParaRPr lang="en-US" altLang="zh-CN" dirty="0" smtClean="0"/>
+          </a:p>
+          <a:p>
+            <a:pPr fontAlgn="t"/>
+            <a:r>
+              <a:rPr lang="zh-CN" altLang="en-US" dirty="0" smtClean="0"/>
+              <a:t>部分浏览器可以访问跨域请求，但是浏览器存在于客户端，切数量众多，所以一般不采用该方法</a:t>
+            </a:r>
+            <a:endParaRPr lang="en-US" altLang="zh-CN" dirty="0" smtClean="0"/>
+          </a:p>
+          <a:p>
+            <a:pPr fontAlgn="t"/>
+            <a:r>
+              <a:rPr lang="zh-CN" altLang="en-US" dirty="0" smtClean="0"/>
+              <a:t>需要</a:t>
+            </a:r>
+            <a:r>
+              <a:rPr lang="zh-CN" altLang="en-US" dirty="0" smtClean="0"/>
+              <a:t>服务端返回</a:t>
+            </a:r>
+            <a:r>
+              <a:rPr lang="en-US" altLang="zh-CN" sz="3200" b="1" dirty="0"/>
+              <a:t>Access-Control-Allow-Origin</a:t>
+            </a:r>
+            <a:r>
+              <a:rPr lang="en-US" altLang="zh-CN" sz="3200" b="1" dirty="0" smtClean="0"/>
+              <a:t>:</a:t>
+            </a:r>
+            <a:r>
+              <a:rPr lang="en-US" altLang="zh-CN" sz="3200" dirty="0" smtClean="0"/>
+              <a:t>*</a:t>
+            </a:r>
+            <a:r>
+              <a:rPr lang="zh-CN" altLang="en-US" dirty="0"/>
+              <a:t>等</a:t>
+            </a:r>
+            <a:r>
+              <a:rPr lang="zh-CN" altLang="en-US" dirty="0" smtClean="0"/>
+              <a:t>参数浏览器才会获得正确的请求返回</a:t>
+            </a:r>
+            <a:endParaRPr lang="en-US" altLang="zh-CN" dirty="0"/>
+          </a:p>
+          <a:p>
+            <a:endParaRPr lang="en-US" altLang="zh-CN" dirty="0" smtClean="0"/>
+          </a:p>
           <a:p>
             <a:endParaRPr lang="zh-CN" altLang="en-US" dirty="0"/>
           </a:p>
@@ -9347,7 +10621,7 @@
     </p:spTree>
     <p:extLst>
       <p:ext uri="{BB962C8B-B14F-4D97-AF65-F5344CB8AC3E}">
-        <p14:creationId xmlns:p14="http://schemas.microsoft.com/office/powerpoint/2010/main" val="2494425256"/>
+        <p14:creationId xmlns:p14="http://schemas.microsoft.com/office/powerpoint/2010/main" val="3906000011"/>
       </p:ext>
     </p:extLst>
   </p:cSld>
@@ -9392,6 +10666,93 @@
           <a:bodyPr/>
           <a:lstStyle/>
           <a:p>
+            <a:r>
+              <a:rPr lang="en-US" altLang="zh-CN" dirty="0" smtClean="0"/>
+              <a:t>jQuery</a:t>
+            </a:r>
+            <a:r>
+              <a:rPr lang="zh-CN" altLang="en-US" dirty="0" smtClean="0"/>
+              <a:t>与</a:t>
+            </a:r>
+            <a:r>
+              <a:rPr lang="en-US" altLang="zh-CN" dirty="0" err="1" smtClean="0"/>
+              <a:t>javascript</a:t>
+            </a:r>
+            <a:r>
+              <a:rPr lang="zh-CN" altLang="en-US" dirty="0" smtClean="0"/>
+              <a:t>对象转换</a:t>
+            </a:r>
+            <a:endParaRPr lang="zh-CN" altLang="en-US" dirty="0"/>
+          </a:p>
+        </p:txBody>
+      </p:sp>
+      <p:sp>
+        <p:nvSpPr>
+          <p:cNvPr id="3" name="副标题 2"/>
+          <p:cNvSpPr>
+            <a:spLocks noGrp="1"/>
+          </p:cNvSpPr>
+          <p:nvPr>
+            <p:ph type="subTitle" idx="1"/>
+          </p:nvPr>
+        </p:nvSpPr>
+        <p:spPr/>
+        <p:txBody>
+          <a:bodyPr/>
+          <a:lstStyle/>
+          <a:p>
+            <a:endParaRPr lang="zh-CN" altLang="en-US" dirty="0"/>
+          </a:p>
+        </p:txBody>
+      </p:sp>
+    </p:spTree>
+    <p:extLst>
+      <p:ext uri="{BB962C8B-B14F-4D97-AF65-F5344CB8AC3E}">
+        <p14:creationId xmlns:p14="http://schemas.microsoft.com/office/powerpoint/2010/main" val="2494425256"/>
+      </p:ext>
+    </p:extLst>
+  </p:cSld>
+  <p:clrMapOvr>
+    <a:masterClrMapping/>
+  </p:clrMapOvr>
+  <p:transition>
+    <p:wipe dir="r"/>
+  </p:transition>
+</p:sld>
+</file>
+
+<file path=ppt/slides/slide28.xml><?xml version="1.0" encoding="utf-8"?>
+<p:sld xmlns:a="http://schemas.openxmlformats.org/drawingml/2006/main" xmlns:r="http://schemas.openxmlformats.org/officeDocument/2006/relationships" xmlns:p="http://schemas.openxmlformats.org/presentationml/2006/main">
+  <p:cSld>
+    <p:spTree>
+      <p:nvGrpSpPr>
+        <p:cNvPr id="1" name=""/>
+        <p:cNvGrpSpPr/>
+        <p:nvPr/>
+      </p:nvGrpSpPr>
+      <p:grpSpPr>
+        <a:xfrm>
+          <a:off x="0" y="0"/>
+          <a:ext cx="0" cy="0"/>
+          <a:chOff x="0" y="0"/>
+          <a:chExt cx="0" cy="0"/>
+        </a:xfrm>
+      </p:grpSpPr>
+      <p:sp>
+        <p:nvSpPr>
+          <p:cNvPr id="2" name="标题 1"/>
+          <p:cNvSpPr>
+            <a:spLocks noGrp="1"/>
+          </p:cNvSpPr>
+          <p:nvPr>
+            <p:ph type="ctrTitle"/>
+          </p:nvPr>
+        </p:nvSpPr>
+        <p:spPr/>
+        <p:txBody>
+          <a:bodyPr/>
+          <a:lstStyle/>
+          <a:p>
             <a:endParaRPr lang="zh-CN" altLang="en-US"/>
           </a:p>
         </p:txBody>
@@ -9431,7 +10792,7 @@
 </p:sld>
 </file>
 
-<file path=ppt/slides/slide28.xml><?xml version="1.0" encoding="utf-8"?>
+<file path=ppt/slides/slide29.xml><?xml version="1.0" encoding="utf-8"?>
 <p:sld xmlns:a="http://schemas.openxmlformats.org/drawingml/2006/main" xmlns:r="http://schemas.openxmlformats.org/officeDocument/2006/relationships" xmlns:p="http://schemas.openxmlformats.org/presentationml/2006/main">
   <p:cSld>
     <p:spTree>

--- a/JS/jQuery.pptx
+++ b/JS/jQuery.pptx
@@ -26,16 +26,16 @@
     <p:sldId id="447" r:id="rId17"/>
     <p:sldId id="448" r:id="rId18"/>
     <p:sldId id="459" r:id="rId19"/>
-    <p:sldId id="461" r:id="rId20"/>
-    <p:sldId id="449" r:id="rId21"/>
-    <p:sldId id="450" r:id="rId22"/>
-    <p:sldId id="451" r:id="rId23"/>
-    <p:sldId id="453" r:id="rId24"/>
-    <p:sldId id="452" r:id="rId25"/>
-    <p:sldId id="454" r:id="rId26"/>
-    <p:sldId id="460" r:id="rId27"/>
-    <p:sldId id="455" r:id="rId28"/>
-    <p:sldId id="458" r:id="rId29"/>
+    <p:sldId id="455" r:id="rId20"/>
+    <p:sldId id="462" r:id="rId21"/>
+    <p:sldId id="461" r:id="rId22"/>
+    <p:sldId id="449" r:id="rId23"/>
+    <p:sldId id="450" r:id="rId24"/>
+    <p:sldId id="451" r:id="rId25"/>
+    <p:sldId id="453" r:id="rId26"/>
+    <p:sldId id="452" r:id="rId27"/>
+    <p:sldId id="454" r:id="rId28"/>
+    <p:sldId id="460" r:id="rId29"/>
     <p:sldId id="280" r:id="rId30"/>
   </p:sldIdLst>
   <p:sldSz cx="12192000" cy="6858000"/>
@@ -1969,8 +1969,8 @@
         </p:nvSpPr>
         <p:spPr>
           <a:xfrm>
-            <a:off x="2605745" y="1952711"/>
-            <a:ext cx="7040880" cy="922020"/>
+            <a:off x="3133219" y="1952711"/>
+            <a:ext cx="5985934" cy="923330"/>
           </a:xfrm>
           <a:prstGeom prst="rect">
             <a:avLst/>
@@ -1992,14 +1992,24 @@
           <a:p>
             <a:pPr algn="ctr"/>
             <a:r>
-              <a:rPr lang="en-US" altLang="zh-CN" sz="5400" dirty="0">
+              <a:rPr lang="en-US" altLang="zh-CN" sz="5400" dirty="0" smtClean="0">
                 <a:solidFill>
                   <a:schemeClr val="bg1"/>
                 </a:solidFill>
                 <a:latin typeface="锐字云字库超粗黑体1.0" panose="02010604000000000000" pitchFamily="2" charset="-122"/>
                 <a:ea typeface="锐字云字库超粗黑体1.0" panose="02010604000000000000" pitchFamily="2" charset="-122"/>
               </a:rPr>
-              <a:t>JavaScript</a:t>
+              <a:t>jQuery</a:t>
+            </a:r>
+            <a:r>
+              <a:rPr lang="zh-CN" altLang="en-US" sz="5400" dirty="0" smtClean="0">
+                <a:solidFill>
+                  <a:schemeClr val="bg1"/>
+                </a:solidFill>
+                <a:latin typeface="锐字云字库超粗黑体1.0" panose="02010604000000000000" pitchFamily="2" charset="-122"/>
+                <a:ea typeface="锐字云字库超粗黑体1.0" panose="02010604000000000000" pitchFamily="2" charset="-122"/>
+              </a:rPr>
+              <a:t>的</a:t>
             </a:r>
             <a:r>
               <a:rPr lang="zh-CN" altLang="en-US" sz="5400" dirty="0">
@@ -2009,7 +2019,7 @@
                 <a:latin typeface="锐字云字库超粗黑体1.0" panose="02010604000000000000" pitchFamily="2" charset="-122"/>
                 <a:ea typeface="锐字云字库超粗黑体1.0" panose="02010604000000000000" pitchFamily="2" charset="-122"/>
               </a:rPr>
-              <a:t>的部分特性</a:t>
+              <a:t>部分特性</a:t>
             </a:r>
           </a:p>
         </p:txBody>
@@ -4997,7 +5007,7 @@
                         <a:buNone/>
                       </a:pPr>
                       <a:r>
-                        <a:rPr lang="zh-CN" altLang="en-US" sz="2800"/>
+                        <a:rPr lang="zh-CN" altLang="en-US" sz="2800" dirty="0"/>
                         <a:t>Trident</a:t>
                       </a:r>
                     </a:p>
@@ -5048,7 +5058,7 @@
                         <a:buNone/>
                       </a:pPr>
                       <a:r>
-                        <a:rPr lang="zh-CN" altLang="en-US" sz="2800"/>
+                        <a:rPr lang="zh-CN" altLang="en-US" sz="2800" dirty="0"/>
                         <a:t>Webkit</a:t>
                       </a:r>
                     </a:p>
@@ -5098,7 +5108,7 @@
                         <a:buNone/>
                       </a:pPr>
                       <a:r>
-                        <a:rPr lang="zh-CN" altLang="en-US" sz="2800"/>
+                        <a:rPr lang="zh-CN" altLang="en-US" sz="2800" dirty="0"/>
                         <a:t>Gecko</a:t>
                       </a:r>
                     </a:p>
@@ -6485,7 +6495,7 @@
         <p:spPr/>
         <p:txBody>
           <a:bodyPr>
-            <a:normAutofit lnSpcReduction="10000"/>
+            <a:normAutofit fontScale="92500" lnSpcReduction="20000"/>
           </a:bodyPr>
           <a:lstStyle/>
           <a:p>
@@ -6526,23 +6536,90 @@
             </a:r>
             <a:r>
               <a:rPr lang="zh-CN" altLang="en-US" dirty="0"/>
-              <a:t>库。它使诸如</a:t>
-            </a:r>
-            <a:r>
-              <a:rPr lang="en-US" altLang="zh-CN" dirty="0"/>
+              <a:t>库</a:t>
+            </a:r>
+            <a:r>
+              <a:rPr lang="zh-CN" altLang="en-US" dirty="0" smtClean="0"/>
+              <a:t>。</a:t>
+            </a:r>
+            <a:endParaRPr lang="en-US" altLang="zh-CN" dirty="0" smtClean="0"/>
+          </a:p>
+          <a:p>
+            <a:r>
+              <a:rPr lang="zh-CN" altLang="en-US" dirty="0" smtClean="0"/>
+              <a:t>它</a:t>
+            </a:r>
+            <a:r>
+              <a:rPr lang="zh-CN" altLang="en-US" dirty="0"/>
+              <a:t>使诸如</a:t>
+            </a:r>
+            <a:r>
+              <a:rPr lang="en-US" altLang="zh-CN" dirty="0">
+                <a:solidFill>
+                  <a:srgbClr val="FF0000"/>
+                </a:solidFill>
+              </a:rPr>
               <a:t>HTML</a:t>
             </a:r>
             <a:r>
+              <a:rPr lang="zh-CN" altLang="en-US" dirty="0">
+                <a:solidFill>
+                  <a:srgbClr val="FF0000"/>
+                </a:solidFill>
+              </a:rPr>
+              <a:t>文档遍历和操纵</a:t>
+            </a:r>
+            <a:r>
               <a:rPr lang="zh-CN" altLang="en-US" dirty="0"/>
-              <a:t>文档遍历和操纵，事件处理，动画和</a:t>
-            </a:r>
-            <a:r>
-              <a:rPr lang="en-US" altLang="zh-CN" dirty="0"/>
+              <a:t>，</a:t>
+            </a:r>
+            <a:r>
+              <a:rPr lang="zh-CN" altLang="en-US" dirty="0">
+                <a:solidFill>
+                  <a:srgbClr val="FF0000"/>
+                </a:solidFill>
+              </a:rPr>
+              <a:t>事件处理</a:t>
+            </a:r>
+            <a:r>
+              <a:rPr lang="zh-CN" altLang="en-US" dirty="0"/>
+              <a:t>，</a:t>
+            </a:r>
+            <a:r>
+              <a:rPr lang="zh-CN" altLang="en-US" dirty="0">
+                <a:solidFill>
+                  <a:srgbClr val="FF0000"/>
+                </a:solidFill>
+              </a:rPr>
+              <a:t>动画</a:t>
+            </a:r>
+            <a:r>
+              <a:rPr lang="zh-CN" altLang="en-US" dirty="0"/>
+              <a:t>和</a:t>
+            </a:r>
+            <a:r>
+              <a:rPr lang="en-US" altLang="zh-CN" dirty="0">
+                <a:solidFill>
+                  <a:srgbClr val="FF0000"/>
+                </a:solidFill>
+              </a:rPr>
               <a:t>Ajax</a:t>
             </a:r>
             <a:r>
               <a:rPr lang="zh-CN" altLang="en-US" dirty="0"/>
-              <a:t>等事情变得简单得多，它具有可在多种浏览器中工作的易于使用的</a:t>
+              <a:t>等事情变得</a:t>
+            </a:r>
+            <a:r>
+              <a:rPr lang="zh-CN" altLang="en-US" dirty="0">
+                <a:solidFill>
+                  <a:srgbClr val="FF0000"/>
+                </a:solidFill>
+              </a:rPr>
+              <a:t>简单</a:t>
+            </a:r>
+            <a:r>
+              <a:rPr lang="zh-CN" altLang="en-US" dirty="0"/>
+              <a:t>得多，它具有可在多种浏览器中工作的易于使用的</a:t>
             </a:r>
             <a:r>
               <a:rPr lang="en-US" altLang="zh-CN" dirty="0"/>
@@ -6550,7 +6627,19 @@
             </a:r>
             <a:r>
               <a:rPr lang="zh-CN" altLang="en-US" dirty="0"/>
-              <a:t>。结合多功能性和可扩展性，</a:t>
+              <a:t>。结合多功能性和</a:t>
+            </a:r>
+            <a:r>
+              <a:rPr lang="zh-CN" altLang="en-US" dirty="0">
+                <a:solidFill>
+                  <a:srgbClr val="FF0000"/>
+                </a:solidFill>
+              </a:rPr>
+              <a:t>可扩展性</a:t>
+            </a:r>
+            <a:r>
+              <a:rPr lang="zh-CN" altLang="en-US" dirty="0"/>
+              <a:t>，</a:t>
             </a:r>
             <a:r>
               <a:rPr lang="en-US" altLang="zh-CN" dirty="0"/>
@@ -6958,1334 +7047,250 @@
       </p:grpSpPr>
       <p:sp>
         <p:nvSpPr>
-          <p:cNvPr id="15" name="任意多边形 14"/>
-          <p:cNvSpPr/>
-          <p:nvPr/>
+          <p:cNvPr id="2" name="标题 1"/>
+          <p:cNvSpPr>
+            <a:spLocks noGrp="1"/>
+          </p:cNvSpPr>
+          <p:nvPr>
+            <p:ph type="ctrTitle"/>
+          </p:nvPr>
         </p:nvSpPr>
-        <p:spPr>
-          <a:xfrm>
-            <a:off x="4249692" y="1037774"/>
-            <a:ext cx="3741644" cy="3360060"/>
-          </a:xfrm>
-          <a:custGeom>
-            <a:avLst/>
-            <a:gdLst>
-              <a:gd name="connsiteX0" fmla="*/ 949445 w 3191647"/>
-              <a:gd name="connsiteY0" fmla="*/ 0 h 2866152"/>
-              <a:gd name="connsiteX1" fmla="*/ 2234352 w 3191647"/>
-              <a:gd name="connsiteY1" fmla="*/ 0 h 2866152"/>
-              <a:gd name="connsiteX2" fmla="*/ 2402131 w 3191647"/>
-              <a:gd name="connsiteY2" fmla="*/ 51249 h 2866152"/>
-              <a:gd name="connsiteX3" fmla="*/ 2409685 w 3191647"/>
-              <a:gd name="connsiteY3" fmla="*/ 57482 h 2866152"/>
-              <a:gd name="connsiteX4" fmla="*/ 2430115 w 3191647"/>
-              <a:gd name="connsiteY4" fmla="*/ 70005 h 2866152"/>
-              <a:gd name="connsiteX5" fmla="*/ 2508940 w 3191647"/>
-              <a:gd name="connsiteY5" fmla="*/ 159371 h 2866152"/>
-              <a:gd name="connsiteX6" fmla="*/ 3151394 w 3191647"/>
-              <a:gd name="connsiteY6" fmla="*/ 1272133 h 2866152"/>
-              <a:gd name="connsiteX7" fmla="*/ 3181372 w 3191647"/>
-              <a:gd name="connsiteY7" fmla="*/ 1499841 h 2866152"/>
-              <a:gd name="connsiteX8" fmla="*/ 3172981 w 3191647"/>
-              <a:gd name="connsiteY8" fmla="*/ 1522315 h 2866152"/>
-              <a:gd name="connsiteX9" fmla="*/ 3170003 w 3191647"/>
-              <a:gd name="connsiteY9" fmla="*/ 1535472 h 2866152"/>
-              <a:gd name="connsiteX10" fmla="*/ 3145044 w 3191647"/>
-              <a:gd name="connsiteY10" fmla="*/ 1590895 h 2866152"/>
-              <a:gd name="connsiteX11" fmla="*/ 2502590 w 3191647"/>
-              <a:gd name="connsiteY11" fmla="*/ 2703657 h 2866152"/>
-              <a:gd name="connsiteX12" fmla="*/ 2488794 w 3191647"/>
-              <a:gd name="connsiteY12" fmla="*/ 2722817 h 2866152"/>
-              <a:gd name="connsiteX13" fmla="*/ 2482806 w 3191647"/>
-              <a:gd name="connsiteY13" fmla="*/ 2733849 h 2866152"/>
-              <a:gd name="connsiteX14" fmla="*/ 2467439 w 3191647"/>
-              <a:gd name="connsiteY14" fmla="*/ 2752474 h 2866152"/>
-              <a:gd name="connsiteX15" fmla="*/ 2467072 w 3191647"/>
-              <a:gd name="connsiteY15" fmla="*/ 2752984 h 2866152"/>
-              <a:gd name="connsiteX16" fmla="*/ 2466846 w 3191647"/>
-              <a:gd name="connsiteY16" fmla="*/ 2753192 h 2866152"/>
-              <a:gd name="connsiteX17" fmla="*/ 2446163 w 3191647"/>
-              <a:gd name="connsiteY17" fmla="*/ 2778260 h 2866152"/>
-              <a:gd name="connsiteX18" fmla="*/ 2233973 w 3191647"/>
-              <a:gd name="connsiteY18" fmla="*/ 2866152 h 2866152"/>
-              <a:gd name="connsiteX19" fmla="*/ 949066 w 3191647"/>
-              <a:gd name="connsiteY19" fmla="*/ 2866152 h 2866152"/>
-              <a:gd name="connsiteX20" fmla="*/ 700233 w 3191647"/>
-              <a:gd name="connsiteY20" fmla="*/ 2733849 h 2866152"/>
-              <a:gd name="connsiteX21" fmla="*/ 689623 w 3191647"/>
-              <a:gd name="connsiteY21" fmla="*/ 2714300 h 2866152"/>
-              <a:gd name="connsiteX22" fmla="*/ 681960 w 3191647"/>
-              <a:gd name="connsiteY22" fmla="*/ 2703658 h 2866152"/>
-              <a:gd name="connsiteX23" fmla="*/ 39506 w 3191647"/>
-              <a:gd name="connsiteY23" fmla="*/ 1590896 h 2866152"/>
-              <a:gd name="connsiteX24" fmla="*/ 1526 w 3191647"/>
-              <a:gd name="connsiteY24" fmla="*/ 1477948 h 2866152"/>
-              <a:gd name="connsiteX25" fmla="*/ 720 w 3191647"/>
-              <a:gd name="connsiteY25" fmla="*/ 1447354 h 2866152"/>
-              <a:gd name="connsiteX26" fmla="*/ 0 w 3191647"/>
-              <a:gd name="connsiteY26" fmla="*/ 1443059 h 2866152"/>
-              <a:gd name="connsiteX27" fmla="*/ 303 w 3191647"/>
-              <a:gd name="connsiteY27" fmla="*/ 1431516 h 2866152"/>
-              <a:gd name="connsiteX28" fmla="*/ 0 w 3191647"/>
-              <a:gd name="connsiteY28" fmla="*/ 1419970 h 2866152"/>
-              <a:gd name="connsiteX29" fmla="*/ 720 w 3191647"/>
-              <a:gd name="connsiteY29" fmla="*/ 1415675 h 2866152"/>
-              <a:gd name="connsiteX30" fmla="*/ 1526 w 3191647"/>
-              <a:gd name="connsiteY30" fmla="*/ 1385081 h 2866152"/>
-              <a:gd name="connsiteX31" fmla="*/ 39506 w 3191647"/>
-              <a:gd name="connsiteY31" fmla="*/ 1272134 h 2866152"/>
-              <a:gd name="connsiteX32" fmla="*/ 681960 w 3191647"/>
-              <a:gd name="connsiteY32" fmla="*/ 159372 h 2866152"/>
-              <a:gd name="connsiteX33" fmla="*/ 698045 w 3191647"/>
-              <a:gd name="connsiteY33" fmla="*/ 137034 h 2866152"/>
-              <a:gd name="connsiteX34" fmla="*/ 700612 w 3191647"/>
-              <a:gd name="connsiteY34" fmla="*/ 132303 h 2866152"/>
-              <a:gd name="connsiteX35" fmla="*/ 707202 w 3191647"/>
-              <a:gd name="connsiteY35" fmla="*/ 124316 h 2866152"/>
-              <a:gd name="connsiteX36" fmla="*/ 717478 w 3191647"/>
-              <a:gd name="connsiteY36" fmla="*/ 110046 h 2866152"/>
-              <a:gd name="connsiteX37" fmla="*/ 723796 w 3191647"/>
-              <a:gd name="connsiteY37" fmla="*/ 104204 h 2866152"/>
-              <a:gd name="connsiteX38" fmla="*/ 737255 w 3191647"/>
-              <a:gd name="connsiteY38" fmla="*/ 87892 h 2866152"/>
-              <a:gd name="connsiteX39" fmla="*/ 949445 w 3191647"/>
-              <a:gd name="connsiteY39" fmla="*/ 0 h 2866152"/>
-            </a:gdLst>
-            <a:ahLst/>
-            <a:cxnLst>
-              <a:cxn ang="0">
-                <a:pos x="connsiteX0" y="connsiteY0"/>
-              </a:cxn>
-              <a:cxn ang="0">
-                <a:pos x="connsiteX1" y="connsiteY1"/>
-              </a:cxn>
-              <a:cxn ang="0">
-                <a:pos x="connsiteX2" y="connsiteY2"/>
-              </a:cxn>
-              <a:cxn ang="0">
-                <a:pos x="connsiteX3" y="connsiteY3"/>
-              </a:cxn>
-              <a:cxn ang="0">
-                <a:pos x="connsiteX4" y="connsiteY4"/>
-              </a:cxn>
-              <a:cxn ang="0">
-                <a:pos x="connsiteX5" y="connsiteY5"/>
-              </a:cxn>
-              <a:cxn ang="0">
-                <a:pos x="connsiteX6" y="connsiteY6"/>
-              </a:cxn>
-              <a:cxn ang="0">
-                <a:pos x="connsiteX7" y="connsiteY7"/>
-              </a:cxn>
-              <a:cxn ang="0">
-                <a:pos x="connsiteX8" y="connsiteY8"/>
-              </a:cxn>
-              <a:cxn ang="0">
-                <a:pos x="connsiteX9" y="connsiteY9"/>
-              </a:cxn>
-              <a:cxn ang="0">
-                <a:pos x="connsiteX10" y="connsiteY10"/>
-              </a:cxn>
-              <a:cxn ang="0">
-                <a:pos x="connsiteX11" y="connsiteY11"/>
-              </a:cxn>
-              <a:cxn ang="0">
-                <a:pos x="connsiteX12" y="connsiteY12"/>
-              </a:cxn>
-              <a:cxn ang="0">
-                <a:pos x="connsiteX13" y="connsiteY13"/>
-              </a:cxn>
-              <a:cxn ang="0">
-                <a:pos x="connsiteX14" y="connsiteY14"/>
-              </a:cxn>
-              <a:cxn ang="0">
-                <a:pos x="connsiteX15" y="connsiteY15"/>
-              </a:cxn>
-              <a:cxn ang="0">
-                <a:pos x="connsiteX16" y="connsiteY16"/>
-              </a:cxn>
-              <a:cxn ang="0">
-                <a:pos x="connsiteX17" y="connsiteY17"/>
-              </a:cxn>
-              <a:cxn ang="0">
-                <a:pos x="connsiteX18" y="connsiteY18"/>
-              </a:cxn>
-              <a:cxn ang="0">
-                <a:pos x="connsiteX19" y="connsiteY19"/>
-              </a:cxn>
-              <a:cxn ang="0">
-                <a:pos x="connsiteX20" y="connsiteY20"/>
-              </a:cxn>
-              <a:cxn ang="0">
-                <a:pos x="connsiteX21" y="connsiteY21"/>
-              </a:cxn>
-              <a:cxn ang="0">
-                <a:pos x="connsiteX22" y="connsiteY22"/>
-              </a:cxn>
-              <a:cxn ang="0">
-                <a:pos x="connsiteX23" y="connsiteY23"/>
-              </a:cxn>
-              <a:cxn ang="0">
-                <a:pos x="connsiteX24" y="connsiteY24"/>
-              </a:cxn>
-              <a:cxn ang="0">
-                <a:pos x="connsiteX25" y="connsiteY25"/>
-              </a:cxn>
-              <a:cxn ang="0">
-                <a:pos x="connsiteX26" y="connsiteY26"/>
-              </a:cxn>
-              <a:cxn ang="0">
-                <a:pos x="connsiteX27" y="connsiteY27"/>
-              </a:cxn>
-              <a:cxn ang="0">
-                <a:pos x="connsiteX28" y="connsiteY28"/>
-              </a:cxn>
-              <a:cxn ang="0">
-                <a:pos x="connsiteX29" y="connsiteY29"/>
-              </a:cxn>
-              <a:cxn ang="0">
-                <a:pos x="connsiteX30" y="connsiteY30"/>
-              </a:cxn>
-              <a:cxn ang="0">
-                <a:pos x="connsiteX31" y="connsiteY31"/>
-              </a:cxn>
-              <a:cxn ang="0">
-                <a:pos x="connsiteX32" y="connsiteY32"/>
-              </a:cxn>
-              <a:cxn ang="0">
-                <a:pos x="connsiteX33" y="connsiteY33"/>
-              </a:cxn>
-              <a:cxn ang="0">
-                <a:pos x="connsiteX34" y="connsiteY34"/>
-              </a:cxn>
-              <a:cxn ang="0">
-                <a:pos x="connsiteX35" y="connsiteY35"/>
-              </a:cxn>
-              <a:cxn ang="0">
-                <a:pos x="connsiteX36" y="connsiteY36"/>
-              </a:cxn>
-              <a:cxn ang="0">
-                <a:pos x="connsiteX37" y="connsiteY37"/>
-              </a:cxn>
-              <a:cxn ang="0">
-                <a:pos x="connsiteX38" y="connsiteY38"/>
-              </a:cxn>
-              <a:cxn ang="0">
-                <a:pos x="connsiteX39" y="connsiteY39"/>
-              </a:cxn>
-            </a:cxnLst>
-            <a:rect l="l" t="t" r="r" b="b"/>
-            <a:pathLst>
-              <a:path w="3191647" h="2866152">
-                <a:moveTo>
-                  <a:pt x="949445" y="0"/>
-                </a:moveTo>
-                <a:lnTo>
-                  <a:pt x="2234352" y="0"/>
-                </a:lnTo>
-                <a:cubicBezTo>
-                  <a:pt x="2296501" y="0"/>
-                  <a:pt x="2354237" y="18893"/>
-                  <a:pt x="2402131" y="51249"/>
-                </a:cubicBezTo>
-                <a:lnTo>
-                  <a:pt x="2409685" y="57482"/>
-                </a:lnTo>
-                <a:lnTo>
-                  <a:pt x="2430115" y="70005"/>
-                </a:lnTo>
-                <a:cubicBezTo>
-                  <a:pt x="2461216" y="93504"/>
-                  <a:pt x="2488224" y="123489"/>
-                  <a:pt x="2508940" y="159371"/>
-                </a:cubicBezTo>
-                <a:lnTo>
-                  <a:pt x="3151394" y="1272133"/>
-                </a:lnTo>
-                <a:cubicBezTo>
-                  <a:pt x="3192826" y="1343897"/>
-                  <a:pt x="3201249" y="1425660"/>
-                  <a:pt x="3181372" y="1499841"/>
-                </a:cubicBezTo>
-                <a:lnTo>
-                  <a:pt x="3172981" y="1522315"/>
-                </a:lnTo>
-                <a:lnTo>
-                  <a:pt x="3170003" y="1535472"/>
-                </a:lnTo>
-                <a:cubicBezTo>
-                  <a:pt x="3163697" y="1554388"/>
-                  <a:pt x="3155402" y="1572954"/>
-                  <a:pt x="3145044" y="1590895"/>
-                </a:cubicBezTo>
-                <a:lnTo>
-                  <a:pt x="2502590" y="2703657"/>
-                </a:lnTo>
-                <a:lnTo>
-                  <a:pt x="2488794" y="2722817"/>
-                </a:lnTo>
-                <a:lnTo>
-                  <a:pt x="2482806" y="2733849"/>
-                </a:lnTo>
-                <a:lnTo>
-                  <a:pt x="2467439" y="2752474"/>
-                </a:lnTo>
-                <a:lnTo>
-                  <a:pt x="2467072" y="2752984"/>
-                </a:lnTo>
-                <a:lnTo>
-                  <a:pt x="2466846" y="2753192"/>
-                </a:lnTo>
-                <a:lnTo>
-                  <a:pt x="2446163" y="2778260"/>
-                </a:lnTo>
-                <a:cubicBezTo>
-                  <a:pt x="2391859" y="2832565"/>
-                  <a:pt x="2316839" y="2866152"/>
-                  <a:pt x="2233973" y="2866152"/>
-                </a:cubicBezTo>
-                <a:lnTo>
-                  <a:pt x="949066" y="2866152"/>
-                </a:lnTo>
-                <a:cubicBezTo>
-                  <a:pt x="845484" y="2866152"/>
-                  <a:pt x="754160" y="2813671"/>
-                  <a:pt x="700233" y="2733849"/>
-                </a:cubicBezTo>
-                <a:lnTo>
-                  <a:pt x="689623" y="2714300"/>
-                </a:lnTo>
-                <a:lnTo>
-                  <a:pt x="681960" y="2703658"/>
-                </a:lnTo>
-                <a:lnTo>
-                  <a:pt x="39506" y="1590896"/>
-                </a:lnTo>
-                <a:cubicBezTo>
-                  <a:pt x="18789" y="1555014"/>
-                  <a:pt x="6326" y="1516632"/>
-                  <a:pt x="1526" y="1477948"/>
-                </a:cubicBezTo>
-                <a:lnTo>
-                  <a:pt x="720" y="1447354"/>
-                </a:lnTo>
-                <a:lnTo>
-                  <a:pt x="0" y="1443059"/>
-                </a:lnTo>
-                <a:lnTo>
-                  <a:pt x="303" y="1431516"/>
-                </a:lnTo>
-                <a:lnTo>
-                  <a:pt x="0" y="1419970"/>
-                </a:lnTo>
-                <a:lnTo>
-                  <a:pt x="720" y="1415675"/>
-                </a:lnTo>
-                <a:lnTo>
-                  <a:pt x="1526" y="1385081"/>
-                </a:lnTo>
-                <a:cubicBezTo>
-                  <a:pt x="6326" y="1346398"/>
-                  <a:pt x="18789" y="1308016"/>
-                  <a:pt x="39506" y="1272134"/>
-                </a:cubicBezTo>
-                <a:lnTo>
-                  <a:pt x="681960" y="159372"/>
-                </a:lnTo>
-                <a:lnTo>
-                  <a:pt x="698045" y="137034"/>
-                </a:lnTo>
-                <a:lnTo>
-                  <a:pt x="700612" y="132303"/>
-                </a:lnTo>
-                <a:lnTo>
-                  <a:pt x="707202" y="124316"/>
-                </a:lnTo>
-                <a:lnTo>
-                  <a:pt x="717478" y="110046"/>
-                </a:lnTo>
-                <a:lnTo>
-                  <a:pt x="723796" y="104204"/>
-                </a:lnTo>
-                <a:lnTo>
-                  <a:pt x="737255" y="87892"/>
-                </a:lnTo>
-                <a:cubicBezTo>
-                  <a:pt x="791559" y="33588"/>
-                  <a:pt x="866580" y="0"/>
-                  <a:pt x="949445" y="0"/>
-                </a:cubicBezTo>
-                <a:close/>
-              </a:path>
-            </a:pathLst>
-          </a:custGeom>
-          <a:noFill/>
-          <a:ln w="25400">
-            <a:solidFill>
-              <a:schemeClr val="bg1">
-                <a:alpha val="22000"/>
-              </a:schemeClr>
-            </a:solidFill>
-          </a:ln>
-          <a:effectLst>
-            <a:outerShdw blurRad="571500" dist="342900" dir="2280000" algn="tl" rotWithShape="0">
-              <a:prstClr val="black">
-                <a:alpha val="15000"/>
-              </a:prstClr>
-            </a:outerShdw>
-          </a:effectLst>
-        </p:spPr>
-        <p:style>
-          <a:lnRef idx="2">
-            <a:schemeClr val="accent1">
-              <a:shade val="50000"/>
-            </a:schemeClr>
-          </a:lnRef>
-          <a:fillRef idx="1">
-            <a:schemeClr val="accent1"/>
-          </a:fillRef>
-          <a:effectRef idx="0">
-            <a:schemeClr val="accent1"/>
-          </a:effectRef>
-          <a:fontRef idx="minor">
-            <a:schemeClr val="lt1"/>
-          </a:fontRef>
-        </p:style>
+        <p:spPr/>
         <p:txBody>
-          <a:bodyPr rtlCol="0" anchor="ctr"/>
+          <a:bodyPr/>
           <a:lstStyle/>
           <a:p>
-            <a:pPr algn="ctr"/>
-            <a:endParaRPr lang="zh-CN" altLang="en-US"/>
+            <a:r>
+              <a:rPr lang="en-US" altLang="zh-CN" dirty="0" smtClean="0"/>
+              <a:t>jQuery</a:t>
+            </a:r>
+            <a:r>
+              <a:rPr lang="zh-CN" altLang="en-US" dirty="0" smtClean="0"/>
+              <a:t>与</a:t>
+            </a:r>
+            <a:r>
+              <a:rPr lang="en-US" altLang="zh-CN" dirty="0" err="1" smtClean="0"/>
+              <a:t>javascript</a:t>
+            </a:r>
+            <a:r>
+              <a:rPr lang="zh-CN" altLang="en-US" dirty="0" smtClean="0"/>
+              <a:t>语法比较</a:t>
+            </a:r>
+            <a:endParaRPr lang="zh-CN" altLang="en-US" dirty="0"/>
           </a:p>
         </p:txBody>
       </p:sp>
-      <p:grpSp>
-        <p:nvGrpSpPr>
-          <p:cNvPr id="5" name="组合 4"/>
-          <p:cNvGrpSpPr/>
-          <p:nvPr/>
-        </p:nvGrpSpPr>
-        <p:grpSpPr>
-          <a:xfrm>
-            <a:off x="4706286" y="1267811"/>
-            <a:ext cx="2828456" cy="2881329"/>
-            <a:chOff x="4706287" y="1267811"/>
-            <a:chExt cx="2828456" cy="2881329"/>
-          </a:xfrm>
-        </p:grpSpPr>
-        <p:sp>
-          <p:nvSpPr>
-            <p:cNvPr id="3" name="任意多边形 2"/>
-            <p:cNvSpPr/>
-            <p:nvPr/>
-          </p:nvSpPr>
-          <p:spPr>
-            <a:xfrm>
-              <a:off x="4706287" y="1447803"/>
-              <a:ext cx="2828456" cy="2540001"/>
-            </a:xfrm>
-            <a:custGeom>
-              <a:avLst/>
-              <a:gdLst>
-                <a:gd name="connsiteX0" fmla="*/ 949445 w 3191647"/>
-                <a:gd name="connsiteY0" fmla="*/ 0 h 2866152"/>
-                <a:gd name="connsiteX1" fmla="*/ 2234352 w 3191647"/>
-                <a:gd name="connsiteY1" fmla="*/ 0 h 2866152"/>
-                <a:gd name="connsiteX2" fmla="*/ 2402131 w 3191647"/>
-                <a:gd name="connsiteY2" fmla="*/ 51249 h 2866152"/>
-                <a:gd name="connsiteX3" fmla="*/ 2409685 w 3191647"/>
-                <a:gd name="connsiteY3" fmla="*/ 57482 h 2866152"/>
-                <a:gd name="connsiteX4" fmla="*/ 2430115 w 3191647"/>
-                <a:gd name="connsiteY4" fmla="*/ 70005 h 2866152"/>
-                <a:gd name="connsiteX5" fmla="*/ 2508940 w 3191647"/>
-                <a:gd name="connsiteY5" fmla="*/ 159371 h 2866152"/>
-                <a:gd name="connsiteX6" fmla="*/ 3151394 w 3191647"/>
-                <a:gd name="connsiteY6" fmla="*/ 1272133 h 2866152"/>
-                <a:gd name="connsiteX7" fmla="*/ 3181372 w 3191647"/>
-                <a:gd name="connsiteY7" fmla="*/ 1499841 h 2866152"/>
-                <a:gd name="connsiteX8" fmla="*/ 3172981 w 3191647"/>
-                <a:gd name="connsiteY8" fmla="*/ 1522315 h 2866152"/>
-                <a:gd name="connsiteX9" fmla="*/ 3170003 w 3191647"/>
-                <a:gd name="connsiteY9" fmla="*/ 1535472 h 2866152"/>
-                <a:gd name="connsiteX10" fmla="*/ 3145044 w 3191647"/>
-                <a:gd name="connsiteY10" fmla="*/ 1590895 h 2866152"/>
-                <a:gd name="connsiteX11" fmla="*/ 2502590 w 3191647"/>
-                <a:gd name="connsiteY11" fmla="*/ 2703657 h 2866152"/>
-                <a:gd name="connsiteX12" fmla="*/ 2488794 w 3191647"/>
-                <a:gd name="connsiteY12" fmla="*/ 2722817 h 2866152"/>
-                <a:gd name="connsiteX13" fmla="*/ 2482806 w 3191647"/>
-                <a:gd name="connsiteY13" fmla="*/ 2733849 h 2866152"/>
-                <a:gd name="connsiteX14" fmla="*/ 2467439 w 3191647"/>
-                <a:gd name="connsiteY14" fmla="*/ 2752474 h 2866152"/>
-                <a:gd name="connsiteX15" fmla="*/ 2467072 w 3191647"/>
-                <a:gd name="connsiteY15" fmla="*/ 2752984 h 2866152"/>
-                <a:gd name="connsiteX16" fmla="*/ 2466846 w 3191647"/>
-                <a:gd name="connsiteY16" fmla="*/ 2753192 h 2866152"/>
-                <a:gd name="connsiteX17" fmla="*/ 2446163 w 3191647"/>
-                <a:gd name="connsiteY17" fmla="*/ 2778260 h 2866152"/>
-                <a:gd name="connsiteX18" fmla="*/ 2233973 w 3191647"/>
-                <a:gd name="connsiteY18" fmla="*/ 2866152 h 2866152"/>
-                <a:gd name="connsiteX19" fmla="*/ 949066 w 3191647"/>
-                <a:gd name="connsiteY19" fmla="*/ 2866152 h 2866152"/>
-                <a:gd name="connsiteX20" fmla="*/ 700233 w 3191647"/>
-                <a:gd name="connsiteY20" fmla="*/ 2733849 h 2866152"/>
-                <a:gd name="connsiteX21" fmla="*/ 689623 w 3191647"/>
-                <a:gd name="connsiteY21" fmla="*/ 2714300 h 2866152"/>
-                <a:gd name="connsiteX22" fmla="*/ 681960 w 3191647"/>
-                <a:gd name="connsiteY22" fmla="*/ 2703658 h 2866152"/>
-                <a:gd name="connsiteX23" fmla="*/ 39506 w 3191647"/>
-                <a:gd name="connsiteY23" fmla="*/ 1590896 h 2866152"/>
-                <a:gd name="connsiteX24" fmla="*/ 1526 w 3191647"/>
-                <a:gd name="connsiteY24" fmla="*/ 1477948 h 2866152"/>
-                <a:gd name="connsiteX25" fmla="*/ 720 w 3191647"/>
-                <a:gd name="connsiteY25" fmla="*/ 1447354 h 2866152"/>
-                <a:gd name="connsiteX26" fmla="*/ 0 w 3191647"/>
-                <a:gd name="connsiteY26" fmla="*/ 1443059 h 2866152"/>
-                <a:gd name="connsiteX27" fmla="*/ 303 w 3191647"/>
-                <a:gd name="connsiteY27" fmla="*/ 1431516 h 2866152"/>
-                <a:gd name="connsiteX28" fmla="*/ 0 w 3191647"/>
-                <a:gd name="connsiteY28" fmla="*/ 1419970 h 2866152"/>
-                <a:gd name="connsiteX29" fmla="*/ 720 w 3191647"/>
-                <a:gd name="connsiteY29" fmla="*/ 1415675 h 2866152"/>
-                <a:gd name="connsiteX30" fmla="*/ 1526 w 3191647"/>
-                <a:gd name="connsiteY30" fmla="*/ 1385081 h 2866152"/>
-                <a:gd name="connsiteX31" fmla="*/ 39506 w 3191647"/>
-                <a:gd name="connsiteY31" fmla="*/ 1272134 h 2866152"/>
-                <a:gd name="connsiteX32" fmla="*/ 681960 w 3191647"/>
-                <a:gd name="connsiteY32" fmla="*/ 159372 h 2866152"/>
-                <a:gd name="connsiteX33" fmla="*/ 698045 w 3191647"/>
-                <a:gd name="connsiteY33" fmla="*/ 137034 h 2866152"/>
-                <a:gd name="connsiteX34" fmla="*/ 700612 w 3191647"/>
-                <a:gd name="connsiteY34" fmla="*/ 132303 h 2866152"/>
-                <a:gd name="connsiteX35" fmla="*/ 707202 w 3191647"/>
-                <a:gd name="connsiteY35" fmla="*/ 124316 h 2866152"/>
-                <a:gd name="connsiteX36" fmla="*/ 717478 w 3191647"/>
-                <a:gd name="connsiteY36" fmla="*/ 110046 h 2866152"/>
-                <a:gd name="connsiteX37" fmla="*/ 723796 w 3191647"/>
-                <a:gd name="connsiteY37" fmla="*/ 104204 h 2866152"/>
-                <a:gd name="connsiteX38" fmla="*/ 737255 w 3191647"/>
-                <a:gd name="connsiteY38" fmla="*/ 87892 h 2866152"/>
-                <a:gd name="connsiteX39" fmla="*/ 949445 w 3191647"/>
-                <a:gd name="connsiteY39" fmla="*/ 0 h 2866152"/>
-              </a:gdLst>
-              <a:ahLst/>
-              <a:cxnLst>
-                <a:cxn ang="0">
-                  <a:pos x="connsiteX0" y="connsiteY0"/>
-                </a:cxn>
-                <a:cxn ang="0">
-                  <a:pos x="connsiteX1" y="connsiteY1"/>
-                </a:cxn>
-                <a:cxn ang="0">
-                  <a:pos x="connsiteX2" y="connsiteY2"/>
-                </a:cxn>
-                <a:cxn ang="0">
-                  <a:pos x="connsiteX3" y="connsiteY3"/>
-                </a:cxn>
-                <a:cxn ang="0">
-                  <a:pos x="connsiteX4" y="connsiteY4"/>
-                </a:cxn>
-                <a:cxn ang="0">
-                  <a:pos x="connsiteX5" y="connsiteY5"/>
-                </a:cxn>
-                <a:cxn ang="0">
-                  <a:pos x="connsiteX6" y="connsiteY6"/>
-                </a:cxn>
-                <a:cxn ang="0">
-                  <a:pos x="connsiteX7" y="connsiteY7"/>
-                </a:cxn>
-                <a:cxn ang="0">
-                  <a:pos x="connsiteX8" y="connsiteY8"/>
-                </a:cxn>
-                <a:cxn ang="0">
-                  <a:pos x="connsiteX9" y="connsiteY9"/>
-                </a:cxn>
-                <a:cxn ang="0">
-                  <a:pos x="connsiteX10" y="connsiteY10"/>
-                </a:cxn>
-                <a:cxn ang="0">
-                  <a:pos x="connsiteX11" y="connsiteY11"/>
-                </a:cxn>
-                <a:cxn ang="0">
-                  <a:pos x="connsiteX12" y="connsiteY12"/>
-                </a:cxn>
-                <a:cxn ang="0">
-                  <a:pos x="connsiteX13" y="connsiteY13"/>
-                </a:cxn>
-                <a:cxn ang="0">
-                  <a:pos x="connsiteX14" y="connsiteY14"/>
-                </a:cxn>
-                <a:cxn ang="0">
-                  <a:pos x="connsiteX15" y="connsiteY15"/>
-                </a:cxn>
-                <a:cxn ang="0">
-                  <a:pos x="connsiteX16" y="connsiteY16"/>
-                </a:cxn>
-                <a:cxn ang="0">
-                  <a:pos x="connsiteX17" y="connsiteY17"/>
-                </a:cxn>
-                <a:cxn ang="0">
-                  <a:pos x="connsiteX18" y="connsiteY18"/>
-                </a:cxn>
-                <a:cxn ang="0">
-                  <a:pos x="connsiteX19" y="connsiteY19"/>
-                </a:cxn>
-                <a:cxn ang="0">
-                  <a:pos x="connsiteX20" y="connsiteY20"/>
-                </a:cxn>
-                <a:cxn ang="0">
-                  <a:pos x="connsiteX21" y="connsiteY21"/>
-                </a:cxn>
-                <a:cxn ang="0">
-                  <a:pos x="connsiteX22" y="connsiteY22"/>
-                </a:cxn>
-                <a:cxn ang="0">
-                  <a:pos x="connsiteX23" y="connsiteY23"/>
-                </a:cxn>
-                <a:cxn ang="0">
-                  <a:pos x="connsiteX24" y="connsiteY24"/>
-                </a:cxn>
-                <a:cxn ang="0">
-                  <a:pos x="connsiteX25" y="connsiteY25"/>
-                </a:cxn>
-                <a:cxn ang="0">
-                  <a:pos x="connsiteX26" y="connsiteY26"/>
-                </a:cxn>
-                <a:cxn ang="0">
-                  <a:pos x="connsiteX27" y="connsiteY27"/>
-                </a:cxn>
-                <a:cxn ang="0">
-                  <a:pos x="connsiteX28" y="connsiteY28"/>
-                </a:cxn>
-                <a:cxn ang="0">
-                  <a:pos x="connsiteX29" y="connsiteY29"/>
-                </a:cxn>
-                <a:cxn ang="0">
-                  <a:pos x="connsiteX30" y="connsiteY30"/>
-                </a:cxn>
-                <a:cxn ang="0">
-                  <a:pos x="connsiteX31" y="connsiteY31"/>
-                </a:cxn>
-                <a:cxn ang="0">
-                  <a:pos x="connsiteX32" y="connsiteY32"/>
-                </a:cxn>
-                <a:cxn ang="0">
-                  <a:pos x="connsiteX33" y="connsiteY33"/>
-                </a:cxn>
-                <a:cxn ang="0">
-                  <a:pos x="connsiteX34" y="connsiteY34"/>
-                </a:cxn>
-                <a:cxn ang="0">
-                  <a:pos x="connsiteX35" y="connsiteY35"/>
-                </a:cxn>
-                <a:cxn ang="0">
-                  <a:pos x="connsiteX36" y="connsiteY36"/>
-                </a:cxn>
-                <a:cxn ang="0">
-                  <a:pos x="connsiteX37" y="connsiteY37"/>
-                </a:cxn>
-                <a:cxn ang="0">
-                  <a:pos x="connsiteX38" y="connsiteY38"/>
-                </a:cxn>
-                <a:cxn ang="0">
-                  <a:pos x="connsiteX39" y="connsiteY39"/>
-                </a:cxn>
-              </a:cxnLst>
-              <a:rect l="l" t="t" r="r" b="b"/>
-              <a:pathLst>
-                <a:path w="3191647" h="2866152">
-                  <a:moveTo>
-                    <a:pt x="949445" y="0"/>
-                  </a:moveTo>
-                  <a:lnTo>
-                    <a:pt x="2234352" y="0"/>
-                  </a:lnTo>
-                  <a:cubicBezTo>
-                    <a:pt x="2296501" y="0"/>
-                    <a:pt x="2354237" y="18893"/>
-                    <a:pt x="2402131" y="51249"/>
-                  </a:cubicBezTo>
-                  <a:lnTo>
-                    <a:pt x="2409685" y="57482"/>
-                  </a:lnTo>
-                  <a:lnTo>
-                    <a:pt x="2430115" y="70005"/>
-                  </a:lnTo>
-                  <a:cubicBezTo>
-                    <a:pt x="2461216" y="93504"/>
-                    <a:pt x="2488224" y="123489"/>
-                    <a:pt x="2508940" y="159371"/>
-                  </a:cubicBezTo>
-                  <a:lnTo>
-                    <a:pt x="3151394" y="1272133"/>
-                  </a:lnTo>
-                  <a:cubicBezTo>
-                    <a:pt x="3192826" y="1343897"/>
-                    <a:pt x="3201249" y="1425660"/>
-                    <a:pt x="3181372" y="1499841"/>
-                  </a:cubicBezTo>
-                  <a:lnTo>
-                    <a:pt x="3172981" y="1522315"/>
-                  </a:lnTo>
-                  <a:lnTo>
-                    <a:pt x="3170003" y="1535472"/>
-                  </a:lnTo>
-                  <a:cubicBezTo>
-                    <a:pt x="3163697" y="1554388"/>
-                    <a:pt x="3155402" y="1572954"/>
-                    <a:pt x="3145044" y="1590895"/>
-                  </a:cubicBezTo>
-                  <a:lnTo>
-                    <a:pt x="2502590" y="2703657"/>
-                  </a:lnTo>
-                  <a:lnTo>
-                    <a:pt x="2488794" y="2722817"/>
-                  </a:lnTo>
-                  <a:lnTo>
-                    <a:pt x="2482806" y="2733849"/>
-                  </a:lnTo>
-                  <a:lnTo>
-                    <a:pt x="2467439" y="2752474"/>
-                  </a:lnTo>
-                  <a:lnTo>
-                    <a:pt x="2467072" y="2752984"/>
-                  </a:lnTo>
-                  <a:lnTo>
-                    <a:pt x="2466846" y="2753192"/>
-                  </a:lnTo>
-                  <a:lnTo>
-                    <a:pt x="2446163" y="2778260"/>
-                  </a:lnTo>
-                  <a:cubicBezTo>
-                    <a:pt x="2391859" y="2832565"/>
-                    <a:pt x="2316839" y="2866152"/>
-                    <a:pt x="2233973" y="2866152"/>
-                  </a:cubicBezTo>
-                  <a:lnTo>
-                    <a:pt x="949066" y="2866152"/>
-                  </a:lnTo>
-                  <a:cubicBezTo>
-                    <a:pt x="845484" y="2866152"/>
-                    <a:pt x="754160" y="2813671"/>
-                    <a:pt x="700233" y="2733849"/>
-                  </a:cubicBezTo>
-                  <a:lnTo>
-                    <a:pt x="689623" y="2714300"/>
-                  </a:lnTo>
-                  <a:lnTo>
-                    <a:pt x="681960" y="2703658"/>
-                  </a:lnTo>
-                  <a:lnTo>
-                    <a:pt x="39506" y="1590896"/>
-                  </a:lnTo>
-                  <a:cubicBezTo>
-                    <a:pt x="18789" y="1555014"/>
-                    <a:pt x="6326" y="1516632"/>
-                    <a:pt x="1526" y="1477948"/>
-                  </a:cubicBezTo>
-                  <a:lnTo>
-                    <a:pt x="720" y="1447354"/>
-                  </a:lnTo>
-                  <a:lnTo>
-                    <a:pt x="0" y="1443059"/>
-                  </a:lnTo>
-                  <a:lnTo>
-                    <a:pt x="303" y="1431516"/>
-                  </a:lnTo>
-                  <a:lnTo>
-                    <a:pt x="0" y="1419970"/>
-                  </a:lnTo>
-                  <a:lnTo>
-                    <a:pt x="720" y="1415675"/>
-                  </a:lnTo>
-                  <a:lnTo>
-                    <a:pt x="1526" y="1385081"/>
-                  </a:lnTo>
-                  <a:cubicBezTo>
-                    <a:pt x="6326" y="1346398"/>
-                    <a:pt x="18789" y="1308016"/>
-                    <a:pt x="39506" y="1272134"/>
-                  </a:cubicBezTo>
-                  <a:lnTo>
-                    <a:pt x="681960" y="159372"/>
-                  </a:lnTo>
-                  <a:lnTo>
-                    <a:pt x="698045" y="137034"/>
-                  </a:lnTo>
-                  <a:lnTo>
-                    <a:pt x="700612" y="132303"/>
-                  </a:lnTo>
-                  <a:lnTo>
-                    <a:pt x="707202" y="124316"/>
-                  </a:lnTo>
-                  <a:lnTo>
-                    <a:pt x="717478" y="110046"/>
-                  </a:lnTo>
-                  <a:lnTo>
-                    <a:pt x="723796" y="104204"/>
-                  </a:lnTo>
-                  <a:lnTo>
-                    <a:pt x="737255" y="87892"/>
-                  </a:lnTo>
-                  <a:cubicBezTo>
-                    <a:pt x="791559" y="33588"/>
-                    <a:pt x="866580" y="0"/>
-                    <a:pt x="949445" y="0"/>
-                  </a:cubicBezTo>
-                  <a:close/>
-                </a:path>
-              </a:pathLst>
-            </a:custGeom>
-            <a:gradFill>
-              <a:gsLst>
-                <a:gs pos="0">
-                  <a:srgbClr val="E5E5E5"/>
-                </a:gs>
-                <a:gs pos="100000">
-                  <a:srgbClr val="FEFEFE"/>
-                </a:gs>
-              </a:gsLst>
-              <a:lin ang="5400000" scaled="1"/>
-            </a:gradFill>
-            <a:ln w="25400">
-              <a:gradFill>
-                <a:gsLst>
-                  <a:gs pos="0">
-                    <a:schemeClr val="accent1">
-                      <a:lumMod val="5000"/>
-                      <a:lumOff val="95000"/>
-                    </a:schemeClr>
-                  </a:gs>
-                  <a:gs pos="100000">
-                    <a:srgbClr val="E0E0E0"/>
-                  </a:gs>
-                </a:gsLst>
-                <a:lin ang="5400000" scaled="1"/>
-              </a:gradFill>
-            </a:ln>
-            <a:effectLst>
-              <a:outerShdw blurRad="571500" dist="342900" dir="2280000" algn="tl" rotWithShape="0">
-                <a:prstClr val="black">
-                  <a:alpha val="15000"/>
-                </a:prstClr>
-              </a:outerShdw>
-            </a:effectLst>
-          </p:spPr>
-          <p:style>
-            <a:lnRef idx="2">
-              <a:schemeClr val="accent1">
-                <a:shade val="50000"/>
-              </a:schemeClr>
-            </a:lnRef>
-            <a:fillRef idx="1">
-              <a:schemeClr val="accent1"/>
-            </a:fillRef>
-            <a:effectRef idx="0">
-              <a:schemeClr val="accent1"/>
-            </a:effectRef>
-            <a:fontRef idx="minor">
-              <a:schemeClr val="lt1"/>
-            </a:fontRef>
-          </p:style>
-          <p:txBody>
-            <a:bodyPr rtlCol="0" anchor="ctr"/>
-            <a:lstStyle/>
-            <a:p>
-              <a:pPr algn="ctr"/>
-              <a:endParaRPr lang="zh-CN" altLang="en-US"/>
-            </a:p>
-          </p:txBody>
-        </p:sp>
-        <p:sp>
-          <p:nvSpPr>
-            <p:cNvPr id="16" name="文本框 15"/>
-            <p:cNvSpPr txBox="1"/>
-            <p:nvPr/>
-          </p:nvSpPr>
-          <p:spPr>
-            <a:xfrm>
-              <a:off x="5464726" y="1267811"/>
-              <a:ext cx="1630575" cy="2215991"/>
-            </a:xfrm>
-            <a:prstGeom prst="rect">
-              <a:avLst/>
-            </a:prstGeom>
-            <a:noFill/>
-          </p:spPr>
-          <p:txBody>
-            <a:bodyPr wrap="none" rtlCol="0">
-              <a:spAutoFit/>
-            </a:bodyPr>
-            <a:lstStyle/>
-            <a:p>
-              <a:r>
-                <a:rPr lang="en-US" altLang="zh-CN" sz="13800" dirty="0" smtClean="0">
-                  <a:solidFill>
-                    <a:srgbClr val="18B0E3"/>
-                  </a:solidFill>
-                  <a:latin typeface="Agency FB" panose="020B0503020202020204" pitchFamily="34" charset="0"/>
-                </a:rPr>
-                <a:t>04</a:t>
-              </a:r>
-              <a:endParaRPr lang="en-US" altLang="zh-CN" sz="13800" dirty="0" smtClean="0">
-                <a:solidFill>
-                  <a:srgbClr val="18B0E3"/>
-                </a:solidFill>
-                <a:latin typeface="Agency FB" panose="020B0503020202020204" pitchFamily="34" charset="0"/>
-              </a:endParaRPr>
-            </a:p>
-          </p:txBody>
-        </p:sp>
-        <p:sp>
-          <p:nvSpPr>
-            <p:cNvPr id="19" name="文本框 18"/>
-            <p:cNvSpPr txBox="1"/>
-            <p:nvPr/>
-          </p:nvSpPr>
-          <p:spPr>
-            <a:xfrm>
-              <a:off x="5379480" y="3195033"/>
-              <a:ext cx="1592487" cy="954107"/>
-            </a:xfrm>
-            <a:prstGeom prst="rect">
-              <a:avLst/>
-            </a:prstGeom>
-            <a:noFill/>
-          </p:spPr>
-          <p:txBody>
-            <a:bodyPr wrap="none" rtlCol="0">
-              <a:spAutoFit/>
-            </a:bodyPr>
-            <a:lstStyle/>
-            <a:p>
-              <a:r>
-                <a:rPr lang="en-US" altLang="zh-CN" sz="2800" b="1" dirty="0" smtClean="0">
-                  <a:solidFill>
-                    <a:srgbClr val="18B0E3"/>
-                  </a:solidFill>
-                  <a:latin typeface="Segoe UI Semilight" panose="020B0402040204020203" pitchFamily="34" charset="0"/>
-                  <a:ea typeface="Kozuka Gothic Pro L" panose="020B0200000000000000" pitchFamily="34" charset="-128"/>
-                  <a:cs typeface="Segoe UI Semilight" panose="020B0402040204020203" pitchFamily="34" charset="0"/>
-                </a:rPr>
-                <a:t>Part </a:t>
-              </a:r>
-              <a:r>
-                <a:rPr lang="en-US" altLang="zh-CN" sz="2800" b="1" dirty="0" smtClean="0">
-                  <a:solidFill>
-                    <a:srgbClr val="18B0E3"/>
-                  </a:solidFill>
-                  <a:latin typeface="Segoe UI Semilight" panose="020B0402040204020203" pitchFamily="34" charset="0"/>
-                  <a:ea typeface="Kozuka Gothic Pro L" panose="020B0200000000000000" pitchFamily="34" charset="-128"/>
-                  <a:cs typeface="Segoe UI Semilight" panose="020B0402040204020203" pitchFamily="34" charset="0"/>
-                </a:rPr>
-                <a:t>Four</a:t>
-              </a:r>
-            </a:p>
-            <a:p>
-              <a:endParaRPr lang="en-US" altLang="zh-CN" sz="2800" b="1" dirty="0" smtClean="0">
-                <a:solidFill>
-                  <a:srgbClr val="18B0E3"/>
-                </a:solidFill>
-                <a:latin typeface="Segoe UI Semilight" panose="020B0402040204020203" pitchFamily="34" charset="0"/>
-                <a:ea typeface="Kozuka Gothic Pro L" panose="020B0200000000000000" pitchFamily="34" charset="-128"/>
-                <a:cs typeface="Segoe UI Semilight" panose="020B0402040204020203" pitchFamily="34" charset="0"/>
-              </a:endParaRPr>
-            </a:p>
-          </p:txBody>
-        </p:sp>
-      </p:grpSp>
       <p:sp>
         <p:nvSpPr>
-          <p:cNvPr id="21" name="文本框 20"/>
-          <p:cNvSpPr txBox="1"/>
-          <p:nvPr/>
+          <p:cNvPr id="3" name="副标题 2"/>
+          <p:cNvSpPr>
+            <a:spLocks noGrp="1"/>
+          </p:cNvSpPr>
+          <p:nvPr>
+            <p:ph type="subTitle" idx="1"/>
+          </p:nvPr>
         </p:nvSpPr>
-        <p:spPr>
-          <a:xfrm>
-            <a:off x="4250055" y="4807585"/>
-            <a:ext cx="3903345" cy="706755"/>
-          </a:xfrm>
-          <a:prstGeom prst="rect">
-            <a:avLst/>
-          </a:prstGeom>
-          <a:noFill/>
-          <a:effectLst>
-            <a:outerShdw blurRad="63500" dist="38100" dir="5400000" algn="t" rotWithShape="0">
-              <a:prstClr val="black">
-                <a:alpha val="27000"/>
-              </a:prstClr>
-            </a:outerShdw>
-          </a:effectLst>
-        </p:spPr>
+        <p:spPr/>
         <p:txBody>
-          <a:bodyPr wrap="square" rtlCol="0">
-            <a:spAutoFit/>
+          <a:bodyPr>
+            <a:normAutofit fontScale="92500" lnSpcReduction="10000"/>
           </a:bodyPr>
           <a:lstStyle/>
           <a:p>
-            <a:pPr algn="ctr"/>
-            <a:r>
-              <a:rPr lang="en-US" altLang="zh-CN" sz="4000" b="1" dirty="0" smtClean="0">
-                <a:solidFill>
-                  <a:schemeClr val="bg1"/>
-                </a:solidFill>
-                <a:latin typeface="Corbel" panose="020B0503020204020204" charset="0"/>
-                <a:ea typeface="方正正纤黑简体" panose="02000000000000000000" pitchFamily="2" charset="-122"/>
-              </a:rPr>
-              <a:t>jQuery </a:t>
-            </a:r>
-            <a:r>
-              <a:rPr lang="zh-CN" altLang="en-US" sz="4000" b="1" dirty="0" smtClean="0">
-                <a:solidFill>
-                  <a:schemeClr val="bg1"/>
-                </a:solidFill>
-                <a:latin typeface="Corbel" panose="020B0503020204020204" charset="0"/>
-                <a:ea typeface="方正正纤黑简体" panose="02000000000000000000" pitchFamily="2" charset="-122"/>
-              </a:rPr>
-              <a:t>核心</a:t>
-            </a:r>
-            <a:endParaRPr lang="zh-CN" altLang="en-US" sz="4000" b="1" dirty="0">
-              <a:solidFill>
-                <a:schemeClr val="bg1"/>
-              </a:solidFill>
-              <a:latin typeface="Corbel" panose="020B0503020204020204" charset="0"/>
-              <a:ea typeface="方正正纤黑简体" panose="02000000000000000000" pitchFamily="2" charset="-122"/>
-            </a:endParaRPr>
+            <a:r>
+              <a:rPr lang="en-US" altLang="zh-CN" sz="2000" dirty="0" err="1"/>
+              <a:t>j</a:t>
+            </a:r>
+            <a:r>
+              <a:rPr lang="en-US" altLang="zh-CN" sz="2000" dirty="0" err="1" smtClean="0"/>
+              <a:t>s</a:t>
+            </a:r>
+            <a:r>
+              <a:rPr lang="zh-CN" altLang="en-US" sz="2000" dirty="0" smtClean="0"/>
+              <a:t>语法</a:t>
+            </a:r>
+            <a:endParaRPr lang="en-US" altLang="zh-CN" sz="2000" dirty="0" smtClean="0"/>
+          </a:p>
+          <a:p>
+            <a:r>
+              <a:rPr lang="en-US" altLang="zh-CN" sz="2000" dirty="0" err="1" smtClean="0"/>
+              <a:t>document.getElementById</a:t>
+            </a:r>
+            <a:r>
+              <a:rPr lang="en-US" altLang="zh-CN" sz="2000" dirty="0"/>
+              <a:t>("h1") .</a:t>
+            </a:r>
+            <a:r>
+              <a:rPr lang="en-US" altLang="zh-CN" sz="2000" dirty="0" err="1"/>
+              <a:t>style.color</a:t>
+            </a:r>
+            <a:r>
+              <a:rPr lang="en-US" altLang="zh-CN" sz="2000" dirty="0"/>
+              <a:t> </a:t>
+            </a:r>
+            <a:r>
+              <a:rPr lang="en-US" altLang="zh-CN" sz="2000" dirty="0" smtClean="0"/>
+              <a:t>=“red”</a:t>
+            </a:r>
+          </a:p>
+          <a:p>
+            <a:r>
+              <a:rPr lang="en-US" altLang="zh-CN" sz="2000" dirty="0" err="1"/>
+              <a:t>document.getElementById</a:t>
+            </a:r>
+            <a:r>
+              <a:rPr lang="en-US" altLang="zh-CN" sz="2000" dirty="0"/>
+              <a:t>("h1").</a:t>
+            </a:r>
+            <a:r>
+              <a:rPr lang="en-US" altLang="zh-CN" sz="2000" dirty="0" err="1"/>
+              <a:t>style.display</a:t>
+            </a:r>
+            <a:r>
+              <a:rPr lang="en-US" altLang="zh-CN" sz="2000" dirty="0"/>
+              <a:t> </a:t>
+            </a:r>
+            <a:r>
+              <a:rPr lang="en-US" altLang="zh-CN" sz="2000" dirty="0" smtClean="0"/>
+              <a:t>=“none”</a:t>
+            </a:r>
+          </a:p>
+          <a:p>
+            <a:r>
+              <a:rPr lang="en-US" altLang="zh-CN" sz="2000" dirty="0" err="1"/>
+              <a:t>document.getElementById</a:t>
+            </a:r>
+            <a:r>
+              <a:rPr lang="en-US" altLang="zh-CN" sz="2000" dirty="0"/>
+              <a:t>("h1").</a:t>
+            </a:r>
+            <a:r>
+              <a:rPr lang="en-US" altLang="zh-CN" sz="2000" dirty="0" err="1"/>
+              <a:t>setAttribute</a:t>
+            </a:r>
+            <a:r>
+              <a:rPr lang="en-US" altLang="zh-CN" sz="2000" dirty="0"/>
+              <a:t>("class","</a:t>
+            </a:r>
+            <a:r>
+              <a:rPr lang="en-US" altLang="zh-CN" sz="2000" dirty="0" err="1"/>
+              <a:t>old_class</a:t>
+            </a:r>
+            <a:r>
+              <a:rPr lang="en-US" altLang="zh-CN" sz="2000" dirty="0"/>
+              <a:t> </a:t>
+            </a:r>
+            <a:r>
+              <a:rPr lang="en-US" altLang="zh-CN" sz="2000" dirty="0" err="1"/>
+              <a:t>new_class</a:t>
+            </a:r>
+            <a:r>
+              <a:rPr lang="en-US" altLang="zh-CN" sz="2000" dirty="0"/>
+              <a:t>")</a:t>
+            </a:r>
+            <a:endParaRPr lang="en-US" altLang="zh-CN" sz="2000" dirty="0" smtClean="0"/>
+          </a:p>
+          <a:p>
+            <a:endParaRPr lang="en-US" altLang="zh-CN" sz="2000" dirty="0" smtClean="0"/>
+          </a:p>
+          <a:p>
+            <a:r>
+              <a:rPr lang="en-US" altLang="zh-CN" sz="2000" dirty="0" err="1"/>
+              <a:t>j</a:t>
+            </a:r>
+            <a:r>
+              <a:rPr lang="en-US" altLang="zh-CN" sz="2000" dirty="0" err="1" smtClean="0"/>
+              <a:t>query</a:t>
+            </a:r>
+            <a:r>
+              <a:rPr lang="zh-CN" altLang="en-US" sz="2000" dirty="0" smtClean="0"/>
+              <a:t>语法</a:t>
+            </a:r>
+            <a:endParaRPr lang="en-US" altLang="zh-CN" sz="2000" dirty="0" smtClean="0"/>
+          </a:p>
+          <a:p>
+            <a:r>
+              <a:rPr lang="en-US" altLang="zh-CN" sz="2000" dirty="0" smtClean="0"/>
+              <a:t>$("#</a:t>
+            </a:r>
+            <a:r>
+              <a:rPr lang="en-US" altLang="zh-CN" sz="2000" dirty="0"/>
+              <a:t>h1").</a:t>
+            </a:r>
+            <a:r>
+              <a:rPr lang="en-US" altLang="zh-CN" sz="2000" dirty="0" err="1"/>
+              <a:t>css</a:t>
+            </a:r>
+            <a:r>
+              <a:rPr lang="en-US" altLang="zh-CN" sz="2000" dirty="0"/>
+              <a:t>("</a:t>
+            </a:r>
+            <a:r>
+              <a:rPr lang="en-US" altLang="zh-CN" sz="2000" dirty="0" err="1"/>
+              <a:t>color","red</a:t>
+            </a:r>
+            <a:r>
+              <a:rPr lang="en-US" altLang="zh-CN" sz="2000" dirty="0" smtClean="0"/>
+              <a:t>")</a:t>
+            </a:r>
+          </a:p>
+          <a:p>
+            <a:r>
+              <a:rPr lang="en-US" altLang="zh-CN" sz="2000" dirty="0"/>
+              <a:t>$("#h1</a:t>
+            </a:r>
+            <a:r>
+              <a:rPr lang="en-US" altLang="zh-CN" sz="2000" dirty="0" smtClean="0"/>
+              <a:t>").hide()</a:t>
+            </a:r>
+          </a:p>
+          <a:p>
+            <a:r>
+              <a:rPr lang="en-US" altLang="zh-CN" sz="2000" dirty="0"/>
+              <a:t>$("#h1").</a:t>
+            </a:r>
+            <a:r>
+              <a:rPr lang="en-US" altLang="zh-CN" sz="2000" dirty="0" err="1" smtClean="0"/>
+              <a:t>addClass</a:t>
+            </a:r>
+            <a:r>
+              <a:rPr lang="en-US" altLang="zh-CN" sz="2000" dirty="0"/>
+              <a:t>("</a:t>
+            </a:r>
+            <a:r>
+              <a:rPr lang="en-US" altLang="zh-CN" sz="2000" dirty="0" err="1"/>
+              <a:t>new_class</a:t>
+            </a:r>
+            <a:r>
+              <a:rPr lang="en-US" altLang="zh-CN" sz="2000" dirty="0" smtClean="0"/>
+              <a:t>")</a:t>
+            </a:r>
+          </a:p>
+          <a:p>
+            <a:endParaRPr lang="en-US" altLang="zh-CN" sz="2000" dirty="0"/>
+          </a:p>
+          <a:p>
+            <a:r>
+              <a:rPr lang="zh-CN" altLang="en-US" sz="2000" dirty="0"/>
+              <a:t>小驼峰式命名法</a:t>
+            </a:r>
+            <a:endParaRPr lang="zh-CN" altLang="en-US" sz="2000" dirty="0"/>
           </a:p>
         </p:txBody>
       </p:sp>
     </p:spTree>
     <p:extLst>
       <p:ext uri="{BB962C8B-B14F-4D97-AF65-F5344CB8AC3E}">
-        <p14:creationId xmlns:p14="http://schemas.microsoft.com/office/powerpoint/2010/main" val="3025195136"/>
+        <p14:creationId xmlns:p14="http://schemas.microsoft.com/office/powerpoint/2010/main" val="2494425256"/>
       </p:ext>
     </p:extLst>
   </p:cSld>
   <p:clrMapOvr>
     <a:masterClrMapping/>
   </p:clrMapOvr>
-  <p:timing>
-    <p:tnLst>
-      <p:par>
-        <p:cTn id="1" dur="indefinite" restart="never" nodeType="tmRoot">
-          <p:childTnLst>
-            <p:seq concurrent="1" nextAc="seek">
-              <p:cTn id="2" dur="indefinite" nodeType="mainSeq">
-                <p:childTnLst>
-                  <p:par>
-                    <p:cTn id="3" fill="hold">
-                      <p:stCondLst>
-                        <p:cond delay="indefinite"/>
-                        <p:cond evt="onBegin" delay="0">
-                          <p:tn val="2"/>
-                        </p:cond>
-                      </p:stCondLst>
-                      <p:childTnLst>
-                        <p:par>
-                          <p:cTn id="4" fill="hold">
-                            <p:stCondLst>
-                              <p:cond delay="0"/>
-                            </p:stCondLst>
-                            <p:childTnLst>
-                              <p:par>
-                                <p:cTn id="5" presetID="53" presetClass="entr" presetSubtype="16" fill="hold" nodeType="afterEffect">
-                                  <p:stCondLst>
-                                    <p:cond delay="0"/>
-                                  </p:stCondLst>
-                                  <p:childTnLst>
-                                    <p:set>
-                                      <p:cBhvr>
-                                        <p:cTn id="6" dur="1" fill="hold">
-                                          <p:stCondLst>
-                                            <p:cond delay="0"/>
-                                          </p:stCondLst>
-                                        </p:cTn>
-                                        <p:tgtEl>
-                                          <p:spTgt spid="5"/>
-                                        </p:tgtEl>
-                                        <p:attrNameLst>
-                                          <p:attrName>style.visibility</p:attrName>
-                                        </p:attrNameLst>
-                                      </p:cBhvr>
-                                      <p:to>
-                                        <p:strVal val="visible"/>
-                                      </p:to>
-                                    </p:set>
-                                    <p:anim calcmode="lin" valueType="num">
-                                      <p:cBhvr>
-                                        <p:cTn id="7" dur="500" fill="hold"/>
-                                        <p:tgtEl>
-                                          <p:spTgt spid="5"/>
-                                        </p:tgtEl>
-                                        <p:attrNameLst>
-                                          <p:attrName>ppt_w</p:attrName>
-                                        </p:attrNameLst>
-                                      </p:cBhvr>
-                                      <p:tavLst>
-                                        <p:tav tm="0">
-                                          <p:val>
-                                            <p:fltVal val="0"/>
-                                          </p:val>
-                                        </p:tav>
-                                        <p:tav tm="100000">
-                                          <p:val>
-                                            <p:strVal val="#ppt_w"/>
-                                          </p:val>
-                                        </p:tav>
-                                      </p:tavLst>
-                                    </p:anim>
-                                    <p:anim calcmode="lin" valueType="num">
-                                      <p:cBhvr>
-                                        <p:cTn id="8" dur="500" fill="hold"/>
-                                        <p:tgtEl>
-                                          <p:spTgt spid="5"/>
-                                        </p:tgtEl>
-                                        <p:attrNameLst>
-                                          <p:attrName>ppt_h</p:attrName>
-                                        </p:attrNameLst>
-                                      </p:cBhvr>
-                                      <p:tavLst>
-                                        <p:tav tm="0">
-                                          <p:val>
-                                            <p:fltVal val="0"/>
-                                          </p:val>
-                                        </p:tav>
-                                        <p:tav tm="100000">
-                                          <p:val>
-                                            <p:strVal val="#ppt_h"/>
-                                          </p:val>
-                                        </p:tav>
-                                      </p:tavLst>
-                                    </p:anim>
-                                    <p:animEffect transition="in" filter="fade">
-                                      <p:cBhvr>
-                                        <p:cTn id="9" dur="500"/>
-                                        <p:tgtEl>
-                                          <p:spTgt spid="5"/>
-                                        </p:tgtEl>
-                                      </p:cBhvr>
-                                    </p:animEffect>
-                                  </p:childTnLst>
-                                </p:cTn>
-                              </p:par>
-                              <p:par>
-                                <p:cTn id="10" presetID="47" presetClass="entr" presetSubtype="0" fill="hold" grpId="0" nodeType="withEffect">
-                                  <p:stCondLst>
-                                    <p:cond delay="0"/>
-                                  </p:stCondLst>
-                                  <p:childTnLst>
-                                    <p:set>
-                                      <p:cBhvr>
-                                        <p:cTn id="11" dur="1" fill="hold">
-                                          <p:stCondLst>
-                                            <p:cond delay="0"/>
-                                          </p:stCondLst>
-                                        </p:cTn>
-                                        <p:tgtEl>
-                                          <p:spTgt spid="21"/>
-                                        </p:tgtEl>
-                                        <p:attrNameLst>
-                                          <p:attrName>style.visibility</p:attrName>
-                                        </p:attrNameLst>
-                                      </p:cBhvr>
-                                      <p:to>
-                                        <p:strVal val="visible"/>
-                                      </p:to>
-                                    </p:set>
-                                    <p:animEffect transition="in" filter="fade">
-                                      <p:cBhvr>
-                                        <p:cTn id="12" dur="600"/>
-                                        <p:tgtEl>
-                                          <p:spTgt spid="21"/>
-                                        </p:tgtEl>
-                                      </p:cBhvr>
-                                    </p:animEffect>
-                                    <p:anim calcmode="lin" valueType="num">
-                                      <p:cBhvr>
-                                        <p:cTn id="13" dur="600" fill="hold"/>
-                                        <p:tgtEl>
-                                          <p:spTgt spid="21"/>
-                                        </p:tgtEl>
-                                        <p:attrNameLst>
-                                          <p:attrName>ppt_x</p:attrName>
-                                        </p:attrNameLst>
-                                      </p:cBhvr>
-                                      <p:tavLst>
-                                        <p:tav tm="0">
-                                          <p:val>
-                                            <p:strVal val="#ppt_x"/>
-                                          </p:val>
-                                        </p:tav>
-                                        <p:tav tm="100000">
-                                          <p:val>
-                                            <p:strVal val="#ppt_x"/>
-                                          </p:val>
-                                        </p:tav>
-                                      </p:tavLst>
-                                    </p:anim>
-                                    <p:anim calcmode="lin" valueType="num">
-                                      <p:cBhvr>
-                                        <p:cTn id="14" dur="600" fill="hold"/>
-                                        <p:tgtEl>
-                                          <p:spTgt spid="21"/>
-                                        </p:tgtEl>
-                                        <p:attrNameLst>
-                                          <p:attrName>ppt_y</p:attrName>
-                                        </p:attrNameLst>
-                                      </p:cBhvr>
-                                      <p:tavLst>
-                                        <p:tav tm="0">
-                                          <p:val>
-                                            <p:strVal val="#ppt_y-.1"/>
-                                          </p:val>
-                                        </p:tav>
-                                        <p:tav tm="100000">
-                                          <p:val>
-                                            <p:strVal val="#ppt_y"/>
-                                          </p:val>
-                                        </p:tav>
-                                      </p:tavLst>
-                                    </p:anim>
-                                  </p:childTnLst>
-                                </p:cTn>
-                              </p:par>
-                              <p:par>
-                                <p:cTn id="15" presetID="49" presetClass="entr" presetSubtype="0" decel="100000" fill="hold" grpId="0" nodeType="withEffect">
-                                  <p:stCondLst>
-                                    <p:cond delay="0"/>
-                                  </p:stCondLst>
-                                  <p:childTnLst>
-                                    <p:set>
-                                      <p:cBhvr>
-                                        <p:cTn id="16" dur="1" fill="hold">
-                                          <p:stCondLst>
-                                            <p:cond delay="0"/>
-                                          </p:stCondLst>
-                                        </p:cTn>
-                                        <p:tgtEl>
-                                          <p:spTgt spid="15"/>
-                                        </p:tgtEl>
-                                        <p:attrNameLst>
-                                          <p:attrName>style.visibility</p:attrName>
-                                        </p:attrNameLst>
-                                      </p:cBhvr>
-                                      <p:to>
-                                        <p:strVal val="visible"/>
-                                      </p:to>
-                                    </p:set>
-                                    <p:anim calcmode="lin" valueType="num">
-                                      <p:cBhvr>
-                                        <p:cTn id="17" dur="500" fill="hold"/>
-                                        <p:tgtEl>
-                                          <p:spTgt spid="15"/>
-                                        </p:tgtEl>
-                                        <p:attrNameLst>
-                                          <p:attrName>ppt_w</p:attrName>
-                                        </p:attrNameLst>
-                                      </p:cBhvr>
-                                      <p:tavLst>
-                                        <p:tav tm="0">
-                                          <p:val>
-                                            <p:fltVal val="0"/>
-                                          </p:val>
-                                        </p:tav>
-                                        <p:tav tm="100000">
-                                          <p:val>
-                                            <p:strVal val="#ppt_w"/>
-                                          </p:val>
-                                        </p:tav>
-                                      </p:tavLst>
-                                    </p:anim>
-                                    <p:anim calcmode="lin" valueType="num">
-                                      <p:cBhvr>
-                                        <p:cTn id="18" dur="500" fill="hold"/>
-                                        <p:tgtEl>
-                                          <p:spTgt spid="15"/>
-                                        </p:tgtEl>
-                                        <p:attrNameLst>
-                                          <p:attrName>ppt_h</p:attrName>
-                                        </p:attrNameLst>
-                                      </p:cBhvr>
-                                      <p:tavLst>
-                                        <p:tav tm="0">
-                                          <p:val>
-                                            <p:fltVal val="0"/>
-                                          </p:val>
-                                        </p:tav>
-                                        <p:tav tm="100000">
-                                          <p:val>
-                                            <p:strVal val="#ppt_h"/>
-                                          </p:val>
-                                        </p:tav>
-                                      </p:tavLst>
-                                    </p:anim>
-                                    <p:anim calcmode="lin" valueType="num">
-                                      <p:cBhvr>
-                                        <p:cTn id="19" dur="500" fill="hold"/>
-                                        <p:tgtEl>
-                                          <p:spTgt spid="15"/>
-                                        </p:tgtEl>
-                                        <p:attrNameLst>
-                                          <p:attrName>style.rotation</p:attrName>
-                                        </p:attrNameLst>
-                                      </p:cBhvr>
-                                      <p:tavLst>
-                                        <p:tav tm="0">
-                                          <p:val>
-                                            <p:fltVal val="360"/>
-                                          </p:val>
-                                        </p:tav>
-                                        <p:tav tm="100000">
-                                          <p:val>
-                                            <p:fltVal val="0"/>
-                                          </p:val>
-                                        </p:tav>
-                                      </p:tavLst>
-                                    </p:anim>
-                                    <p:animEffect transition="in" filter="fade">
-                                      <p:cBhvr>
-                                        <p:cTn id="20" dur="500"/>
-                                        <p:tgtEl>
-                                          <p:spTgt spid="15"/>
-                                        </p:tgtEl>
-                                      </p:cBhvr>
-                                    </p:animEffect>
-                                  </p:childTnLst>
-                                </p:cTn>
-                              </p:par>
-                            </p:childTnLst>
-                          </p:cTn>
-                        </p:par>
-                      </p:childTnLst>
-                    </p:cTn>
-                  </p:par>
-                </p:childTnLst>
-              </p:cTn>
-              <p:prevCondLst>
-                <p:cond evt="onPrev" delay="0">
-                  <p:tgtEl>
-                    <p:sldTgt/>
-                  </p:tgtEl>
-                </p:cond>
-              </p:prevCondLst>
-              <p:nextCondLst>
-                <p:cond evt="onNext" delay="0">
-                  <p:tgtEl>
-                    <p:sldTgt/>
-                  </p:tgtEl>
-                </p:cond>
-              </p:nextCondLst>
-            </p:seq>
-          </p:childTnLst>
-        </p:cTn>
-      </p:par>
-    </p:tnLst>
-    <p:bldLst>
-      <p:bldP spid="15" grpId="0" bldLvl="0" animBg="1"/>
-      <p:bldP spid="21" grpId="0" bldLvl="0" animBg="1"/>
-    </p:bldLst>
-  </p:timing>
+  <p:transition>
+    <p:wipe dir="r"/>
+  </p:transition>
 </p:sld>
 </file>
 
@@ -9599,7 +8604,19 @@
             </a:r>
             <a:r>
               <a:rPr lang="zh-CN" altLang="en-US" dirty="0" smtClean="0"/>
-              <a:t>语法</a:t>
+              <a:t>与</a:t>
+            </a:r>
+            <a:r>
+              <a:rPr lang="en-US" altLang="zh-CN" dirty="0" smtClean="0"/>
+              <a:t>DOM</a:t>
+            </a:r>
+            <a:r>
+              <a:rPr lang="zh-CN" altLang="en-US" dirty="0" smtClean="0"/>
+              <a:t>对象</a:t>
+            </a:r>
+            <a:r>
+              <a:rPr lang="zh-CN" altLang="en-US" dirty="0" smtClean="0"/>
+              <a:t>转换</a:t>
             </a:r>
             <a:endParaRPr lang="zh-CN" altLang="en-US" dirty="0"/>
           </a:p>
@@ -9618,170 +8635,172 @@
         <p:spPr/>
         <p:txBody>
           <a:bodyPr>
-            <a:normAutofit fontScale="70000" lnSpcReduction="20000"/>
+            <a:normAutofit fontScale="85000" lnSpcReduction="20000"/>
           </a:bodyPr>
           <a:lstStyle/>
           <a:p>
             <a:r>
-              <a:rPr lang="en-US" altLang="zh-CN" b="1" dirty="0"/>
-              <a:t>$(selector).action</a:t>
-            </a:r>
-            <a:r>
-              <a:rPr lang="en-US" altLang="zh-CN" b="1" dirty="0" smtClean="0"/>
-              <a:t>()</a:t>
-            </a:r>
-          </a:p>
-          <a:p>
-            <a:pPr marL="742950" indent="-742950">
-              <a:buFont typeface="+mj-lt"/>
-              <a:buAutoNum type="arabicPeriod"/>
+              <a:rPr lang="en-US" altLang="zh-CN" dirty="0" err="1"/>
+              <a:t>document.getElementById</a:t>
+            </a:r>
+            <a:r>
+              <a:rPr lang="en-US" altLang="zh-CN" dirty="0" smtClean="0"/>
+              <a:t>(“h1”)</a:t>
+            </a:r>
+            <a:r>
+              <a:rPr lang="zh-CN" altLang="en-US" dirty="0" smtClean="0"/>
+              <a:t>如果获取不到对象会返回</a:t>
+            </a:r>
+            <a:r>
+              <a:rPr lang="en-US" altLang="zh-CN" dirty="0" smtClean="0"/>
+              <a:t>null</a:t>
+            </a:r>
+            <a:r>
+              <a:rPr lang="zh-CN" altLang="en-US" dirty="0" smtClean="0"/>
+              <a:t>，这时在后面设置</a:t>
+            </a:r>
+            <a:r>
+              <a:rPr lang="en-US" altLang="zh-CN" dirty="0" smtClean="0"/>
+              <a:t>style</a:t>
+            </a:r>
+            <a:r>
+              <a:rPr lang="zh-CN" altLang="en-US" dirty="0" smtClean="0"/>
+              <a:t>会报错，而</a:t>
+            </a:r>
+            <a:r>
+              <a:rPr lang="en-US" altLang="zh-CN" dirty="0" smtClean="0"/>
+              <a:t>$(</a:t>
+            </a:r>
+            <a:r>
+              <a:rPr lang="en-US" altLang="zh-CN" dirty="0" err="1" smtClean="0"/>
+              <a:t>ele</a:t>
+            </a:r>
+            <a:r>
+              <a:rPr lang="en-US" altLang="zh-CN" dirty="0" smtClean="0"/>
+              <a:t>)</a:t>
+            </a:r>
+            <a:r>
+              <a:rPr lang="zh-CN" altLang="en-US" dirty="0" smtClean="0"/>
+              <a:t>取得的结果是一个数组，获取不到对象时设置样式也不会报错</a:t>
+            </a:r>
+            <a:endParaRPr lang="en-US" altLang="zh-CN" dirty="0" smtClean="0"/>
+          </a:p>
+          <a:p>
+            <a:r>
+              <a:rPr lang="en-US" altLang="zh-CN" dirty="0" err="1"/>
+              <a:t>jquery</a:t>
+            </a:r>
+            <a:r>
+              <a:rPr lang="zh-CN" altLang="en-US" dirty="0"/>
+              <a:t>对象和</a:t>
+            </a:r>
+            <a:r>
+              <a:rPr lang="en-US" altLang="zh-CN" dirty="0"/>
+              <a:t>DOM</a:t>
+            </a:r>
+            <a:r>
+              <a:rPr lang="zh-CN" altLang="en-US" dirty="0"/>
+              <a:t>对象转换</a:t>
+            </a:r>
+          </a:p>
+          <a:p>
+            <a:pPr marL="0" indent="0">
+              <a:buNone/>
             </a:pPr>
             <a:r>
+              <a:rPr lang="en-US" altLang="zh-CN" dirty="0" err="1"/>
+              <a:t>var</a:t>
+            </a:r>
+            <a:r>
+              <a:rPr lang="en-US" altLang="zh-CN" dirty="0"/>
+              <a:t> </a:t>
+            </a:r>
+            <a:r>
+              <a:rPr lang="en-US" altLang="zh-CN" dirty="0" smtClean="0"/>
+              <a:t>$h1= $("#h1"); </a:t>
+            </a:r>
+            <a:r>
+              <a:rPr lang="en-US" altLang="zh-CN" dirty="0"/>
+              <a:t>// </a:t>
+            </a:r>
+            <a:r>
+              <a:rPr lang="en-US" altLang="zh-CN" dirty="0" err="1"/>
+              <a:t>jquery</a:t>
+            </a:r>
+            <a:r>
               <a:rPr lang="zh-CN" altLang="en-US" dirty="0"/>
-              <a:t>美元符号定义 </a:t>
+              <a:t>对象</a:t>
+            </a:r>
+          </a:p>
+          <a:p>
+            <a:pPr marL="0" indent="0">
+              <a:buNone/>
+            </a:pPr>
+            <a:r>
+              <a:rPr lang="en-US" altLang="zh-CN" dirty="0" err="1"/>
+              <a:t>var</a:t>
             </a:r>
             <a:r>
               <a:rPr lang="en-US" altLang="zh-CN" dirty="0"/>
-              <a:t>jQuery</a:t>
-            </a:r>
-          </a:p>
-          <a:p>
-            <a:pPr marL="742950" indent="-742950">
-              <a:buFont typeface="+mj-lt"/>
-              <a:buAutoNum type="arabicPeriod"/>
+              <a:t> </a:t>
+            </a:r>
+            <a:r>
+              <a:rPr lang="en-US" altLang="zh-CN" dirty="0" smtClean="0"/>
+              <a:t>h1= </a:t>
+            </a:r>
+            <a:r>
+              <a:rPr lang="en-US" altLang="zh-CN" dirty="0"/>
+              <a:t>$h1</a:t>
+            </a:r>
+            <a:r>
+              <a:rPr lang="en-US" altLang="zh-CN" dirty="0" smtClean="0"/>
+              <a:t>[0</a:t>
+            </a:r>
+            <a:r>
+              <a:rPr lang="en-US" altLang="zh-CN" dirty="0"/>
+              <a:t>]; // </a:t>
+            </a:r>
+            <a:r>
+              <a:rPr lang="en-US" altLang="zh-CN" dirty="0" err="1"/>
+              <a:t>dom</a:t>
+            </a:r>
+            <a:r>
+              <a:rPr lang="zh-CN" altLang="en-US" dirty="0"/>
+              <a:t>对象</a:t>
+            </a:r>
+          </a:p>
+          <a:p>
+            <a:pPr marL="0" indent="0">
+              <a:buNone/>
             </a:pPr>
             <a:r>
+              <a:rPr lang="en-US" altLang="zh-CN" dirty="0"/>
+              <a:t>$h1 </a:t>
+            </a:r>
+            <a:r>
+              <a:rPr lang="en-US" altLang="zh-CN" dirty="0" smtClean="0"/>
+              <a:t>= $(</a:t>
+            </a:r>
+            <a:r>
+              <a:rPr lang="en-US" altLang="zh-CN" dirty="0"/>
+              <a:t>h1</a:t>
+            </a:r>
+            <a:r>
+              <a:rPr lang="en-US" altLang="zh-CN" dirty="0" smtClean="0"/>
+              <a:t>); </a:t>
+            </a:r>
+            <a:r>
+              <a:rPr lang="en-US" altLang="zh-CN" dirty="0"/>
+              <a:t>// </a:t>
+            </a:r>
+            <a:r>
+              <a:rPr lang="en-US" altLang="zh-CN" dirty="0" err="1"/>
+              <a:t>jquery</a:t>
+            </a:r>
+            <a:r>
               <a:rPr lang="zh-CN" altLang="en-US" dirty="0"/>
-              <a:t>选择符（</a:t>
-            </a:r>
-            <a:r>
-              <a:rPr lang="en-US" altLang="zh-CN" dirty="0"/>
-              <a:t>selector</a:t>
-            </a:r>
-            <a:r>
-              <a:rPr lang="zh-CN" altLang="en-US" dirty="0"/>
-              <a:t>）“查询”和“查找” </a:t>
-            </a:r>
-            <a:r>
-              <a:rPr lang="en-US" altLang="zh-CN" dirty="0"/>
-              <a:t>HTML </a:t>
-            </a:r>
-            <a:r>
-              <a:rPr lang="zh-CN" altLang="en-US" dirty="0"/>
-              <a:t>元素</a:t>
-            </a:r>
-          </a:p>
-          <a:p>
-            <a:pPr marL="742950" indent="-742950">
-              <a:buFont typeface="+mj-lt"/>
-              <a:buAutoNum type="arabicPeriod"/>
-            </a:pPr>
-            <a:r>
-              <a:rPr lang="en-US" altLang="zh-CN" dirty="0"/>
-              <a:t>jQuery </a:t>
-            </a:r>
-            <a:r>
-              <a:rPr lang="zh-CN" altLang="en-US" dirty="0"/>
-              <a:t>的 </a:t>
-            </a:r>
-            <a:r>
-              <a:rPr lang="en-US" altLang="zh-CN" dirty="0"/>
-              <a:t>action() </a:t>
-            </a:r>
-            <a:r>
-              <a:rPr lang="zh-CN" altLang="en-US" dirty="0"/>
-              <a:t>执行对元素的</a:t>
-            </a:r>
-            <a:r>
-              <a:rPr lang="zh-CN" altLang="en-US" dirty="0" smtClean="0"/>
-              <a:t>操作</a:t>
-            </a:r>
-            <a:endParaRPr lang="en-US" altLang="zh-CN" dirty="0" smtClean="0"/>
-          </a:p>
-          <a:p>
-            <a:r>
-              <a:rPr lang="zh-CN" altLang="en-US" b="1" dirty="0"/>
-              <a:t>示例</a:t>
-            </a:r>
-          </a:p>
-          <a:p>
-            <a:pPr marL="742950" indent="-742950">
-              <a:buFont typeface="+mj-lt"/>
-              <a:buAutoNum type="arabicPeriod"/>
-            </a:pPr>
-            <a:r>
-              <a:rPr lang="en-US" altLang="zh-CN" dirty="0"/>
-              <a:t>$(this).hide() - </a:t>
-            </a:r>
-            <a:r>
-              <a:rPr lang="zh-CN" altLang="en-US" dirty="0"/>
-              <a:t>隐藏当前元素</a:t>
-            </a:r>
-          </a:p>
-          <a:p>
-            <a:pPr marL="742950" indent="-742950">
-              <a:buFont typeface="+mj-lt"/>
-              <a:buAutoNum type="arabicPeriod"/>
-            </a:pPr>
-            <a:r>
-              <a:rPr lang="en-US" altLang="zh-CN" dirty="0"/>
-              <a:t>$("p").hide() - </a:t>
-            </a:r>
-            <a:r>
-              <a:rPr lang="zh-CN" altLang="en-US" dirty="0"/>
-              <a:t>隐藏所有段落</a:t>
-            </a:r>
-          </a:p>
-          <a:p>
-            <a:pPr marL="742950" indent="-742950">
-              <a:buFont typeface="+mj-lt"/>
-              <a:buAutoNum type="arabicPeriod"/>
-            </a:pPr>
-            <a:r>
-              <a:rPr lang="en-US" altLang="zh-CN" dirty="0"/>
-              <a:t>$(".test").hide() - </a:t>
-            </a:r>
-            <a:r>
-              <a:rPr lang="zh-CN" altLang="en-US" dirty="0"/>
-              <a:t>隐藏所有 </a:t>
-            </a:r>
-            <a:r>
-              <a:rPr lang="en-US" altLang="zh-CN" dirty="0"/>
-              <a:t>class="test" </a:t>
-            </a:r>
-            <a:r>
-              <a:rPr lang="zh-CN" altLang="en-US" dirty="0"/>
-              <a:t>的所有元素</a:t>
-            </a:r>
-          </a:p>
-          <a:p>
-            <a:pPr marL="742950" indent="-742950">
-              <a:buFont typeface="+mj-lt"/>
-              <a:buAutoNum type="arabicPeriod"/>
-            </a:pPr>
-            <a:r>
-              <a:rPr lang="en-US" altLang="zh-CN" dirty="0"/>
-              <a:t>$("#test").hide() - </a:t>
-            </a:r>
-            <a:r>
-              <a:rPr lang="zh-CN" altLang="en-US" dirty="0"/>
-              <a:t>隐藏所有 </a:t>
-            </a:r>
-            <a:r>
-              <a:rPr lang="en-US" altLang="zh-CN" dirty="0"/>
-              <a:t>id="test" </a:t>
-            </a:r>
-            <a:r>
-              <a:rPr lang="zh-CN" altLang="en-US" dirty="0"/>
-              <a:t>的元素</a:t>
-            </a:r>
-          </a:p>
-          <a:p>
-            <a:pPr marL="742950" indent="-742950">
-              <a:buFont typeface="+mj-lt"/>
-              <a:buAutoNum type="arabicPeriod"/>
-            </a:pPr>
-            <a:endParaRPr lang="zh-CN" altLang="en-US" dirty="0"/>
+              <a:t>对象</a:t>
+            </a:r>
           </a:p>
           <a:p>
             <a:endParaRPr lang="zh-CN" altLang="en-US" dirty="0"/>
@@ -9791,7 +8810,7 @@
     </p:spTree>
     <p:extLst>
       <p:ext uri="{BB962C8B-B14F-4D97-AF65-F5344CB8AC3E}">
-        <p14:creationId xmlns:p14="http://schemas.microsoft.com/office/powerpoint/2010/main" val="2025610675"/>
+        <p14:creationId xmlns:p14="http://schemas.microsoft.com/office/powerpoint/2010/main" val="716517306"/>
       </p:ext>
     </p:extLst>
   </p:cSld>
@@ -9823,64 +8842,1317 @@
       </p:grpSpPr>
       <p:sp>
         <p:nvSpPr>
-          <p:cNvPr id="2" name="标题 1"/>
-          <p:cNvSpPr>
-            <a:spLocks noGrp="1"/>
-          </p:cNvSpPr>
-          <p:nvPr>
-            <p:ph type="ctrTitle"/>
-          </p:nvPr>
+          <p:cNvPr id="15" name="任意多边形 14"/>
+          <p:cNvSpPr/>
+          <p:nvPr/>
         </p:nvSpPr>
-        <p:spPr/>
+        <p:spPr>
+          <a:xfrm>
+            <a:off x="4249692" y="1037774"/>
+            <a:ext cx="3741644" cy="3360060"/>
+          </a:xfrm>
+          <a:custGeom>
+            <a:avLst/>
+            <a:gdLst>
+              <a:gd name="connsiteX0" fmla="*/ 949445 w 3191647"/>
+              <a:gd name="connsiteY0" fmla="*/ 0 h 2866152"/>
+              <a:gd name="connsiteX1" fmla="*/ 2234352 w 3191647"/>
+              <a:gd name="connsiteY1" fmla="*/ 0 h 2866152"/>
+              <a:gd name="connsiteX2" fmla="*/ 2402131 w 3191647"/>
+              <a:gd name="connsiteY2" fmla="*/ 51249 h 2866152"/>
+              <a:gd name="connsiteX3" fmla="*/ 2409685 w 3191647"/>
+              <a:gd name="connsiteY3" fmla="*/ 57482 h 2866152"/>
+              <a:gd name="connsiteX4" fmla="*/ 2430115 w 3191647"/>
+              <a:gd name="connsiteY4" fmla="*/ 70005 h 2866152"/>
+              <a:gd name="connsiteX5" fmla="*/ 2508940 w 3191647"/>
+              <a:gd name="connsiteY5" fmla="*/ 159371 h 2866152"/>
+              <a:gd name="connsiteX6" fmla="*/ 3151394 w 3191647"/>
+              <a:gd name="connsiteY6" fmla="*/ 1272133 h 2866152"/>
+              <a:gd name="connsiteX7" fmla="*/ 3181372 w 3191647"/>
+              <a:gd name="connsiteY7" fmla="*/ 1499841 h 2866152"/>
+              <a:gd name="connsiteX8" fmla="*/ 3172981 w 3191647"/>
+              <a:gd name="connsiteY8" fmla="*/ 1522315 h 2866152"/>
+              <a:gd name="connsiteX9" fmla="*/ 3170003 w 3191647"/>
+              <a:gd name="connsiteY9" fmla="*/ 1535472 h 2866152"/>
+              <a:gd name="connsiteX10" fmla="*/ 3145044 w 3191647"/>
+              <a:gd name="connsiteY10" fmla="*/ 1590895 h 2866152"/>
+              <a:gd name="connsiteX11" fmla="*/ 2502590 w 3191647"/>
+              <a:gd name="connsiteY11" fmla="*/ 2703657 h 2866152"/>
+              <a:gd name="connsiteX12" fmla="*/ 2488794 w 3191647"/>
+              <a:gd name="connsiteY12" fmla="*/ 2722817 h 2866152"/>
+              <a:gd name="connsiteX13" fmla="*/ 2482806 w 3191647"/>
+              <a:gd name="connsiteY13" fmla="*/ 2733849 h 2866152"/>
+              <a:gd name="connsiteX14" fmla="*/ 2467439 w 3191647"/>
+              <a:gd name="connsiteY14" fmla="*/ 2752474 h 2866152"/>
+              <a:gd name="connsiteX15" fmla="*/ 2467072 w 3191647"/>
+              <a:gd name="connsiteY15" fmla="*/ 2752984 h 2866152"/>
+              <a:gd name="connsiteX16" fmla="*/ 2466846 w 3191647"/>
+              <a:gd name="connsiteY16" fmla="*/ 2753192 h 2866152"/>
+              <a:gd name="connsiteX17" fmla="*/ 2446163 w 3191647"/>
+              <a:gd name="connsiteY17" fmla="*/ 2778260 h 2866152"/>
+              <a:gd name="connsiteX18" fmla="*/ 2233973 w 3191647"/>
+              <a:gd name="connsiteY18" fmla="*/ 2866152 h 2866152"/>
+              <a:gd name="connsiteX19" fmla="*/ 949066 w 3191647"/>
+              <a:gd name="connsiteY19" fmla="*/ 2866152 h 2866152"/>
+              <a:gd name="connsiteX20" fmla="*/ 700233 w 3191647"/>
+              <a:gd name="connsiteY20" fmla="*/ 2733849 h 2866152"/>
+              <a:gd name="connsiteX21" fmla="*/ 689623 w 3191647"/>
+              <a:gd name="connsiteY21" fmla="*/ 2714300 h 2866152"/>
+              <a:gd name="connsiteX22" fmla="*/ 681960 w 3191647"/>
+              <a:gd name="connsiteY22" fmla="*/ 2703658 h 2866152"/>
+              <a:gd name="connsiteX23" fmla="*/ 39506 w 3191647"/>
+              <a:gd name="connsiteY23" fmla="*/ 1590896 h 2866152"/>
+              <a:gd name="connsiteX24" fmla="*/ 1526 w 3191647"/>
+              <a:gd name="connsiteY24" fmla="*/ 1477948 h 2866152"/>
+              <a:gd name="connsiteX25" fmla="*/ 720 w 3191647"/>
+              <a:gd name="connsiteY25" fmla="*/ 1447354 h 2866152"/>
+              <a:gd name="connsiteX26" fmla="*/ 0 w 3191647"/>
+              <a:gd name="connsiteY26" fmla="*/ 1443059 h 2866152"/>
+              <a:gd name="connsiteX27" fmla="*/ 303 w 3191647"/>
+              <a:gd name="connsiteY27" fmla="*/ 1431516 h 2866152"/>
+              <a:gd name="connsiteX28" fmla="*/ 0 w 3191647"/>
+              <a:gd name="connsiteY28" fmla="*/ 1419970 h 2866152"/>
+              <a:gd name="connsiteX29" fmla="*/ 720 w 3191647"/>
+              <a:gd name="connsiteY29" fmla="*/ 1415675 h 2866152"/>
+              <a:gd name="connsiteX30" fmla="*/ 1526 w 3191647"/>
+              <a:gd name="connsiteY30" fmla="*/ 1385081 h 2866152"/>
+              <a:gd name="connsiteX31" fmla="*/ 39506 w 3191647"/>
+              <a:gd name="connsiteY31" fmla="*/ 1272134 h 2866152"/>
+              <a:gd name="connsiteX32" fmla="*/ 681960 w 3191647"/>
+              <a:gd name="connsiteY32" fmla="*/ 159372 h 2866152"/>
+              <a:gd name="connsiteX33" fmla="*/ 698045 w 3191647"/>
+              <a:gd name="connsiteY33" fmla="*/ 137034 h 2866152"/>
+              <a:gd name="connsiteX34" fmla="*/ 700612 w 3191647"/>
+              <a:gd name="connsiteY34" fmla="*/ 132303 h 2866152"/>
+              <a:gd name="connsiteX35" fmla="*/ 707202 w 3191647"/>
+              <a:gd name="connsiteY35" fmla="*/ 124316 h 2866152"/>
+              <a:gd name="connsiteX36" fmla="*/ 717478 w 3191647"/>
+              <a:gd name="connsiteY36" fmla="*/ 110046 h 2866152"/>
+              <a:gd name="connsiteX37" fmla="*/ 723796 w 3191647"/>
+              <a:gd name="connsiteY37" fmla="*/ 104204 h 2866152"/>
+              <a:gd name="connsiteX38" fmla="*/ 737255 w 3191647"/>
+              <a:gd name="connsiteY38" fmla="*/ 87892 h 2866152"/>
+              <a:gd name="connsiteX39" fmla="*/ 949445 w 3191647"/>
+              <a:gd name="connsiteY39" fmla="*/ 0 h 2866152"/>
+            </a:gdLst>
+            <a:ahLst/>
+            <a:cxnLst>
+              <a:cxn ang="0">
+                <a:pos x="connsiteX0" y="connsiteY0"/>
+              </a:cxn>
+              <a:cxn ang="0">
+                <a:pos x="connsiteX1" y="connsiteY1"/>
+              </a:cxn>
+              <a:cxn ang="0">
+                <a:pos x="connsiteX2" y="connsiteY2"/>
+              </a:cxn>
+              <a:cxn ang="0">
+                <a:pos x="connsiteX3" y="connsiteY3"/>
+              </a:cxn>
+              <a:cxn ang="0">
+                <a:pos x="connsiteX4" y="connsiteY4"/>
+              </a:cxn>
+              <a:cxn ang="0">
+                <a:pos x="connsiteX5" y="connsiteY5"/>
+              </a:cxn>
+              <a:cxn ang="0">
+                <a:pos x="connsiteX6" y="connsiteY6"/>
+              </a:cxn>
+              <a:cxn ang="0">
+                <a:pos x="connsiteX7" y="connsiteY7"/>
+              </a:cxn>
+              <a:cxn ang="0">
+                <a:pos x="connsiteX8" y="connsiteY8"/>
+              </a:cxn>
+              <a:cxn ang="0">
+                <a:pos x="connsiteX9" y="connsiteY9"/>
+              </a:cxn>
+              <a:cxn ang="0">
+                <a:pos x="connsiteX10" y="connsiteY10"/>
+              </a:cxn>
+              <a:cxn ang="0">
+                <a:pos x="connsiteX11" y="connsiteY11"/>
+              </a:cxn>
+              <a:cxn ang="0">
+                <a:pos x="connsiteX12" y="connsiteY12"/>
+              </a:cxn>
+              <a:cxn ang="0">
+                <a:pos x="connsiteX13" y="connsiteY13"/>
+              </a:cxn>
+              <a:cxn ang="0">
+                <a:pos x="connsiteX14" y="connsiteY14"/>
+              </a:cxn>
+              <a:cxn ang="0">
+                <a:pos x="connsiteX15" y="connsiteY15"/>
+              </a:cxn>
+              <a:cxn ang="0">
+                <a:pos x="connsiteX16" y="connsiteY16"/>
+              </a:cxn>
+              <a:cxn ang="0">
+                <a:pos x="connsiteX17" y="connsiteY17"/>
+              </a:cxn>
+              <a:cxn ang="0">
+                <a:pos x="connsiteX18" y="connsiteY18"/>
+              </a:cxn>
+              <a:cxn ang="0">
+                <a:pos x="connsiteX19" y="connsiteY19"/>
+              </a:cxn>
+              <a:cxn ang="0">
+                <a:pos x="connsiteX20" y="connsiteY20"/>
+              </a:cxn>
+              <a:cxn ang="0">
+                <a:pos x="connsiteX21" y="connsiteY21"/>
+              </a:cxn>
+              <a:cxn ang="0">
+                <a:pos x="connsiteX22" y="connsiteY22"/>
+              </a:cxn>
+              <a:cxn ang="0">
+                <a:pos x="connsiteX23" y="connsiteY23"/>
+              </a:cxn>
+              <a:cxn ang="0">
+                <a:pos x="connsiteX24" y="connsiteY24"/>
+              </a:cxn>
+              <a:cxn ang="0">
+                <a:pos x="connsiteX25" y="connsiteY25"/>
+              </a:cxn>
+              <a:cxn ang="0">
+                <a:pos x="connsiteX26" y="connsiteY26"/>
+              </a:cxn>
+              <a:cxn ang="0">
+                <a:pos x="connsiteX27" y="connsiteY27"/>
+              </a:cxn>
+              <a:cxn ang="0">
+                <a:pos x="connsiteX28" y="connsiteY28"/>
+              </a:cxn>
+              <a:cxn ang="0">
+                <a:pos x="connsiteX29" y="connsiteY29"/>
+              </a:cxn>
+              <a:cxn ang="0">
+                <a:pos x="connsiteX30" y="connsiteY30"/>
+              </a:cxn>
+              <a:cxn ang="0">
+                <a:pos x="connsiteX31" y="connsiteY31"/>
+              </a:cxn>
+              <a:cxn ang="0">
+                <a:pos x="connsiteX32" y="connsiteY32"/>
+              </a:cxn>
+              <a:cxn ang="0">
+                <a:pos x="connsiteX33" y="connsiteY33"/>
+              </a:cxn>
+              <a:cxn ang="0">
+                <a:pos x="connsiteX34" y="connsiteY34"/>
+              </a:cxn>
+              <a:cxn ang="0">
+                <a:pos x="connsiteX35" y="connsiteY35"/>
+              </a:cxn>
+              <a:cxn ang="0">
+                <a:pos x="connsiteX36" y="connsiteY36"/>
+              </a:cxn>
+              <a:cxn ang="0">
+                <a:pos x="connsiteX37" y="connsiteY37"/>
+              </a:cxn>
+              <a:cxn ang="0">
+                <a:pos x="connsiteX38" y="connsiteY38"/>
+              </a:cxn>
+              <a:cxn ang="0">
+                <a:pos x="connsiteX39" y="connsiteY39"/>
+              </a:cxn>
+            </a:cxnLst>
+            <a:rect l="l" t="t" r="r" b="b"/>
+            <a:pathLst>
+              <a:path w="3191647" h="2866152">
+                <a:moveTo>
+                  <a:pt x="949445" y="0"/>
+                </a:moveTo>
+                <a:lnTo>
+                  <a:pt x="2234352" y="0"/>
+                </a:lnTo>
+                <a:cubicBezTo>
+                  <a:pt x="2296501" y="0"/>
+                  <a:pt x="2354237" y="18893"/>
+                  <a:pt x="2402131" y="51249"/>
+                </a:cubicBezTo>
+                <a:lnTo>
+                  <a:pt x="2409685" y="57482"/>
+                </a:lnTo>
+                <a:lnTo>
+                  <a:pt x="2430115" y="70005"/>
+                </a:lnTo>
+                <a:cubicBezTo>
+                  <a:pt x="2461216" y="93504"/>
+                  <a:pt x="2488224" y="123489"/>
+                  <a:pt x="2508940" y="159371"/>
+                </a:cubicBezTo>
+                <a:lnTo>
+                  <a:pt x="3151394" y="1272133"/>
+                </a:lnTo>
+                <a:cubicBezTo>
+                  <a:pt x="3192826" y="1343897"/>
+                  <a:pt x="3201249" y="1425660"/>
+                  <a:pt x="3181372" y="1499841"/>
+                </a:cubicBezTo>
+                <a:lnTo>
+                  <a:pt x="3172981" y="1522315"/>
+                </a:lnTo>
+                <a:lnTo>
+                  <a:pt x="3170003" y="1535472"/>
+                </a:lnTo>
+                <a:cubicBezTo>
+                  <a:pt x="3163697" y="1554388"/>
+                  <a:pt x="3155402" y="1572954"/>
+                  <a:pt x="3145044" y="1590895"/>
+                </a:cubicBezTo>
+                <a:lnTo>
+                  <a:pt x="2502590" y="2703657"/>
+                </a:lnTo>
+                <a:lnTo>
+                  <a:pt x="2488794" y="2722817"/>
+                </a:lnTo>
+                <a:lnTo>
+                  <a:pt x="2482806" y="2733849"/>
+                </a:lnTo>
+                <a:lnTo>
+                  <a:pt x="2467439" y="2752474"/>
+                </a:lnTo>
+                <a:lnTo>
+                  <a:pt x="2467072" y="2752984"/>
+                </a:lnTo>
+                <a:lnTo>
+                  <a:pt x="2466846" y="2753192"/>
+                </a:lnTo>
+                <a:lnTo>
+                  <a:pt x="2446163" y="2778260"/>
+                </a:lnTo>
+                <a:cubicBezTo>
+                  <a:pt x="2391859" y="2832565"/>
+                  <a:pt x="2316839" y="2866152"/>
+                  <a:pt x="2233973" y="2866152"/>
+                </a:cubicBezTo>
+                <a:lnTo>
+                  <a:pt x="949066" y="2866152"/>
+                </a:lnTo>
+                <a:cubicBezTo>
+                  <a:pt x="845484" y="2866152"/>
+                  <a:pt x="754160" y="2813671"/>
+                  <a:pt x="700233" y="2733849"/>
+                </a:cubicBezTo>
+                <a:lnTo>
+                  <a:pt x="689623" y="2714300"/>
+                </a:lnTo>
+                <a:lnTo>
+                  <a:pt x="681960" y="2703658"/>
+                </a:lnTo>
+                <a:lnTo>
+                  <a:pt x="39506" y="1590896"/>
+                </a:lnTo>
+                <a:cubicBezTo>
+                  <a:pt x="18789" y="1555014"/>
+                  <a:pt x="6326" y="1516632"/>
+                  <a:pt x="1526" y="1477948"/>
+                </a:cubicBezTo>
+                <a:lnTo>
+                  <a:pt x="720" y="1447354"/>
+                </a:lnTo>
+                <a:lnTo>
+                  <a:pt x="0" y="1443059"/>
+                </a:lnTo>
+                <a:lnTo>
+                  <a:pt x="303" y="1431516"/>
+                </a:lnTo>
+                <a:lnTo>
+                  <a:pt x="0" y="1419970"/>
+                </a:lnTo>
+                <a:lnTo>
+                  <a:pt x="720" y="1415675"/>
+                </a:lnTo>
+                <a:lnTo>
+                  <a:pt x="1526" y="1385081"/>
+                </a:lnTo>
+                <a:cubicBezTo>
+                  <a:pt x="6326" y="1346398"/>
+                  <a:pt x="18789" y="1308016"/>
+                  <a:pt x="39506" y="1272134"/>
+                </a:cubicBezTo>
+                <a:lnTo>
+                  <a:pt x="681960" y="159372"/>
+                </a:lnTo>
+                <a:lnTo>
+                  <a:pt x="698045" y="137034"/>
+                </a:lnTo>
+                <a:lnTo>
+                  <a:pt x="700612" y="132303"/>
+                </a:lnTo>
+                <a:lnTo>
+                  <a:pt x="707202" y="124316"/>
+                </a:lnTo>
+                <a:lnTo>
+                  <a:pt x="717478" y="110046"/>
+                </a:lnTo>
+                <a:lnTo>
+                  <a:pt x="723796" y="104204"/>
+                </a:lnTo>
+                <a:lnTo>
+                  <a:pt x="737255" y="87892"/>
+                </a:lnTo>
+                <a:cubicBezTo>
+                  <a:pt x="791559" y="33588"/>
+                  <a:pt x="866580" y="0"/>
+                  <a:pt x="949445" y="0"/>
+                </a:cubicBezTo>
+                <a:close/>
+              </a:path>
+            </a:pathLst>
+          </a:custGeom>
+          <a:noFill/>
+          <a:ln w="25400">
+            <a:solidFill>
+              <a:schemeClr val="bg1">
+                <a:alpha val="22000"/>
+              </a:schemeClr>
+            </a:solidFill>
+          </a:ln>
+          <a:effectLst>
+            <a:outerShdw blurRad="571500" dist="342900" dir="2280000" algn="tl" rotWithShape="0">
+              <a:prstClr val="black">
+                <a:alpha val="15000"/>
+              </a:prstClr>
+            </a:outerShdw>
+          </a:effectLst>
+        </p:spPr>
+        <p:style>
+          <a:lnRef idx="2">
+            <a:schemeClr val="accent1">
+              <a:shade val="50000"/>
+            </a:schemeClr>
+          </a:lnRef>
+          <a:fillRef idx="1">
+            <a:schemeClr val="accent1"/>
+          </a:fillRef>
+          <a:effectRef idx="0">
+            <a:schemeClr val="accent1"/>
+          </a:effectRef>
+          <a:fontRef idx="minor">
+            <a:schemeClr val="lt1"/>
+          </a:fontRef>
+        </p:style>
         <p:txBody>
-          <a:bodyPr/>
+          <a:bodyPr rtlCol="0" anchor="ctr"/>
           <a:lstStyle/>
           <a:p>
-            <a:r>
-              <a:rPr lang="zh-CN" altLang="en-US" dirty="0" smtClean="0"/>
-              <a:t>选择器</a:t>
-            </a:r>
-            <a:endParaRPr lang="zh-CN" altLang="en-US" dirty="0"/>
+            <a:pPr algn="ctr"/>
+            <a:endParaRPr lang="zh-CN" altLang="en-US"/>
           </a:p>
         </p:txBody>
       </p:sp>
-      <p:pic>
-        <p:nvPicPr>
-          <p:cNvPr id="4" name="图片 3"/>
-          <p:cNvPicPr>
-            <a:picLocks noChangeAspect="1"/>
-          </p:cNvPicPr>
+      <p:grpSp>
+        <p:nvGrpSpPr>
+          <p:cNvPr id="5" name="组合 4"/>
+          <p:cNvGrpSpPr/>
           <p:nvPr/>
-        </p:nvPicPr>
-        <p:blipFill>
-          <a:blip r:embed="rId2"/>
-          <a:stretch>
-            <a:fillRect/>
-          </a:stretch>
-        </p:blipFill>
+        </p:nvGrpSpPr>
+        <p:grpSpPr>
+          <a:xfrm>
+            <a:off x="4706286" y="1267811"/>
+            <a:ext cx="2828456" cy="2881329"/>
+            <a:chOff x="4706287" y="1267811"/>
+            <a:chExt cx="2828456" cy="2881329"/>
+          </a:xfrm>
+        </p:grpSpPr>
+        <p:sp>
+          <p:nvSpPr>
+            <p:cNvPr id="3" name="任意多边形 2"/>
+            <p:cNvSpPr/>
+            <p:nvPr/>
+          </p:nvSpPr>
+          <p:spPr>
+            <a:xfrm>
+              <a:off x="4706287" y="1447803"/>
+              <a:ext cx="2828456" cy="2540001"/>
+            </a:xfrm>
+            <a:custGeom>
+              <a:avLst/>
+              <a:gdLst>
+                <a:gd name="connsiteX0" fmla="*/ 949445 w 3191647"/>
+                <a:gd name="connsiteY0" fmla="*/ 0 h 2866152"/>
+                <a:gd name="connsiteX1" fmla="*/ 2234352 w 3191647"/>
+                <a:gd name="connsiteY1" fmla="*/ 0 h 2866152"/>
+                <a:gd name="connsiteX2" fmla="*/ 2402131 w 3191647"/>
+                <a:gd name="connsiteY2" fmla="*/ 51249 h 2866152"/>
+                <a:gd name="connsiteX3" fmla="*/ 2409685 w 3191647"/>
+                <a:gd name="connsiteY3" fmla="*/ 57482 h 2866152"/>
+                <a:gd name="connsiteX4" fmla="*/ 2430115 w 3191647"/>
+                <a:gd name="connsiteY4" fmla="*/ 70005 h 2866152"/>
+                <a:gd name="connsiteX5" fmla="*/ 2508940 w 3191647"/>
+                <a:gd name="connsiteY5" fmla="*/ 159371 h 2866152"/>
+                <a:gd name="connsiteX6" fmla="*/ 3151394 w 3191647"/>
+                <a:gd name="connsiteY6" fmla="*/ 1272133 h 2866152"/>
+                <a:gd name="connsiteX7" fmla="*/ 3181372 w 3191647"/>
+                <a:gd name="connsiteY7" fmla="*/ 1499841 h 2866152"/>
+                <a:gd name="connsiteX8" fmla="*/ 3172981 w 3191647"/>
+                <a:gd name="connsiteY8" fmla="*/ 1522315 h 2866152"/>
+                <a:gd name="connsiteX9" fmla="*/ 3170003 w 3191647"/>
+                <a:gd name="connsiteY9" fmla="*/ 1535472 h 2866152"/>
+                <a:gd name="connsiteX10" fmla="*/ 3145044 w 3191647"/>
+                <a:gd name="connsiteY10" fmla="*/ 1590895 h 2866152"/>
+                <a:gd name="connsiteX11" fmla="*/ 2502590 w 3191647"/>
+                <a:gd name="connsiteY11" fmla="*/ 2703657 h 2866152"/>
+                <a:gd name="connsiteX12" fmla="*/ 2488794 w 3191647"/>
+                <a:gd name="connsiteY12" fmla="*/ 2722817 h 2866152"/>
+                <a:gd name="connsiteX13" fmla="*/ 2482806 w 3191647"/>
+                <a:gd name="connsiteY13" fmla="*/ 2733849 h 2866152"/>
+                <a:gd name="connsiteX14" fmla="*/ 2467439 w 3191647"/>
+                <a:gd name="connsiteY14" fmla="*/ 2752474 h 2866152"/>
+                <a:gd name="connsiteX15" fmla="*/ 2467072 w 3191647"/>
+                <a:gd name="connsiteY15" fmla="*/ 2752984 h 2866152"/>
+                <a:gd name="connsiteX16" fmla="*/ 2466846 w 3191647"/>
+                <a:gd name="connsiteY16" fmla="*/ 2753192 h 2866152"/>
+                <a:gd name="connsiteX17" fmla="*/ 2446163 w 3191647"/>
+                <a:gd name="connsiteY17" fmla="*/ 2778260 h 2866152"/>
+                <a:gd name="connsiteX18" fmla="*/ 2233973 w 3191647"/>
+                <a:gd name="connsiteY18" fmla="*/ 2866152 h 2866152"/>
+                <a:gd name="connsiteX19" fmla="*/ 949066 w 3191647"/>
+                <a:gd name="connsiteY19" fmla="*/ 2866152 h 2866152"/>
+                <a:gd name="connsiteX20" fmla="*/ 700233 w 3191647"/>
+                <a:gd name="connsiteY20" fmla="*/ 2733849 h 2866152"/>
+                <a:gd name="connsiteX21" fmla="*/ 689623 w 3191647"/>
+                <a:gd name="connsiteY21" fmla="*/ 2714300 h 2866152"/>
+                <a:gd name="connsiteX22" fmla="*/ 681960 w 3191647"/>
+                <a:gd name="connsiteY22" fmla="*/ 2703658 h 2866152"/>
+                <a:gd name="connsiteX23" fmla="*/ 39506 w 3191647"/>
+                <a:gd name="connsiteY23" fmla="*/ 1590896 h 2866152"/>
+                <a:gd name="connsiteX24" fmla="*/ 1526 w 3191647"/>
+                <a:gd name="connsiteY24" fmla="*/ 1477948 h 2866152"/>
+                <a:gd name="connsiteX25" fmla="*/ 720 w 3191647"/>
+                <a:gd name="connsiteY25" fmla="*/ 1447354 h 2866152"/>
+                <a:gd name="connsiteX26" fmla="*/ 0 w 3191647"/>
+                <a:gd name="connsiteY26" fmla="*/ 1443059 h 2866152"/>
+                <a:gd name="connsiteX27" fmla="*/ 303 w 3191647"/>
+                <a:gd name="connsiteY27" fmla="*/ 1431516 h 2866152"/>
+                <a:gd name="connsiteX28" fmla="*/ 0 w 3191647"/>
+                <a:gd name="connsiteY28" fmla="*/ 1419970 h 2866152"/>
+                <a:gd name="connsiteX29" fmla="*/ 720 w 3191647"/>
+                <a:gd name="connsiteY29" fmla="*/ 1415675 h 2866152"/>
+                <a:gd name="connsiteX30" fmla="*/ 1526 w 3191647"/>
+                <a:gd name="connsiteY30" fmla="*/ 1385081 h 2866152"/>
+                <a:gd name="connsiteX31" fmla="*/ 39506 w 3191647"/>
+                <a:gd name="connsiteY31" fmla="*/ 1272134 h 2866152"/>
+                <a:gd name="connsiteX32" fmla="*/ 681960 w 3191647"/>
+                <a:gd name="connsiteY32" fmla="*/ 159372 h 2866152"/>
+                <a:gd name="connsiteX33" fmla="*/ 698045 w 3191647"/>
+                <a:gd name="connsiteY33" fmla="*/ 137034 h 2866152"/>
+                <a:gd name="connsiteX34" fmla="*/ 700612 w 3191647"/>
+                <a:gd name="connsiteY34" fmla="*/ 132303 h 2866152"/>
+                <a:gd name="connsiteX35" fmla="*/ 707202 w 3191647"/>
+                <a:gd name="connsiteY35" fmla="*/ 124316 h 2866152"/>
+                <a:gd name="connsiteX36" fmla="*/ 717478 w 3191647"/>
+                <a:gd name="connsiteY36" fmla="*/ 110046 h 2866152"/>
+                <a:gd name="connsiteX37" fmla="*/ 723796 w 3191647"/>
+                <a:gd name="connsiteY37" fmla="*/ 104204 h 2866152"/>
+                <a:gd name="connsiteX38" fmla="*/ 737255 w 3191647"/>
+                <a:gd name="connsiteY38" fmla="*/ 87892 h 2866152"/>
+                <a:gd name="connsiteX39" fmla="*/ 949445 w 3191647"/>
+                <a:gd name="connsiteY39" fmla="*/ 0 h 2866152"/>
+              </a:gdLst>
+              <a:ahLst/>
+              <a:cxnLst>
+                <a:cxn ang="0">
+                  <a:pos x="connsiteX0" y="connsiteY0"/>
+                </a:cxn>
+                <a:cxn ang="0">
+                  <a:pos x="connsiteX1" y="connsiteY1"/>
+                </a:cxn>
+                <a:cxn ang="0">
+                  <a:pos x="connsiteX2" y="connsiteY2"/>
+                </a:cxn>
+                <a:cxn ang="0">
+                  <a:pos x="connsiteX3" y="connsiteY3"/>
+                </a:cxn>
+                <a:cxn ang="0">
+                  <a:pos x="connsiteX4" y="connsiteY4"/>
+                </a:cxn>
+                <a:cxn ang="0">
+                  <a:pos x="connsiteX5" y="connsiteY5"/>
+                </a:cxn>
+                <a:cxn ang="0">
+                  <a:pos x="connsiteX6" y="connsiteY6"/>
+                </a:cxn>
+                <a:cxn ang="0">
+                  <a:pos x="connsiteX7" y="connsiteY7"/>
+                </a:cxn>
+                <a:cxn ang="0">
+                  <a:pos x="connsiteX8" y="connsiteY8"/>
+                </a:cxn>
+                <a:cxn ang="0">
+                  <a:pos x="connsiteX9" y="connsiteY9"/>
+                </a:cxn>
+                <a:cxn ang="0">
+                  <a:pos x="connsiteX10" y="connsiteY10"/>
+                </a:cxn>
+                <a:cxn ang="0">
+                  <a:pos x="connsiteX11" y="connsiteY11"/>
+                </a:cxn>
+                <a:cxn ang="0">
+                  <a:pos x="connsiteX12" y="connsiteY12"/>
+                </a:cxn>
+                <a:cxn ang="0">
+                  <a:pos x="connsiteX13" y="connsiteY13"/>
+                </a:cxn>
+                <a:cxn ang="0">
+                  <a:pos x="connsiteX14" y="connsiteY14"/>
+                </a:cxn>
+                <a:cxn ang="0">
+                  <a:pos x="connsiteX15" y="connsiteY15"/>
+                </a:cxn>
+                <a:cxn ang="0">
+                  <a:pos x="connsiteX16" y="connsiteY16"/>
+                </a:cxn>
+                <a:cxn ang="0">
+                  <a:pos x="connsiteX17" y="connsiteY17"/>
+                </a:cxn>
+                <a:cxn ang="0">
+                  <a:pos x="connsiteX18" y="connsiteY18"/>
+                </a:cxn>
+                <a:cxn ang="0">
+                  <a:pos x="connsiteX19" y="connsiteY19"/>
+                </a:cxn>
+                <a:cxn ang="0">
+                  <a:pos x="connsiteX20" y="connsiteY20"/>
+                </a:cxn>
+                <a:cxn ang="0">
+                  <a:pos x="connsiteX21" y="connsiteY21"/>
+                </a:cxn>
+                <a:cxn ang="0">
+                  <a:pos x="connsiteX22" y="connsiteY22"/>
+                </a:cxn>
+                <a:cxn ang="0">
+                  <a:pos x="connsiteX23" y="connsiteY23"/>
+                </a:cxn>
+                <a:cxn ang="0">
+                  <a:pos x="connsiteX24" y="connsiteY24"/>
+                </a:cxn>
+                <a:cxn ang="0">
+                  <a:pos x="connsiteX25" y="connsiteY25"/>
+                </a:cxn>
+                <a:cxn ang="0">
+                  <a:pos x="connsiteX26" y="connsiteY26"/>
+                </a:cxn>
+                <a:cxn ang="0">
+                  <a:pos x="connsiteX27" y="connsiteY27"/>
+                </a:cxn>
+                <a:cxn ang="0">
+                  <a:pos x="connsiteX28" y="connsiteY28"/>
+                </a:cxn>
+                <a:cxn ang="0">
+                  <a:pos x="connsiteX29" y="connsiteY29"/>
+                </a:cxn>
+                <a:cxn ang="0">
+                  <a:pos x="connsiteX30" y="connsiteY30"/>
+                </a:cxn>
+                <a:cxn ang="0">
+                  <a:pos x="connsiteX31" y="connsiteY31"/>
+                </a:cxn>
+                <a:cxn ang="0">
+                  <a:pos x="connsiteX32" y="connsiteY32"/>
+                </a:cxn>
+                <a:cxn ang="0">
+                  <a:pos x="connsiteX33" y="connsiteY33"/>
+                </a:cxn>
+                <a:cxn ang="0">
+                  <a:pos x="connsiteX34" y="connsiteY34"/>
+                </a:cxn>
+                <a:cxn ang="0">
+                  <a:pos x="connsiteX35" y="connsiteY35"/>
+                </a:cxn>
+                <a:cxn ang="0">
+                  <a:pos x="connsiteX36" y="connsiteY36"/>
+                </a:cxn>
+                <a:cxn ang="0">
+                  <a:pos x="connsiteX37" y="connsiteY37"/>
+                </a:cxn>
+                <a:cxn ang="0">
+                  <a:pos x="connsiteX38" y="connsiteY38"/>
+                </a:cxn>
+                <a:cxn ang="0">
+                  <a:pos x="connsiteX39" y="connsiteY39"/>
+                </a:cxn>
+              </a:cxnLst>
+              <a:rect l="l" t="t" r="r" b="b"/>
+              <a:pathLst>
+                <a:path w="3191647" h="2866152">
+                  <a:moveTo>
+                    <a:pt x="949445" y="0"/>
+                  </a:moveTo>
+                  <a:lnTo>
+                    <a:pt x="2234352" y="0"/>
+                  </a:lnTo>
+                  <a:cubicBezTo>
+                    <a:pt x="2296501" y="0"/>
+                    <a:pt x="2354237" y="18893"/>
+                    <a:pt x="2402131" y="51249"/>
+                  </a:cubicBezTo>
+                  <a:lnTo>
+                    <a:pt x="2409685" y="57482"/>
+                  </a:lnTo>
+                  <a:lnTo>
+                    <a:pt x="2430115" y="70005"/>
+                  </a:lnTo>
+                  <a:cubicBezTo>
+                    <a:pt x="2461216" y="93504"/>
+                    <a:pt x="2488224" y="123489"/>
+                    <a:pt x="2508940" y="159371"/>
+                  </a:cubicBezTo>
+                  <a:lnTo>
+                    <a:pt x="3151394" y="1272133"/>
+                  </a:lnTo>
+                  <a:cubicBezTo>
+                    <a:pt x="3192826" y="1343897"/>
+                    <a:pt x="3201249" y="1425660"/>
+                    <a:pt x="3181372" y="1499841"/>
+                  </a:cubicBezTo>
+                  <a:lnTo>
+                    <a:pt x="3172981" y="1522315"/>
+                  </a:lnTo>
+                  <a:lnTo>
+                    <a:pt x="3170003" y="1535472"/>
+                  </a:lnTo>
+                  <a:cubicBezTo>
+                    <a:pt x="3163697" y="1554388"/>
+                    <a:pt x="3155402" y="1572954"/>
+                    <a:pt x="3145044" y="1590895"/>
+                  </a:cubicBezTo>
+                  <a:lnTo>
+                    <a:pt x="2502590" y="2703657"/>
+                  </a:lnTo>
+                  <a:lnTo>
+                    <a:pt x="2488794" y="2722817"/>
+                  </a:lnTo>
+                  <a:lnTo>
+                    <a:pt x="2482806" y="2733849"/>
+                  </a:lnTo>
+                  <a:lnTo>
+                    <a:pt x="2467439" y="2752474"/>
+                  </a:lnTo>
+                  <a:lnTo>
+                    <a:pt x="2467072" y="2752984"/>
+                  </a:lnTo>
+                  <a:lnTo>
+                    <a:pt x="2466846" y="2753192"/>
+                  </a:lnTo>
+                  <a:lnTo>
+                    <a:pt x="2446163" y="2778260"/>
+                  </a:lnTo>
+                  <a:cubicBezTo>
+                    <a:pt x="2391859" y="2832565"/>
+                    <a:pt x="2316839" y="2866152"/>
+                    <a:pt x="2233973" y="2866152"/>
+                  </a:cubicBezTo>
+                  <a:lnTo>
+                    <a:pt x="949066" y="2866152"/>
+                  </a:lnTo>
+                  <a:cubicBezTo>
+                    <a:pt x="845484" y="2866152"/>
+                    <a:pt x="754160" y="2813671"/>
+                    <a:pt x="700233" y="2733849"/>
+                  </a:cubicBezTo>
+                  <a:lnTo>
+                    <a:pt x="689623" y="2714300"/>
+                  </a:lnTo>
+                  <a:lnTo>
+                    <a:pt x="681960" y="2703658"/>
+                  </a:lnTo>
+                  <a:lnTo>
+                    <a:pt x="39506" y="1590896"/>
+                  </a:lnTo>
+                  <a:cubicBezTo>
+                    <a:pt x="18789" y="1555014"/>
+                    <a:pt x="6326" y="1516632"/>
+                    <a:pt x="1526" y="1477948"/>
+                  </a:cubicBezTo>
+                  <a:lnTo>
+                    <a:pt x="720" y="1447354"/>
+                  </a:lnTo>
+                  <a:lnTo>
+                    <a:pt x="0" y="1443059"/>
+                  </a:lnTo>
+                  <a:lnTo>
+                    <a:pt x="303" y="1431516"/>
+                  </a:lnTo>
+                  <a:lnTo>
+                    <a:pt x="0" y="1419970"/>
+                  </a:lnTo>
+                  <a:lnTo>
+                    <a:pt x="720" y="1415675"/>
+                  </a:lnTo>
+                  <a:lnTo>
+                    <a:pt x="1526" y="1385081"/>
+                  </a:lnTo>
+                  <a:cubicBezTo>
+                    <a:pt x="6326" y="1346398"/>
+                    <a:pt x="18789" y="1308016"/>
+                    <a:pt x="39506" y="1272134"/>
+                  </a:cubicBezTo>
+                  <a:lnTo>
+                    <a:pt x="681960" y="159372"/>
+                  </a:lnTo>
+                  <a:lnTo>
+                    <a:pt x="698045" y="137034"/>
+                  </a:lnTo>
+                  <a:lnTo>
+                    <a:pt x="700612" y="132303"/>
+                  </a:lnTo>
+                  <a:lnTo>
+                    <a:pt x="707202" y="124316"/>
+                  </a:lnTo>
+                  <a:lnTo>
+                    <a:pt x="717478" y="110046"/>
+                  </a:lnTo>
+                  <a:lnTo>
+                    <a:pt x="723796" y="104204"/>
+                  </a:lnTo>
+                  <a:lnTo>
+                    <a:pt x="737255" y="87892"/>
+                  </a:lnTo>
+                  <a:cubicBezTo>
+                    <a:pt x="791559" y="33588"/>
+                    <a:pt x="866580" y="0"/>
+                    <a:pt x="949445" y="0"/>
+                  </a:cubicBezTo>
+                  <a:close/>
+                </a:path>
+              </a:pathLst>
+            </a:custGeom>
+            <a:gradFill>
+              <a:gsLst>
+                <a:gs pos="0">
+                  <a:srgbClr val="E5E5E5"/>
+                </a:gs>
+                <a:gs pos="100000">
+                  <a:srgbClr val="FEFEFE"/>
+                </a:gs>
+              </a:gsLst>
+              <a:lin ang="5400000" scaled="1"/>
+            </a:gradFill>
+            <a:ln w="25400">
+              <a:gradFill>
+                <a:gsLst>
+                  <a:gs pos="0">
+                    <a:schemeClr val="accent1">
+                      <a:lumMod val="5000"/>
+                      <a:lumOff val="95000"/>
+                    </a:schemeClr>
+                  </a:gs>
+                  <a:gs pos="100000">
+                    <a:srgbClr val="E0E0E0"/>
+                  </a:gs>
+                </a:gsLst>
+                <a:lin ang="5400000" scaled="1"/>
+              </a:gradFill>
+            </a:ln>
+            <a:effectLst>
+              <a:outerShdw blurRad="571500" dist="342900" dir="2280000" algn="tl" rotWithShape="0">
+                <a:prstClr val="black">
+                  <a:alpha val="15000"/>
+                </a:prstClr>
+              </a:outerShdw>
+            </a:effectLst>
+          </p:spPr>
+          <p:style>
+            <a:lnRef idx="2">
+              <a:schemeClr val="accent1">
+                <a:shade val="50000"/>
+              </a:schemeClr>
+            </a:lnRef>
+            <a:fillRef idx="1">
+              <a:schemeClr val="accent1"/>
+            </a:fillRef>
+            <a:effectRef idx="0">
+              <a:schemeClr val="accent1"/>
+            </a:effectRef>
+            <a:fontRef idx="minor">
+              <a:schemeClr val="lt1"/>
+            </a:fontRef>
+          </p:style>
+          <p:txBody>
+            <a:bodyPr rtlCol="0" anchor="ctr"/>
+            <a:lstStyle/>
+            <a:p>
+              <a:pPr algn="ctr"/>
+              <a:endParaRPr lang="zh-CN" altLang="en-US"/>
+            </a:p>
+          </p:txBody>
+        </p:sp>
+        <p:sp>
+          <p:nvSpPr>
+            <p:cNvPr id="16" name="文本框 15"/>
+            <p:cNvSpPr txBox="1"/>
+            <p:nvPr/>
+          </p:nvSpPr>
+          <p:spPr>
+            <a:xfrm>
+              <a:off x="5464726" y="1267811"/>
+              <a:ext cx="1630575" cy="2215991"/>
+            </a:xfrm>
+            <a:prstGeom prst="rect">
+              <a:avLst/>
+            </a:prstGeom>
+            <a:noFill/>
+          </p:spPr>
+          <p:txBody>
+            <a:bodyPr wrap="none" rtlCol="0">
+              <a:spAutoFit/>
+            </a:bodyPr>
+            <a:lstStyle/>
+            <a:p>
+              <a:r>
+                <a:rPr lang="en-US" altLang="zh-CN" sz="13800" dirty="0" smtClean="0">
+                  <a:solidFill>
+                    <a:srgbClr val="18B0E3"/>
+                  </a:solidFill>
+                  <a:latin typeface="Agency FB" panose="020B0503020202020204" pitchFamily="34" charset="0"/>
+                </a:rPr>
+                <a:t>04</a:t>
+              </a:r>
+            </a:p>
+          </p:txBody>
+        </p:sp>
+        <p:sp>
+          <p:nvSpPr>
+            <p:cNvPr id="19" name="文本框 18"/>
+            <p:cNvSpPr txBox="1"/>
+            <p:nvPr/>
+          </p:nvSpPr>
+          <p:spPr>
+            <a:xfrm>
+              <a:off x="5379480" y="3195033"/>
+              <a:ext cx="1592487" cy="954107"/>
+            </a:xfrm>
+            <a:prstGeom prst="rect">
+              <a:avLst/>
+            </a:prstGeom>
+            <a:noFill/>
+          </p:spPr>
+          <p:txBody>
+            <a:bodyPr wrap="none" rtlCol="0">
+              <a:spAutoFit/>
+            </a:bodyPr>
+            <a:lstStyle/>
+            <a:p>
+              <a:r>
+                <a:rPr lang="en-US" altLang="zh-CN" sz="2800" b="1" dirty="0" smtClean="0">
+                  <a:solidFill>
+                    <a:srgbClr val="18B0E3"/>
+                  </a:solidFill>
+                  <a:latin typeface="Segoe UI Semilight" panose="020B0402040204020203" pitchFamily="34" charset="0"/>
+                  <a:ea typeface="Kozuka Gothic Pro L" panose="020B0200000000000000" pitchFamily="34" charset="-128"/>
+                  <a:cs typeface="Segoe UI Semilight" panose="020B0402040204020203" pitchFamily="34" charset="0"/>
+                </a:rPr>
+                <a:t>Part Four</a:t>
+              </a:r>
+            </a:p>
+            <a:p>
+              <a:endParaRPr lang="en-US" altLang="zh-CN" sz="2800" b="1" dirty="0" smtClean="0">
+                <a:solidFill>
+                  <a:srgbClr val="18B0E3"/>
+                </a:solidFill>
+                <a:latin typeface="Segoe UI Semilight" panose="020B0402040204020203" pitchFamily="34" charset="0"/>
+                <a:ea typeface="Kozuka Gothic Pro L" panose="020B0200000000000000" pitchFamily="34" charset="-128"/>
+                <a:cs typeface="Segoe UI Semilight" panose="020B0402040204020203" pitchFamily="34" charset="0"/>
+              </a:endParaRPr>
+            </a:p>
+          </p:txBody>
+        </p:sp>
+      </p:grpSp>
+      <p:sp>
+        <p:nvSpPr>
+          <p:cNvPr id="21" name="文本框 20"/>
+          <p:cNvSpPr txBox="1"/>
+          <p:nvPr/>
+        </p:nvSpPr>
         <p:spPr>
           <a:xfrm>
-            <a:off x="929681" y="1430446"/>
-            <a:ext cx="10598109" cy="4689515"/>
+            <a:off x="4250055" y="4807585"/>
+            <a:ext cx="3903345" cy="706755"/>
           </a:xfrm>
           <a:prstGeom prst="rect">
             <a:avLst/>
           </a:prstGeom>
+          <a:noFill/>
+          <a:effectLst>
+            <a:outerShdw blurRad="63500" dist="38100" dir="5400000" algn="t" rotWithShape="0">
+              <a:prstClr val="black">
+                <a:alpha val="27000"/>
+              </a:prstClr>
+            </a:outerShdw>
+          </a:effectLst>
         </p:spPr>
-      </p:pic>
+        <p:txBody>
+          <a:bodyPr wrap="square" rtlCol="0">
+            <a:spAutoFit/>
+          </a:bodyPr>
+          <a:lstStyle/>
+          <a:p>
+            <a:pPr algn="ctr"/>
+            <a:r>
+              <a:rPr lang="en-US" altLang="zh-CN" sz="4000" b="1" dirty="0" smtClean="0">
+                <a:solidFill>
+                  <a:schemeClr val="bg1"/>
+                </a:solidFill>
+                <a:latin typeface="Corbel" panose="020B0503020204020204" charset="0"/>
+                <a:ea typeface="方正正纤黑简体" panose="02000000000000000000" pitchFamily="2" charset="-122"/>
+              </a:rPr>
+              <a:t>jQuery </a:t>
+            </a:r>
+            <a:r>
+              <a:rPr lang="zh-CN" altLang="en-US" sz="4000" b="1" dirty="0" smtClean="0">
+                <a:solidFill>
+                  <a:schemeClr val="bg1"/>
+                </a:solidFill>
+                <a:latin typeface="Corbel" panose="020B0503020204020204" charset="0"/>
+                <a:ea typeface="方正正纤黑简体" panose="02000000000000000000" pitchFamily="2" charset="-122"/>
+              </a:rPr>
+              <a:t>核心</a:t>
+            </a:r>
+            <a:endParaRPr lang="zh-CN" altLang="en-US" sz="4000" b="1" dirty="0">
+              <a:solidFill>
+                <a:schemeClr val="bg1"/>
+              </a:solidFill>
+              <a:latin typeface="Corbel" panose="020B0503020204020204" charset="0"/>
+              <a:ea typeface="方正正纤黑简体" panose="02000000000000000000" pitchFamily="2" charset="-122"/>
+            </a:endParaRPr>
+          </a:p>
+        </p:txBody>
+      </p:sp>
     </p:spTree>
     <p:extLst>
       <p:ext uri="{BB962C8B-B14F-4D97-AF65-F5344CB8AC3E}">
-        <p14:creationId xmlns:p14="http://schemas.microsoft.com/office/powerpoint/2010/main" val="3792156222"/>
+        <p14:creationId xmlns:p14="http://schemas.microsoft.com/office/powerpoint/2010/main" val="3025195136"/>
       </p:ext>
     </p:extLst>
   </p:cSld>
   <p:clrMapOvr>
     <a:masterClrMapping/>
   </p:clrMapOvr>
-  <p:transition>
-    <p:wipe dir="r"/>
-  </p:transition>
+  <p:timing>
+    <p:tnLst>
+      <p:par>
+        <p:cTn id="1" dur="indefinite" restart="never" nodeType="tmRoot">
+          <p:childTnLst>
+            <p:seq concurrent="1" nextAc="seek">
+              <p:cTn id="2" dur="indefinite" nodeType="mainSeq">
+                <p:childTnLst>
+                  <p:par>
+                    <p:cTn id="3" fill="hold">
+                      <p:stCondLst>
+                        <p:cond delay="indefinite"/>
+                        <p:cond evt="onBegin" delay="0">
+                          <p:tn val="2"/>
+                        </p:cond>
+                      </p:stCondLst>
+                      <p:childTnLst>
+                        <p:par>
+                          <p:cTn id="4" fill="hold">
+                            <p:stCondLst>
+                              <p:cond delay="0"/>
+                            </p:stCondLst>
+                            <p:childTnLst>
+                              <p:par>
+                                <p:cTn id="5" presetID="53" presetClass="entr" presetSubtype="16" fill="hold" nodeType="afterEffect">
+                                  <p:stCondLst>
+                                    <p:cond delay="0"/>
+                                  </p:stCondLst>
+                                  <p:childTnLst>
+                                    <p:set>
+                                      <p:cBhvr>
+                                        <p:cTn id="6" dur="1" fill="hold">
+                                          <p:stCondLst>
+                                            <p:cond delay="0"/>
+                                          </p:stCondLst>
+                                        </p:cTn>
+                                        <p:tgtEl>
+                                          <p:spTgt spid="5"/>
+                                        </p:tgtEl>
+                                        <p:attrNameLst>
+                                          <p:attrName>style.visibility</p:attrName>
+                                        </p:attrNameLst>
+                                      </p:cBhvr>
+                                      <p:to>
+                                        <p:strVal val="visible"/>
+                                      </p:to>
+                                    </p:set>
+                                    <p:anim calcmode="lin" valueType="num">
+                                      <p:cBhvr>
+                                        <p:cTn id="7" dur="500" fill="hold"/>
+                                        <p:tgtEl>
+                                          <p:spTgt spid="5"/>
+                                        </p:tgtEl>
+                                        <p:attrNameLst>
+                                          <p:attrName>ppt_w</p:attrName>
+                                        </p:attrNameLst>
+                                      </p:cBhvr>
+                                      <p:tavLst>
+                                        <p:tav tm="0">
+                                          <p:val>
+                                            <p:fltVal val="0"/>
+                                          </p:val>
+                                        </p:tav>
+                                        <p:tav tm="100000">
+                                          <p:val>
+                                            <p:strVal val="#ppt_w"/>
+                                          </p:val>
+                                        </p:tav>
+                                      </p:tavLst>
+                                    </p:anim>
+                                    <p:anim calcmode="lin" valueType="num">
+                                      <p:cBhvr>
+                                        <p:cTn id="8" dur="500" fill="hold"/>
+                                        <p:tgtEl>
+                                          <p:spTgt spid="5"/>
+                                        </p:tgtEl>
+                                        <p:attrNameLst>
+                                          <p:attrName>ppt_h</p:attrName>
+                                        </p:attrNameLst>
+                                      </p:cBhvr>
+                                      <p:tavLst>
+                                        <p:tav tm="0">
+                                          <p:val>
+                                            <p:fltVal val="0"/>
+                                          </p:val>
+                                        </p:tav>
+                                        <p:tav tm="100000">
+                                          <p:val>
+                                            <p:strVal val="#ppt_h"/>
+                                          </p:val>
+                                        </p:tav>
+                                      </p:tavLst>
+                                    </p:anim>
+                                    <p:animEffect transition="in" filter="fade">
+                                      <p:cBhvr>
+                                        <p:cTn id="9" dur="500"/>
+                                        <p:tgtEl>
+                                          <p:spTgt spid="5"/>
+                                        </p:tgtEl>
+                                      </p:cBhvr>
+                                    </p:animEffect>
+                                  </p:childTnLst>
+                                </p:cTn>
+                              </p:par>
+                              <p:par>
+                                <p:cTn id="10" presetID="47" presetClass="entr" presetSubtype="0" fill="hold" grpId="0" nodeType="withEffect">
+                                  <p:stCondLst>
+                                    <p:cond delay="0"/>
+                                  </p:stCondLst>
+                                  <p:childTnLst>
+                                    <p:set>
+                                      <p:cBhvr>
+                                        <p:cTn id="11" dur="1" fill="hold">
+                                          <p:stCondLst>
+                                            <p:cond delay="0"/>
+                                          </p:stCondLst>
+                                        </p:cTn>
+                                        <p:tgtEl>
+                                          <p:spTgt spid="21"/>
+                                        </p:tgtEl>
+                                        <p:attrNameLst>
+                                          <p:attrName>style.visibility</p:attrName>
+                                        </p:attrNameLst>
+                                      </p:cBhvr>
+                                      <p:to>
+                                        <p:strVal val="visible"/>
+                                      </p:to>
+                                    </p:set>
+                                    <p:animEffect transition="in" filter="fade">
+                                      <p:cBhvr>
+                                        <p:cTn id="12" dur="600"/>
+                                        <p:tgtEl>
+                                          <p:spTgt spid="21"/>
+                                        </p:tgtEl>
+                                      </p:cBhvr>
+                                    </p:animEffect>
+                                    <p:anim calcmode="lin" valueType="num">
+                                      <p:cBhvr>
+                                        <p:cTn id="13" dur="600" fill="hold"/>
+                                        <p:tgtEl>
+                                          <p:spTgt spid="21"/>
+                                        </p:tgtEl>
+                                        <p:attrNameLst>
+                                          <p:attrName>ppt_x</p:attrName>
+                                        </p:attrNameLst>
+                                      </p:cBhvr>
+                                      <p:tavLst>
+                                        <p:tav tm="0">
+                                          <p:val>
+                                            <p:strVal val="#ppt_x"/>
+                                          </p:val>
+                                        </p:tav>
+                                        <p:tav tm="100000">
+                                          <p:val>
+                                            <p:strVal val="#ppt_x"/>
+                                          </p:val>
+                                        </p:tav>
+                                      </p:tavLst>
+                                    </p:anim>
+                                    <p:anim calcmode="lin" valueType="num">
+                                      <p:cBhvr>
+                                        <p:cTn id="14" dur="600" fill="hold"/>
+                                        <p:tgtEl>
+                                          <p:spTgt spid="21"/>
+                                        </p:tgtEl>
+                                        <p:attrNameLst>
+                                          <p:attrName>ppt_y</p:attrName>
+                                        </p:attrNameLst>
+                                      </p:cBhvr>
+                                      <p:tavLst>
+                                        <p:tav tm="0">
+                                          <p:val>
+                                            <p:strVal val="#ppt_y-.1"/>
+                                          </p:val>
+                                        </p:tav>
+                                        <p:tav tm="100000">
+                                          <p:val>
+                                            <p:strVal val="#ppt_y"/>
+                                          </p:val>
+                                        </p:tav>
+                                      </p:tavLst>
+                                    </p:anim>
+                                  </p:childTnLst>
+                                </p:cTn>
+                              </p:par>
+                              <p:par>
+                                <p:cTn id="15" presetID="49" presetClass="entr" presetSubtype="0" decel="100000" fill="hold" grpId="0" nodeType="withEffect">
+                                  <p:stCondLst>
+                                    <p:cond delay="0"/>
+                                  </p:stCondLst>
+                                  <p:childTnLst>
+                                    <p:set>
+                                      <p:cBhvr>
+                                        <p:cTn id="16" dur="1" fill="hold">
+                                          <p:stCondLst>
+                                            <p:cond delay="0"/>
+                                          </p:stCondLst>
+                                        </p:cTn>
+                                        <p:tgtEl>
+                                          <p:spTgt spid="15"/>
+                                        </p:tgtEl>
+                                        <p:attrNameLst>
+                                          <p:attrName>style.visibility</p:attrName>
+                                        </p:attrNameLst>
+                                      </p:cBhvr>
+                                      <p:to>
+                                        <p:strVal val="visible"/>
+                                      </p:to>
+                                    </p:set>
+                                    <p:anim calcmode="lin" valueType="num">
+                                      <p:cBhvr>
+                                        <p:cTn id="17" dur="500" fill="hold"/>
+                                        <p:tgtEl>
+                                          <p:spTgt spid="15"/>
+                                        </p:tgtEl>
+                                        <p:attrNameLst>
+                                          <p:attrName>ppt_w</p:attrName>
+                                        </p:attrNameLst>
+                                      </p:cBhvr>
+                                      <p:tavLst>
+                                        <p:tav tm="0">
+                                          <p:val>
+                                            <p:fltVal val="0"/>
+                                          </p:val>
+                                        </p:tav>
+                                        <p:tav tm="100000">
+                                          <p:val>
+                                            <p:strVal val="#ppt_w"/>
+                                          </p:val>
+                                        </p:tav>
+                                      </p:tavLst>
+                                    </p:anim>
+                                    <p:anim calcmode="lin" valueType="num">
+                                      <p:cBhvr>
+                                        <p:cTn id="18" dur="500" fill="hold"/>
+                                        <p:tgtEl>
+                                          <p:spTgt spid="15"/>
+                                        </p:tgtEl>
+                                        <p:attrNameLst>
+                                          <p:attrName>ppt_h</p:attrName>
+                                        </p:attrNameLst>
+                                      </p:cBhvr>
+                                      <p:tavLst>
+                                        <p:tav tm="0">
+                                          <p:val>
+                                            <p:fltVal val="0"/>
+                                          </p:val>
+                                        </p:tav>
+                                        <p:tav tm="100000">
+                                          <p:val>
+                                            <p:strVal val="#ppt_h"/>
+                                          </p:val>
+                                        </p:tav>
+                                      </p:tavLst>
+                                    </p:anim>
+                                    <p:anim calcmode="lin" valueType="num">
+                                      <p:cBhvr>
+                                        <p:cTn id="19" dur="500" fill="hold"/>
+                                        <p:tgtEl>
+                                          <p:spTgt spid="15"/>
+                                        </p:tgtEl>
+                                        <p:attrNameLst>
+                                          <p:attrName>style.rotation</p:attrName>
+                                        </p:attrNameLst>
+                                      </p:cBhvr>
+                                      <p:tavLst>
+                                        <p:tav tm="0">
+                                          <p:val>
+                                            <p:fltVal val="360"/>
+                                          </p:val>
+                                        </p:tav>
+                                        <p:tav tm="100000">
+                                          <p:val>
+                                            <p:fltVal val="0"/>
+                                          </p:val>
+                                        </p:tav>
+                                      </p:tavLst>
+                                    </p:anim>
+                                    <p:animEffect transition="in" filter="fade">
+                                      <p:cBhvr>
+                                        <p:cTn id="20" dur="500"/>
+                                        <p:tgtEl>
+                                          <p:spTgt spid="15"/>
+                                        </p:tgtEl>
+                                      </p:cBhvr>
+                                    </p:animEffect>
+                                  </p:childTnLst>
+                                </p:cTn>
+                              </p:par>
+                            </p:childTnLst>
+                          </p:cTn>
+                        </p:par>
+                      </p:childTnLst>
+                    </p:cTn>
+                  </p:par>
+                </p:childTnLst>
+              </p:cTn>
+              <p:prevCondLst>
+                <p:cond evt="onPrev" delay="0">
+                  <p:tgtEl>
+                    <p:sldTgt/>
+                  </p:tgtEl>
+                </p:cond>
+              </p:prevCondLst>
+              <p:nextCondLst>
+                <p:cond evt="onNext" delay="0">
+                  <p:tgtEl>
+                    <p:sldTgt/>
+                  </p:tgtEl>
+                </p:cond>
+              </p:nextCondLst>
+            </p:seq>
+          </p:childTnLst>
+        </p:cTn>
+      </p:par>
+    </p:tnLst>
+    <p:bldLst>
+      <p:bldP spid="15" grpId="0" bldLvl="0" animBg="1"/>
+      <p:bldP spid="21" grpId="0" bldLvl="0" animBg="1"/>
+    </p:bldLst>
+  </p:timing>
 </p:sld>
 </file>
 
@@ -9917,13 +10189,14 @@
           <a:lstStyle/>
           <a:p>
             <a:r>
+              <a:rPr lang="en-US" altLang="zh-CN" dirty="0" smtClean="0"/>
+              <a:t>jQuery</a:t>
+            </a:r>
+            <a:r>
               <a:rPr lang="zh-CN" altLang="en-US" dirty="0" smtClean="0"/>
-              <a:t>事件</a:t>
-            </a:r>
-            <a:r>
-              <a:rPr lang="zh-CN" altLang="en-US" dirty="0"/>
-              <a:t>绑定</a:t>
-            </a:r>
+              <a:t>语法</a:t>
+            </a:r>
+            <a:endParaRPr lang="zh-CN" altLang="en-US" dirty="0"/>
           </a:p>
         </p:txBody>
       </p:sp>
@@ -9939,30 +10212,171 @@
         </p:nvSpPr>
         <p:spPr/>
         <p:txBody>
-          <a:bodyPr/>
+          <a:bodyPr>
+            <a:normAutofit fontScale="70000" lnSpcReduction="20000"/>
+          </a:bodyPr>
           <a:lstStyle/>
           <a:p>
             <a:r>
               <a:rPr lang="en-US" altLang="zh-CN" b="1" dirty="0"/>
-              <a:t>$(selector</a:t>
+              <a:t>$(selector).action</a:t>
             </a:r>
             <a:r>
               <a:rPr lang="en-US" altLang="zh-CN" b="1" dirty="0" smtClean="0"/>
-              <a:t>).click(callback)</a:t>
-            </a:r>
-          </a:p>
-          <a:p>
-            <a:pPr marL="0" indent="0">
-              <a:buNone/>
+              <a:t>()</a:t>
+            </a:r>
+          </a:p>
+          <a:p>
+            <a:pPr marL="742950" indent="-742950">
+              <a:buFont typeface="+mj-lt"/>
+              <a:buAutoNum type="arabicPeriod"/>
             </a:pPr>
             <a:r>
-              <a:rPr lang="zh-CN" altLang="en-US" b="1" dirty="0" smtClean="0"/>
-              <a:t>选中元素点击触发事件，这种绑定方式只适合页面上已存在的元素</a:t>
-            </a:r>
-            <a:endParaRPr lang="en-US" altLang="zh-CN" b="1" dirty="0"/>
-          </a:p>
-          <a:p>
+              <a:rPr lang="zh-CN" altLang="en-US" dirty="0"/>
+              <a:t>美元符号定义 </a:t>
+            </a:r>
+            <a:r>
+              <a:rPr lang="en-US" altLang="zh-CN" dirty="0"/>
+              <a:t>jQuery</a:t>
+            </a:r>
+          </a:p>
+          <a:p>
+            <a:pPr marL="742950" indent="-742950">
+              <a:buFont typeface="+mj-lt"/>
+              <a:buAutoNum type="arabicPeriod"/>
+            </a:pPr>
+            <a:r>
+              <a:rPr lang="zh-CN" altLang="en-US" dirty="0"/>
+              <a:t>选择符（</a:t>
+            </a:r>
+            <a:r>
+              <a:rPr lang="en-US" altLang="zh-CN" dirty="0"/>
+              <a:t>selector</a:t>
+            </a:r>
+            <a:r>
+              <a:rPr lang="zh-CN" altLang="en-US" dirty="0"/>
+              <a:t>）“查询”和“查找” </a:t>
+            </a:r>
+            <a:r>
+              <a:rPr lang="en-US" altLang="zh-CN" dirty="0"/>
+              <a:t>HTML </a:t>
+            </a:r>
+            <a:r>
+              <a:rPr lang="zh-CN" altLang="en-US" dirty="0"/>
+              <a:t>元素</a:t>
+            </a:r>
+          </a:p>
+          <a:p>
+            <a:pPr marL="742950" indent="-742950">
+              <a:buFont typeface="+mj-lt"/>
+              <a:buAutoNum type="arabicPeriod"/>
+            </a:pPr>
+            <a:r>
+              <a:rPr lang="en-US" altLang="zh-CN" dirty="0"/>
+              <a:t>jQuery </a:t>
+            </a:r>
+            <a:r>
+              <a:rPr lang="zh-CN" altLang="en-US" dirty="0"/>
+              <a:t>的 </a:t>
+            </a:r>
+            <a:r>
+              <a:rPr lang="en-US" altLang="zh-CN" dirty="0"/>
+              <a:t>action() </a:t>
+            </a:r>
+            <a:r>
+              <a:rPr lang="zh-CN" altLang="en-US" dirty="0"/>
+              <a:t>执行对元素的</a:t>
+            </a:r>
+            <a:r>
+              <a:rPr lang="zh-CN" altLang="en-US" dirty="0" smtClean="0"/>
+              <a:t>操作</a:t>
+            </a:r>
             <a:endParaRPr lang="en-US" altLang="zh-CN" dirty="0" smtClean="0"/>
+          </a:p>
+          <a:p>
+            <a:r>
+              <a:rPr lang="zh-CN" altLang="en-US" b="1" dirty="0"/>
+              <a:t>示例</a:t>
+            </a:r>
+          </a:p>
+          <a:p>
+            <a:pPr marL="742950" indent="-742950">
+              <a:buFont typeface="+mj-lt"/>
+              <a:buAutoNum type="arabicPeriod"/>
+            </a:pPr>
+            <a:r>
+              <a:rPr lang="en-US" altLang="zh-CN" dirty="0"/>
+              <a:t>$(this).hide() - </a:t>
+            </a:r>
+            <a:r>
+              <a:rPr lang="zh-CN" altLang="en-US" dirty="0"/>
+              <a:t>隐藏当前元素</a:t>
+            </a:r>
+          </a:p>
+          <a:p>
+            <a:pPr marL="742950" indent="-742950">
+              <a:buFont typeface="+mj-lt"/>
+              <a:buAutoNum type="arabicPeriod"/>
+            </a:pPr>
+            <a:r>
+              <a:rPr lang="en-US" altLang="zh-CN" dirty="0"/>
+              <a:t>$("p").hide() - </a:t>
+            </a:r>
+            <a:r>
+              <a:rPr lang="zh-CN" altLang="en-US" dirty="0"/>
+              <a:t>隐藏所有段落</a:t>
+            </a:r>
+          </a:p>
+          <a:p>
+            <a:pPr marL="742950" indent="-742950">
+              <a:buFont typeface="+mj-lt"/>
+              <a:buAutoNum type="arabicPeriod"/>
+            </a:pPr>
+            <a:r>
+              <a:rPr lang="en-US" altLang="zh-CN" dirty="0"/>
+              <a:t>$(".test").hide() - </a:t>
+            </a:r>
+            <a:r>
+              <a:rPr lang="zh-CN" altLang="en-US" dirty="0"/>
+              <a:t>隐藏所有 </a:t>
+            </a:r>
+            <a:r>
+              <a:rPr lang="en-US" altLang="zh-CN" dirty="0"/>
+              <a:t>class="test" </a:t>
+            </a:r>
+            <a:r>
+              <a:rPr lang="zh-CN" altLang="en-US" dirty="0"/>
+              <a:t>的所有元素</a:t>
+            </a:r>
+          </a:p>
+          <a:p>
+            <a:pPr marL="742950" indent="-742950">
+              <a:buFont typeface="+mj-lt"/>
+              <a:buAutoNum type="arabicPeriod"/>
+            </a:pPr>
+            <a:r>
+              <a:rPr lang="en-US" altLang="zh-CN" dirty="0"/>
+              <a:t>$("#test").hide() - </a:t>
+            </a:r>
+            <a:r>
+              <a:rPr lang="zh-CN" altLang="en-US" dirty="0"/>
+              <a:t>隐藏所有 </a:t>
+            </a:r>
+            <a:r>
+              <a:rPr lang="en-US" altLang="zh-CN" dirty="0"/>
+              <a:t>id="test" </a:t>
+            </a:r>
+            <a:r>
+              <a:rPr lang="zh-CN" altLang="en-US" dirty="0"/>
+              <a:t>的元素</a:t>
+            </a:r>
+          </a:p>
+          <a:p>
+            <a:pPr marL="742950" indent="-742950">
+              <a:buFont typeface="+mj-lt"/>
+              <a:buAutoNum type="arabicPeriod"/>
+            </a:pPr>
+            <a:endParaRPr lang="zh-CN" altLang="en-US" dirty="0"/>
           </a:p>
           <a:p>
             <a:endParaRPr lang="zh-CN" altLang="en-US" dirty="0"/>
@@ -9972,7 +10386,7 @@
     </p:spTree>
     <p:extLst>
       <p:ext uri="{BB962C8B-B14F-4D97-AF65-F5344CB8AC3E}">
-        <p14:creationId xmlns:p14="http://schemas.microsoft.com/office/powerpoint/2010/main" val="2887308550"/>
+        <p14:creationId xmlns:p14="http://schemas.microsoft.com/office/powerpoint/2010/main" val="2025610675"/>
       </p:ext>
     </p:extLst>
   </p:cSld>
@@ -10019,153 +10433,40 @@
           <a:p>
             <a:r>
               <a:rPr lang="zh-CN" altLang="en-US" dirty="0" smtClean="0"/>
-              <a:t>事件动态绑定</a:t>
+              <a:t>选择器</a:t>
             </a:r>
             <a:endParaRPr lang="zh-CN" altLang="en-US" dirty="0"/>
           </a:p>
         </p:txBody>
       </p:sp>
-      <p:sp>
-        <p:nvSpPr>
-          <p:cNvPr id="3" name="副标题 2"/>
-          <p:cNvSpPr>
-            <a:spLocks noGrp="1"/>
-          </p:cNvSpPr>
-          <p:nvPr>
-            <p:ph type="subTitle" idx="1"/>
-          </p:nvPr>
-        </p:nvSpPr>
-        <p:spPr/>
-        <p:txBody>
-          <a:bodyPr>
-            <a:normAutofit fontScale="77500" lnSpcReduction="20000"/>
-          </a:bodyPr>
-          <a:lstStyle/>
-          <a:p>
-            <a:r>
-              <a:rPr lang="en-US" altLang="zh-CN" sz="3200" dirty="0"/>
-              <a:t>$(selector).on(</a:t>
-            </a:r>
-            <a:r>
-              <a:rPr lang="en-US" altLang="zh-CN" sz="3200" dirty="0" err="1"/>
-              <a:t>event,childSelector,data,function</a:t>
-            </a:r>
-            <a:r>
-              <a:rPr lang="en-US" altLang="zh-CN" sz="3200" dirty="0" smtClean="0"/>
-              <a:t>)</a:t>
-            </a:r>
-          </a:p>
-          <a:p>
-            <a:r>
-              <a:rPr lang="en-US" altLang="zh-CN" sz="3200" dirty="0" smtClean="0"/>
-              <a:t>selector  </a:t>
-            </a:r>
-            <a:r>
-              <a:rPr lang="zh-CN" altLang="en-US" sz="3200" dirty="0" smtClean="0"/>
-              <a:t>为当前文档上存在的元素</a:t>
-            </a:r>
-            <a:endParaRPr lang="en-US" altLang="zh-CN" sz="3200" dirty="0" smtClean="0"/>
-          </a:p>
-          <a:p>
-            <a:r>
-              <a:rPr lang="en-US" altLang="zh-CN" sz="3200" dirty="0" smtClean="0"/>
-              <a:t>event</a:t>
-            </a:r>
-            <a:r>
-              <a:rPr lang="en-US" altLang="zh-CN" sz="3200" dirty="0"/>
-              <a:t>	</a:t>
-            </a:r>
-            <a:r>
-              <a:rPr lang="zh-CN" altLang="en-US" sz="3200" dirty="0"/>
-              <a:t>必需。规定要从被选元素移除的一个或多个事件或命名空间</a:t>
-            </a:r>
-            <a:r>
-              <a:rPr lang="zh-CN" altLang="en-US" sz="3200" dirty="0" smtClean="0"/>
-              <a:t>。</a:t>
-            </a:r>
-            <a:endParaRPr lang="zh-CN" altLang="en-US" sz="3200" dirty="0"/>
-          </a:p>
-          <a:p>
-            <a:r>
-              <a:rPr lang="zh-CN" altLang="en-US" sz="3200" dirty="0"/>
-              <a:t>由空格分隔多个事件值，也可以是数组。必须是有效的事件。</a:t>
-            </a:r>
-          </a:p>
-          <a:p>
-            <a:r>
-              <a:rPr lang="en-US" altLang="zh-CN" sz="3200" dirty="0" err="1"/>
-              <a:t>childSelector</a:t>
-            </a:r>
-            <a:r>
-              <a:rPr lang="en-US" altLang="zh-CN" sz="3200" dirty="0"/>
-              <a:t>	</a:t>
-            </a:r>
-            <a:r>
-              <a:rPr lang="zh-CN" altLang="en-US" sz="3200" dirty="0"/>
-              <a:t>可选。规定只能添加到指定的子元素上的事件处理程序（且不是选择器本身，比如已废弃的 </a:t>
-            </a:r>
-            <a:r>
-              <a:rPr lang="en-US" altLang="zh-CN" sz="3200" dirty="0"/>
-              <a:t>delegate() </a:t>
-            </a:r>
-            <a:r>
-              <a:rPr lang="zh-CN" altLang="en-US" sz="3200" dirty="0"/>
-              <a:t>方法）。</a:t>
-            </a:r>
-          </a:p>
-          <a:p>
-            <a:r>
-              <a:rPr lang="en-US" altLang="zh-CN" sz="3200" dirty="0"/>
-              <a:t>data	</a:t>
-            </a:r>
-            <a:r>
-              <a:rPr lang="zh-CN" altLang="en-US" sz="3200" dirty="0"/>
-              <a:t>可选。规定传递到函数的额外数据。</a:t>
-            </a:r>
-          </a:p>
-          <a:p>
-            <a:r>
-              <a:rPr lang="en-US" altLang="zh-CN" sz="3200" dirty="0"/>
-              <a:t>function	</a:t>
-            </a:r>
-            <a:r>
-              <a:rPr lang="zh-CN" altLang="en-US" sz="3200" dirty="0"/>
-              <a:t>可选。规定当事件发生时运行的函数</a:t>
-            </a:r>
-            <a:r>
-              <a:rPr lang="zh-CN" altLang="en-US" sz="3200" dirty="0" smtClean="0"/>
-              <a:t>。</a:t>
-            </a:r>
-            <a:endParaRPr lang="en-US" altLang="zh-CN" sz="3200" dirty="0" smtClean="0"/>
-          </a:p>
-          <a:p>
-            <a:r>
-              <a:rPr lang="zh-CN" altLang="en-US" sz="2800" dirty="0"/>
-              <a:t>如需移除事件处理程序，请使用 </a:t>
-            </a:r>
-            <a:r>
-              <a:rPr lang="en-US" altLang="zh-CN" sz="2800" dirty="0" smtClean="0"/>
-              <a:t>off()</a:t>
-            </a:r>
-            <a:r>
-              <a:rPr lang="zh-CN" altLang="en-US" sz="2800" dirty="0" smtClean="0"/>
-              <a:t>方法</a:t>
-            </a:r>
-            <a:r>
-              <a:rPr lang="zh-CN" altLang="en-US" sz="2800" dirty="0"/>
-              <a:t>。</a:t>
-            </a:r>
-            <a:endParaRPr lang="en-US" altLang="zh-CN" sz="3200" dirty="0" smtClean="0"/>
-          </a:p>
-          <a:p>
-            <a:endParaRPr lang="zh-CN" altLang="en-US" sz="3200" dirty="0"/>
-          </a:p>
-        </p:txBody>
-      </p:sp>
+      <p:pic>
+        <p:nvPicPr>
+          <p:cNvPr id="4" name="图片 3"/>
+          <p:cNvPicPr>
+            <a:picLocks noChangeAspect="1"/>
+          </p:cNvPicPr>
+          <p:nvPr/>
+        </p:nvPicPr>
+        <p:blipFill>
+          <a:blip r:embed="rId2"/>
+          <a:stretch>
+            <a:fillRect/>
+          </a:stretch>
+        </p:blipFill>
+        <p:spPr>
+          <a:xfrm>
+            <a:off x="929681" y="1430446"/>
+            <a:ext cx="10598109" cy="4689515"/>
+          </a:xfrm>
+          <a:prstGeom prst="rect">
+            <a:avLst/>
+          </a:prstGeom>
+        </p:spPr>
+      </p:pic>
     </p:spTree>
     <p:extLst>
       <p:ext uri="{BB962C8B-B14F-4D97-AF65-F5344CB8AC3E}">
-        <p14:creationId xmlns:p14="http://schemas.microsoft.com/office/powerpoint/2010/main" val="4098001620"/>
+        <p14:creationId xmlns:p14="http://schemas.microsoft.com/office/powerpoint/2010/main" val="3792156222"/>
       </p:ext>
     </p:extLst>
   </p:cSld>
@@ -10212,9 +10513,12 @@
           <a:p>
             <a:r>
               <a:rPr lang="zh-CN" altLang="en-US" dirty="0" smtClean="0"/>
-              <a:t>事件冒泡</a:t>
-            </a:r>
-            <a:endParaRPr lang="zh-CN" altLang="en-US" dirty="0"/>
+              <a:t>事件</a:t>
+            </a:r>
+            <a:r>
+              <a:rPr lang="zh-CN" altLang="en-US" dirty="0"/>
+              <a:t>绑定</a:t>
+            </a:r>
           </a:p>
         </p:txBody>
       </p:sp>
@@ -10231,139 +10535,54 @@
         <p:spPr/>
         <p:txBody>
           <a:bodyPr>
-            <a:normAutofit fontScale="77500" lnSpcReduction="20000"/>
+            <a:normAutofit fontScale="92500" lnSpcReduction="20000"/>
           </a:bodyPr>
           <a:lstStyle/>
+          <a:p>
+            <a:r>
+              <a:rPr lang="en-US" altLang="zh-CN" b="1" dirty="0"/>
+              <a:t>$(selector</a:t>
+            </a:r>
+            <a:r>
+              <a:rPr lang="en-US" altLang="zh-CN" b="1" dirty="0" smtClean="0"/>
+              <a:t>).click(callback)</a:t>
+            </a:r>
+          </a:p>
           <a:p>
             <a:pPr marL="0" indent="0">
               <a:buNone/>
             </a:pPr>
             <a:r>
-              <a:rPr lang="en-US" altLang="zh-CN" sz="2300" b="1" dirty="0"/>
-              <a:t>&lt;body&gt;</a:t>
-            </a:r>
+              <a:rPr lang="zh-CN" altLang="en-US" b="1" dirty="0" smtClean="0"/>
+              <a:t>选中元素点击触发事件，这种绑定方式只适合页面上已存在的</a:t>
+            </a:r>
+            <a:r>
+              <a:rPr lang="zh-CN" altLang="en-US" b="1" dirty="0" smtClean="0"/>
+              <a:t>元素</a:t>
+            </a:r>
+            <a:endParaRPr lang="en-US" altLang="zh-CN" b="1" dirty="0" smtClean="0"/>
+          </a:p>
+          <a:p>
+            <a:r>
+              <a:rPr lang="zh-CN" altLang="en-US" b="1" dirty="0" smtClean="0"/>
+              <a:t>可以绑定的事件</a:t>
+            </a:r>
+            <a:endParaRPr lang="en-US" altLang="zh-CN" b="1" dirty="0"/>
           </a:p>
           <a:p>
             <a:pPr marL="0" indent="0">
               <a:buNone/>
             </a:pPr>
             <a:r>
-              <a:rPr lang="en-US" altLang="zh-CN" sz="2300" b="1" dirty="0"/>
-              <a:t>    &lt;</a:t>
-            </a:r>
-            <a:r>
-              <a:rPr lang="en-US" altLang="zh-CN" sz="2300" b="1" dirty="0" smtClean="0"/>
-              <a:t>button&gt;</a:t>
-            </a:r>
-            <a:r>
-              <a:rPr lang="zh-CN" altLang="en-US" sz="2300" b="1" dirty="0" smtClean="0"/>
-              <a:t>点击</a:t>
-            </a:r>
-            <a:r>
-              <a:rPr lang="zh-CN" altLang="en-US" sz="2300" b="1" dirty="0"/>
-              <a:t>一下</a:t>
-            </a:r>
-            <a:r>
-              <a:rPr lang="en-US" altLang="zh-CN" sz="2300" b="1" dirty="0"/>
-              <a:t>&lt;/button&gt;</a:t>
-            </a:r>
-          </a:p>
-          <a:p>
-            <a:pPr marL="0" indent="0">
-              <a:buNone/>
-            </a:pPr>
-            <a:r>
-              <a:rPr lang="en-US" altLang="zh-CN" sz="2300" b="1" dirty="0"/>
-              <a:t>&lt;/body</a:t>
-            </a:r>
-            <a:r>
-              <a:rPr lang="en-US" altLang="zh-CN" sz="2300" b="1" dirty="0" smtClean="0"/>
-              <a:t>&gt;</a:t>
-            </a:r>
+              <a:rPr lang="en-US" altLang="zh-CN" dirty="0" smtClean="0"/>
+              <a:t>blur,focus,load,resize,scroll,unload,click,dbclick,mousedown,mouseup,mousemove,mouseover,mouseout,mouseenter,mouseleave,change,select,submit,keydown,keypress,keyup,error</a:t>
+            </a:r>
+            <a:endParaRPr lang="en-US" altLang="zh-CN" dirty="0"/>
+          </a:p>
+          <a:p>
             <a:endParaRPr lang="en-US" altLang="zh-CN" dirty="0" smtClean="0"/>
           </a:p>
           <a:p>
-            <a:r>
-              <a:rPr lang="zh-CN" altLang="en-US" dirty="0" smtClean="0"/>
-              <a:t>事件</a:t>
-            </a:r>
-            <a:r>
-              <a:rPr lang="zh-CN" altLang="en-US" dirty="0"/>
-              <a:t>会沿着</a:t>
-            </a:r>
-            <a:r>
-              <a:rPr lang="en-US" altLang="zh-CN" dirty="0"/>
-              <a:t>DOM</a:t>
-            </a:r>
-            <a:r>
-              <a:rPr lang="zh-CN" altLang="en-US" dirty="0"/>
-              <a:t>树向上传播，在每一个</a:t>
-            </a:r>
-            <a:r>
-              <a:rPr lang="en-US" altLang="zh-CN" dirty="0"/>
-              <a:t>DOM</a:t>
-            </a:r>
-            <a:r>
-              <a:rPr lang="zh-CN" altLang="en-US" dirty="0"/>
-              <a:t>节点上都会发生，一直传播到</a:t>
-            </a:r>
-            <a:r>
-              <a:rPr lang="en-US" altLang="zh-CN" dirty="0" smtClean="0"/>
-              <a:t>document</a:t>
-            </a:r>
-            <a:r>
-              <a:rPr lang="zh-CN" altLang="en-US" dirty="0" smtClean="0"/>
-              <a:t>，上例对象</a:t>
-            </a:r>
-            <a:r>
-              <a:rPr lang="zh-CN" altLang="en-US" dirty="0"/>
-              <a:t>事件传播方向：</a:t>
-            </a:r>
-            <a:r>
-              <a:rPr lang="en-US" altLang="zh-CN" dirty="0"/>
-              <a:t>&lt;button&gt;→&lt;body&gt;→&lt;html&gt;→&lt;document</a:t>
-            </a:r>
-            <a:r>
-              <a:rPr lang="en-US" altLang="zh-CN" dirty="0" smtClean="0"/>
-              <a:t>&gt;</a:t>
-            </a:r>
-          </a:p>
-          <a:p>
-            <a:r>
-              <a:rPr lang="zh-CN" altLang="en-US" dirty="0" smtClean="0"/>
-              <a:t>阻止事件冒泡</a:t>
-            </a:r>
-            <a:endParaRPr lang="en-US" altLang="zh-CN" dirty="0" smtClean="0"/>
-          </a:p>
-          <a:p>
-            <a:pPr marL="0" indent="0">
-              <a:buNone/>
-            </a:pPr>
-            <a:r>
-              <a:rPr lang="zh-CN" altLang="en-US" b="1" dirty="0"/>
-              <a:t>方式一：</a:t>
-            </a:r>
-            <a:r>
-              <a:rPr lang="en-US" altLang="zh-CN" b="1" dirty="0" err="1"/>
-              <a:t>event.stopPropagation</a:t>
-            </a:r>
-            <a:r>
-              <a:rPr lang="en-US" altLang="zh-CN" b="1" dirty="0" smtClean="0"/>
-              <a:t>();</a:t>
-            </a:r>
-          </a:p>
-          <a:p>
-            <a:pPr marL="0" indent="0">
-              <a:buNone/>
-            </a:pPr>
-            <a:r>
-              <a:rPr lang="zh-CN" altLang="en-US" b="1" dirty="0"/>
-              <a:t>方式二：</a:t>
-            </a:r>
-            <a:r>
-              <a:rPr lang="en-US" altLang="zh-CN" b="1" dirty="0"/>
-              <a:t>return false;</a:t>
-            </a:r>
             <a:endParaRPr lang="zh-CN" altLang="en-US" dirty="0"/>
           </a:p>
         </p:txBody>
@@ -10371,7 +10590,7 @@
     </p:spTree>
     <p:extLst>
       <p:ext uri="{BB962C8B-B14F-4D97-AF65-F5344CB8AC3E}">
-        <p14:creationId xmlns:p14="http://schemas.microsoft.com/office/powerpoint/2010/main" val="573899097"/>
+        <p14:creationId xmlns:p14="http://schemas.microsoft.com/office/powerpoint/2010/main" val="2887308550"/>
       </p:ext>
     </p:extLst>
   </p:cSld>
@@ -10417,8 +10636,8 @@
           <a:lstStyle/>
           <a:p>
             <a:r>
-              <a:rPr lang="en-US" altLang="zh-CN" dirty="0"/>
-              <a:t>AJAX</a:t>
+              <a:rPr lang="zh-CN" altLang="en-US" dirty="0" smtClean="0"/>
+              <a:t>事件动态绑定</a:t>
             </a:r>
             <a:endParaRPr lang="zh-CN" altLang="en-US" dirty="0"/>
           </a:p>
@@ -10436,29 +10655,135 @@
         </p:nvSpPr>
         <p:spPr/>
         <p:txBody>
-          <a:bodyPr/>
+          <a:bodyPr>
+            <a:normAutofit fontScale="77500" lnSpcReduction="20000"/>
+          </a:bodyPr>
           <a:lstStyle/>
           <a:p>
             <a:r>
-              <a:rPr lang="en-US" altLang="zh-CN" dirty="0"/>
-              <a:t>AJAX </a:t>
-            </a:r>
-            <a:r>
-              <a:rPr lang="zh-CN" altLang="en-US" dirty="0"/>
-              <a:t>是一种与服务器交换数据的</a:t>
-            </a:r>
-            <a:r>
-              <a:rPr lang="zh-CN" altLang="en-US" dirty="0" smtClean="0"/>
-              <a:t>技术，后台写好服务，前端访问服务</a:t>
-            </a:r>
-            <a:endParaRPr lang="en-US" altLang="zh-CN" dirty="0" smtClean="0"/>
+              <a:rPr lang="en-US" altLang="zh-CN" sz="3200" dirty="0"/>
+              <a:t>$(selector).on(</a:t>
+            </a:r>
+            <a:r>
+              <a:rPr lang="en-US" altLang="zh-CN" sz="3200" dirty="0" err="1"/>
+              <a:t>event,childSelector,data,function</a:t>
+            </a:r>
+            <a:r>
+              <a:rPr lang="en-US" altLang="zh-CN" sz="3200" dirty="0" smtClean="0"/>
+              <a:t>)</a:t>
+            </a:r>
+          </a:p>
+          <a:p>
+            <a:r>
+              <a:rPr lang="en-US" altLang="zh-CN" sz="3200" dirty="0" smtClean="0"/>
+              <a:t>selector  </a:t>
+            </a:r>
+            <a:r>
+              <a:rPr lang="zh-CN" altLang="en-US" sz="3200" dirty="0" smtClean="0"/>
+              <a:t>为当前文档上存在的元素</a:t>
+            </a:r>
+            <a:endParaRPr lang="en-US" altLang="zh-CN" sz="3200" dirty="0" smtClean="0"/>
+          </a:p>
+          <a:p>
+            <a:r>
+              <a:rPr lang="en-US" altLang="zh-CN" sz="3200" dirty="0" smtClean="0"/>
+              <a:t>event</a:t>
+            </a:r>
+            <a:r>
+              <a:rPr lang="en-US" altLang="zh-CN" sz="3200" dirty="0"/>
+              <a:t>	</a:t>
+            </a:r>
+            <a:r>
+              <a:rPr lang="zh-CN" altLang="en-US" sz="3200" dirty="0"/>
+              <a:t>必需。规定要从被选元素移除的一个或多个事件或命名空间</a:t>
+            </a:r>
+            <a:r>
+              <a:rPr lang="zh-CN" altLang="en-US" sz="3200" dirty="0" smtClean="0"/>
+              <a:t>。</a:t>
+            </a:r>
+            <a:endParaRPr lang="zh-CN" altLang="en-US" sz="3200" dirty="0"/>
+          </a:p>
+          <a:p>
+            <a:r>
+              <a:rPr lang="zh-CN" altLang="en-US" sz="3200" dirty="0"/>
+              <a:t>由空格分隔多个事件值，也可以是数组。必须是有效的事件。</a:t>
+            </a:r>
+          </a:p>
+          <a:p>
+            <a:r>
+              <a:rPr lang="en-US" altLang="zh-CN" sz="3200" dirty="0" err="1"/>
+              <a:t>childSelector</a:t>
+            </a:r>
+            <a:r>
+              <a:rPr lang="en-US" altLang="zh-CN" sz="3200" dirty="0"/>
+              <a:t>	</a:t>
+            </a:r>
+            <a:r>
+              <a:rPr lang="zh-CN" altLang="en-US" sz="3200" dirty="0"/>
+              <a:t>可选。规定只能添加到指定的子元素上的事件处理程序（且不是选择器本身，比如已废弃的 </a:t>
+            </a:r>
+            <a:r>
+              <a:rPr lang="en-US" altLang="zh-CN" sz="3200" dirty="0"/>
+              <a:t>delegate() </a:t>
+            </a:r>
+            <a:r>
+              <a:rPr lang="zh-CN" altLang="en-US" sz="3200" dirty="0"/>
+              <a:t>方法）。</a:t>
+            </a:r>
+          </a:p>
+          <a:p>
+            <a:r>
+              <a:rPr lang="en-US" altLang="zh-CN" sz="3200" dirty="0"/>
+              <a:t>data	</a:t>
+            </a:r>
+            <a:r>
+              <a:rPr lang="zh-CN" altLang="en-US" sz="3200" dirty="0"/>
+              <a:t>可选。规定传递到函数的额外数据。</a:t>
+            </a:r>
+          </a:p>
+          <a:p>
+            <a:r>
+              <a:rPr lang="en-US" altLang="zh-CN" sz="3200" dirty="0"/>
+              <a:t>function	</a:t>
+            </a:r>
+            <a:r>
+              <a:rPr lang="zh-CN" altLang="en-US" sz="3200" dirty="0"/>
+              <a:t>可选。规定当事件发生时运行的函数</a:t>
+            </a:r>
+            <a:r>
+              <a:rPr lang="zh-CN" altLang="en-US" sz="3200" dirty="0" smtClean="0"/>
+              <a:t>。</a:t>
+            </a:r>
+            <a:endParaRPr lang="en-US" altLang="zh-CN" sz="3200" dirty="0" smtClean="0"/>
+          </a:p>
+          <a:p>
+            <a:r>
+              <a:rPr lang="zh-CN" altLang="en-US" sz="2800" dirty="0"/>
+              <a:t>如需移除事件处理程序，请使用 </a:t>
+            </a:r>
+            <a:r>
+              <a:rPr lang="en-US" altLang="zh-CN" sz="2800" dirty="0" smtClean="0"/>
+              <a:t>off()</a:t>
+            </a:r>
+            <a:r>
+              <a:rPr lang="zh-CN" altLang="en-US" sz="2800" dirty="0" smtClean="0"/>
+              <a:t>方法</a:t>
+            </a:r>
+            <a:r>
+              <a:rPr lang="zh-CN" altLang="en-US" sz="2800" dirty="0"/>
+              <a:t>。</a:t>
+            </a:r>
+            <a:endParaRPr lang="en-US" altLang="zh-CN" sz="3200" dirty="0" smtClean="0"/>
+          </a:p>
+          <a:p>
+            <a:endParaRPr lang="zh-CN" altLang="en-US" sz="3200" dirty="0"/>
           </a:p>
         </p:txBody>
       </p:sp>
     </p:spTree>
     <p:extLst>
       <p:ext uri="{BB962C8B-B14F-4D97-AF65-F5344CB8AC3E}">
-        <p14:creationId xmlns:p14="http://schemas.microsoft.com/office/powerpoint/2010/main" val="672275861"/>
+        <p14:creationId xmlns:p14="http://schemas.microsoft.com/office/powerpoint/2010/main" val="4098001620"/>
       </p:ext>
     </p:extLst>
   </p:cSld>
@@ -10504,12 +10829,8 @@
           <a:lstStyle/>
           <a:p>
             <a:r>
-              <a:rPr lang="en-US" altLang="zh-CN" dirty="0" smtClean="0"/>
-              <a:t>AJAX</a:t>
-            </a:r>
-            <a:r>
               <a:rPr lang="zh-CN" altLang="en-US" dirty="0" smtClean="0"/>
-              <a:t>跨域问题</a:t>
+              <a:t>事件冒泡</a:t>
             </a:r>
             <a:endParaRPr lang="zh-CN" altLang="en-US" dirty="0"/>
           </a:p>
@@ -10528,92 +10849,139 @@
         <p:spPr/>
         <p:txBody>
           <a:bodyPr>
-            <a:normAutofit lnSpcReduction="10000"/>
+            <a:normAutofit fontScale="77500" lnSpcReduction="20000"/>
           </a:bodyPr>
           <a:lstStyle/>
           <a:p>
+            <a:pPr marL="0" indent="0">
+              <a:buNone/>
+            </a:pPr>
+            <a:r>
+              <a:rPr lang="en-US" altLang="zh-CN" sz="2300" b="1" dirty="0"/>
+              <a:t>&lt;body&gt;</a:t>
+            </a:r>
+          </a:p>
+          <a:p>
+            <a:pPr marL="0" indent="0">
+              <a:buNone/>
+            </a:pPr>
+            <a:r>
+              <a:rPr lang="en-US" altLang="zh-CN" sz="2300" b="1" dirty="0"/>
+              <a:t>    &lt;</a:t>
+            </a:r>
+            <a:r>
+              <a:rPr lang="en-US" altLang="zh-CN" sz="2300" b="1" dirty="0" smtClean="0"/>
+              <a:t>button&gt;</a:t>
+            </a:r>
+            <a:r>
+              <a:rPr lang="zh-CN" altLang="en-US" sz="2300" b="1" dirty="0" smtClean="0"/>
+              <a:t>点击</a:t>
+            </a:r>
+            <a:r>
+              <a:rPr lang="zh-CN" altLang="en-US" sz="2300" b="1" dirty="0"/>
+              <a:t>一下</a:t>
+            </a:r>
+            <a:r>
+              <a:rPr lang="en-US" altLang="zh-CN" sz="2300" b="1" dirty="0"/>
+              <a:t>&lt;/button&gt;</a:t>
+            </a:r>
+          </a:p>
+          <a:p>
+            <a:pPr marL="0" indent="0">
+              <a:buNone/>
+            </a:pPr>
+            <a:r>
+              <a:rPr lang="en-US" altLang="zh-CN" sz="2300" b="1" dirty="0"/>
+              <a:t>&lt;/body</a:t>
+            </a:r>
+            <a:r>
+              <a:rPr lang="en-US" altLang="zh-CN" sz="2300" b="1" dirty="0" smtClean="0"/>
+              <a:t>&gt;</a:t>
+            </a:r>
+            <a:endParaRPr lang="en-US" altLang="zh-CN" dirty="0" smtClean="0"/>
+          </a:p>
+          <a:p>
             <a:r>
               <a:rPr lang="zh-CN" altLang="en-US" dirty="0" smtClean="0"/>
-              <a:t>当</a:t>
+              <a:t>事件</a:t>
+            </a:r>
+            <a:r>
+              <a:rPr lang="zh-CN" altLang="en-US" dirty="0"/>
+              <a:t>会沿着</a:t>
+            </a:r>
+            <a:r>
+              <a:rPr lang="en-US" altLang="zh-CN" dirty="0"/>
+              <a:t>DOM</a:t>
+            </a:r>
+            <a:r>
+              <a:rPr lang="zh-CN" altLang="en-US" dirty="0"/>
+              <a:t>树向上传播，在每一个</a:t>
+            </a:r>
+            <a:r>
+              <a:rPr lang="en-US" altLang="zh-CN" dirty="0"/>
+              <a:t>DOM</a:t>
+            </a:r>
+            <a:r>
+              <a:rPr lang="zh-CN" altLang="en-US" dirty="0"/>
+              <a:t>节点上都会发生，一直传播到</a:t>
             </a:r>
             <a:r>
               <a:rPr lang="en-US" altLang="zh-CN" dirty="0" smtClean="0"/>
-              <a:t>AJAX</a:t>
+              <a:t>document</a:t>
             </a:r>
             <a:r>
               <a:rPr lang="zh-CN" altLang="en-US" dirty="0" smtClean="0"/>
-              <a:t>请求的</a:t>
-            </a:r>
-            <a:r>
-              <a:rPr lang="en-US" altLang="zh-CN" dirty="0" err="1" smtClean="0"/>
-              <a:t>url</a:t>
-            </a:r>
+              <a:t>，上例对象</a:t>
+            </a:r>
+            <a:r>
+              <a:rPr lang="zh-CN" altLang="en-US" dirty="0"/>
+              <a:t>事件传播方向：</a:t>
+            </a:r>
+            <a:r>
+              <a:rPr lang="en-US" altLang="zh-CN" dirty="0"/>
+              <a:t>&lt;button&gt;→&lt;body&gt;→&lt;html&gt;→&lt;document</a:t>
+            </a:r>
+            <a:r>
+              <a:rPr lang="en-US" altLang="zh-CN" dirty="0" smtClean="0"/>
+              <a:t>&gt;</a:t>
+            </a:r>
+          </a:p>
+          <a:p>
             <a:r>
               <a:rPr lang="zh-CN" altLang="en-US" dirty="0" smtClean="0"/>
-              <a:t>的</a:t>
-            </a:r>
-            <a:r>
-              <a:rPr lang="en-US" altLang="zh-CN" dirty="0" err="1" smtClean="0"/>
-              <a:t>ip</a:t>
-            </a:r>
-            <a:r>
-              <a:rPr lang="zh-CN" altLang="en-US" dirty="0" smtClean="0"/>
-              <a:t>和端口与请求页面的</a:t>
-            </a:r>
-            <a:r>
-              <a:rPr lang="en-US" altLang="zh-CN" dirty="0" err="1" smtClean="0"/>
-              <a:t>ip</a:t>
-            </a:r>
-            <a:r>
-              <a:rPr lang="zh-CN" altLang="en-US" dirty="0" smtClean="0"/>
-              <a:t>和端口不一致时，就会存在跨域问题</a:t>
+              <a:t>阻止事件冒泡</a:t>
             </a:r>
             <a:endParaRPr lang="en-US" altLang="zh-CN" dirty="0" smtClean="0"/>
           </a:p>
           <a:p>
-            <a:pPr fontAlgn="t"/>
-            <a:r>
-              <a:rPr lang="zh-CN" altLang="en-US" dirty="0" smtClean="0"/>
-              <a:t>部分浏览器可以访问跨域请求，但是浏览器存在于客户端，切数量众多，所以一般不采用该方法</a:t>
-            </a:r>
-            <a:endParaRPr lang="en-US" altLang="zh-CN" dirty="0" smtClean="0"/>
-          </a:p>
-          <a:p>
-            <a:pPr fontAlgn="t"/>
-            <a:r>
-              <a:rPr lang="zh-CN" altLang="en-US" dirty="0" smtClean="0"/>
-              <a:t>需要</a:t>
-            </a:r>
-            <a:r>
-              <a:rPr lang="zh-CN" altLang="en-US" dirty="0" smtClean="0"/>
-              <a:t>服务端返回</a:t>
-            </a:r>
-            <a:r>
-              <a:rPr lang="en-US" altLang="zh-CN" sz="3200" b="1" dirty="0"/>
-              <a:t>Access-Control-Allow-Origin</a:t>
-            </a:r>
-            <a:r>
-              <a:rPr lang="en-US" altLang="zh-CN" sz="3200" b="1" dirty="0" smtClean="0"/>
-              <a:t>:</a:t>
-            </a:r>
-            <a:r>
-              <a:rPr lang="en-US" altLang="zh-CN" sz="3200" dirty="0" smtClean="0"/>
-              <a:t>*</a:t>
-            </a:r>
-            <a:r>
-              <a:rPr lang="zh-CN" altLang="en-US" dirty="0"/>
-              <a:t>等</a:t>
-            </a:r>
-            <a:r>
-              <a:rPr lang="zh-CN" altLang="en-US" dirty="0" smtClean="0"/>
-              <a:t>参数浏览器才会获得正确的请求返回</a:t>
-            </a:r>
-            <a:endParaRPr lang="en-US" altLang="zh-CN" dirty="0"/>
-          </a:p>
-          <a:p>
-            <a:endParaRPr lang="en-US" altLang="zh-CN" dirty="0" smtClean="0"/>
-          </a:p>
-          <a:p>
+            <a:pPr marL="0" indent="0">
+              <a:buNone/>
+            </a:pPr>
+            <a:r>
+              <a:rPr lang="zh-CN" altLang="en-US" b="1" dirty="0"/>
+              <a:t>方式一：</a:t>
+            </a:r>
+            <a:r>
+              <a:rPr lang="en-US" altLang="zh-CN" b="1" dirty="0" err="1"/>
+              <a:t>event.stopPropagation</a:t>
+            </a:r>
+            <a:r>
+              <a:rPr lang="en-US" altLang="zh-CN" b="1" dirty="0" smtClean="0"/>
+              <a:t>();</a:t>
+            </a:r>
+          </a:p>
+          <a:p>
+            <a:pPr marL="0" indent="0">
+              <a:buNone/>
+            </a:pPr>
+            <a:r>
+              <a:rPr lang="zh-CN" altLang="en-US" b="1" dirty="0"/>
+              <a:t>方式二：</a:t>
+            </a:r>
+            <a:r>
+              <a:rPr lang="en-US" altLang="zh-CN" b="1" dirty="0"/>
+              <a:t>return false;</a:t>
+            </a:r>
             <a:endParaRPr lang="zh-CN" altLang="en-US" dirty="0"/>
           </a:p>
         </p:txBody>
@@ -10621,7 +10989,7 @@
     </p:spTree>
     <p:extLst>
       <p:ext uri="{BB962C8B-B14F-4D97-AF65-F5344CB8AC3E}">
-        <p14:creationId xmlns:p14="http://schemas.microsoft.com/office/powerpoint/2010/main" val="3906000011"/>
+        <p14:creationId xmlns:p14="http://schemas.microsoft.com/office/powerpoint/2010/main" val="573899097"/>
       </p:ext>
     </p:extLst>
   </p:cSld>
@@ -10667,20 +11035,8 @@
           <a:lstStyle/>
           <a:p>
             <a:r>
-              <a:rPr lang="en-US" altLang="zh-CN" dirty="0" smtClean="0"/>
-              <a:t>jQuery</a:t>
-            </a:r>
-            <a:r>
-              <a:rPr lang="zh-CN" altLang="en-US" dirty="0" smtClean="0"/>
-              <a:t>与</a:t>
-            </a:r>
-            <a:r>
-              <a:rPr lang="en-US" altLang="zh-CN" dirty="0" err="1" smtClean="0"/>
-              <a:t>javascript</a:t>
-            </a:r>
-            <a:r>
-              <a:rPr lang="zh-CN" altLang="en-US" dirty="0" smtClean="0"/>
-              <a:t>对象转换</a:t>
+              <a:rPr lang="en-US" altLang="zh-CN" dirty="0"/>
+              <a:t>AJAX</a:t>
             </a:r>
             <a:endParaRPr lang="zh-CN" altLang="en-US" dirty="0"/>
           </a:p>
@@ -10698,17 +11054,141 @@
         </p:nvSpPr>
         <p:spPr/>
         <p:txBody>
-          <a:bodyPr/>
+          <a:bodyPr>
+            <a:normAutofit fontScale="85000" lnSpcReduction="20000"/>
+          </a:bodyPr>
           <a:lstStyle/>
           <a:p>
-            <a:endParaRPr lang="zh-CN" altLang="en-US" dirty="0"/>
+            <a:r>
+              <a:rPr lang="en-US" altLang="zh-CN" dirty="0"/>
+              <a:t>AJAX </a:t>
+            </a:r>
+            <a:r>
+              <a:rPr lang="zh-CN" altLang="en-US" dirty="0"/>
+              <a:t>是一种与服务器交换数据的</a:t>
+            </a:r>
+            <a:r>
+              <a:rPr lang="zh-CN" altLang="en-US" dirty="0" smtClean="0"/>
+              <a:t>技术，后台写好服务，前端访问</a:t>
+            </a:r>
+            <a:r>
+              <a:rPr lang="zh-CN" altLang="en-US" dirty="0" smtClean="0"/>
+              <a:t>服务</a:t>
+            </a:r>
+            <a:endParaRPr lang="en-US" altLang="zh-CN" dirty="0" smtClean="0"/>
+          </a:p>
+          <a:p>
+            <a:pPr marL="0" indent="0">
+              <a:buNone/>
+            </a:pPr>
+            <a:r>
+              <a:rPr lang="en-US" altLang="zh-CN" dirty="0" smtClean="0"/>
+              <a:t>$.get(</a:t>
+            </a:r>
+            <a:r>
+              <a:rPr lang="en-US" altLang="zh-CN" dirty="0" err="1" smtClean="0"/>
+              <a:t>url</a:t>
+            </a:r>
+            <a:r>
+              <a:rPr lang="en-US" altLang="zh-CN" dirty="0" smtClean="0"/>
+              <a:t>)</a:t>
+            </a:r>
+          </a:p>
+          <a:p>
+            <a:pPr marL="0" indent="0">
+              <a:buNone/>
+            </a:pPr>
+            <a:r>
+              <a:rPr lang="en-US" altLang="zh-CN" dirty="0" smtClean="0"/>
+              <a:t>  .done(function (response) {}) 	// </a:t>
+            </a:r>
+            <a:r>
+              <a:rPr lang="zh-CN" altLang="en-US" dirty="0" smtClean="0"/>
+              <a:t>请求正常后调用</a:t>
+            </a:r>
+            <a:endParaRPr lang="en-US" altLang="zh-CN" dirty="0" smtClean="0"/>
+          </a:p>
+          <a:p>
+            <a:pPr marL="0" indent="0">
+              <a:buNone/>
+            </a:pPr>
+            <a:r>
+              <a:rPr lang="en-US" altLang="zh-CN" dirty="0" smtClean="0"/>
+              <a:t>  .fail(function (error) { }) 	// </a:t>
+            </a:r>
+            <a:r>
+              <a:rPr lang="zh-CN" altLang="en-US" dirty="0" smtClean="0"/>
+              <a:t>请求失败后调用</a:t>
+            </a:r>
+            <a:endParaRPr lang="en-US" altLang="zh-CN" dirty="0" smtClean="0"/>
+          </a:p>
+          <a:p>
+            <a:pPr marL="0" indent="0">
+              <a:buNone/>
+            </a:pPr>
+            <a:r>
+              <a:rPr lang="en-US" altLang="zh-CN" dirty="0" smtClean="0"/>
+              <a:t>  .always(function (</a:t>
+            </a:r>
+            <a:r>
+              <a:rPr lang="en-US" altLang="zh-CN" dirty="0"/>
+              <a:t>response</a:t>
+            </a:r>
+            <a:r>
+              <a:rPr lang="en-US" altLang="zh-CN" dirty="0" smtClean="0"/>
+              <a:t>) { });	// </a:t>
+            </a:r>
+            <a:r>
+              <a:rPr lang="zh-CN" altLang="en-US" dirty="0" smtClean="0"/>
+              <a:t>请求后调用</a:t>
+            </a:r>
+            <a:endParaRPr lang="en-US" altLang="zh-CN" dirty="0" smtClean="0"/>
+          </a:p>
+          <a:p>
+            <a:pPr marL="0" indent="0">
+              <a:buNone/>
+            </a:pPr>
+            <a:endParaRPr lang="en-US" altLang="zh-CN" dirty="0"/>
+          </a:p>
+          <a:p>
+            <a:pPr marL="0" indent="0">
+              <a:buNone/>
+            </a:pPr>
+            <a:r>
+              <a:rPr lang="en-US" altLang="zh-CN" dirty="0"/>
+              <a:t>$.</a:t>
+            </a:r>
+            <a:r>
+              <a:rPr lang="en-US" altLang="zh-CN" dirty="0" smtClean="0"/>
+              <a:t>post(</a:t>
+            </a:r>
+            <a:r>
+              <a:rPr lang="en-US" altLang="zh-CN" dirty="0" err="1" smtClean="0"/>
+              <a:t>url</a:t>
+            </a:r>
+            <a:r>
+              <a:rPr lang="en-US" altLang="zh-CN" dirty="0" smtClean="0"/>
+              <a:t>, </a:t>
+            </a:r>
+            <a:r>
+              <a:rPr lang="en-US" altLang="zh-CN" dirty="0"/>
+              <a:t>data).done(function </a:t>
+            </a:r>
+            <a:r>
+              <a:rPr lang="en-US" altLang="zh-CN" dirty="0" smtClean="0"/>
+              <a:t>(response) {});</a:t>
+            </a:r>
+            <a:endParaRPr lang="en-US" altLang="zh-CN" dirty="0"/>
+          </a:p>
+          <a:p>
+            <a:endParaRPr lang="en-US" altLang="zh-CN" dirty="0" smtClean="0"/>
           </a:p>
         </p:txBody>
       </p:sp>
     </p:spTree>
     <p:extLst>
       <p:ext uri="{BB962C8B-B14F-4D97-AF65-F5344CB8AC3E}">
-        <p14:creationId xmlns:p14="http://schemas.microsoft.com/office/powerpoint/2010/main" val="2494425256"/>
+        <p14:creationId xmlns:p14="http://schemas.microsoft.com/office/powerpoint/2010/main" val="672275861"/>
       </p:ext>
     </p:extLst>
   </p:cSld>
@@ -10753,7 +11233,15 @@
           <a:bodyPr/>
           <a:lstStyle/>
           <a:p>
-            <a:endParaRPr lang="zh-CN" altLang="en-US"/>
+            <a:r>
+              <a:rPr lang="en-US" altLang="zh-CN" dirty="0" smtClean="0"/>
+              <a:t>AJAX</a:t>
+            </a:r>
+            <a:r>
+              <a:rPr lang="zh-CN" altLang="en-US" dirty="0" smtClean="0"/>
+              <a:t>跨域问题</a:t>
+            </a:r>
+            <a:endParaRPr lang="zh-CN" altLang="en-US" dirty="0"/>
           </a:p>
         </p:txBody>
       </p:sp>
@@ -10769,17 +11257,113 @@
         </p:nvSpPr>
         <p:spPr/>
         <p:txBody>
-          <a:bodyPr/>
+          <a:bodyPr>
+            <a:normAutofit lnSpcReduction="10000"/>
+          </a:bodyPr>
           <a:lstStyle/>
           <a:p>
-            <a:endParaRPr lang="zh-CN" altLang="en-US"/>
+            <a:r>
+              <a:rPr lang="zh-CN" altLang="en-US" dirty="0" smtClean="0"/>
+              <a:t>当</a:t>
+            </a:r>
+            <a:r>
+              <a:rPr lang="en-US" altLang="zh-CN" dirty="0" smtClean="0"/>
+              <a:t>AJAX</a:t>
+            </a:r>
+            <a:r>
+              <a:rPr lang="zh-CN" altLang="en-US" dirty="0" smtClean="0"/>
+              <a:t>请求的</a:t>
+            </a:r>
+            <a:r>
+              <a:rPr lang="en-US" altLang="zh-CN" dirty="0" err="1" smtClean="0"/>
+              <a:t>url</a:t>
+            </a:r>
+            <a:r>
+              <a:rPr lang="zh-CN" altLang="en-US" dirty="0" smtClean="0"/>
+              <a:t>的</a:t>
+            </a:r>
+            <a:r>
+              <a:rPr lang="en-US" altLang="zh-CN" dirty="0" err="1" smtClean="0"/>
+              <a:t>ip</a:t>
+            </a:r>
+            <a:r>
+              <a:rPr lang="zh-CN" altLang="en-US" dirty="0" smtClean="0"/>
+              <a:t>和端口与请求页面的</a:t>
+            </a:r>
+            <a:r>
+              <a:rPr lang="en-US" altLang="zh-CN" dirty="0" err="1" smtClean="0"/>
+              <a:t>ip</a:t>
+            </a:r>
+            <a:r>
+              <a:rPr lang="zh-CN" altLang="en-US" dirty="0" smtClean="0"/>
+              <a:t>和端口不一致时，就会存在跨域问题</a:t>
+            </a:r>
+            <a:endParaRPr lang="en-US" altLang="zh-CN" dirty="0" smtClean="0"/>
+          </a:p>
+          <a:p>
+            <a:pPr fontAlgn="t"/>
+            <a:r>
+              <a:rPr lang="zh-CN" altLang="en-US" dirty="0" smtClean="0"/>
+              <a:t>部分浏览器可以访问跨域请求，但是浏览器存在于客户端</a:t>
+            </a:r>
+            <a:r>
+              <a:rPr lang="zh-CN" altLang="en-US" dirty="0" smtClean="0"/>
+              <a:t>，且数量</a:t>
+            </a:r>
+            <a:r>
+              <a:rPr lang="zh-CN" altLang="en-US" dirty="0" smtClean="0"/>
+              <a:t>众多，所以一般</a:t>
+            </a:r>
+            <a:r>
+              <a:rPr lang="zh-CN" altLang="en-US" dirty="0" smtClean="0"/>
+              <a:t>不会采用</a:t>
+            </a:r>
+            <a:r>
+              <a:rPr lang="zh-CN" altLang="en-US" dirty="0" smtClean="0"/>
+              <a:t>该方法</a:t>
+            </a:r>
+            <a:endParaRPr lang="en-US" altLang="zh-CN" dirty="0" smtClean="0"/>
+          </a:p>
+          <a:p>
+            <a:pPr fontAlgn="t"/>
+            <a:r>
+              <a:rPr lang="zh-CN" altLang="en-US" dirty="0" smtClean="0"/>
+              <a:t>需要服务端返回</a:t>
+            </a:r>
+            <a:r>
+              <a:rPr lang="en-US" altLang="zh-CN" sz="3200" b="1" dirty="0"/>
+              <a:t>Access-Control-Allow-Origin</a:t>
+            </a:r>
+            <a:r>
+              <a:rPr lang="en-US" altLang="zh-CN" sz="3200" b="1" dirty="0" smtClean="0"/>
+              <a:t>:</a:t>
+            </a:r>
+            <a:r>
+              <a:rPr lang="en-US" altLang="zh-CN" sz="3200" dirty="0" smtClean="0"/>
+              <a:t>*</a:t>
+            </a:r>
+            <a:r>
+              <a:rPr lang="zh-CN" altLang="en-US" dirty="0"/>
+              <a:t>等</a:t>
+            </a:r>
+            <a:r>
+              <a:rPr lang="zh-CN" altLang="en-US" dirty="0" smtClean="0"/>
+              <a:t>参数浏览器才会获得正确的请求返回</a:t>
+            </a:r>
+            <a:endParaRPr lang="en-US" altLang="zh-CN" dirty="0"/>
+          </a:p>
+          <a:p>
+            <a:endParaRPr lang="en-US" altLang="zh-CN" dirty="0" smtClean="0"/>
+          </a:p>
+          <a:p>
+            <a:endParaRPr lang="zh-CN" altLang="en-US" dirty="0"/>
           </a:p>
         </p:txBody>
       </p:sp>
     </p:spTree>
     <p:extLst>
       <p:ext uri="{BB962C8B-B14F-4D97-AF65-F5344CB8AC3E}">
-        <p14:creationId xmlns:p14="http://schemas.microsoft.com/office/powerpoint/2010/main" val="2655189716"/>
+        <p14:creationId xmlns:p14="http://schemas.microsoft.com/office/powerpoint/2010/main" val="3906000011"/>
       </p:ext>
     </p:extLst>
   </p:cSld>

--- a/JS/jQuery.pptx
+++ b/JS/jQuery.pptx
@@ -5,7 +5,7 @@
     <p:sldMasterId id="2147483648" r:id="rId1"/>
   </p:sldMasterIdLst>
   <p:notesMasterIdLst>
-    <p:notesMasterId r:id="rId31"/>
+    <p:notesMasterId r:id="rId32"/>
   </p:notesMasterIdLst>
   <p:sldIdLst>
     <p:sldId id="256" r:id="rId2"/>
@@ -31,12 +31,13 @@
     <p:sldId id="461" r:id="rId22"/>
     <p:sldId id="449" r:id="rId23"/>
     <p:sldId id="450" r:id="rId24"/>
-    <p:sldId id="451" r:id="rId25"/>
-    <p:sldId id="453" r:id="rId26"/>
-    <p:sldId id="452" r:id="rId27"/>
-    <p:sldId id="454" r:id="rId28"/>
-    <p:sldId id="460" r:id="rId29"/>
-    <p:sldId id="280" r:id="rId30"/>
+    <p:sldId id="463" r:id="rId25"/>
+    <p:sldId id="451" r:id="rId26"/>
+    <p:sldId id="453" r:id="rId27"/>
+    <p:sldId id="452" r:id="rId28"/>
+    <p:sldId id="454" r:id="rId29"/>
+    <p:sldId id="460" r:id="rId30"/>
+    <p:sldId id="280" r:id="rId31"/>
   </p:sldIdLst>
   <p:sldSz cx="12192000" cy="6858000"/>
   <p:notesSz cx="6858000" cy="9144000"/>
@@ -225,7 +226,7 @@
           <a:p>
             <a:fld id="{94EA9A77-0CE4-4E25-84E3-55E75407559E}" type="datetimeFigureOut">
               <a:rPr lang="zh-CN" altLang="en-US" smtClean="0"/>
-              <a:t>2018/4/16</a:t>
+              <a:t>2018/4/18</a:t>
             </a:fld>
             <a:endParaRPr lang="zh-CN" altLang="en-US"/>
           </a:p>
@@ -888,7 +889,7 @@
           <a:p>
             <a:fld id="{A94A5677-1990-4DEF-94A6-269AB3DAB6C5}" type="datetimeFigureOut">
               <a:rPr lang="zh-CN" altLang="en-US" smtClean="0"/>
-              <a:t>2018/4/16</a:t>
+              <a:t>2018/4/18</a:t>
             </a:fld>
             <a:endParaRPr lang="zh-CN" altLang="en-US"/>
           </a:p>
@@ -7274,7 +7275,6 @@
               <a:rPr lang="zh-CN" altLang="en-US" sz="2000" dirty="0"/>
               <a:t>小驼峰式命名法</a:t>
             </a:r>
-            <a:endParaRPr lang="zh-CN" altLang="en-US" sz="2000" dirty="0"/>
           </a:p>
         </p:txBody>
       </p:sp>
@@ -8612,11 +8612,7 @@
             </a:r>
             <a:r>
               <a:rPr lang="zh-CN" altLang="en-US" dirty="0" smtClean="0"/>
-              <a:t>对象</a:t>
-            </a:r>
-            <a:r>
-              <a:rPr lang="zh-CN" altLang="en-US" dirty="0" smtClean="0"/>
-              <a:t>转换</a:t>
+              <a:t>对象转换</a:t>
             </a:r>
             <a:endParaRPr lang="zh-CN" altLang="en-US" dirty="0"/>
           </a:p>
@@ -10433,36 +10429,223 @@
           <a:p>
             <a:r>
               <a:rPr lang="zh-CN" altLang="en-US" dirty="0" smtClean="0"/>
-              <a:t>选择器</a:t>
+              <a:t>选择</a:t>
+            </a:r>
+            <a:r>
+              <a:rPr lang="zh-CN" altLang="en-US" dirty="0" smtClean="0"/>
+              <a:t>器</a:t>
             </a:r>
             <a:endParaRPr lang="zh-CN" altLang="en-US" dirty="0"/>
           </a:p>
         </p:txBody>
       </p:sp>
-      <p:pic>
-        <p:nvPicPr>
-          <p:cNvPr id="4" name="图片 3"/>
-          <p:cNvPicPr>
-            <a:picLocks noChangeAspect="1"/>
-          </p:cNvPicPr>
-          <p:nvPr/>
-        </p:nvPicPr>
-        <p:blipFill>
-          <a:blip r:embed="rId2"/>
-          <a:stretch>
-            <a:fillRect/>
-          </a:stretch>
-        </p:blipFill>
-        <p:spPr>
-          <a:xfrm>
-            <a:off x="929681" y="1430446"/>
-            <a:ext cx="10598109" cy="4689515"/>
-          </a:xfrm>
-          <a:prstGeom prst="rect">
-            <a:avLst/>
-          </a:prstGeom>
-        </p:spPr>
-      </p:pic>
+      <p:sp>
+        <p:nvSpPr>
+          <p:cNvPr id="3" name="副标题 2"/>
+          <p:cNvSpPr>
+            <a:spLocks noGrp="1"/>
+          </p:cNvSpPr>
+          <p:nvPr>
+            <p:ph type="subTitle" idx="1"/>
+          </p:nvPr>
+        </p:nvSpPr>
+        <p:spPr/>
+        <p:txBody>
+          <a:bodyPr>
+            <a:normAutofit fontScale="92500" lnSpcReduction="10000"/>
+          </a:bodyPr>
+          <a:lstStyle/>
+          <a:p>
+            <a:r>
+              <a:rPr lang="zh-CN" altLang="en-US" b="1" dirty="0"/>
+              <a:t>基本选择</a:t>
+            </a:r>
+            <a:r>
+              <a:rPr lang="zh-CN" altLang="en-US" b="1" dirty="0" smtClean="0"/>
+              <a:t>器</a:t>
+            </a:r>
+            <a:endParaRPr lang="en-US" altLang="zh-CN" dirty="0" smtClean="0"/>
+          </a:p>
+          <a:p>
+            <a:pPr marL="0" indent="0">
+              <a:buNone/>
+            </a:pPr>
+            <a:r>
+              <a:rPr lang="en-US" altLang="zh-CN" sz="1800" dirty="0" smtClean="0"/>
+              <a:t>$("#</a:t>
+            </a:r>
+            <a:r>
+              <a:rPr lang="en-US" altLang="zh-CN" sz="1800" dirty="0"/>
+              <a:t>id")            //ID</a:t>
+            </a:r>
+            <a:r>
+              <a:rPr lang="zh-CN" altLang="en-US" sz="1800" dirty="0"/>
+              <a:t>选择器</a:t>
+            </a:r>
+          </a:p>
+          <a:p>
+            <a:pPr marL="0" indent="0">
+              <a:buNone/>
+            </a:pPr>
+            <a:r>
+              <a:rPr lang="en-US" altLang="zh-CN" sz="1800" dirty="0"/>
+              <a:t>$("div")            //</a:t>
+            </a:r>
+            <a:r>
+              <a:rPr lang="zh-CN" altLang="en-US" sz="1800" dirty="0"/>
+              <a:t>元素选择器</a:t>
+            </a:r>
+          </a:p>
+          <a:p>
+            <a:pPr marL="0" indent="0">
+              <a:buNone/>
+            </a:pPr>
+            <a:r>
+              <a:rPr lang="en-US" altLang="zh-CN" sz="1800" dirty="0"/>
+              <a:t>$(".</a:t>
+            </a:r>
+            <a:r>
+              <a:rPr lang="en-US" altLang="zh-CN" sz="1800" dirty="0" err="1"/>
+              <a:t>classname</a:t>
+            </a:r>
+            <a:r>
+              <a:rPr lang="en-US" altLang="zh-CN" sz="1800" dirty="0"/>
+              <a:t>")     //</a:t>
+            </a:r>
+            <a:r>
+              <a:rPr lang="zh-CN" altLang="en-US" sz="1800" dirty="0"/>
+              <a:t>类选择器</a:t>
+            </a:r>
+          </a:p>
+          <a:p>
+            <a:pPr marL="0" indent="0">
+              <a:buNone/>
+            </a:pPr>
+            <a:r>
+              <a:rPr lang="en-US" altLang="zh-CN" sz="1800" dirty="0"/>
+              <a:t>$(".</a:t>
+            </a:r>
+            <a:r>
+              <a:rPr lang="en-US" altLang="zh-CN" sz="1800" dirty="0" smtClean="0"/>
+              <a:t>classname</a:t>
+            </a:r>
+            <a:r>
+              <a:rPr lang="en-US" altLang="zh-CN" sz="1800" dirty="0"/>
+              <a:t>,.classname1,#id1")     //</a:t>
+            </a:r>
+            <a:r>
+              <a:rPr lang="zh-CN" altLang="en-US" sz="1800" dirty="0"/>
+              <a:t>组合选择</a:t>
+            </a:r>
+            <a:r>
+              <a:rPr lang="zh-CN" altLang="en-US" sz="1800" dirty="0" smtClean="0"/>
+              <a:t>器</a:t>
+            </a:r>
+            <a:endParaRPr lang="en-US" altLang="zh-CN" sz="1800" dirty="0" smtClean="0"/>
+          </a:p>
+          <a:p>
+            <a:r>
+              <a:rPr lang="zh-CN" altLang="en-US" b="1" dirty="0"/>
+              <a:t>层次选择</a:t>
+            </a:r>
+            <a:r>
+              <a:rPr lang="zh-CN" altLang="en-US" b="1" dirty="0" smtClean="0"/>
+              <a:t>器</a:t>
+            </a:r>
+            <a:endParaRPr lang="en-US" altLang="zh-CN" b="1" dirty="0" smtClean="0"/>
+          </a:p>
+          <a:p>
+            <a:pPr marL="0" indent="0">
+              <a:buNone/>
+            </a:pPr>
+            <a:r>
+              <a:rPr lang="en-US" altLang="zh-CN" sz="1800" dirty="0"/>
+              <a:t>$("#id&gt;.</a:t>
+            </a:r>
+            <a:r>
+              <a:rPr lang="en-US" altLang="zh-CN" sz="1800" dirty="0" err="1"/>
+              <a:t>classname</a:t>
+            </a:r>
+            <a:r>
+              <a:rPr lang="en-US" altLang="zh-CN" sz="1800" dirty="0"/>
+              <a:t> ")    //</a:t>
+            </a:r>
+            <a:r>
+              <a:rPr lang="zh-CN" altLang="en-US" sz="1800" dirty="0"/>
+              <a:t>子元素选择器</a:t>
+            </a:r>
+          </a:p>
+          <a:p>
+            <a:pPr marL="0" indent="0">
+              <a:buNone/>
+            </a:pPr>
+            <a:r>
+              <a:rPr lang="en-US" altLang="zh-CN" sz="1800" dirty="0"/>
+              <a:t>$("#id .</a:t>
+            </a:r>
+            <a:r>
+              <a:rPr lang="en-US" altLang="zh-CN" sz="1800" dirty="0" err="1"/>
+              <a:t>classname</a:t>
+            </a:r>
+            <a:r>
+              <a:rPr lang="en-US" altLang="zh-CN" sz="1800" dirty="0"/>
+              <a:t> ")    //</a:t>
+            </a:r>
+            <a:r>
+              <a:rPr lang="zh-CN" altLang="en-US" sz="1800" dirty="0"/>
+              <a:t>后代元素选择器</a:t>
+            </a:r>
+          </a:p>
+          <a:p>
+            <a:pPr marL="0" indent="0">
+              <a:buNone/>
+            </a:pPr>
+            <a:r>
+              <a:rPr lang="en-US" altLang="zh-CN" sz="1800" dirty="0"/>
+              <a:t>$("#id + .</a:t>
+            </a:r>
+            <a:r>
+              <a:rPr lang="en-US" altLang="zh-CN" sz="1800" dirty="0" err="1"/>
+              <a:t>classname</a:t>
+            </a:r>
+            <a:r>
+              <a:rPr lang="en-US" altLang="zh-CN" sz="1800" dirty="0"/>
+              <a:t> ")    //</a:t>
+            </a:r>
+            <a:r>
+              <a:rPr lang="zh-CN" altLang="en-US" sz="1800" dirty="0"/>
+              <a:t>紧邻下一个元素选择器</a:t>
+            </a:r>
+          </a:p>
+          <a:p>
+            <a:pPr marL="0" indent="0">
+              <a:buNone/>
+            </a:pPr>
+            <a:r>
+              <a:rPr lang="en-US" altLang="zh-CN" sz="1800" dirty="0"/>
+              <a:t>$("#id ~ .</a:t>
+            </a:r>
+            <a:r>
+              <a:rPr lang="en-US" altLang="zh-CN" sz="1800" dirty="0" err="1"/>
+              <a:t>classname</a:t>
+            </a:r>
+            <a:r>
+              <a:rPr lang="en-US" altLang="zh-CN" sz="1800" dirty="0"/>
+              <a:t> ")    //</a:t>
+            </a:r>
+            <a:r>
+              <a:rPr lang="zh-CN" altLang="en-US" sz="1800" dirty="0"/>
+              <a:t>兄弟元素选择器</a:t>
+            </a:r>
+          </a:p>
+          <a:p>
+            <a:endParaRPr lang="en-US" altLang="zh-CN" sz="1800" dirty="0"/>
+          </a:p>
+          <a:p>
+            <a:endParaRPr lang="zh-CN" altLang="en-US" sz="1800" dirty="0"/>
+          </a:p>
+        </p:txBody>
+      </p:sp>
     </p:spTree>
     <p:extLst>
       <p:ext uri="{BB962C8B-B14F-4D97-AF65-F5344CB8AC3E}">
@@ -10498,32 +10681,6 @@
       </p:grpSpPr>
       <p:sp>
         <p:nvSpPr>
-          <p:cNvPr id="2" name="标题 1"/>
-          <p:cNvSpPr>
-            <a:spLocks noGrp="1"/>
-          </p:cNvSpPr>
-          <p:nvPr>
-            <p:ph type="ctrTitle"/>
-          </p:nvPr>
-        </p:nvSpPr>
-        <p:spPr/>
-        <p:txBody>
-          <a:bodyPr/>
-          <a:lstStyle/>
-          <a:p>
-            <a:r>
-              <a:rPr lang="zh-CN" altLang="en-US" dirty="0" smtClean="0"/>
-              <a:t>事件</a:t>
-            </a:r>
-            <a:r>
-              <a:rPr lang="zh-CN" altLang="en-US" dirty="0"/>
-              <a:t>绑定</a:t>
-            </a:r>
-          </a:p>
-        </p:txBody>
-      </p:sp>
-      <p:sp>
-        <p:nvSpPr>
           <p:cNvPr id="3" name="副标题 2"/>
           <p:cNvSpPr>
             <a:spLocks noGrp="1"/>
@@ -10532,20 +10689,21 @@
             <p:ph type="subTitle" idx="1"/>
           </p:nvPr>
         </p:nvSpPr>
-        <p:spPr/>
+        <p:spPr>
+          <a:xfrm>
+            <a:off x="760490" y="561315"/>
+            <a:ext cx="10767299" cy="5927115"/>
+          </a:xfrm>
+        </p:spPr>
         <p:txBody>
           <a:bodyPr>
-            <a:normAutofit fontScale="92500" lnSpcReduction="20000"/>
+            <a:normAutofit/>
           </a:bodyPr>
           <a:lstStyle/>
           <a:p>
             <a:r>
-              <a:rPr lang="en-US" altLang="zh-CN" b="1" dirty="0"/>
-              <a:t>$(selector</a:t>
-            </a:r>
-            <a:r>
-              <a:rPr lang="en-US" altLang="zh-CN" b="1" dirty="0" smtClean="0"/>
-              <a:t>).click(callback)</a:t>
+              <a:rPr lang="zh-CN" altLang="en-US" b="1" dirty="0"/>
+              <a:t>过滤选择器</a:t>
             </a:r>
           </a:p>
           <a:p>
@@ -10553,44 +10711,230 @@
               <a:buNone/>
             </a:pPr>
             <a:r>
-              <a:rPr lang="zh-CN" altLang="en-US" b="1" dirty="0" smtClean="0"/>
-              <a:t>选中元素点击触发事件，这种绑定方式只适合页面上已存在的</a:t>
-            </a:r>
-            <a:r>
-              <a:rPr lang="zh-CN" altLang="en-US" b="1" dirty="0" smtClean="0"/>
-              <a:t>元素</a:t>
-            </a:r>
-            <a:endParaRPr lang="en-US" altLang="zh-CN" b="1" dirty="0" smtClean="0"/>
-          </a:p>
-          <a:p>
-            <a:r>
-              <a:rPr lang="zh-CN" altLang="en-US" b="1" dirty="0" smtClean="0"/>
-              <a:t>可以绑定的事件</a:t>
-            </a:r>
-            <a:endParaRPr lang="en-US" altLang="zh-CN" b="1" dirty="0"/>
+              <a:rPr lang="en-US" altLang="zh-CN" sz="2100" dirty="0"/>
+              <a:t>$("</a:t>
+            </a:r>
+            <a:r>
+              <a:rPr lang="en-US" altLang="zh-CN" sz="2100" dirty="0" err="1"/>
+              <a:t>li:first</a:t>
+            </a:r>
+            <a:r>
+              <a:rPr lang="en-US" altLang="zh-CN" sz="2100" dirty="0"/>
+              <a:t>")    //</a:t>
+            </a:r>
+            <a:r>
+              <a:rPr lang="zh-CN" altLang="en-US" sz="2100" dirty="0"/>
+              <a:t>第一个</a:t>
+            </a:r>
+            <a:r>
+              <a:rPr lang="en-US" altLang="zh-CN" sz="2100" dirty="0"/>
+              <a:t>li</a:t>
+            </a:r>
           </a:p>
           <a:p>
             <a:pPr marL="0" indent="0">
               <a:buNone/>
             </a:pPr>
             <a:r>
-              <a:rPr lang="en-US" altLang="zh-CN" dirty="0" smtClean="0"/>
-              <a:t>blur,focus,load,resize,scroll,unload,click,dbclick,mousedown,mouseup,mousemove,mouseover,mouseout,mouseenter,mouseleave,change,select,submit,keydown,keypress,keyup,error</a:t>
-            </a:r>
-            <a:endParaRPr lang="en-US" altLang="zh-CN" dirty="0"/>
-          </a:p>
-          <a:p>
-            <a:endParaRPr lang="en-US" altLang="zh-CN" dirty="0" smtClean="0"/>
-          </a:p>
-          <a:p>
-            <a:endParaRPr lang="zh-CN" altLang="en-US" dirty="0"/>
+              <a:rPr lang="en-US" altLang="zh-CN" sz="2100" dirty="0"/>
+              <a:t>$("</a:t>
+            </a:r>
+            <a:r>
+              <a:rPr lang="en-US" altLang="zh-CN" sz="2100" dirty="0" err="1"/>
+              <a:t>li:last</a:t>
+            </a:r>
+            <a:r>
+              <a:rPr lang="en-US" altLang="zh-CN" sz="2100" dirty="0"/>
+              <a:t>")     //</a:t>
+            </a:r>
+            <a:r>
+              <a:rPr lang="zh-CN" altLang="en-US" sz="2100" dirty="0"/>
+              <a:t>最后一个</a:t>
+            </a:r>
+            <a:r>
+              <a:rPr lang="en-US" altLang="zh-CN" sz="2100" dirty="0"/>
+              <a:t>li</a:t>
+            </a:r>
+          </a:p>
+          <a:p>
+            <a:pPr marL="0" indent="0">
+              <a:buNone/>
+            </a:pPr>
+            <a:r>
+              <a:rPr lang="en-US" altLang="zh-CN" sz="2100" dirty="0"/>
+              <a:t>$("</a:t>
+            </a:r>
+            <a:r>
+              <a:rPr lang="en-US" altLang="zh-CN" sz="2100" dirty="0" err="1"/>
+              <a:t>li:even</a:t>
+            </a:r>
+            <a:r>
+              <a:rPr lang="en-US" altLang="zh-CN" sz="2100" dirty="0"/>
+              <a:t>")     //</a:t>
+            </a:r>
+            <a:r>
+              <a:rPr lang="zh-CN" altLang="en-US" sz="2100" dirty="0"/>
+              <a:t>挑选下标为偶数的</a:t>
+            </a:r>
+            <a:r>
+              <a:rPr lang="en-US" altLang="zh-CN" sz="2100" dirty="0"/>
+              <a:t>li</a:t>
+            </a:r>
+          </a:p>
+          <a:p>
+            <a:pPr marL="0" indent="0">
+              <a:buNone/>
+            </a:pPr>
+            <a:r>
+              <a:rPr lang="en-US" altLang="zh-CN" sz="2100" dirty="0"/>
+              <a:t>$("</a:t>
+            </a:r>
+            <a:r>
+              <a:rPr lang="en-US" altLang="zh-CN" sz="2100" dirty="0" err="1"/>
+              <a:t>li:odd</a:t>
+            </a:r>
+            <a:r>
+              <a:rPr lang="en-US" altLang="zh-CN" sz="2100" dirty="0"/>
+              <a:t>")      //</a:t>
+            </a:r>
+            <a:r>
+              <a:rPr lang="zh-CN" altLang="en-US" sz="2100" dirty="0"/>
+              <a:t>挑选下标为奇数的</a:t>
+            </a:r>
+            <a:r>
+              <a:rPr lang="en-US" altLang="zh-CN" sz="2100" dirty="0"/>
+              <a:t>li</a:t>
+            </a:r>
+          </a:p>
+          <a:p>
+            <a:r>
+              <a:rPr lang="zh-CN" altLang="en-US" b="1" dirty="0" smtClean="0"/>
+              <a:t>属性过滤选择器</a:t>
+            </a:r>
+            <a:endParaRPr lang="en-US" altLang="zh-CN" b="1" dirty="0" smtClean="0"/>
+          </a:p>
+          <a:p>
+            <a:pPr marL="0" indent="0">
+              <a:buNone/>
+            </a:pPr>
+            <a:r>
+              <a:rPr lang="en-US" altLang="zh-CN" sz="2100" dirty="0"/>
+              <a:t>$("</a:t>
+            </a:r>
+            <a:r>
+              <a:rPr lang="en-US" altLang="zh-CN" sz="2100" dirty="0"/>
+              <a:t>div[id]")        //</a:t>
+            </a:r>
+            <a:r>
+              <a:rPr lang="zh-CN" altLang="en-US" sz="2100" dirty="0"/>
+              <a:t>所有含有 </a:t>
+            </a:r>
+            <a:r>
+              <a:rPr lang="en-US" altLang="zh-CN" sz="2100" dirty="0"/>
+              <a:t>id </a:t>
+            </a:r>
+            <a:r>
+              <a:rPr lang="zh-CN" altLang="en-US" sz="2100" dirty="0"/>
+              <a:t>属性的 </a:t>
+            </a:r>
+            <a:r>
+              <a:rPr lang="en-US" altLang="zh-CN" sz="2100" dirty="0"/>
+              <a:t>div </a:t>
+            </a:r>
+            <a:r>
+              <a:rPr lang="zh-CN" altLang="en-US" sz="2100" dirty="0"/>
+              <a:t>元素</a:t>
+            </a:r>
+          </a:p>
+          <a:p>
+            <a:pPr marL="0" indent="0">
+              <a:buNone/>
+            </a:pPr>
+            <a:r>
+              <a:rPr lang="en-US" altLang="zh-CN" sz="2100" dirty="0"/>
+              <a:t>$("div[id='123']")        // id</a:t>
+            </a:r>
+            <a:r>
+              <a:rPr lang="zh-CN" altLang="en-US" sz="2100" dirty="0"/>
+              <a:t>属性值为</a:t>
+            </a:r>
+            <a:r>
+              <a:rPr lang="en-US" altLang="zh-CN" sz="2100" dirty="0"/>
+              <a:t>123</a:t>
+            </a:r>
+            <a:r>
+              <a:rPr lang="zh-CN" altLang="en-US" sz="2100" dirty="0"/>
+              <a:t>的</a:t>
+            </a:r>
+            <a:r>
+              <a:rPr lang="en-US" altLang="zh-CN" sz="2100" dirty="0"/>
+              <a:t>div </a:t>
+            </a:r>
+            <a:r>
+              <a:rPr lang="zh-CN" altLang="en-US" sz="2100" dirty="0"/>
+              <a:t>元素</a:t>
+            </a:r>
+          </a:p>
+          <a:p>
+            <a:pPr marL="0" indent="0">
+              <a:buNone/>
+            </a:pPr>
+            <a:r>
+              <a:rPr lang="en-US" altLang="zh-CN" sz="2100" dirty="0"/>
+              <a:t>$("div[id!='123']")        // id</a:t>
+            </a:r>
+            <a:r>
+              <a:rPr lang="zh-CN" altLang="en-US" sz="2100" dirty="0"/>
+              <a:t>属性值不等于</a:t>
+            </a:r>
+            <a:r>
+              <a:rPr lang="en-US" altLang="zh-CN" sz="2100" dirty="0"/>
+              <a:t>123</a:t>
+            </a:r>
+            <a:r>
+              <a:rPr lang="zh-CN" altLang="en-US" sz="2100" dirty="0"/>
+              <a:t>的</a:t>
+            </a:r>
+            <a:r>
+              <a:rPr lang="en-US" altLang="zh-CN" sz="2100" dirty="0"/>
+              <a:t>div </a:t>
+            </a:r>
+            <a:r>
+              <a:rPr lang="zh-CN" altLang="en-US" sz="2100" dirty="0"/>
+              <a:t>元素</a:t>
+            </a:r>
+          </a:p>
+          <a:p>
+            <a:pPr marL="0" indent="0">
+              <a:buNone/>
+            </a:pPr>
+            <a:r>
+              <a:rPr lang="en-US" altLang="zh-CN" sz="2100" dirty="0"/>
+              <a:t>$("</a:t>
+            </a:r>
+            <a:r>
+              <a:rPr lang="en-US" altLang="zh-CN" sz="2100" dirty="0"/>
+              <a:t>input[id][name$='man']") //</a:t>
+            </a:r>
+            <a:r>
+              <a:rPr lang="zh-CN" altLang="en-US" sz="2100" dirty="0"/>
+              <a:t>多属性选过滤，同时满足两个属性的条件的</a:t>
+            </a:r>
+            <a:r>
+              <a:rPr lang="zh-CN" altLang="en-US" sz="2100" dirty="0"/>
+              <a:t>元素</a:t>
+            </a:r>
+            <a:endParaRPr lang="en-US" altLang="zh-CN" sz="2100" dirty="0"/>
+          </a:p>
+          <a:p>
+            <a:endParaRPr lang="zh-CN" altLang="en-US" sz="1800" dirty="0"/>
           </a:p>
         </p:txBody>
       </p:sp>
     </p:spTree>
     <p:extLst>
       <p:ext uri="{BB962C8B-B14F-4D97-AF65-F5344CB8AC3E}">
-        <p14:creationId xmlns:p14="http://schemas.microsoft.com/office/powerpoint/2010/main" val="2887308550"/>
+        <p14:creationId xmlns:p14="http://schemas.microsoft.com/office/powerpoint/2010/main" val="1577310785"/>
       </p:ext>
     </p:extLst>
   </p:cSld>
@@ -10637,9 +10981,12 @@
           <a:p>
             <a:r>
               <a:rPr lang="zh-CN" altLang="en-US" dirty="0" smtClean="0"/>
-              <a:t>事件动态绑定</a:t>
-            </a:r>
-            <a:endParaRPr lang="zh-CN" altLang="en-US" dirty="0"/>
+              <a:t>事件</a:t>
+            </a:r>
+            <a:r>
+              <a:rPr lang="zh-CN" altLang="en-US" dirty="0"/>
+              <a:t>绑定</a:t>
+            </a:r>
           </a:p>
         </p:txBody>
       </p:sp>
@@ -10656,134 +11003,58 @@
         <p:spPr/>
         <p:txBody>
           <a:bodyPr>
-            <a:normAutofit fontScale="77500" lnSpcReduction="20000"/>
+            <a:normAutofit fontScale="92500" lnSpcReduction="20000"/>
           </a:bodyPr>
           <a:lstStyle/>
           <a:p>
             <a:r>
-              <a:rPr lang="en-US" altLang="zh-CN" sz="3200" dirty="0"/>
-              <a:t>$(selector).on(</a:t>
-            </a:r>
-            <a:r>
-              <a:rPr lang="en-US" altLang="zh-CN" sz="3200" dirty="0" err="1"/>
-              <a:t>event,childSelector,data,function</a:t>
-            </a:r>
-            <a:r>
-              <a:rPr lang="en-US" altLang="zh-CN" sz="3200" dirty="0" smtClean="0"/>
-              <a:t>)</a:t>
-            </a:r>
-          </a:p>
-          <a:p>
-            <a:r>
-              <a:rPr lang="en-US" altLang="zh-CN" sz="3200" dirty="0" smtClean="0"/>
-              <a:t>selector  </a:t>
-            </a:r>
-            <a:r>
-              <a:rPr lang="zh-CN" altLang="en-US" sz="3200" dirty="0" smtClean="0"/>
-              <a:t>为当前文档上存在的元素</a:t>
-            </a:r>
-            <a:endParaRPr lang="en-US" altLang="zh-CN" sz="3200" dirty="0" smtClean="0"/>
-          </a:p>
-          <a:p>
-            <a:r>
-              <a:rPr lang="en-US" altLang="zh-CN" sz="3200" dirty="0" smtClean="0"/>
-              <a:t>event</a:t>
-            </a:r>
-            <a:r>
-              <a:rPr lang="en-US" altLang="zh-CN" sz="3200" dirty="0"/>
-              <a:t>	</a:t>
-            </a:r>
-            <a:r>
-              <a:rPr lang="zh-CN" altLang="en-US" sz="3200" dirty="0"/>
-              <a:t>必需。规定要从被选元素移除的一个或多个事件或命名空间</a:t>
-            </a:r>
-            <a:r>
-              <a:rPr lang="zh-CN" altLang="en-US" sz="3200" dirty="0" smtClean="0"/>
-              <a:t>。</a:t>
-            </a:r>
-            <a:endParaRPr lang="zh-CN" altLang="en-US" sz="3200" dirty="0"/>
-          </a:p>
-          <a:p>
-            <a:r>
-              <a:rPr lang="zh-CN" altLang="en-US" sz="3200" dirty="0"/>
-              <a:t>由空格分隔多个事件值，也可以是数组。必须是有效的事件。</a:t>
-            </a:r>
-          </a:p>
-          <a:p>
-            <a:r>
-              <a:rPr lang="en-US" altLang="zh-CN" sz="3200" dirty="0" err="1"/>
-              <a:t>childSelector</a:t>
-            </a:r>
-            <a:r>
-              <a:rPr lang="en-US" altLang="zh-CN" sz="3200" dirty="0"/>
-              <a:t>	</a:t>
-            </a:r>
-            <a:r>
-              <a:rPr lang="zh-CN" altLang="en-US" sz="3200" dirty="0"/>
-              <a:t>可选。规定只能添加到指定的子元素上的事件处理程序（且不是选择器本身，比如已废弃的 </a:t>
-            </a:r>
-            <a:r>
-              <a:rPr lang="en-US" altLang="zh-CN" sz="3200" dirty="0"/>
-              <a:t>delegate() </a:t>
-            </a:r>
-            <a:r>
-              <a:rPr lang="zh-CN" altLang="en-US" sz="3200" dirty="0"/>
-              <a:t>方法）。</a:t>
-            </a:r>
-          </a:p>
-          <a:p>
-            <a:r>
-              <a:rPr lang="en-US" altLang="zh-CN" sz="3200" dirty="0"/>
-              <a:t>data	</a:t>
-            </a:r>
-            <a:r>
-              <a:rPr lang="zh-CN" altLang="en-US" sz="3200" dirty="0"/>
-              <a:t>可选。规定传递到函数的额外数据。</a:t>
-            </a:r>
-          </a:p>
-          <a:p>
-            <a:r>
-              <a:rPr lang="en-US" altLang="zh-CN" sz="3200" dirty="0"/>
-              <a:t>function	</a:t>
-            </a:r>
-            <a:r>
-              <a:rPr lang="zh-CN" altLang="en-US" sz="3200" dirty="0"/>
-              <a:t>可选。规定当事件发生时运行的函数</a:t>
-            </a:r>
-            <a:r>
-              <a:rPr lang="zh-CN" altLang="en-US" sz="3200" dirty="0" smtClean="0"/>
-              <a:t>。</a:t>
-            </a:r>
-            <a:endParaRPr lang="en-US" altLang="zh-CN" sz="3200" dirty="0" smtClean="0"/>
-          </a:p>
-          <a:p>
-            <a:r>
-              <a:rPr lang="zh-CN" altLang="en-US" sz="2800" dirty="0"/>
-              <a:t>如需移除事件处理程序，请使用 </a:t>
-            </a:r>
-            <a:r>
-              <a:rPr lang="en-US" altLang="zh-CN" sz="2800" dirty="0" smtClean="0"/>
-              <a:t>off()</a:t>
-            </a:r>
-            <a:r>
-              <a:rPr lang="zh-CN" altLang="en-US" sz="2800" dirty="0" smtClean="0"/>
-              <a:t>方法</a:t>
-            </a:r>
-            <a:r>
-              <a:rPr lang="zh-CN" altLang="en-US" sz="2800" dirty="0"/>
-              <a:t>。</a:t>
-            </a:r>
-            <a:endParaRPr lang="en-US" altLang="zh-CN" sz="3200" dirty="0" smtClean="0"/>
-          </a:p>
-          <a:p>
-            <a:endParaRPr lang="zh-CN" altLang="en-US" sz="3200" dirty="0"/>
+              <a:rPr lang="en-US" altLang="zh-CN" b="1" dirty="0"/>
+              <a:t>$(selector</a:t>
+            </a:r>
+            <a:r>
+              <a:rPr lang="en-US" altLang="zh-CN" b="1" dirty="0" smtClean="0"/>
+              <a:t>).click(callback)</a:t>
+            </a:r>
+          </a:p>
+          <a:p>
+            <a:pPr marL="0" indent="0">
+              <a:buNone/>
+            </a:pPr>
+            <a:r>
+              <a:rPr lang="zh-CN" altLang="en-US" b="1" dirty="0" smtClean="0"/>
+              <a:t>选中元素点击触发事件，这种绑定方式只适合页面上已存在的元素</a:t>
+            </a:r>
+            <a:endParaRPr lang="en-US" altLang="zh-CN" b="1" dirty="0" smtClean="0"/>
+          </a:p>
+          <a:p>
+            <a:r>
+              <a:rPr lang="zh-CN" altLang="en-US" b="1" dirty="0" smtClean="0"/>
+              <a:t>可以绑定的事件</a:t>
+            </a:r>
+            <a:endParaRPr lang="en-US" altLang="zh-CN" b="1" dirty="0"/>
+          </a:p>
+          <a:p>
+            <a:pPr marL="0" indent="0">
+              <a:buNone/>
+            </a:pPr>
+            <a:r>
+              <a:rPr lang="en-US" altLang="zh-CN" dirty="0" smtClean="0"/>
+              <a:t>blur,focus,load,resize,scroll,unload,click,dbclick,mousedown,mouseup,mousemove,mouseover,mouseout,mouseenter,mouseleave,change,select,submit,keydown,keypress,keyup,error</a:t>
+            </a:r>
+            <a:endParaRPr lang="en-US" altLang="zh-CN" dirty="0"/>
+          </a:p>
+          <a:p>
+            <a:endParaRPr lang="en-US" altLang="zh-CN" dirty="0" smtClean="0"/>
+          </a:p>
+          <a:p>
+            <a:endParaRPr lang="zh-CN" altLang="en-US" dirty="0"/>
           </a:p>
         </p:txBody>
       </p:sp>
     </p:spTree>
     <p:extLst>
       <p:ext uri="{BB962C8B-B14F-4D97-AF65-F5344CB8AC3E}">
-        <p14:creationId xmlns:p14="http://schemas.microsoft.com/office/powerpoint/2010/main" val="4098001620"/>
+        <p14:creationId xmlns:p14="http://schemas.microsoft.com/office/powerpoint/2010/main" val="2887308550"/>
       </p:ext>
     </p:extLst>
   </p:cSld>
@@ -10830,7 +11101,7 @@
           <a:p>
             <a:r>
               <a:rPr lang="zh-CN" altLang="en-US" dirty="0" smtClean="0"/>
-              <a:t>事件冒泡</a:t>
+              <a:t>事件动态绑定</a:t>
             </a:r>
             <a:endParaRPr lang="zh-CN" altLang="en-US" dirty="0"/>
           </a:p>
@@ -10853,143 +11124,130 @@
           </a:bodyPr>
           <a:lstStyle/>
           <a:p>
-            <a:pPr marL="0" indent="0">
-              <a:buNone/>
-            </a:pPr>
-            <a:r>
-              <a:rPr lang="en-US" altLang="zh-CN" sz="2300" b="1" dirty="0"/>
-              <a:t>&lt;body&gt;</a:t>
-            </a:r>
-          </a:p>
-          <a:p>
-            <a:pPr marL="0" indent="0">
-              <a:buNone/>
-            </a:pPr>
-            <a:r>
-              <a:rPr lang="en-US" altLang="zh-CN" sz="2300" b="1" dirty="0"/>
-              <a:t>    &lt;</a:t>
-            </a:r>
-            <a:r>
-              <a:rPr lang="en-US" altLang="zh-CN" sz="2300" b="1" dirty="0" smtClean="0"/>
-              <a:t>button&gt;</a:t>
-            </a:r>
-            <a:r>
-              <a:rPr lang="zh-CN" altLang="en-US" sz="2300" b="1" dirty="0" smtClean="0"/>
-              <a:t>点击</a:t>
-            </a:r>
-            <a:r>
-              <a:rPr lang="zh-CN" altLang="en-US" sz="2300" b="1" dirty="0"/>
-              <a:t>一下</a:t>
-            </a:r>
-            <a:r>
-              <a:rPr lang="en-US" altLang="zh-CN" sz="2300" b="1" dirty="0"/>
-              <a:t>&lt;/button&gt;</a:t>
-            </a:r>
-          </a:p>
-          <a:p>
-            <a:pPr marL="0" indent="0">
-              <a:buNone/>
-            </a:pPr>
-            <a:r>
-              <a:rPr lang="en-US" altLang="zh-CN" sz="2300" b="1" dirty="0"/>
-              <a:t>&lt;/body</a:t>
-            </a:r>
-            <a:r>
-              <a:rPr lang="en-US" altLang="zh-CN" sz="2300" b="1" dirty="0" smtClean="0"/>
-              <a:t>&gt;</a:t>
-            </a:r>
-            <a:endParaRPr lang="en-US" altLang="zh-CN" dirty="0" smtClean="0"/>
-          </a:p>
-          <a:p>
-            <a:r>
-              <a:rPr lang="zh-CN" altLang="en-US" dirty="0" smtClean="0"/>
-              <a:t>事件</a:t>
-            </a:r>
-            <a:r>
-              <a:rPr lang="zh-CN" altLang="en-US" dirty="0"/>
-              <a:t>会沿着</a:t>
-            </a:r>
-            <a:r>
-              <a:rPr lang="en-US" altLang="zh-CN" dirty="0"/>
-              <a:t>DOM</a:t>
-            </a:r>
-            <a:r>
-              <a:rPr lang="zh-CN" altLang="en-US" dirty="0"/>
-              <a:t>树向上传播，在每一个</a:t>
-            </a:r>
-            <a:r>
-              <a:rPr lang="en-US" altLang="zh-CN" dirty="0"/>
-              <a:t>DOM</a:t>
-            </a:r>
-            <a:r>
-              <a:rPr lang="zh-CN" altLang="en-US" dirty="0"/>
-              <a:t>节点上都会发生，一直传播到</a:t>
-            </a:r>
-            <a:r>
-              <a:rPr lang="en-US" altLang="zh-CN" dirty="0" smtClean="0"/>
-              <a:t>document</a:t>
-            </a:r>
-            <a:r>
-              <a:rPr lang="zh-CN" altLang="en-US" dirty="0" smtClean="0"/>
-              <a:t>，上例对象</a:t>
-            </a:r>
-            <a:r>
-              <a:rPr lang="zh-CN" altLang="en-US" dirty="0"/>
-              <a:t>事件传播方向：</a:t>
-            </a:r>
-            <a:r>
-              <a:rPr lang="en-US" altLang="zh-CN" dirty="0"/>
-              <a:t>&lt;button&gt;→&lt;body&gt;→&lt;html&gt;→&lt;document</a:t>
-            </a:r>
-            <a:r>
-              <a:rPr lang="en-US" altLang="zh-CN" dirty="0" smtClean="0"/>
-              <a:t>&gt;</a:t>
-            </a:r>
-          </a:p>
-          <a:p>
-            <a:r>
-              <a:rPr lang="zh-CN" altLang="en-US" dirty="0" smtClean="0"/>
-              <a:t>阻止事件冒泡</a:t>
-            </a:r>
-            <a:endParaRPr lang="en-US" altLang="zh-CN" dirty="0" smtClean="0"/>
-          </a:p>
-          <a:p>
-            <a:pPr marL="0" indent="0">
-              <a:buNone/>
-            </a:pPr>
-            <a:r>
-              <a:rPr lang="zh-CN" altLang="en-US" b="1" dirty="0"/>
-              <a:t>方式一：</a:t>
-            </a:r>
-            <a:r>
-              <a:rPr lang="en-US" altLang="zh-CN" b="1" dirty="0" err="1"/>
-              <a:t>event.stopPropagation</a:t>
-            </a:r>
-            <a:r>
-              <a:rPr lang="en-US" altLang="zh-CN" b="1" dirty="0" smtClean="0"/>
-              <a:t>();</a:t>
-            </a:r>
-          </a:p>
-          <a:p>
-            <a:pPr marL="0" indent="0">
-              <a:buNone/>
-            </a:pPr>
-            <a:r>
-              <a:rPr lang="zh-CN" altLang="en-US" b="1" dirty="0"/>
-              <a:t>方式二：</a:t>
-            </a:r>
-            <a:r>
-              <a:rPr lang="en-US" altLang="zh-CN" b="1" dirty="0"/>
-              <a:t>return false;</a:t>
-            </a:r>
-            <a:endParaRPr lang="zh-CN" altLang="en-US" dirty="0"/>
+            <a:r>
+              <a:rPr lang="en-US" altLang="zh-CN" sz="3200" dirty="0"/>
+              <a:t>$(selector).on(</a:t>
+            </a:r>
+            <a:r>
+              <a:rPr lang="en-US" altLang="zh-CN" sz="3200" dirty="0" err="1"/>
+              <a:t>event,childSelector,data,function</a:t>
+            </a:r>
+            <a:r>
+              <a:rPr lang="en-US" altLang="zh-CN" sz="3200" dirty="0" smtClean="0"/>
+              <a:t>)</a:t>
+            </a:r>
+          </a:p>
+          <a:p>
+            <a:r>
+              <a:rPr lang="en-US" altLang="zh-CN" sz="3200" dirty="0" smtClean="0"/>
+              <a:t>selector  </a:t>
+            </a:r>
+            <a:r>
+              <a:rPr lang="zh-CN" altLang="en-US" sz="3200" dirty="0" smtClean="0"/>
+              <a:t>为当前文档上存在的元素</a:t>
+            </a:r>
+            <a:endParaRPr lang="en-US" altLang="zh-CN" sz="3200" dirty="0" smtClean="0"/>
+          </a:p>
+          <a:p>
+            <a:r>
+              <a:rPr lang="en-US" altLang="zh-CN" sz="3200" dirty="0" smtClean="0"/>
+              <a:t>event</a:t>
+            </a:r>
+            <a:r>
+              <a:rPr lang="en-US" altLang="zh-CN" sz="3200" dirty="0"/>
+              <a:t>	</a:t>
+            </a:r>
+            <a:r>
+              <a:rPr lang="zh-CN" altLang="en-US" sz="3200" dirty="0"/>
+              <a:t>必需。规定要从被选元素移除的一个或多个事件或命名空间</a:t>
+            </a:r>
+            <a:r>
+              <a:rPr lang="zh-CN" altLang="en-US" sz="3200" dirty="0" smtClean="0"/>
+              <a:t>。</a:t>
+            </a:r>
+            <a:endParaRPr lang="zh-CN" altLang="en-US" sz="3200" dirty="0"/>
+          </a:p>
+          <a:p>
+            <a:r>
+              <a:rPr lang="zh-CN" altLang="en-US" sz="3200" dirty="0"/>
+              <a:t>由空格分隔多个事件值，也可以是数组。必须是有效的事件。</a:t>
+            </a:r>
+          </a:p>
+          <a:p>
+            <a:r>
+              <a:rPr lang="en-US" altLang="zh-CN" sz="3200" dirty="0" err="1"/>
+              <a:t>childSelector</a:t>
+            </a:r>
+            <a:r>
+              <a:rPr lang="en-US" altLang="zh-CN" sz="3200" dirty="0"/>
+              <a:t>	</a:t>
+            </a:r>
+            <a:r>
+              <a:rPr lang="zh-CN" altLang="en-US" sz="3200" dirty="0"/>
+              <a:t>可选。规定只能添加到指定的子元素上的事件处理程序（且不是选择器本身，比如已废弃的 </a:t>
+            </a:r>
+            <a:r>
+              <a:rPr lang="en-US" altLang="zh-CN" sz="3200" dirty="0"/>
+              <a:t>delegate() </a:t>
+            </a:r>
+            <a:r>
+              <a:rPr lang="zh-CN" altLang="en-US" sz="3200" dirty="0"/>
+              <a:t>方法）。</a:t>
+            </a:r>
+          </a:p>
+          <a:p>
+            <a:r>
+              <a:rPr lang="en-US" altLang="zh-CN" sz="3200" dirty="0"/>
+              <a:t>data	</a:t>
+            </a:r>
+            <a:r>
+              <a:rPr lang="zh-CN" altLang="en-US" sz="3200" dirty="0"/>
+              <a:t>可选。规定传递到函数的额外数据。</a:t>
+            </a:r>
+          </a:p>
+          <a:p>
+            <a:r>
+              <a:rPr lang="en-US" altLang="zh-CN" sz="3200" dirty="0"/>
+              <a:t>function	</a:t>
+            </a:r>
+            <a:r>
+              <a:rPr lang="zh-CN" altLang="en-US" sz="3200" dirty="0"/>
+              <a:t>可选。规定当事件发生时运行的函数</a:t>
+            </a:r>
+            <a:r>
+              <a:rPr lang="zh-CN" altLang="en-US" sz="3200" dirty="0" smtClean="0"/>
+              <a:t>。</a:t>
+            </a:r>
+            <a:endParaRPr lang="en-US" altLang="zh-CN" sz="3200" dirty="0" smtClean="0"/>
+          </a:p>
+          <a:p>
+            <a:r>
+              <a:rPr lang="zh-CN" altLang="en-US" sz="2800" dirty="0"/>
+              <a:t>如需移除事件处理程序，请使用 </a:t>
+            </a:r>
+            <a:r>
+              <a:rPr lang="en-US" altLang="zh-CN" sz="2800" dirty="0" smtClean="0"/>
+              <a:t>off()</a:t>
+            </a:r>
+            <a:r>
+              <a:rPr lang="zh-CN" altLang="en-US" sz="2800" dirty="0" smtClean="0"/>
+              <a:t>方法</a:t>
+            </a:r>
+            <a:r>
+              <a:rPr lang="zh-CN" altLang="en-US" sz="2800" dirty="0"/>
+              <a:t>。</a:t>
+            </a:r>
+            <a:endParaRPr lang="en-US" altLang="zh-CN" sz="3200" dirty="0" smtClean="0"/>
+          </a:p>
+          <a:p>
+            <a:endParaRPr lang="zh-CN" altLang="en-US" sz="3200" dirty="0"/>
           </a:p>
         </p:txBody>
       </p:sp>
     </p:spTree>
     <p:extLst>
       <p:ext uri="{BB962C8B-B14F-4D97-AF65-F5344CB8AC3E}">
-        <p14:creationId xmlns:p14="http://schemas.microsoft.com/office/powerpoint/2010/main" val="573899097"/>
+        <p14:creationId xmlns:p14="http://schemas.microsoft.com/office/powerpoint/2010/main" val="4098001620"/>
       </p:ext>
     </p:extLst>
   </p:cSld>
@@ -11035,8 +11293,8 @@
           <a:lstStyle/>
           <a:p>
             <a:r>
-              <a:rPr lang="en-US" altLang="zh-CN" dirty="0"/>
-              <a:t>AJAX</a:t>
+              <a:rPr lang="zh-CN" altLang="en-US" dirty="0" smtClean="0"/>
+              <a:t>事件冒泡</a:t>
             </a:r>
             <a:endParaRPr lang="zh-CN" altLang="en-US" dirty="0"/>
           </a:p>
@@ -11055,43 +11313,16 @@
         <p:spPr/>
         <p:txBody>
           <a:bodyPr>
-            <a:normAutofit fontScale="85000" lnSpcReduction="20000"/>
+            <a:normAutofit fontScale="77500" lnSpcReduction="20000"/>
           </a:bodyPr>
           <a:lstStyle/>
-          <a:p>
-            <a:r>
-              <a:rPr lang="en-US" altLang="zh-CN" dirty="0"/>
-              <a:t>AJAX </a:t>
-            </a:r>
-            <a:r>
-              <a:rPr lang="zh-CN" altLang="en-US" dirty="0"/>
-              <a:t>是一种与服务器交换数据的</a:t>
-            </a:r>
-            <a:r>
-              <a:rPr lang="zh-CN" altLang="en-US" dirty="0" smtClean="0"/>
-              <a:t>技术，后台写好服务，前端访问</a:t>
-            </a:r>
-            <a:r>
-              <a:rPr lang="zh-CN" altLang="en-US" dirty="0" smtClean="0"/>
-              <a:t>服务</a:t>
-            </a:r>
-            <a:endParaRPr lang="en-US" altLang="zh-CN" dirty="0" smtClean="0"/>
-          </a:p>
           <a:p>
             <a:pPr marL="0" indent="0">
               <a:buNone/>
             </a:pPr>
             <a:r>
-              <a:rPr lang="en-US" altLang="zh-CN" dirty="0" smtClean="0"/>
-              <a:t>$.get(</a:t>
-            </a:r>
-            <a:r>
-              <a:rPr lang="en-US" altLang="zh-CN" dirty="0" err="1" smtClean="0"/>
-              <a:t>url</a:t>
-            </a:r>
-            <a:r>
-              <a:rPr lang="en-US" altLang="zh-CN" dirty="0" smtClean="0"/>
-              <a:t>)</a:t>
+              <a:rPr lang="en-US" altLang="zh-CN" sz="2300" b="1" dirty="0"/>
+              <a:t>&lt;body&gt;</a:t>
             </a:r>
           </a:p>
           <a:p>
@@ -11099,26 +11330,90 @@
               <a:buNone/>
             </a:pPr>
             <a:r>
-              <a:rPr lang="en-US" altLang="zh-CN" dirty="0" smtClean="0"/>
-              <a:t>  .done(function (response) {}) 	// </a:t>
-            </a:r>
-            <a:r>
-              <a:rPr lang="zh-CN" altLang="en-US" dirty="0" smtClean="0"/>
-              <a:t>请求正常后调用</a:t>
-            </a:r>
-            <a:endParaRPr lang="en-US" altLang="zh-CN" dirty="0" smtClean="0"/>
+              <a:rPr lang="en-US" altLang="zh-CN" sz="2300" b="1" dirty="0"/>
+              <a:t>    &lt;</a:t>
+            </a:r>
+            <a:r>
+              <a:rPr lang="en-US" altLang="zh-CN" sz="2300" b="1" dirty="0" smtClean="0"/>
+              <a:t>button&gt;</a:t>
+            </a:r>
+            <a:r>
+              <a:rPr lang="zh-CN" altLang="en-US" sz="2300" b="1" dirty="0" smtClean="0"/>
+              <a:t>点击</a:t>
+            </a:r>
+            <a:r>
+              <a:rPr lang="zh-CN" altLang="en-US" sz="2300" b="1" dirty="0"/>
+              <a:t>一下</a:t>
+            </a:r>
+            <a:r>
+              <a:rPr lang="en-US" altLang="zh-CN" sz="2300" b="1" dirty="0"/>
+              <a:t>&lt;/button&gt;</a:t>
+            </a:r>
           </a:p>
           <a:p>
             <a:pPr marL="0" indent="0">
               <a:buNone/>
             </a:pPr>
             <a:r>
+              <a:rPr lang="en-US" altLang="zh-CN" sz="2300" b="1" dirty="0"/>
+              <a:t>&lt;/body</a:t>
+            </a:r>
+            <a:r>
+              <a:rPr lang="en-US" altLang="zh-CN" sz="2300" b="1" dirty="0" smtClean="0"/>
+              <a:t>&gt;</a:t>
+            </a:r>
+            <a:endParaRPr lang="en-US" altLang="zh-CN" dirty="0" smtClean="0"/>
+          </a:p>
+          <a:p>
+            <a:r>
+              <a:rPr lang="zh-CN" altLang="en-US" dirty="0" smtClean="0"/>
+              <a:t>事件</a:t>
+            </a:r>
+            <a:r>
+              <a:rPr lang="zh-CN" altLang="en-US" dirty="0"/>
+              <a:t>会沿着</a:t>
+            </a:r>
+            <a:r>
+              <a:rPr lang="en-US" altLang="zh-CN" dirty="0"/>
+              <a:t>DOM</a:t>
+            </a:r>
+            <a:r>
+              <a:rPr lang="zh-CN" altLang="en-US" dirty="0"/>
+              <a:t>树向上传播，在每一个</a:t>
+            </a:r>
+            <a:r>
+              <a:rPr lang="en-US" altLang="zh-CN" dirty="0"/>
+              <a:t>DOM</a:t>
+            </a:r>
+            <a:r>
+              <a:rPr lang="zh-CN" altLang="en-US" dirty="0"/>
+              <a:t>节点上都会发生，一直传播到</a:t>
+            </a:r>
+            <a:r>
               <a:rPr lang="en-US" altLang="zh-CN" dirty="0" smtClean="0"/>
-              <a:t>  .fail(function (error) { }) 	// </a:t>
+              <a:t>document</a:t>
             </a:r>
             <a:r>
               <a:rPr lang="zh-CN" altLang="en-US" dirty="0" smtClean="0"/>
-              <a:t>请求失败后调用</a:t>
+              <a:t>，上例对象</a:t>
+            </a:r>
+            <a:r>
+              <a:rPr lang="zh-CN" altLang="en-US" dirty="0"/>
+              <a:t>事件传播方向：</a:t>
+            </a:r>
+            <a:r>
+              <a:rPr lang="en-US" altLang="zh-CN" dirty="0"/>
+              <a:t>&lt;button&gt;→&lt;body&gt;→&lt;html&gt;→&lt;document</a:t>
+            </a:r>
+            <a:r>
+              <a:rPr lang="en-US" altLang="zh-CN" dirty="0" smtClean="0"/>
+              <a:t>&gt;</a:t>
+            </a:r>
+          </a:p>
+          <a:p>
+            <a:r>
+              <a:rPr lang="zh-CN" altLang="en-US" dirty="0" smtClean="0"/>
+              <a:t>阻止事件冒泡</a:t>
             </a:r>
             <a:endParaRPr lang="en-US" altLang="zh-CN" dirty="0" smtClean="0"/>
           </a:p>
@@ -11127,68 +11422,38 @@
               <a:buNone/>
             </a:pPr>
             <a:r>
-              <a:rPr lang="en-US" altLang="zh-CN" dirty="0" smtClean="0"/>
-              <a:t>  .always(function (</a:t>
-            </a:r>
-            <a:r>
-              <a:rPr lang="en-US" altLang="zh-CN" dirty="0"/>
-              <a:t>response</a:t>
-            </a:r>
-            <a:r>
-              <a:rPr lang="en-US" altLang="zh-CN" dirty="0" smtClean="0"/>
-              <a:t>) { });	// </a:t>
-            </a:r>
-            <a:r>
-              <a:rPr lang="zh-CN" altLang="en-US" dirty="0" smtClean="0"/>
-              <a:t>请求后调用</a:t>
-            </a:r>
-            <a:endParaRPr lang="en-US" altLang="zh-CN" dirty="0" smtClean="0"/>
+              <a:rPr lang="zh-CN" altLang="en-US" b="1" dirty="0"/>
+              <a:t>方式一：</a:t>
+            </a:r>
+            <a:r>
+              <a:rPr lang="en-US" altLang="zh-CN" b="1" dirty="0" err="1"/>
+              <a:t>event.stopPropagation</a:t>
+            </a:r>
+            <a:r>
+              <a:rPr lang="en-US" altLang="zh-CN" b="1" dirty="0" smtClean="0"/>
+              <a:t>();</a:t>
+            </a:r>
           </a:p>
           <a:p>
             <a:pPr marL="0" indent="0">
               <a:buNone/>
             </a:pPr>
-            <a:endParaRPr lang="en-US" altLang="zh-CN" dirty="0"/>
-          </a:p>
-          <a:p>
-            <a:pPr marL="0" indent="0">
-              <a:buNone/>
-            </a:pPr>
-            <a:r>
-              <a:rPr lang="en-US" altLang="zh-CN" dirty="0"/>
-              <a:t>$.</a:t>
-            </a:r>
-            <a:r>
-              <a:rPr lang="en-US" altLang="zh-CN" dirty="0" smtClean="0"/>
-              <a:t>post(</a:t>
-            </a:r>
-            <a:r>
-              <a:rPr lang="en-US" altLang="zh-CN" dirty="0" err="1" smtClean="0"/>
-              <a:t>url</a:t>
-            </a:r>
-            <a:r>
-              <a:rPr lang="en-US" altLang="zh-CN" dirty="0" smtClean="0"/>
-              <a:t>, </a:t>
-            </a:r>
-            <a:r>
-              <a:rPr lang="en-US" altLang="zh-CN" dirty="0"/>
-              <a:t>data).done(function </a:t>
-            </a:r>
-            <a:r>
-              <a:rPr lang="en-US" altLang="zh-CN" dirty="0" smtClean="0"/>
-              <a:t>(response) {});</a:t>
-            </a:r>
-            <a:endParaRPr lang="en-US" altLang="zh-CN" dirty="0"/>
-          </a:p>
-          <a:p>
-            <a:endParaRPr lang="en-US" altLang="zh-CN" dirty="0" smtClean="0"/>
+            <a:r>
+              <a:rPr lang="zh-CN" altLang="en-US" b="1" dirty="0"/>
+              <a:t>方式二：</a:t>
+            </a:r>
+            <a:r>
+              <a:rPr lang="en-US" altLang="zh-CN" b="1" dirty="0"/>
+              <a:t>return false;</a:t>
+            </a:r>
+            <a:endParaRPr lang="zh-CN" altLang="en-US" dirty="0"/>
           </a:p>
         </p:txBody>
       </p:sp>
     </p:spTree>
     <p:extLst>
       <p:ext uri="{BB962C8B-B14F-4D97-AF65-F5344CB8AC3E}">
-        <p14:creationId xmlns:p14="http://schemas.microsoft.com/office/powerpoint/2010/main" val="672275861"/>
+        <p14:creationId xmlns:p14="http://schemas.microsoft.com/office/powerpoint/2010/main" val="573899097"/>
       </p:ext>
     </p:extLst>
   </p:cSld>
@@ -11234,6 +11499,201 @@
           <a:lstStyle/>
           <a:p>
             <a:r>
+              <a:rPr lang="en-US" altLang="zh-CN" dirty="0"/>
+              <a:t>AJAX</a:t>
+            </a:r>
+            <a:endParaRPr lang="zh-CN" altLang="en-US" dirty="0"/>
+          </a:p>
+        </p:txBody>
+      </p:sp>
+      <p:sp>
+        <p:nvSpPr>
+          <p:cNvPr id="3" name="副标题 2"/>
+          <p:cNvSpPr>
+            <a:spLocks noGrp="1"/>
+          </p:cNvSpPr>
+          <p:nvPr>
+            <p:ph type="subTitle" idx="1"/>
+          </p:nvPr>
+        </p:nvSpPr>
+        <p:spPr/>
+        <p:txBody>
+          <a:bodyPr>
+            <a:normAutofit fontScale="85000" lnSpcReduction="20000"/>
+          </a:bodyPr>
+          <a:lstStyle/>
+          <a:p>
+            <a:r>
+              <a:rPr lang="en-US" altLang="zh-CN" dirty="0"/>
+              <a:t>AJAX </a:t>
+            </a:r>
+            <a:r>
+              <a:rPr lang="zh-CN" altLang="en-US" dirty="0"/>
+              <a:t>是一种与服务器交换数据的</a:t>
+            </a:r>
+            <a:r>
+              <a:rPr lang="zh-CN" altLang="en-US" dirty="0" smtClean="0"/>
+              <a:t>技术，后台写好服务，前端访问服务</a:t>
+            </a:r>
+            <a:endParaRPr lang="en-US" altLang="zh-CN" dirty="0" smtClean="0"/>
+          </a:p>
+          <a:p>
+            <a:pPr marL="0" indent="0">
+              <a:buNone/>
+            </a:pPr>
+            <a:r>
+              <a:rPr lang="en-US" altLang="zh-CN" dirty="0" smtClean="0"/>
+              <a:t>$.get(</a:t>
+            </a:r>
+            <a:r>
+              <a:rPr lang="en-US" altLang="zh-CN" dirty="0" err="1" smtClean="0"/>
+              <a:t>url</a:t>
+            </a:r>
+            <a:r>
+              <a:rPr lang="en-US" altLang="zh-CN" dirty="0" smtClean="0"/>
+              <a:t>)</a:t>
+            </a:r>
+          </a:p>
+          <a:p>
+            <a:pPr marL="0" indent="0">
+              <a:buNone/>
+            </a:pPr>
+            <a:r>
+              <a:rPr lang="en-US" altLang="zh-CN" dirty="0" smtClean="0"/>
+              <a:t>  .done(function (response) {}) 	// </a:t>
+            </a:r>
+            <a:r>
+              <a:rPr lang="zh-CN" altLang="en-US" dirty="0" smtClean="0"/>
+              <a:t>请求正常后调用</a:t>
+            </a:r>
+            <a:endParaRPr lang="en-US" altLang="zh-CN" dirty="0" smtClean="0"/>
+          </a:p>
+          <a:p>
+            <a:pPr marL="0" indent="0">
+              <a:buNone/>
+            </a:pPr>
+            <a:r>
+              <a:rPr lang="en-US" altLang="zh-CN" dirty="0" smtClean="0"/>
+              <a:t>  .fail(function (error) { }) 	// </a:t>
+            </a:r>
+            <a:r>
+              <a:rPr lang="zh-CN" altLang="en-US" dirty="0" smtClean="0"/>
+              <a:t>请求失败后调用</a:t>
+            </a:r>
+            <a:endParaRPr lang="en-US" altLang="zh-CN" dirty="0" smtClean="0"/>
+          </a:p>
+          <a:p>
+            <a:pPr marL="0" indent="0">
+              <a:buNone/>
+            </a:pPr>
+            <a:r>
+              <a:rPr lang="en-US" altLang="zh-CN" dirty="0" smtClean="0"/>
+              <a:t>  .always(function (</a:t>
+            </a:r>
+            <a:r>
+              <a:rPr lang="en-US" altLang="zh-CN" dirty="0"/>
+              <a:t>response</a:t>
+            </a:r>
+            <a:r>
+              <a:rPr lang="en-US" altLang="zh-CN" dirty="0" smtClean="0"/>
+              <a:t>) { });	// </a:t>
+            </a:r>
+            <a:r>
+              <a:rPr lang="zh-CN" altLang="en-US" dirty="0" smtClean="0"/>
+              <a:t>请求后调用</a:t>
+            </a:r>
+            <a:endParaRPr lang="en-US" altLang="zh-CN" dirty="0" smtClean="0"/>
+          </a:p>
+          <a:p>
+            <a:pPr marL="0" indent="0">
+              <a:buNone/>
+            </a:pPr>
+            <a:endParaRPr lang="en-US" altLang="zh-CN" dirty="0"/>
+          </a:p>
+          <a:p>
+            <a:pPr marL="0" indent="0">
+              <a:buNone/>
+            </a:pPr>
+            <a:r>
+              <a:rPr lang="en-US" altLang="zh-CN" dirty="0"/>
+              <a:t>$.</a:t>
+            </a:r>
+            <a:r>
+              <a:rPr lang="en-US" altLang="zh-CN" dirty="0" smtClean="0"/>
+              <a:t>post(</a:t>
+            </a:r>
+            <a:r>
+              <a:rPr lang="en-US" altLang="zh-CN" dirty="0" err="1" smtClean="0"/>
+              <a:t>url</a:t>
+            </a:r>
+            <a:r>
+              <a:rPr lang="en-US" altLang="zh-CN" dirty="0" smtClean="0"/>
+              <a:t>, </a:t>
+            </a:r>
+            <a:r>
+              <a:rPr lang="en-US" altLang="zh-CN" dirty="0"/>
+              <a:t>data).done(function </a:t>
+            </a:r>
+            <a:r>
+              <a:rPr lang="en-US" altLang="zh-CN" dirty="0" smtClean="0"/>
+              <a:t>(response) {});</a:t>
+            </a:r>
+            <a:endParaRPr lang="en-US" altLang="zh-CN" dirty="0"/>
+          </a:p>
+          <a:p>
+            <a:endParaRPr lang="en-US" altLang="zh-CN" dirty="0" smtClean="0"/>
+          </a:p>
+        </p:txBody>
+      </p:sp>
+    </p:spTree>
+    <p:extLst>
+      <p:ext uri="{BB962C8B-B14F-4D97-AF65-F5344CB8AC3E}">
+        <p14:creationId xmlns:p14="http://schemas.microsoft.com/office/powerpoint/2010/main" val="672275861"/>
+      </p:ext>
+    </p:extLst>
+  </p:cSld>
+  <p:clrMapOvr>
+    <a:masterClrMapping/>
+  </p:clrMapOvr>
+  <p:transition>
+    <p:wipe dir="r"/>
+  </p:transition>
+</p:sld>
+</file>
+
+<file path=ppt/slides/slide29.xml><?xml version="1.0" encoding="utf-8"?>
+<p:sld xmlns:a="http://schemas.openxmlformats.org/drawingml/2006/main" xmlns:r="http://schemas.openxmlformats.org/officeDocument/2006/relationships" xmlns:p="http://schemas.openxmlformats.org/presentationml/2006/main">
+  <p:cSld>
+    <p:spTree>
+      <p:nvGrpSpPr>
+        <p:cNvPr id="1" name=""/>
+        <p:cNvGrpSpPr/>
+        <p:nvPr/>
+      </p:nvGrpSpPr>
+      <p:grpSpPr>
+        <a:xfrm>
+          <a:off x="0" y="0"/>
+          <a:ext cx="0" cy="0"/>
+          <a:chOff x="0" y="0"/>
+          <a:chExt cx="0" cy="0"/>
+        </a:xfrm>
+      </p:grpSpPr>
+      <p:sp>
+        <p:nvSpPr>
+          <p:cNvPr id="2" name="标题 1"/>
+          <p:cNvSpPr>
+            <a:spLocks noGrp="1"/>
+          </p:cNvSpPr>
+          <p:nvPr>
+            <p:ph type="ctrTitle"/>
+          </p:nvPr>
+        </p:nvSpPr>
+        <p:spPr/>
+        <p:txBody>
+          <a:bodyPr/>
+          <a:lstStyle/>
+          <a:p>
+            <a:r>
               <a:rPr lang="en-US" altLang="zh-CN" dirty="0" smtClean="0"/>
               <a:t>AJAX</a:t>
             </a:r>
@@ -11304,23 +11764,7 @@
             <a:pPr fontAlgn="t"/>
             <a:r>
               <a:rPr lang="zh-CN" altLang="en-US" dirty="0" smtClean="0"/>
-              <a:t>部分浏览器可以访问跨域请求，但是浏览器存在于客户端</a:t>
-            </a:r>
-            <a:r>
-              <a:rPr lang="zh-CN" altLang="en-US" dirty="0" smtClean="0"/>
-              <a:t>，且数量</a:t>
-            </a:r>
-            <a:r>
-              <a:rPr lang="zh-CN" altLang="en-US" dirty="0" smtClean="0"/>
-              <a:t>众多，所以一般</a:t>
-            </a:r>
-            <a:r>
-              <a:rPr lang="zh-CN" altLang="en-US" dirty="0" smtClean="0"/>
-              <a:t>不会采用</a:t>
-            </a:r>
-            <a:r>
-              <a:rPr lang="zh-CN" altLang="en-US" dirty="0" smtClean="0"/>
-              <a:t>该方法</a:t>
+              <a:t>部分浏览器可以访问跨域请求，但是浏览器存在于客户端，且数量众多，所以一般不会采用该方法</a:t>
             </a:r>
             <a:endParaRPr lang="en-US" altLang="zh-CN" dirty="0" smtClean="0"/>
           </a:p>
@@ -11376,7 +11820,126 @@
 </p:sld>
 </file>
 
-<file path=ppt/slides/slide29.xml><?xml version="1.0" encoding="utf-8"?>
+<file path=ppt/slides/slide3.xml><?xml version="1.0" encoding="utf-8"?>
+<p:sld xmlns:a="http://schemas.openxmlformats.org/drawingml/2006/main" xmlns:r="http://schemas.openxmlformats.org/officeDocument/2006/relationships" xmlns:p="http://schemas.openxmlformats.org/presentationml/2006/main">
+  <p:cSld>
+    <p:spTree>
+      <p:nvGrpSpPr>
+        <p:cNvPr id="1" name=""/>
+        <p:cNvGrpSpPr/>
+        <p:nvPr/>
+      </p:nvGrpSpPr>
+      <p:grpSpPr>
+        <a:xfrm>
+          <a:off x="0" y="0"/>
+          <a:ext cx="0" cy="0"/>
+          <a:chOff x="0" y="0"/>
+          <a:chExt cx="0" cy="0"/>
+        </a:xfrm>
+      </p:grpSpPr>
+      <p:sp>
+        <p:nvSpPr>
+          <p:cNvPr id="4" name="标题 3"/>
+          <p:cNvSpPr>
+            <a:spLocks noGrp="1"/>
+          </p:cNvSpPr>
+          <p:nvPr>
+            <p:ph type="ctrTitle"/>
+          </p:nvPr>
+        </p:nvSpPr>
+        <p:spPr/>
+        <p:txBody>
+          <a:bodyPr>
+            <a:normAutofit/>
+          </a:bodyPr>
+          <a:lstStyle/>
+          <a:p>
+            <a:r>
+              <a:rPr dirty="0">
+                <a:sym typeface="+mn-ea"/>
+              </a:rPr>
+              <a:t>ECMAScript</a:t>
+            </a:r>
+            <a:r>
+              <a:rPr lang="zh-CN" dirty="0">
+                <a:sym typeface="+mn-ea"/>
+              </a:rPr>
+              <a:t>标准</a:t>
+            </a:r>
+          </a:p>
+        </p:txBody>
+      </p:sp>
+      <p:sp>
+        <p:nvSpPr>
+          <p:cNvPr id="5" name="副标题 4"/>
+          <p:cNvSpPr>
+            <a:spLocks noGrp="1"/>
+          </p:cNvSpPr>
+          <p:nvPr>
+            <p:ph type="subTitle" idx="1"/>
+          </p:nvPr>
+        </p:nvSpPr>
+        <p:spPr/>
+        <p:txBody>
+          <a:bodyPr>
+            <a:normAutofit lnSpcReduction="10000"/>
+          </a:bodyPr>
+          <a:lstStyle/>
+          <a:p>
+            <a:pPr>
+              <a:lnSpc>
+                <a:spcPct val="130000"/>
+              </a:lnSpc>
+            </a:pPr>
+            <a:r>
+              <a:rPr lang="en-US" altLang="zh-CN" sz="3600" dirty="0">
+                <a:sym typeface="+mn-ea"/>
+              </a:rPr>
+              <a:t>1997 年，JavaScript 1.1 作为一个草案提交给欧洲计算机制造商协会（ECMA）</a:t>
+            </a:r>
+            <a:r>
+              <a:rPr lang="zh-CN" altLang="en-US" sz="3600" dirty="0">
+                <a:sym typeface="+mn-ea"/>
+              </a:rPr>
+              <a:t>，由来自 Netscape、Sun、微软、Borland 和其他一些对脚本编程感兴趣的公司的程序员组成的 TC39 锤炼出了 ECMA-262，该标准定义了名为 ECMAScript 的全新脚本语言。从此，Web 浏览器就开始努力将 ECMAScript 作为 JavaScript 实现的基础。</a:t>
+            </a:r>
+          </a:p>
+          <a:p>
+            <a:pPr marL="285750" lvl="0" indent="-285750" eaLnBrk="1" hangingPunct="1">
+              <a:lnSpc>
+                <a:spcPct val="100000"/>
+              </a:lnSpc>
+              <a:spcBef>
+                <a:spcPct val="0"/>
+              </a:spcBef>
+              <a:buFont typeface="Wingdings" panose="05000000000000000000" pitchFamily="2" charset="2"/>
+              <a:buChar char="Ø"/>
+            </a:pPr>
+            <a:endParaRPr lang="zh-CN" altLang="en-US" sz="3600" dirty="0">
+              <a:sym typeface="+mn-ea"/>
+            </a:endParaRPr>
+          </a:p>
+        </p:txBody>
+      </p:sp>
+    </p:spTree>
+  </p:cSld>
+  <p:clrMapOvr>
+    <a:masterClrMapping/>
+  </p:clrMapOvr>
+  <p:transition>
+    <p:wipe dir="r"/>
+  </p:transition>
+  <p:timing>
+    <p:tnLst>
+      <p:par>
+        <p:cTn id="1" dur="indefinite" restart="never" nodeType="tmRoot"/>
+      </p:par>
+    </p:tnLst>
+  </p:timing>
+</p:sld>
+</file>
+
+<file path=ppt/slides/slide30.xml><?xml version="1.0" encoding="utf-8"?>
 <p:sld xmlns:a="http://schemas.openxmlformats.org/drawingml/2006/main" xmlns:r="http://schemas.openxmlformats.org/officeDocument/2006/relationships" xmlns:p="http://schemas.openxmlformats.org/presentationml/2006/main">
   <p:cSld>
     <p:spTree>
@@ -13158,125 +13721,6 @@
 </p:sld>
 </file>
 
-<file path=ppt/slides/slide3.xml><?xml version="1.0" encoding="utf-8"?>
-<p:sld xmlns:a="http://schemas.openxmlformats.org/drawingml/2006/main" xmlns:r="http://schemas.openxmlformats.org/officeDocument/2006/relationships" xmlns:p="http://schemas.openxmlformats.org/presentationml/2006/main">
-  <p:cSld>
-    <p:spTree>
-      <p:nvGrpSpPr>
-        <p:cNvPr id="1" name=""/>
-        <p:cNvGrpSpPr/>
-        <p:nvPr/>
-      </p:nvGrpSpPr>
-      <p:grpSpPr>
-        <a:xfrm>
-          <a:off x="0" y="0"/>
-          <a:ext cx="0" cy="0"/>
-          <a:chOff x="0" y="0"/>
-          <a:chExt cx="0" cy="0"/>
-        </a:xfrm>
-      </p:grpSpPr>
-      <p:sp>
-        <p:nvSpPr>
-          <p:cNvPr id="4" name="标题 3"/>
-          <p:cNvSpPr>
-            <a:spLocks noGrp="1"/>
-          </p:cNvSpPr>
-          <p:nvPr>
-            <p:ph type="ctrTitle"/>
-          </p:nvPr>
-        </p:nvSpPr>
-        <p:spPr/>
-        <p:txBody>
-          <a:bodyPr>
-            <a:normAutofit/>
-          </a:bodyPr>
-          <a:lstStyle/>
-          <a:p>
-            <a:r>
-              <a:rPr dirty="0">
-                <a:sym typeface="+mn-ea"/>
-              </a:rPr>
-              <a:t>ECMAScript</a:t>
-            </a:r>
-            <a:r>
-              <a:rPr lang="zh-CN" dirty="0">
-                <a:sym typeface="+mn-ea"/>
-              </a:rPr>
-              <a:t>标准</a:t>
-            </a:r>
-          </a:p>
-        </p:txBody>
-      </p:sp>
-      <p:sp>
-        <p:nvSpPr>
-          <p:cNvPr id="5" name="副标题 4"/>
-          <p:cNvSpPr>
-            <a:spLocks noGrp="1"/>
-          </p:cNvSpPr>
-          <p:nvPr>
-            <p:ph type="subTitle" idx="1"/>
-          </p:nvPr>
-        </p:nvSpPr>
-        <p:spPr/>
-        <p:txBody>
-          <a:bodyPr>
-            <a:normAutofit lnSpcReduction="10000"/>
-          </a:bodyPr>
-          <a:lstStyle/>
-          <a:p>
-            <a:pPr>
-              <a:lnSpc>
-                <a:spcPct val="130000"/>
-              </a:lnSpc>
-            </a:pPr>
-            <a:r>
-              <a:rPr lang="en-US" altLang="zh-CN" sz="3600" dirty="0">
-                <a:sym typeface="+mn-ea"/>
-              </a:rPr>
-              <a:t>1997 年，JavaScript 1.1 作为一个草案提交给欧洲计算机制造商协会（ECMA）</a:t>
-            </a:r>
-            <a:r>
-              <a:rPr lang="zh-CN" altLang="en-US" sz="3600" dirty="0">
-                <a:sym typeface="+mn-ea"/>
-              </a:rPr>
-              <a:t>，由来自 Netscape、Sun、微软、Borland 和其他一些对脚本编程感兴趣的公司的程序员组成的 TC39 锤炼出了 ECMA-262，该标准定义了名为 ECMAScript 的全新脚本语言。从此，Web 浏览器就开始努力将 ECMAScript 作为 JavaScript 实现的基础。</a:t>
-            </a:r>
-          </a:p>
-          <a:p>
-            <a:pPr marL="285750" lvl="0" indent="-285750" eaLnBrk="1" hangingPunct="1">
-              <a:lnSpc>
-                <a:spcPct val="100000"/>
-              </a:lnSpc>
-              <a:spcBef>
-                <a:spcPct val="0"/>
-              </a:spcBef>
-              <a:buFont typeface="Wingdings" panose="05000000000000000000" pitchFamily="2" charset="2"/>
-              <a:buChar char="Ø"/>
-            </a:pPr>
-            <a:endParaRPr lang="zh-CN" altLang="en-US" sz="3600" dirty="0">
-              <a:sym typeface="+mn-ea"/>
-            </a:endParaRPr>
-          </a:p>
-        </p:txBody>
-      </p:sp>
-    </p:spTree>
-  </p:cSld>
-  <p:clrMapOvr>
-    <a:masterClrMapping/>
-  </p:clrMapOvr>
-  <p:transition>
-    <p:wipe dir="r"/>
-  </p:transition>
-  <p:timing>
-    <p:tnLst>
-      <p:par>
-        <p:cTn id="1" dur="indefinite" restart="never" nodeType="tmRoot"/>
-      </p:par>
-    </p:tnLst>
-  </p:timing>
-</p:sld>
-</file>
-
 <file path=ppt/slides/slide4.xml><?xml version="1.0" encoding="utf-8"?>
 <p:sld xmlns:a="http://schemas.openxmlformats.org/drawingml/2006/main" xmlns:r="http://schemas.openxmlformats.org/officeDocument/2006/relationships" xmlns:p="http://schemas.openxmlformats.org/presentationml/2006/main">
   <p:cSld>
